--- a/DataChallengeAssessment.pptx
+++ b/DataChallengeAssessment.pptx
@@ -21,25 +21,24 @@
     <p:sldId id="268" r:id="rId15"/>
     <p:sldId id="269" r:id="rId16"/>
     <p:sldId id="291" r:id="rId17"/>
-    <p:sldId id="290" r:id="rId18"/>
-    <p:sldId id="271" r:id="rId19"/>
-    <p:sldId id="274" r:id="rId20"/>
-    <p:sldId id="275" r:id="rId21"/>
-    <p:sldId id="276" r:id="rId22"/>
-    <p:sldId id="279" r:id="rId23"/>
-    <p:sldId id="280" r:id="rId24"/>
-    <p:sldId id="278" r:id="rId25"/>
-    <p:sldId id="281" r:id="rId26"/>
-    <p:sldId id="284" r:id="rId27"/>
-    <p:sldId id="283" r:id="rId28"/>
-    <p:sldId id="285" r:id="rId29"/>
-    <p:sldId id="286" r:id="rId30"/>
-    <p:sldId id="287" r:id="rId31"/>
-    <p:sldId id="288" r:id="rId32"/>
-    <p:sldId id="292" r:id="rId33"/>
-    <p:sldId id="293" r:id="rId34"/>
-    <p:sldId id="294" r:id="rId35"/>
-    <p:sldId id="295" r:id="rId36"/>
+    <p:sldId id="271" r:id="rId18"/>
+    <p:sldId id="274" r:id="rId19"/>
+    <p:sldId id="275" r:id="rId20"/>
+    <p:sldId id="276" r:id="rId21"/>
+    <p:sldId id="298" r:id="rId22"/>
+    <p:sldId id="280" r:id="rId23"/>
+    <p:sldId id="278" r:id="rId24"/>
+    <p:sldId id="281" r:id="rId25"/>
+    <p:sldId id="284" r:id="rId26"/>
+    <p:sldId id="283" r:id="rId27"/>
+    <p:sldId id="285" r:id="rId28"/>
+    <p:sldId id="286" r:id="rId29"/>
+    <p:sldId id="287" r:id="rId30"/>
+    <p:sldId id="288" r:id="rId31"/>
+    <p:sldId id="292" r:id="rId32"/>
+    <p:sldId id="293" r:id="rId33"/>
+    <p:sldId id="294" r:id="rId34"/>
+    <p:sldId id="295" r:id="rId35"/>
   </p:sldIdLst>
   <p:sldSz cx="12192000" cy="6858000"/>
   <p:notesSz cx="6858000" cy="9144000"/>
@@ -277,7 +276,7 @@
           <a:p>
             <a:fld id="{50B4C186-BA76-44A6-AEF0-A52FEF08ED86}" type="datetimeFigureOut">
               <a:rPr lang="en-US" smtClean="0"/>
-              <a:t>12/25/2016</a:t>
+              <a:t>12/26/2016</a:t>
             </a:fld>
             <a:endParaRPr lang="en-US"/>
           </a:p>
@@ -447,7 +446,7 @@
           <a:p>
             <a:fld id="{50B4C186-BA76-44A6-AEF0-A52FEF08ED86}" type="datetimeFigureOut">
               <a:rPr lang="en-US" smtClean="0"/>
-              <a:t>12/25/2016</a:t>
+              <a:t>12/26/2016</a:t>
             </a:fld>
             <a:endParaRPr lang="en-US"/>
           </a:p>
@@ -627,7 +626,7 @@
           <a:p>
             <a:fld id="{50B4C186-BA76-44A6-AEF0-A52FEF08ED86}" type="datetimeFigureOut">
               <a:rPr lang="en-US" smtClean="0"/>
-              <a:t>12/25/2016</a:t>
+              <a:t>12/26/2016</a:t>
             </a:fld>
             <a:endParaRPr lang="en-US"/>
           </a:p>
@@ -797,7 +796,7 @@
           <a:p>
             <a:fld id="{50B4C186-BA76-44A6-AEF0-A52FEF08ED86}" type="datetimeFigureOut">
               <a:rPr lang="en-US" smtClean="0"/>
-              <a:t>12/25/2016</a:t>
+              <a:t>12/26/2016</a:t>
             </a:fld>
             <a:endParaRPr lang="en-US"/>
           </a:p>
@@ -1043,7 +1042,7 @@
           <a:p>
             <a:fld id="{50B4C186-BA76-44A6-AEF0-A52FEF08ED86}" type="datetimeFigureOut">
               <a:rPr lang="en-US" smtClean="0"/>
-              <a:t>12/25/2016</a:t>
+              <a:t>12/26/2016</a:t>
             </a:fld>
             <a:endParaRPr lang="en-US"/>
           </a:p>
@@ -1275,7 +1274,7 @@
           <a:p>
             <a:fld id="{50B4C186-BA76-44A6-AEF0-A52FEF08ED86}" type="datetimeFigureOut">
               <a:rPr lang="en-US" smtClean="0"/>
-              <a:t>12/25/2016</a:t>
+              <a:t>12/26/2016</a:t>
             </a:fld>
             <a:endParaRPr lang="en-US"/>
           </a:p>
@@ -1642,7 +1641,7 @@
           <a:p>
             <a:fld id="{50B4C186-BA76-44A6-AEF0-A52FEF08ED86}" type="datetimeFigureOut">
               <a:rPr lang="en-US" smtClean="0"/>
-              <a:t>12/25/2016</a:t>
+              <a:t>12/26/2016</a:t>
             </a:fld>
             <a:endParaRPr lang="en-US"/>
           </a:p>
@@ -1760,7 +1759,7 @@
           <a:p>
             <a:fld id="{50B4C186-BA76-44A6-AEF0-A52FEF08ED86}" type="datetimeFigureOut">
               <a:rPr lang="en-US" smtClean="0"/>
-              <a:t>12/25/2016</a:t>
+              <a:t>12/26/2016</a:t>
             </a:fld>
             <a:endParaRPr lang="en-US"/>
           </a:p>
@@ -1855,7 +1854,7 @@
           <a:p>
             <a:fld id="{50B4C186-BA76-44A6-AEF0-A52FEF08ED86}" type="datetimeFigureOut">
               <a:rPr lang="en-US" smtClean="0"/>
-              <a:t>12/25/2016</a:t>
+              <a:t>12/26/2016</a:t>
             </a:fld>
             <a:endParaRPr lang="en-US"/>
           </a:p>
@@ -2132,7 +2131,7 @@
           <a:p>
             <a:fld id="{50B4C186-BA76-44A6-AEF0-A52FEF08ED86}" type="datetimeFigureOut">
               <a:rPr lang="en-US" smtClean="0"/>
-              <a:t>12/25/2016</a:t>
+              <a:t>12/26/2016</a:t>
             </a:fld>
             <a:endParaRPr lang="en-US"/>
           </a:p>
@@ -2389,7 +2388,7 @@
           <a:p>
             <a:fld id="{50B4C186-BA76-44A6-AEF0-A52FEF08ED86}" type="datetimeFigureOut">
               <a:rPr lang="en-US" smtClean="0"/>
-              <a:t>12/25/2016</a:t>
+              <a:t>12/26/2016</a:t>
             </a:fld>
             <a:endParaRPr lang="en-US"/>
           </a:p>
@@ -2602,7 +2601,7 @@
           <a:p>
             <a:fld id="{50B4C186-BA76-44A6-AEF0-A52FEF08ED86}" type="datetimeFigureOut">
               <a:rPr lang="en-US" smtClean="0"/>
-              <a:t>12/25/2016</a:t>
+              <a:t>12/26/2016</a:t>
             </a:fld>
             <a:endParaRPr lang="en-US"/>
           </a:p>
@@ -3279,11 +3278,7 @@
             </a:pPr>
             <a:r>
               <a:rPr lang="en-US" dirty="0" smtClean="0"/>
-              <a:t>Trend </a:t>
-            </a:r>
-            <a:r>
-              <a:rPr lang="en-US" dirty="0" smtClean="0"/>
-              <a:t>analysis</a:t>
+              <a:t>Trend analysis</a:t>
             </a:r>
           </a:p>
           <a:p>
@@ -3358,11 +3353,7 @@
             </a:pPr>
             <a:r>
               <a:rPr lang="en-US" dirty="0" smtClean="0"/>
-              <a:t>Social network </a:t>
-            </a:r>
-            <a:r>
-              <a:rPr lang="en-US" dirty="0" smtClean="0"/>
-              <a:t>analysis</a:t>
+              <a:t>Social network analysis</a:t>
             </a:r>
             <a:endParaRPr lang="en-US" dirty="0"/>
           </a:p>
@@ -3375,10 +3366,13 @@
               <a:buChar char="o"/>
             </a:pPr>
             <a:r>
-              <a:rPr lang="en-US" dirty="0" smtClean="0"/>
-              <a:t>Raw data used</a:t>
-            </a:r>
-            <a:endParaRPr lang="en-US" dirty="0" smtClean="0"/>
+              <a:rPr lang="en-US" i="1" dirty="0" smtClean="0"/>
+              <a:t> Raw </a:t>
+            </a:r>
+            <a:r>
+              <a:rPr lang="en-US" i="1" dirty="0" smtClean="0"/>
+              <a:t>data used</a:t>
+            </a:r>
           </a:p>
         </p:txBody>
       </p:sp>
@@ -3601,46 +3595,16 @@
           </a:p>
         </p:txBody>
       </p:sp>
-      <p:pic>
-        <p:nvPicPr>
-          <p:cNvPr id="5" name="Picture 4"/>
-          <p:cNvPicPr>
-            <a:picLocks noChangeAspect="1"/>
-          </p:cNvPicPr>
+      <p:sp>
+        <p:nvSpPr>
+          <p:cNvPr id="8" name="TextBox 7"/>
+          <p:cNvSpPr txBox="1"/>
           <p:nvPr/>
-        </p:nvPicPr>
-        <p:blipFill>
-          <a:blip r:embed="rId2">
-            <a:extLst>
-              <a:ext uri="{28A0092B-C50C-407E-A947-70E740481C1C}">
-                <a14:useLocalDpi xmlns:a14="http://schemas.microsoft.com/office/drawing/2010/main" val="0"/>
-              </a:ext>
-            </a:extLst>
-          </a:blip>
-          <a:stretch>
-            <a:fillRect/>
-          </a:stretch>
-        </p:blipFill>
+        </p:nvSpPr>
         <p:spPr>
           <a:xfrm>
-            <a:off x="838200" y="1888901"/>
-            <a:ext cx="9789004" cy="3757752"/>
-          </a:xfrm>
-          <a:prstGeom prst="rect">
-            <a:avLst/>
-          </a:prstGeom>
-        </p:spPr>
-      </p:pic>
-      <p:sp>
-        <p:nvSpPr>
-          <p:cNvPr id="6" name="TextBox 5"/>
-          <p:cNvSpPr txBox="1"/>
-          <p:nvPr/>
-        </p:nvSpPr>
-        <p:spPr>
-          <a:xfrm>
-            <a:off x="1134762" y="1690688"/>
-            <a:ext cx="2325130" cy="523220"/>
+            <a:off x="5623168" y="3365900"/>
+            <a:ext cx="1200271" cy="323165"/>
           </a:xfrm>
           <a:prstGeom prst="rect">
             <a:avLst/>
@@ -3654,7 +3618,7 @@
           <a:lstStyle/>
           <a:p>
             <a:r>
-              <a:rPr lang="en-US" sz="1400" b="1" dirty="0" smtClean="0">
+              <a:rPr lang="en-US" sz="1500" b="1" dirty="0">
                 <a:solidFill>
                   <a:schemeClr val="tx1">
                     <a:lumMod val="50000"/>
@@ -3662,15 +3626,833 @@
                   </a:schemeClr>
                 </a:solidFill>
               </a:rPr>
-              <a:t>Rolling average of 3 months’ trip count</a:t>
-            </a:r>
-            <a:endParaRPr lang="en-US" sz="1400" b="1" dirty="0">
+              <a:t>3</a:t>
+            </a:r>
+            <a:r>
+              <a:rPr lang="en-US" sz="1500" b="1" dirty="0" smtClean="0">
+                <a:solidFill>
+                  <a:schemeClr val="tx1">
+                    <a:lumMod val="50000"/>
+                    <a:lumOff val="50000"/>
+                  </a:schemeClr>
+                </a:solidFill>
+              </a:rPr>
+              <a:t> PM</a:t>
+            </a:r>
+            <a:endParaRPr lang="en-US" sz="1500" b="1" dirty="0">
               <a:solidFill>
                 <a:schemeClr val="tx1">
                   <a:lumMod val="50000"/>
                   <a:lumOff val="50000"/>
                 </a:schemeClr>
               </a:solidFill>
+            </a:endParaRPr>
+          </a:p>
+        </p:txBody>
+      </p:sp>
+      <p:grpSp>
+        <p:nvGrpSpPr>
+          <p:cNvPr id="38" name="Group 37"/>
+          <p:cNvGrpSpPr/>
+          <p:nvPr/>
+        </p:nvGrpSpPr>
+        <p:grpSpPr>
+          <a:xfrm>
+            <a:off x="895866" y="1968392"/>
+            <a:ext cx="9022492" cy="3814570"/>
+            <a:chOff x="527416" y="1387917"/>
+            <a:chExt cx="9572567" cy="4685720"/>
+          </a:xfrm>
+        </p:grpSpPr>
+        <p:grpSp>
+          <p:nvGrpSpPr>
+            <p:cNvPr id="3" name="Group 2"/>
+            <p:cNvGrpSpPr/>
+            <p:nvPr/>
+          </p:nvGrpSpPr>
+          <p:grpSpPr>
+            <a:xfrm>
+              <a:off x="838200" y="1387917"/>
+              <a:ext cx="9261783" cy="3744259"/>
+              <a:chOff x="838200" y="1690688"/>
+              <a:chExt cx="9789004" cy="3955965"/>
+            </a:xfrm>
+          </p:grpSpPr>
+          <p:pic>
+            <p:nvPicPr>
+              <p:cNvPr id="5" name="Picture 4"/>
+              <p:cNvPicPr>
+                <a:picLocks noChangeAspect="1"/>
+              </p:cNvPicPr>
+              <p:nvPr/>
+            </p:nvPicPr>
+            <p:blipFill>
+              <a:blip r:embed="rId2">
+                <a:extLst>
+                  <a:ext uri="{28A0092B-C50C-407E-A947-70E740481C1C}">
+                    <a14:useLocalDpi xmlns:a14="http://schemas.microsoft.com/office/drawing/2010/main" val="0"/>
+                  </a:ext>
+                </a:extLst>
+              </a:blip>
+              <a:stretch>
+                <a:fillRect/>
+              </a:stretch>
+            </p:blipFill>
+            <p:spPr>
+              <a:xfrm>
+                <a:off x="838200" y="1888901"/>
+                <a:ext cx="9789004" cy="3757752"/>
+              </a:xfrm>
+              <a:prstGeom prst="rect">
+                <a:avLst/>
+              </a:prstGeom>
+            </p:spPr>
+          </p:pic>
+          <p:sp>
+            <p:nvSpPr>
+              <p:cNvPr id="6" name="TextBox 5"/>
+              <p:cNvSpPr txBox="1"/>
+              <p:nvPr/>
+            </p:nvSpPr>
+            <p:spPr>
+              <a:xfrm>
+                <a:off x="1134762" y="1690688"/>
+                <a:ext cx="2325130" cy="523220"/>
+              </a:xfrm>
+              <a:prstGeom prst="rect">
+                <a:avLst/>
+              </a:prstGeom>
+              <a:noFill/>
+            </p:spPr>
+            <p:txBody>
+              <a:bodyPr wrap="square" rtlCol="0">
+                <a:spAutoFit/>
+              </a:bodyPr>
+              <a:lstStyle/>
+              <a:p>
+                <a:r>
+                  <a:rPr lang="en-US" sz="1400" b="1" dirty="0" smtClean="0">
+                    <a:solidFill>
+                      <a:schemeClr val="tx1">
+                        <a:lumMod val="50000"/>
+                        <a:lumOff val="50000"/>
+                      </a:schemeClr>
+                    </a:solidFill>
+                  </a:rPr>
+                  <a:t>Rolling average of 3 months’ trip count</a:t>
+                </a:r>
+                <a:endParaRPr lang="en-US" sz="1400" b="1" dirty="0">
+                  <a:solidFill>
+                    <a:schemeClr val="tx1">
+                      <a:lumMod val="50000"/>
+                      <a:lumOff val="50000"/>
+                    </a:schemeClr>
+                  </a:solidFill>
+                </a:endParaRPr>
+              </a:p>
+            </p:txBody>
+          </p:sp>
+        </p:grpSp>
+        <p:grpSp>
+          <p:nvGrpSpPr>
+            <p:cNvPr id="26" name="Group 25"/>
+            <p:cNvGrpSpPr/>
+            <p:nvPr/>
+          </p:nvGrpSpPr>
+          <p:grpSpPr>
+            <a:xfrm>
+              <a:off x="527416" y="5675952"/>
+              <a:ext cx="9465475" cy="397685"/>
+              <a:chOff x="634508" y="5536047"/>
+              <a:chExt cx="9465475" cy="397685"/>
+            </a:xfrm>
+          </p:grpSpPr>
+          <p:sp>
+            <p:nvSpPr>
+              <p:cNvPr id="7" name="TextBox 6"/>
+              <p:cNvSpPr txBox="1"/>
+              <p:nvPr/>
+            </p:nvSpPr>
+            <p:spPr>
+              <a:xfrm>
+                <a:off x="634508" y="5536047"/>
+                <a:ext cx="2281685" cy="397685"/>
+              </a:xfrm>
+              <a:prstGeom prst="rect">
+                <a:avLst/>
+              </a:prstGeom>
+              <a:noFill/>
+            </p:spPr>
+            <p:txBody>
+              <a:bodyPr wrap="square" rtlCol="0">
+                <a:spAutoFit/>
+              </a:bodyPr>
+              <a:lstStyle/>
+              <a:p>
+                <a:r>
+                  <a:rPr lang="en-US" b="1" dirty="0" smtClean="0">
+                    <a:solidFill>
+                      <a:schemeClr val="accent5">
+                        <a:lumMod val="75000"/>
+                      </a:schemeClr>
+                    </a:solidFill>
+                  </a:rPr>
+                  <a:t>Stage 1: Innovation </a:t>
+                </a:r>
+                <a:endParaRPr lang="en-US" b="1" dirty="0">
+                  <a:solidFill>
+                    <a:schemeClr val="accent5">
+                      <a:lumMod val="75000"/>
+                    </a:schemeClr>
+                  </a:solidFill>
+                </a:endParaRPr>
+              </a:p>
+            </p:txBody>
+          </p:sp>
+          <p:sp>
+            <p:nvSpPr>
+              <p:cNvPr id="9" name="TextBox 8"/>
+              <p:cNvSpPr txBox="1"/>
+              <p:nvPr/>
+            </p:nvSpPr>
+            <p:spPr>
+              <a:xfrm>
+                <a:off x="4275154" y="5536047"/>
+                <a:ext cx="1948149" cy="397685"/>
+              </a:xfrm>
+              <a:prstGeom prst="rect">
+                <a:avLst/>
+              </a:prstGeom>
+              <a:noFill/>
+            </p:spPr>
+            <p:txBody>
+              <a:bodyPr wrap="square" rtlCol="0">
+                <a:spAutoFit/>
+              </a:bodyPr>
+              <a:lstStyle/>
+              <a:p>
+                <a:r>
+                  <a:rPr lang="en-US" b="1" dirty="0" smtClean="0">
+                    <a:solidFill>
+                      <a:schemeClr val="accent5">
+                        <a:lumMod val="75000"/>
+                      </a:schemeClr>
+                    </a:solidFill>
+                  </a:rPr>
+                  <a:t>Stage 2: </a:t>
+                </a:r>
+                <a:r>
+                  <a:rPr lang="en-US" b="1" dirty="0" smtClean="0">
+                    <a:solidFill>
+                      <a:schemeClr val="accent5">
+                        <a:lumMod val="75000"/>
+                      </a:schemeClr>
+                    </a:solidFill>
+                  </a:rPr>
+                  <a:t>Growth</a:t>
+                </a:r>
+                <a:endParaRPr lang="en-US" b="1" dirty="0">
+                  <a:solidFill>
+                    <a:schemeClr val="accent5">
+                      <a:lumMod val="75000"/>
+                    </a:schemeClr>
+                  </a:solidFill>
+                </a:endParaRPr>
+              </a:p>
+            </p:txBody>
+          </p:sp>
+          <p:sp>
+            <p:nvSpPr>
+              <p:cNvPr id="10" name="TextBox 9"/>
+              <p:cNvSpPr txBox="1"/>
+              <p:nvPr/>
+            </p:nvSpPr>
+            <p:spPr>
+              <a:xfrm>
+                <a:off x="8163511" y="5536047"/>
+                <a:ext cx="1936472" cy="397685"/>
+              </a:xfrm>
+              <a:prstGeom prst="rect">
+                <a:avLst/>
+              </a:prstGeom>
+              <a:noFill/>
+            </p:spPr>
+            <p:txBody>
+              <a:bodyPr wrap="square" rtlCol="0">
+                <a:spAutoFit/>
+              </a:bodyPr>
+              <a:lstStyle/>
+              <a:p>
+                <a:r>
+                  <a:rPr lang="en-US" b="1" dirty="0" smtClean="0">
+                    <a:solidFill>
+                      <a:schemeClr val="accent5">
+                        <a:lumMod val="75000"/>
+                      </a:schemeClr>
+                    </a:solidFill>
+                  </a:rPr>
+                  <a:t>Stage 3: Maturity</a:t>
+                </a:r>
+                <a:endParaRPr lang="en-US" b="1" dirty="0">
+                  <a:solidFill>
+                    <a:schemeClr val="accent5">
+                      <a:lumMod val="75000"/>
+                    </a:schemeClr>
+                  </a:solidFill>
+                </a:endParaRPr>
+              </a:p>
+            </p:txBody>
+          </p:sp>
+        </p:grpSp>
+        <p:grpSp>
+          <p:nvGrpSpPr>
+            <p:cNvPr id="37" name="Group 36"/>
+            <p:cNvGrpSpPr/>
+            <p:nvPr/>
+          </p:nvGrpSpPr>
+          <p:grpSpPr>
+            <a:xfrm>
+              <a:off x="766314" y="5132175"/>
+              <a:ext cx="9333669" cy="313036"/>
+              <a:chOff x="766314" y="5132175"/>
+              <a:chExt cx="9333669" cy="544246"/>
+            </a:xfrm>
+          </p:grpSpPr>
+          <p:grpSp>
+            <p:nvGrpSpPr>
+              <p:cNvPr id="24" name="Group 23"/>
+              <p:cNvGrpSpPr/>
+              <p:nvPr/>
+            </p:nvGrpSpPr>
+            <p:grpSpPr>
+              <a:xfrm>
+                <a:off x="766314" y="5132176"/>
+                <a:ext cx="1630897" cy="541727"/>
+                <a:chOff x="634508" y="4934685"/>
+                <a:chExt cx="3344560" cy="596257"/>
+              </a:xfrm>
+            </p:grpSpPr>
+            <p:grpSp>
+              <p:nvGrpSpPr>
+                <p:cNvPr id="23" name="Group 22"/>
+                <p:cNvGrpSpPr/>
+                <p:nvPr/>
+              </p:nvGrpSpPr>
+              <p:grpSpPr>
+                <a:xfrm>
+                  <a:off x="634508" y="4934685"/>
+                  <a:ext cx="3344560" cy="596257"/>
+                  <a:chOff x="634508" y="4934685"/>
+                  <a:chExt cx="3344560" cy="596257"/>
+                </a:xfrm>
+              </p:grpSpPr>
+              <p:cxnSp>
+                <p:nvCxnSpPr>
+                  <p:cNvPr id="11" name="Straight Connector 10"/>
+                  <p:cNvCxnSpPr/>
+                  <p:nvPr/>
+                </p:nvCxnSpPr>
+                <p:spPr>
+                  <a:xfrm>
+                    <a:off x="634508" y="4934685"/>
+                    <a:ext cx="0" cy="596257"/>
+                  </a:xfrm>
+                  <a:prstGeom prst="line">
+                    <a:avLst/>
+                  </a:prstGeom>
+                  <a:ln w="28575">
+                    <a:solidFill>
+                      <a:schemeClr val="accent6">
+                        <a:lumMod val="50000"/>
+                      </a:schemeClr>
+                    </a:solidFill>
+                  </a:ln>
+                </p:spPr>
+                <p:style>
+                  <a:lnRef idx="1">
+                    <a:schemeClr val="accent1"/>
+                  </a:lnRef>
+                  <a:fillRef idx="0">
+                    <a:schemeClr val="accent1"/>
+                  </a:fillRef>
+                  <a:effectRef idx="0">
+                    <a:schemeClr val="accent1"/>
+                  </a:effectRef>
+                  <a:fontRef idx="minor">
+                    <a:schemeClr val="tx1"/>
+                  </a:fontRef>
+                </p:style>
+              </p:cxnSp>
+              <p:cxnSp>
+                <p:nvCxnSpPr>
+                  <p:cNvPr id="12" name="Straight Connector 11"/>
+                  <p:cNvCxnSpPr/>
+                  <p:nvPr/>
+                </p:nvCxnSpPr>
+                <p:spPr>
+                  <a:xfrm>
+                    <a:off x="634508" y="5530942"/>
+                    <a:ext cx="3344560" cy="0"/>
+                  </a:xfrm>
+                  <a:prstGeom prst="line">
+                    <a:avLst/>
+                  </a:prstGeom>
+                  <a:ln w="28575">
+                    <a:solidFill>
+                      <a:schemeClr val="accent6">
+                        <a:lumMod val="50000"/>
+                      </a:schemeClr>
+                    </a:solidFill>
+                  </a:ln>
+                </p:spPr>
+                <p:style>
+                  <a:lnRef idx="1">
+                    <a:schemeClr val="accent1"/>
+                  </a:lnRef>
+                  <a:fillRef idx="0">
+                    <a:schemeClr val="accent1"/>
+                  </a:fillRef>
+                  <a:effectRef idx="0">
+                    <a:schemeClr val="accent1"/>
+                  </a:effectRef>
+                  <a:fontRef idx="minor">
+                    <a:schemeClr val="tx1"/>
+                  </a:fontRef>
+                </p:style>
+              </p:cxnSp>
+            </p:grpSp>
+            <p:cxnSp>
+              <p:nvCxnSpPr>
+                <p:cNvPr id="13" name="Straight Connector 12"/>
+                <p:cNvCxnSpPr/>
+                <p:nvPr/>
+              </p:nvCxnSpPr>
+              <p:spPr>
+                <a:xfrm flipV="1">
+                  <a:off x="3979068" y="4934685"/>
+                  <a:ext cx="0" cy="596257"/>
+                </a:xfrm>
+                <a:prstGeom prst="line">
+                  <a:avLst/>
+                </a:prstGeom>
+                <a:ln w="28575">
+                  <a:solidFill>
+                    <a:schemeClr val="accent6">
+                      <a:lumMod val="50000"/>
+                    </a:schemeClr>
+                  </a:solidFill>
+                </a:ln>
+              </p:spPr>
+              <p:style>
+                <a:lnRef idx="1">
+                  <a:schemeClr val="accent1"/>
+                </a:lnRef>
+                <a:fillRef idx="0">
+                  <a:schemeClr val="accent1"/>
+                </a:fillRef>
+                <a:effectRef idx="0">
+                  <a:schemeClr val="accent1"/>
+                </a:effectRef>
+                <a:fontRef idx="minor">
+                  <a:schemeClr val="tx1"/>
+                </a:fontRef>
+              </p:style>
+            </p:cxnSp>
+          </p:grpSp>
+          <p:grpSp>
+            <p:nvGrpSpPr>
+              <p:cNvPr id="27" name="Group 26"/>
+              <p:cNvGrpSpPr/>
+              <p:nvPr/>
+            </p:nvGrpSpPr>
+            <p:grpSpPr>
+              <a:xfrm>
+                <a:off x="3035838" y="5134694"/>
+                <a:ext cx="4320551" cy="541727"/>
+                <a:chOff x="634508" y="4934685"/>
+                <a:chExt cx="3344560" cy="596257"/>
+              </a:xfrm>
+            </p:grpSpPr>
+            <p:grpSp>
+              <p:nvGrpSpPr>
+                <p:cNvPr id="28" name="Group 27"/>
+                <p:cNvGrpSpPr/>
+                <p:nvPr/>
+              </p:nvGrpSpPr>
+              <p:grpSpPr>
+                <a:xfrm>
+                  <a:off x="634508" y="4934685"/>
+                  <a:ext cx="3344560" cy="596257"/>
+                  <a:chOff x="634508" y="4934685"/>
+                  <a:chExt cx="3344560" cy="596257"/>
+                </a:xfrm>
+              </p:grpSpPr>
+              <p:cxnSp>
+                <p:nvCxnSpPr>
+                  <p:cNvPr id="30" name="Straight Connector 29"/>
+                  <p:cNvCxnSpPr/>
+                  <p:nvPr/>
+                </p:nvCxnSpPr>
+                <p:spPr>
+                  <a:xfrm>
+                    <a:off x="634508" y="4934685"/>
+                    <a:ext cx="0" cy="596257"/>
+                  </a:xfrm>
+                  <a:prstGeom prst="line">
+                    <a:avLst/>
+                  </a:prstGeom>
+                  <a:ln w="28575">
+                    <a:solidFill>
+                      <a:schemeClr val="tx2"/>
+                    </a:solidFill>
+                  </a:ln>
+                </p:spPr>
+                <p:style>
+                  <a:lnRef idx="1">
+                    <a:schemeClr val="accent1"/>
+                  </a:lnRef>
+                  <a:fillRef idx="0">
+                    <a:schemeClr val="accent1"/>
+                  </a:fillRef>
+                  <a:effectRef idx="0">
+                    <a:schemeClr val="accent1"/>
+                  </a:effectRef>
+                  <a:fontRef idx="minor">
+                    <a:schemeClr val="tx1"/>
+                  </a:fontRef>
+                </p:style>
+              </p:cxnSp>
+              <p:cxnSp>
+                <p:nvCxnSpPr>
+                  <p:cNvPr id="31" name="Straight Connector 30"/>
+                  <p:cNvCxnSpPr/>
+                  <p:nvPr/>
+                </p:nvCxnSpPr>
+                <p:spPr>
+                  <a:xfrm>
+                    <a:off x="634508" y="5530942"/>
+                    <a:ext cx="3344560" cy="0"/>
+                  </a:xfrm>
+                  <a:prstGeom prst="line">
+                    <a:avLst/>
+                  </a:prstGeom>
+                  <a:ln w="28575">
+                    <a:solidFill>
+                      <a:schemeClr val="tx2"/>
+                    </a:solidFill>
+                  </a:ln>
+                </p:spPr>
+                <p:style>
+                  <a:lnRef idx="1">
+                    <a:schemeClr val="accent1"/>
+                  </a:lnRef>
+                  <a:fillRef idx="0">
+                    <a:schemeClr val="accent1"/>
+                  </a:fillRef>
+                  <a:effectRef idx="0">
+                    <a:schemeClr val="accent1"/>
+                  </a:effectRef>
+                  <a:fontRef idx="minor">
+                    <a:schemeClr val="tx1"/>
+                  </a:fontRef>
+                </p:style>
+              </p:cxnSp>
+            </p:grpSp>
+            <p:cxnSp>
+              <p:nvCxnSpPr>
+                <p:cNvPr id="29" name="Straight Connector 28"/>
+                <p:cNvCxnSpPr/>
+                <p:nvPr/>
+              </p:nvCxnSpPr>
+              <p:spPr>
+                <a:xfrm flipV="1">
+                  <a:off x="3979068" y="4934685"/>
+                  <a:ext cx="0" cy="596257"/>
+                </a:xfrm>
+                <a:prstGeom prst="line">
+                  <a:avLst/>
+                </a:prstGeom>
+                <a:ln w="28575">
+                  <a:solidFill>
+                    <a:schemeClr val="tx2"/>
+                  </a:solidFill>
+                </a:ln>
+              </p:spPr>
+              <p:style>
+                <a:lnRef idx="1">
+                  <a:schemeClr val="accent1"/>
+                </a:lnRef>
+                <a:fillRef idx="0">
+                  <a:schemeClr val="accent1"/>
+                </a:fillRef>
+                <a:effectRef idx="0">
+                  <a:schemeClr val="accent1"/>
+                </a:effectRef>
+                <a:fontRef idx="minor">
+                  <a:schemeClr val="tx1"/>
+                </a:fontRef>
+              </p:style>
+            </p:cxnSp>
+          </p:grpSp>
+          <p:grpSp>
+            <p:nvGrpSpPr>
+              <p:cNvPr id="32" name="Group 31"/>
+              <p:cNvGrpSpPr/>
+              <p:nvPr/>
+            </p:nvGrpSpPr>
+            <p:grpSpPr>
+              <a:xfrm>
+                <a:off x="7854974" y="5132175"/>
+                <a:ext cx="2245009" cy="541727"/>
+                <a:chOff x="634508" y="4934685"/>
+                <a:chExt cx="3344560" cy="596257"/>
+              </a:xfrm>
+            </p:grpSpPr>
+            <p:grpSp>
+              <p:nvGrpSpPr>
+                <p:cNvPr id="33" name="Group 32"/>
+                <p:cNvGrpSpPr/>
+                <p:nvPr/>
+              </p:nvGrpSpPr>
+              <p:grpSpPr>
+                <a:xfrm>
+                  <a:off x="634508" y="4934685"/>
+                  <a:ext cx="3344560" cy="596257"/>
+                  <a:chOff x="634508" y="4934685"/>
+                  <a:chExt cx="3344560" cy="596257"/>
+                </a:xfrm>
+              </p:grpSpPr>
+              <p:cxnSp>
+                <p:nvCxnSpPr>
+                  <p:cNvPr id="35" name="Straight Connector 34"/>
+                  <p:cNvCxnSpPr/>
+                  <p:nvPr/>
+                </p:nvCxnSpPr>
+                <p:spPr>
+                  <a:xfrm>
+                    <a:off x="634508" y="4934685"/>
+                    <a:ext cx="0" cy="596257"/>
+                  </a:xfrm>
+                  <a:prstGeom prst="line">
+                    <a:avLst/>
+                  </a:prstGeom>
+                  <a:ln w="28575">
+                    <a:solidFill>
+                      <a:schemeClr val="accent6">
+                        <a:lumMod val="50000"/>
+                      </a:schemeClr>
+                    </a:solidFill>
+                  </a:ln>
+                </p:spPr>
+                <p:style>
+                  <a:lnRef idx="1">
+                    <a:schemeClr val="accent1"/>
+                  </a:lnRef>
+                  <a:fillRef idx="0">
+                    <a:schemeClr val="accent1"/>
+                  </a:fillRef>
+                  <a:effectRef idx="0">
+                    <a:schemeClr val="accent1"/>
+                  </a:effectRef>
+                  <a:fontRef idx="minor">
+                    <a:schemeClr val="tx1"/>
+                  </a:fontRef>
+                </p:style>
+              </p:cxnSp>
+              <p:cxnSp>
+                <p:nvCxnSpPr>
+                  <p:cNvPr id="36" name="Straight Connector 35"/>
+                  <p:cNvCxnSpPr/>
+                  <p:nvPr/>
+                </p:nvCxnSpPr>
+                <p:spPr>
+                  <a:xfrm>
+                    <a:off x="634508" y="5530942"/>
+                    <a:ext cx="3344560" cy="0"/>
+                  </a:xfrm>
+                  <a:prstGeom prst="line">
+                    <a:avLst/>
+                  </a:prstGeom>
+                  <a:ln w="28575">
+                    <a:solidFill>
+                      <a:schemeClr val="accent6">
+                        <a:lumMod val="50000"/>
+                      </a:schemeClr>
+                    </a:solidFill>
+                  </a:ln>
+                </p:spPr>
+                <p:style>
+                  <a:lnRef idx="1">
+                    <a:schemeClr val="accent1"/>
+                  </a:lnRef>
+                  <a:fillRef idx="0">
+                    <a:schemeClr val="accent1"/>
+                  </a:fillRef>
+                  <a:effectRef idx="0">
+                    <a:schemeClr val="accent1"/>
+                  </a:effectRef>
+                  <a:fontRef idx="minor">
+                    <a:schemeClr val="tx1"/>
+                  </a:fontRef>
+                </p:style>
+              </p:cxnSp>
+            </p:grpSp>
+            <p:cxnSp>
+              <p:nvCxnSpPr>
+                <p:cNvPr id="34" name="Straight Connector 33"/>
+                <p:cNvCxnSpPr/>
+                <p:nvPr/>
+              </p:nvCxnSpPr>
+              <p:spPr>
+                <a:xfrm flipV="1">
+                  <a:off x="3979068" y="4934685"/>
+                  <a:ext cx="0" cy="596257"/>
+                </a:xfrm>
+                <a:prstGeom prst="line">
+                  <a:avLst/>
+                </a:prstGeom>
+                <a:ln w="28575">
+                  <a:solidFill>
+                    <a:schemeClr val="accent6">
+                      <a:lumMod val="50000"/>
+                    </a:schemeClr>
+                  </a:solidFill>
+                </a:ln>
+              </p:spPr>
+              <p:style>
+                <a:lnRef idx="1">
+                  <a:schemeClr val="accent1"/>
+                </a:lnRef>
+                <a:fillRef idx="0">
+                  <a:schemeClr val="accent1"/>
+                </a:fillRef>
+                <a:effectRef idx="0">
+                  <a:schemeClr val="accent1"/>
+                </a:effectRef>
+                <a:fontRef idx="minor">
+                  <a:schemeClr val="tx1"/>
+                </a:fontRef>
+              </p:style>
+            </p:cxnSp>
+          </p:grpSp>
+        </p:grpSp>
+      </p:grpSp>
+      <p:sp>
+        <p:nvSpPr>
+          <p:cNvPr id="40" name="TextBox 39"/>
+          <p:cNvSpPr txBox="1"/>
+          <p:nvPr/>
+        </p:nvSpPr>
+        <p:spPr>
+          <a:xfrm>
+            <a:off x="6696909" y="6288613"/>
+            <a:ext cx="5190292" cy="569387"/>
+          </a:xfrm>
+          <a:prstGeom prst="rect">
+            <a:avLst/>
+          </a:prstGeom>
+          <a:noFill/>
+        </p:spPr>
+        <p:txBody>
+          <a:bodyPr wrap="square" rtlCol="0">
+            <a:spAutoFit/>
+          </a:bodyPr>
+          <a:lstStyle/>
+          <a:p>
+            <a:pPr algn="r"/>
+            <a:r>
+              <a:rPr lang="en-US" sz="1500" b="1" dirty="0" smtClean="0">
+                <a:solidFill>
+                  <a:schemeClr val="bg2">
+                    <a:lumMod val="75000"/>
+                  </a:schemeClr>
+                </a:solidFill>
+              </a:rPr>
+              <a:t>DATA: TAXI AND LIMOUSINE  COMMISSION</a:t>
+            </a:r>
+          </a:p>
+          <a:p>
+            <a:pPr algn="r"/>
+            <a:r>
+              <a:rPr lang="en-US" sz="1600" b="1" dirty="0">
+                <a:solidFill>
+                  <a:schemeClr val="bg2">
+                    <a:lumMod val="75000"/>
+                  </a:schemeClr>
+                </a:solidFill>
+              </a:rPr>
+              <a:t>Product life-cycle </a:t>
+            </a:r>
+            <a:r>
+              <a:rPr lang="en-US" sz="1600" b="1" dirty="0">
+                <a:solidFill>
+                  <a:schemeClr val="bg2">
+                    <a:lumMod val="75000"/>
+                  </a:schemeClr>
+                </a:solidFill>
+              </a:rPr>
+              <a:t>theory</a:t>
+            </a:r>
+            <a:r>
+              <a:rPr lang="en-US" sz="1600" dirty="0" smtClean="0">
+                <a:solidFill>
+                  <a:schemeClr val="bg2">
+                    <a:lumMod val="75000"/>
+                  </a:schemeClr>
+                </a:solidFill>
+              </a:rPr>
+              <a:t> </a:t>
+            </a:r>
+            <a:r>
+              <a:rPr lang="en-US" sz="1600" b="1" dirty="0" smtClean="0">
+                <a:solidFill>
+                  <a:schemeClr val="bg2">
+                    <a:lumMod val="75000"/>
+                  </a:schemeClr>
+                </a:solidFill>
+              </a:rPr>
+              <a:t>by Raymond Vernon </a:t>
+            </a:r>
+            <a:endParaRPr lang="en-US" sz="1600" dirty="0">
+              <a:solidFill>
+                <a:schemeClr val="bg2">
+                  <a:lumMod val="75000"/>
+                </a:schemeClr>
+              </a:solidFill>
+            </a:endParaRPr>
+          </a:p>
+        </p:txBody>
+      </p:sp>
+      <p:sp>
+        <p:nvSpPr>
+          <p:cNvPr id="41" name="TextBox 40"/>
+          <p:cNvSpPr txBox="1"/>
+          <p:nvPr/>
+        </p:nvSpPr>
+        <p:spPr>
+          <a:xfrm>
+            <a:off x="895865" y="1535026"/>
+            <a:ext cx="4740832" cy="369332"/>
+          </a:xfrm>
+          <a:prstGeom prst="rect">
+            <a:avLst/>
+          </a:prstGeom>
+          <a:noFill/>
+        </p:spPr>
+        <p:txBody>
+          <a:bodyPr wrap="square" rtlCol="0">
+            <a:spAutoFit/>
+          </a:bodyPr>
+          <a:lstStyle/>
+          <a:p>
+            <a:r>
+              <a:rPr lang="en-US" b="1" dirty="0" smtClean="0">
+                <a:latin typeface="+mj-lt"/>
+              </a:rPr>
+              <a:t>Green cab market has matured</a:t>
+            </a:r>
+            <a:endParaRPr lang="en-US" b="1" dirty="0">
+              <a:latin typeface="+mj-lt"/>
             </a:endParaRPr>
           </a:p>
         </p:txBody>
@@ -3819,94 +4601,16 @@
           </a:p>
         </p:txBody>
       </p:sp>
-      <p:grpSp>
-        <p:nvGrpSpPr>
-          <p:cNvPr id="8" name="Group 7"/>
-          <p:cNvGrpSpPr/>
-          <p:nvPr/>
-        </p:nvGrpSpPr>
-        <p:grpSpPr>
-          <a:xfrm>
-            <a:off x="1018822" y="1803845"/>
-            <a:ext cx="5736204" cy="4066730"/>
-            <a:chOff x="2023839" y="1734484"/>
-            <a:chExt cx="5736204" cy="4066730"/>
-          </a:xfrm>
-        </p:grpSpPr>
-        <p:pic>
-          <p:nvPicPr>
-            <p:cNvPr id="6" name="Picture 5"/>
-            <p:cNvPicPr>
-              <a:picLocks noChangeAspect="1"/>
-            </p:cNvPicPr>
-            <p:nvPr/>
-          </p:nvPicPr>
-          <p:blipFill>
-            <a:blip r:embed="rId2">
-              <a:extLst>
-                <a:ext uri="{28A0092B-C50C-407E-A947-70E740481C1C}">
-                  <a14:useLocalDpi xmlns:a14="http://schemas.microsoft.com/office/drawing/2010/main" val="0"/>
-                </a:ext>
-              </a:extLst>
-            </a:blip>
-            <a:stretch>
-              <a:fillRect/>
-            </a:stretch>
-          </p:blipFill>
-          <p:spPr>
-            <a:xfrm>
-              <a:off x="2023839" y="1888373"/>
-              <a:ext cx="5736204" cy="3912841"/>
-            </a:xfrm>
-            <a:prstGeom prst="rect">
-              <a:avLst/>
-            </a:prstGeom>
-          </p:spPr>
-        </p:pic>
-        <p:sp>
-          <p:nvSpPr>
-            <p:cNvPr id="7" name="TextBox 6"/>
-            <p:cNvSpPr txBox="1"/>
-            <p:nvPr/>
-          </p:nvSpPr>
-          <p:spPr>
-            <a:xfrm>
-              <a:off x="2023839" y="1734484"/>
-              <a:ext cx="609600" cy="369332"/>
-            </a:xfrm>
-            <a:prstGeom prst="rect">
-              <a:avLst/>
-            </a:prstGeom>
-            <a:solidFill>
-              <a:schemeClr val="bg1"/>
-            </a:solidFill>
-          </p:spPr>
-          <p:txBody>
-            <a:bodyPr wrap="square" rtlCol="0">
-              <a:spAutoFit/>
-            </a:bodyPr>
-            <a:lstStyle/>
-            <a:p>
-              <a:pPr algn="ctr"/>
-              <a:r>
-                <a:rPr lang="en-US" b="1" dirty="0" smtClean="0"/>
-                <a:t>1M</a:t>
-              </a:r>
-              <a:endParaRPr lang="en-US" b="1" dirty="0"/>
-            </a:p>
-          </p:txBody>
-        </p:sp>
-      </p:grpSp>
-      <p:sp>
-        <p:nvSpPr>
-          <p:cNvPr id="9" name="TextBox 8"/>
+      <p:sp>
+        <p:nvSpPr>
+          <p:cNvPr id="10" name="TextBox 9"/>
           <p:cNvSpPr txBox="1"/>
           <p:nvPr/>
         </p:nvSpPr>
         <p:spPr>
           <a:xfrm>
-            <a:off x="1018822" y="1553034"/>
-            <a:ext cx="1608438" cy="307777"/>
+            <a:off x="895865" y="1535026"/>
+            <a:ext cx="4740832" cy="369332"/>
           </a:xfrm>
           <a:prstGeom prst="rect">
             <a:avLst/>
@@ -3920,35 +4624,263 @@
           <a:lstStyle/>
           <a:p>
             <a:r>
-              <a:rPr lang="en-US" sz="1400" b="1" dirty="0">
+              <a:rPr lang="en-US" b="1" dirty="0" smtClean="0">
+                <a:latin typeface="+mj-lt"/>
+              </a:rPr>
+              <a:t>L</a:t>
+            </a:r>
+            <a:r>
+              <a:rPr lang="en-US" b="1" dirty="0" smtClean="0">
+                <a:latin typeface="+mj-lt"/>
+              </a:rPr>
+              <a:t>argest </a:t>
+            </a:r>
+            <a:r>
+              <a:rPr lang="en-US" b="1" dirty="0" smtClean="0">
+                <a:latin typeface="+mj-lt"/>
+              </a:rPr>
+              <a:t>passenger volume on Friday</a:t>
+            </a:r>
+            <a:endParaRPr lang="en-US" b="1" dirty="0">
+              <a:latin typeface="+mj-lt"/>
+            </a:endParaRPr>
+          </a:p>
+        </p:txBody>
+      </p:sp>
+      <p:grpSp>
+        <p:nvGrpSpPr>
+          <p:cNvPr id="22" name="Group 21"/>
+          <p:cNvGrpSpPr/>
+          <p:nvPr/>
+        </p:nvGrpSpPr>
+        <p:grpSpPr>
+          <a:xfrm>
+            <a:off x="838200" y="2022590"/>
+            <a:ext cx="5793869" cy="4317541"/>
+            <a:chOff x="780535" y="2014353"/>
+            <a:chExt cx="5793869" cy="4317541"/>
+          </a:xfrm>
+        </p:grpSpPr>
+        <p:grpSp>
+          <p:nvGrpSpPr>
+            <p:cNvPr id="2" name="Group 1"/>
+            <p:cNvGrpSpPr/>
+            <p:nvPr/>
+          </p:nvGrpSpPr>
+          <p:grpSpPr>
+            <a:xfrm>
+              <a:off x="780535" y="2014353"/>
+              <a:ext cx="5793869" cy="4317541"/>
+              <a:chOff x="961157" y="1553034"/>
+              <a:chExt cx="5793869" cy="4317541"/>
+            </a:xfrm>
+          </p:grpSpPr>
+          <p:grpSp>
+            <p:nvGrpSpPr>
+              <p:cNvPr id="8" name="Group 7"/>
+              <p:cNvGrpSpPr/>
+              <p:nvPr/>
+            </p:nvGrpSpPr>
+            <p:grpSpPr>
+              <a:xfrm>
+                <a:off x="961157" y="1826928"/>
+                <a:ext cx="5793869" cy="4043647"/>
+                <a:chOff x="1966174" y="1757567"/>
+                <a:chExt cx="5793869" cy="4043647"/>
+              </a:xfrm>
+            </p:grpSpPr>
+            <p:pic>
+              <p:nvPicPr>
+                <p:cNvPr id="6" name="Picture 5"/>
+                <p:cNvPicPr>
+                  <a:picLocks noChangeAspect="1"/>
+                </p:cNvPicPr>
+                <p:nvPr/>
+              </p:nvPicPr>
+              <p:blipFill>
+                <a:blip r:embed="rId2">
+                  <a:extLst>
+                    <a:ext uri="{28A0092B-C50C-407E-A947-70E740481C1C}">
+                      <a14:useLocalDpi xmlns:a14="http://schemas.microsoft.com/office/drawing/2010/main" val="0"/>
+                    </a:ext>
+                  </a:extLst>
+                </a:blip>
+                <a:stretch>
+                  <a:fillRect/>
+                </a:stretch>
+              </p:blipFill>
+              <p:spPr>
+                <a:xfrm>
+                  <a:off x="2023839" y="1888373"/>
+                  <a:ext cx="5736204" cy="3912841"/>
+                </a:xfrm>
+                <a:prstGeom prst="rect">
+                  <a:avLst/>
+                </a:prstGeom>
+              </p:spPr>
+            </p:pic>
+            <p:sp>
+              <p:nvSpPr>
+                <p:cNvPr id="7" name="TextBox 6"/>
+                <p:cNvSpPr txBox="1"/>
+                <p:nvPr/>
+              </p:nvSpPr>
+              <p:spPr>
+                <a:xfrm>
+                  <a:off x="1966174" y="1757567"/>
+                  <a:ext cx="529281" cy="323165"/>
+                </a:xfrm>
+                <a:prstGeom prst="rect">
+                  <a:avLst/>
+                </a:prstGeom>
                 <a:solidFill>
-                  <a:schemeClr val="tx1">
-                    <a:lumMod val="50000"/>
-                    <a:lumOff val="50000"/>
+                  <a:schemeClr val="bg1"/>
+                </a:solidFill>
+              </p:spPr>
+              <p:txBody>
+                <a:bodyPr wrap="square" rtlCol="0">
+                  <a:spAutoFit/>
+                </a:bodyPr>
+                <a:lstStyle/>
+                <a:p>
+                  <a:pPr algn="ctr"/>
+                  <a:r>
+                    <a:rPr lang="en-US" sz="1500" b="1" dirty="0" smtClean="0"/>
+                    <a:t>1M</a:t>
+                  </a:r>
+                  <a:endParaRPr lang="en-US" sz="1500" b="1" dirty="0"/>
+                </a:p>
+              </p:txBody>
+            </p:sp>
+          </p:grpSp>
+          <p:sp>
+            <p:nvSpPr>
+              <p:cNvPr id="9" name="TextBox 8"/>
+              <p:cNvSpPr txBox="1"/>
+              <p:nvPr/>
+            </p:nvSpPr>
+            <p:spPr>
+              <a:xfrm>
+                <a:off x="1018822" y="1553034"/>
+                <a:ext cx="1608438" cy="307777"/>
+              </a:xfrm>
+              <a:prstGeom prst="rect">
+                <a:avLst/>
+              </a:prstGeom>
+              <a:noFill/>
+            </p:spPr>
+            <p:txBody>
+              <a:bodyPr wrap="square" rtlCol="0">
+                <a:spAutoFit/>
+              </a:bodyPr>
+              <a:lstStyle/>
+              <a:p>
+                <a:r>
+                  <a:rPr lang="en-US" sz="1400" b="1" dirty="0">
+                    <a:solidFill>
+                      <a:schemeClr val="tx1">
+                        <a:lumMod val="50000"/>
+                        <a:lumOff val="50000"/>
+                      </a:schemeClr>
+                    </a:solidFill>
+                  </a:rPr>
+                  <a:t>A</a:t>
+                </a:r>
+                <a:r>
+                  <a:rPr lang="en-US" sz="1400" b="1" dirty="0" smtClean="0">
+                    <a:solidFill>
+                      <a:schemeClr val="tx1">
+                        <a:lumMod val="50000"/>
+                        <a:lumOff val="50000"/>
+                      </a:schemeClr>
+                    </a:solidFill>
+                  </a:rPr>
+                  <a:t>verage trip count</a:t>
+                </a:r>
+                <a:endParaRPr lang="en-US" sz="1400" b="1" dirty="0">
+                  <a:solidFill>
+                    <a:schemeClr val="tx1">
+                      <a:lumMod val="50000"/>
+                      <a:lumOff val="50000"/>
+                    </a:schemeClr>
+                  </a:solidFill>
+                </a:endParaRPr>
+              </a:p>
+            </p:txBody>
+          </p:sp>
+        </p:grpSp>
+        <p:cxnSp>
+          <p:nvCxnSpPr>
+            <p:cNvPr id="20" name="Straight Arrow Connector 19"/>
+            <p:cNvCxnSpPr/>
+            <p:nvPr/>
+          </p:nvCxnSpPr>
+          <p:spPr>
+            <a:xfrm flipV="1">
+              <a:off x="1642419" y="2449830"/>
+              <a:ext cx="3176716" cy="993586"/>
+            </a:xfrm>
+            <a:prstGeom prst="straightConnector1">
+              <a:avLst/>
+            </a:prstGeom>
+            <a:ln w="28575">
+              <a:solidFill>
+                <a:schemeClr val="accent5">
+                  <a:lumMod val="75000"/>
+                </a:schemeClr>
+              </a:solidFill>
+              <a:tailEnd type="triangle"/>
+            </a:ln>
+          </p:spPr>
+          <p:style>
+            <a:lnRef idx="1">
+              <a:schemeClr val="accent1"/>
+            </a:lnRef>
+            <a:fillRef idx="0">
+              <a:schemeClr val="accent1"/>
+            </a:fillRef>
+            <a:effectRef idx="0">
+              <a:schemeClr val="accent1"/>
+            </a:effectRef>
+            <a:fontRef idx="minor">
+              <a:schemeClr val="tx1"/>
+            </a:fontRef>
+          </p:style>
+        </p:cxnSp>
+      </p:grpSp>
+      <p:sp>
+        <p:nvSpPr>
+          <p:cNvPr id="24" name="TextBox 23"/>
+          <p:cNvSpPr txBox="1"/>
+          <p:nvPr/>
+        </p:nvSpPr>
+        <p:spPr>
+          <a:xfrm>
+            <a:off x="6696909" y="6288613"/>
+            <a:ext cx="5190292" cy="323165"/>
+          </a:xfrm>
+          <a:prstGeom prst="rect">
+            <a:avLst/>
+          </a:prstGeom>
+          <a:noFill/>
+        </p:spPr>
+        <p:txBody>
+          <a:bodyPr wrap="square" rtlCol="0">
+            <a:spAutoFit/>
+          </a:bodyPr>
+          <a:lstStyle/>
+          <a:p>
+            <a:pPr algn="r"/>
+            <a:r>
+              <a:rPr lang="en-US" sz="1500" b="1" dirty="0" smtClean="0">
+                <a:solidFill>
+                  <a:schemeClr val="bg2">
+                    <a:lumMod val="75000"/>
                   </a:schemeClr>
                 </a:solidFill>
               </a:rPr>
-              <a:t>A</a:t>
-            </a:r>
-            <a:r>
-              <a:rPr lang="en-US" sz="1400" b="1" dirty="0" smtClean="0">
-                <a:solidFill>
-                  <a:schemeClr val="tx1">
-                    <a:lumMod val="50000"/>
-                    <a:lumOff val="50000"/>
-                  </a:schemeClr>
-                </a:solidFill>
-              </a:rPr>
-              <a:t>verage trip count</a:t>
-            </a:r>
-            <a:endParaRPr lang="en-US" sz="1400" b="1" dirty="0">
-              <a:solidFill>
-                <a:schemeClr val="tx1">
-                  <a:lumMod val="50000"/>
-                  <a:lumOff val="50000"/>
-                </a:schemeClr>
-              </a:solidFill>
-            </a:endParaRPr>
+              <a:t>DATA: TAXI AND LIMOUSINE  COMMISSION</a:t>
+            </a:r>
           </a:p>
         </p:txBody>
       </p:sp>
@@ -4033,7 +4965,7 @@
         </p:blipFill>
         <p:spPr>
           <a:xfrm>
-            <a:off x="859139" y="2361173"/>
+            <a:off x="859139" y="2352706"/>
             <a:ext cx="6147116" cy="1816193"/>
           </a:xfrm>
         </p:spPr>
@@ -4150,68 +5082,6 @@
           </a:prstGeom>
         </p:spPr>
       </p:pic>
-      <p:cxnSp>
-        <p:nvCxnSpPr>
-          <p:cNvPr id="14" name="Straight Connector 13"/>
-          <p:cNvCxnSpPr/>
-          <p:nvPr/>
-        </p:nvCxnSpPr>
-        <p:spPr>
-          <a:xfrm>
-            <a:off x="2553730" y="2458248"/>
-            <a:ext cx="16475" cy="3418703"/>
-          </a:xfrm>
-          <a:prstGeom prst="line">
-            <a:avLst/>
-          </a:prstGeom>
-          <a:ln w="12700"/>
-        </p:spPr>
-        <p:style>
-          <a:lnRef idx="1">
-            <a:schemeClr val="accent1"/>
-          </a:lnRef>
-          <a:fillRef idx="0">
-            <a:schemeClr val="accent1"/>
-          </a:fillRef>
-          <a:effectRef idx="0">
-            <a:schemeClr val="accent1"/>
-          </a:effectRef>
-          <a:fontRef idx="minor">
-            <a:schemeClr val="tx1"/>
-          </a:fontRef>
-        </p:style>
-      </p:cxnSp>
-      <p:cxnSp>
-        <p:nvCxnSpPr>
-          <p:cNvPr id="17" name="Straight Connector 16"/>
-          <p:cNvCxnSpPr/>
-          <p:nvPr/>
-        </p:nvCxnSpPr>
-        <p:spPr>
-          <a:xfrm>
-            <a:off x="5897922" y="2060020"/>
-            <a:ext cx="16845" cy="3595865"/>
-          </a:xfrm>
-          <a:prstGeom prst="line">
-            <a:avLst/>
-          </a:prstGeom>
-          <a:ln w="12700"/>
-        </p:spPr>
-        <p:style>
-          <a:lnRef idx="1">
-            <a:schemeClr val="accent1"/>
-          </a:lnRef>
-          <a:fillRef idx="0">
-            <a:schemeClr val="accent1"/>
-          </a:fillRef>
-          <a:effectRef idx="0">
-            <a:schemeClr val="accent1"/>
-          </a:effectRef>
-          <a:fontRef idx="minor">
-            <a:schemeClr val="tx1"/>
-          </a:fontRef>
-        </p:style>
-      </p:cxnSp>
       <p:grpSp>
         <p:nvGrpSpPr>
           <p:cNvPr id="5" name="Group 4"/>
@@ -4220,10 +5090,10 @@
         </p:nvGrpSpPr>
         <p:grpSpPr>
           <a:xfrm>
-            <a:off x="646981" y="6004850"/>
-            <a:ext cx="6338335" cy="323166"/>
-            <a:chOff x="646981" y="5576481"/>
-            <a:chExt cx="6338335" cy="323166"/>
+            <a:off x="646981" y="2208409"/>
+            <a:ext cx="6061892" cy="4119607"/>
+            <a:chOff x="646981" y="1780040"/>
+            <a:chExt cx="6061892" cy="4119607"/>
           </a:xfrm>
         </p:grpSpPr>
         <p:sp>
@@ -4278,7 +5148,7 @@
           </p:nvSpPr>
           <p:spPr>
             <a:xfrm>
-              <a:off x="2296594" y="5576481"/>
+              <a:off x="2247167" y="4095064"/>
               <a:ext cx="1200271" cy="323165"/>
             </a:xfrm>
             <a:prstGeom prst="rect">
@@ -4322,7 +5192,7 @@
           </p:nvSpPr>
           <p:spPr>
             <a:xfrm>
-              <a:off x="5785045" y="5576482"/>
+              <a:off x="5508602" y="1780040"/>
               <a:ext cx="1200271" cy="323165"/>
             </a:xfrm>
             <a:prstGeom prst="rect">
@@ -4361,6 +5231,133 @@
       </p:grpSp>
       <p:sp>
         <p:nvSpPr>
+          <p:cNvPr id="21" name="TextBox 20"/>
+          <p:cNvSpPr txBox="1"/>
+          <p:nvPr/>
+        </p:nvSpPr>
+        <p:spPr>
+          <a:xfrm>
+            <a:off x="859139" y="1982442"/>
+            <a:ext cx="1327942" cy="323165"/>
+          </a:xfrm>
+          <a:prstGeom prst="rect">
+            <a:avLst/>
+          </a:prstGeom>
+          <a:noFill/>
+        </p:spPr>
+        <p:txBody>
+          <a:bodyPr wrap="square" rtlCol="0">
+            <a:spAutoFit/>
+          </a:bodyPr>
+          <a:lstStyle/>
+          <a:p>
+            <a:r>
+              <a:rPr lang="en-US" sz="1500" b="1" dirty="0" smtClean="0">
+                <a:solidFill>
+                  <a:schemeClr val="tx1">
+                    <a:lumMod val="50000"/>
+                    <a:lumOff val="50000"/>
+                  </a:schemeClr>
+                </a:solidFill>
+              </a:rPr>
+              <a:t>Ride Count</a:t>
+            </a:r>
+            <a:endParaRPr lang="en-US" sz="1500" b="1" dirty="0">
+              <a:solidFill>
+                <a:schemeClr val="tx1">
+                  <a:lumMod val="50000"/>
+                  <a:lumOff val="50000"/>
+                </a:schemeClr>
+              </a:solidFill>
+            </a:endParaRPr>
+          </a:p>
+        </p:txBody>
+      </p:sp>
+      <p:sp>
+        <p:nvSpPr>
+          <p:cNvPr id="19" name="TextBox 18"/>
+          <p:cNvSpPr txBox="1"/>
+          <p:nvPr/>
+        </p:nvSpPr>
+        <p:spPr>
+          <a:xfrm>
+            <a:off x="3913817" y="3042735"/>
+            <a:ext cx="1200271" cy="323165"/>
+          </a:xfrm>
+          <a:prstGeom prst="rect">
+            <a:avLst/>
+          </a:prstGeom>
+          <a:noFill/>
+        </p:spPr>
+        <p:txBody>
+          <a:bodyPr wrap="square" rtlCol="0">
+            <a:spAutoFit/>
+          </a:bodyPr>
+          <a:lstStyle/>
+          <a:p>
+            <a:r>
+              <a:rPr lang="en-US" sz="1500" b="1" dirty="0">
+                <a:solidFill>
+                  <a:schemeClr val="tx1">
+                    <a:lumMod val="50000"/>
+                    <a:lumOff val="50000"/>
+                  </a:schemeClr>
+                </a:solidFill>
+              </a:rPr>
+              <a:t>3</a:t>
+            </a:r>
+            <a:r>
+              <a:rPr lang="en-US" sz="1500" b="1" dirty="0" smtClean="0">
+                <a:solidFill>
+                  <a:schemeClr val="tx1">
+                    <a:lumMod val="50000"/>
+                    <a:lumOff val="50000"/>
+                  </a:schemeClr>
+                </a:solidFill>
+              </a:rPr>
+              <a:t> PM</a:t>
+            </a:r>
+            <a:endParaRPr lang="en-US" sz="1500" b="1" dirty="0">
+              <a:solidFill>
+                <a:schemeClr val="tx1">
+                  <a:lumMod val="50000"/>
+                  <a:lumOff val="50000"/>
+                </a:schemeClr>
+              </a:solidFill>
+            </a:endParaRPr>
+          </a:p>
+        </p:txBody>
+      </p:sp>
+      <p:sp>
+        <p:nvSpPr>
+          <p:cNvPr id="3" name="TextBox 2"/>
+          <p:cNvSpPr txBox="1"/>
+          <p:nvPr/>
+        </p:nvSpPr>
+        <p:spPr>
+          <a:xfrm>
+            <a:off x="1157606" y="2416583"/>
+            <a:ext cx="918125" cy="1001644"/>
+          </a:xfrm>
+          <a:prstGeom prst="rect">
+            <a:avLst/>
+          </a:prstGeom>
+          <a:solidFill>
+            <a:schemeClr val="bg1"/>
+          </a:solidFill>
+        </p:spPr>
+        <p:txBody>
+          <a:bodyPr wrap="square" rtlCol="0">
+            <a:spAutoFit/>
+          </a:bodyPr>
+          <a:lstStyle/>
+          <a:p>
+            <a:endParaRPr lang="en-US" dirty="0"/>
+          </a:p>
+        </p:txBody>
+      </p:sp>
+      <p:sp>
+        <p:nvSpPr>
           <p:cNvPr id="16" name="TextBox 15"/>
           <p:cNvSpPr txBox="1"/>
           <p:nvPr/>
@@ -4405,21 +5402,19 @@
       </p:sp>
       <p:sp>
         <p:nvSpPr>
-          <p:cNvPr id="20" name="TextBox 19"/>
+          <p:cNvPr id="41" name="TextBox 40"/>
           <p:cNvSpPr txBox="1"/>
           <p:nvPr/>
         </p:nvSpPr>
         <p:spPr>
           <a:xfrm>
-            <a:off x="838200" y="1558880"/>
-            <a:ext cx="4740832" cy="369332"/>
+            <a:off x="8274000" y="2072846"/>
+            <a:ext cx="3143643" cy="3416320"/>
           </a:xfrm>
           <a:prstGeom prst="rect">
             <a:avLst/>
           </a:prstGeom>
-          <a:solidFill>
-            <a:schemeClr val="accent4"/>
-          </a:solidFill>
+          <a:noFill/>
         </p:spPr>
         <p:txBody>
           <a:bodyPr wrap="square" rtlCol="0">
@@ -4428,27 +5423,853 @@
           <a:lstStyle/>
           <a:p>
             <a:r>
-              <a:rPr lang="en-US" b="1" dirty="0" smtClean="0">
+              <a:rPr lang="en-US" sz="1400" b="1" dirty="0" smtClean="0">
                 <a:latin typeface="+mj-lt"/>
               </a:rPr>
-              <a:t>Great changes happened in February, 2015. </a:t>
-            </a:r>
-            <a:endParaRPr lang="en-US" b="1" dirty="0">
+              <a:t>CYCLICAL pattern </a:t>
+            </a:r>
+            <a:r>
+              <a:rPr lang="en-US" sz="1400" b="1" dirty="0">
+                <a:latin typeface="+mj-lt"/>
+              </a:rPr>
+              <a:t>for traffic flow: </a:t>
+            </a:r>
+          </a:p>
+          <a:p>
+            <a:pPr marL="285750" indent="-285750">
+              <a:buFont typeface="Arial" panose="020B0604020202020204" pitchFamily="34" charset="0"/>
+              <a:buChar char="•"/>
+            </a:pPr>
+            <a:r>
+              <a:rPr lang="en-US" sz="1400" b="1" dirty="0">
+                <a:latin typeface="+mj-lt"/>
+              </a:rPr>
+              <a:t>3 pm Thursday till 8 pm </a:t>
+            </a:r>
+            <a:r>
+              <a:rPr lang="en-US" sz="1400" b="1" dirty="0" smtClean="0">
+                <a:latin typeface="+mj-lt"/>
+              </a:rPr>
+              <a:t>Saturday</a:t>
+            </a:r>
+          </a:p>
+          <a:p>
+            <a:pPr marL="742950" lvl="1" indent="-285750">
+              <a:buFont typeface="Courier New" panose="02070309020205020404" pitchFamily="49" charset="0"/>
+              <a:buChar char="o"/>
+            </a:pPr>
+            <a:r>
+              <a:rPr lang="en-US" sz="1400" b="1" dirty="0" smtClean="0">
+                <a:latin typeface="+mj-lt"/>
+              </a:rPr>
+              <a:t>peak </a:t>
+            </a:r>
+            <a:r>
+              <a:rPr lang="en-US" sz="1400" b="1" dirty="0">
+                <a:latin typeface="+mj-lt"/>
+              </a:rPr>
+              <a:t>at </a:t>
+            </a:r>
+            <a:r>
+              <a:rPr lang="en-US" sz="1400" b="1" dirty="0" smtClean="0">
+                <a:latin typeface="+mj-lt"/>
+              </a:rPr>
+              <a:t>Midnight</a:t>
+            </a:r>
+          </a:p>
+          <a:p>
+            <a:pPr marL="742950" lvl="1" indent="-285750">
+              <a:buFont typeface="Courier New" panose="02070309020205020404" pitchFamily="49" charset="0"/>
+              <a:buChar char="o"/>
+            </a:pPr>
+            <a:r>
+              <a:rPr lang="en-US" sz="1400" b="1" dirty="0" smtClean="0">
+                <a:latin typeface="+mj-lt"/>
+              </a:rPr>
+              <a:t>slow </a:t>
+            </a:r>
+            <a:r>
+              <a:rPr lang="en-US" sz="1400" b="1" dirty="0">
+                <a:latin typeface="+mj-lt"/>
+              </a:rPr>
+              <a:t>growth </a:t>
+            </a:r>
+            <a:r>
+              <a:rPr lang="en-US" sz="1400" b="1" dirty="0" smtClean="0">
+                <a:latin typeface="+mj-lt"/>
+              </a:rPr>
+              <a:t>since 6 am</a:t>
+            </a:r>
+            <a:endParaRPr lang="en-US" sz="1400" b="1" dirty="0">
               <a:latin typeface="+mj-lt"/>
             </a:endParaRPr>
           </a:p>
-        </p:txBody>
-      </p:sp>
-      <p:sp>
-        <p:nvSpPr>
-          <p:cNvPr id="21" name="TextBox 20"/>
+          <a:p>
+            <a:pPr marL="285750" indent="-285750">
+              <a:buFont typeface="Arial" panose="020B0604020202020204" pitchFamily="34" charset="0"/>
+              <a:buChar char="•"/>
+            </a:pPr>
+            <a:r>
+              <a:rPr lang="en-US" sz="1400" b="1" dirty="0">
+                <a:latin typeface="+mj-lt"/>
+              </a:rPr>
+              <a:t>8 pm Saturday to 3 pm next </a:t>
+            </a:r>
+            <a:r>
+              <a:rPr lang="en-US" sz="1400" b="1" dirty="0" smtClean="0">
+                <a:latin typeface="+mj-lt"/>
+              </a:rPr>
+              <a:t>Thursday</a:t>
+            </a:r>
+          </a:p>
+          <a:p>
+            <a:pPr marL="742950" lvl="1" indent="-285750">
+              <a:buFont typeface="Courier New" panose="02070309020205020404" pitchFamily="49" charset="0"/>
+              <a:buChar char="o"/>
+            </a:pPr>
+            <a:r>
+              <a:rPr lang="en-US" sz="1400" b="1" dirty="0" smtClean="0">
+                <a:latin typeface="+mj-lt"/>
+              </a:rPr>
+              <a:t>peak </a:t>
+            </a:r>
+            <a:r>
+              <a:rPr lang="en-US" sz="1400" b="1" dirty="0">
+                <a:latin typeface="+mj-lt"/>
+              </a:rPr>
+              <a:t>at 8 </a:t>
+            </a:r>
+            <a:r>
+              <a:rPr lang="en-US" sz="1400" b="1" dirty="0" smtClean="0">
+                <a:latin typeface="+mj-lt"/>
+              </a:rPr>
+              <a:t>pm</a:t>
+            </a:r>
+          </a:p>
+          <a:p>
+            <a:pPr marL="742950" lvl="1" indent="-285750">
+              <a:buFont typeface="Courier New" panose="02070309020205020404" pitchFamily="49" charset="0"/>
+              <a:buChar char="o"/>
+            </a:pPr>
+            <a:r>
+              <a:rPr lang="en-US" sz="1400" b="1" dirty="0" smtClean="0">
+                <a:latin typeface="+mj-lt"/>
+              </a:rPr>
+              <a:t>rapid </a:t>
+            </a:r>
+            <a:r>
+              <a:rPr lang="en-US" sz="1400" b="1" dirty="0">
+                <a:latin typeface="+mj-lt"/>
+              </a:rPr>
+              <a:t>increase from 6 </a:t>
+            </a:r>
+            <a:r>
+              <a:rPr lang="en-US" sz="1400" b="1" dirty="0" smtClean="0">
+                <a:latin typeface="+mj-lt"/>
+              </a:rPr>
+              <a:t>am</a:t>
+            </a:r>
+          </a:p>
+          <a:p>
+            <a:pPr marL="285750" indent="-285750">
+              <a:buFont typeface="Arial" panose="020B0604020202020204" pitchFamily="34" charset="0"/>
+              <a:buChar char="•"/>
+            </a:pPr>
+            <a:endParaRPr lang="en-US" sz="1000" b="1" dirty="0" smtClean="0">
+              <a:latin typeface="+mj-lt"/>
+            </a:endParaRPr>
+          </a:p>
+          <a:p>
+            <a:r>
+              <a:rPr lang="en-US" sz="1400" b="1" dirty="0" smtClean="0">
+                <a:latin typeface="+mj-lt"/>
+              </a:rPr>
+              <a:t>6 </a:t>
+            </a:r>
+            <a:r>
+              <a:rPr lang="en-US" sz="1400" b="1" dirty="0">
+                <a:latin typeface="+mj-lt"/>
+              </a:rPr>
+              <a:t>am to 3 pm </a:t>
+            </a:r>
+            <a:r>
+              <a:rPr lang="en-US" sz="1400" b="1" dirty="0" smtClean="0">
+                <a:latin typeface="+mj-lt"/>
+              </a:rPr>
+              <a:t>from Sunday </a:t>
+            </a:r>
+            <a:r>
+              <a:rPr lang="en-US" sz="1400" b="1" dirty="0">
+                <a:latin typeface="+mj-lt"/>
+              </a:rPr>
+              <a:t>to </a:t>
+            </a:r>
+            <a:r>
+              <a:rPr lang="en-US" sz="1400" b="1" dirty="0" smtClean="0">
+                <a:latin typeface="+mj-lt"/>
+              </a:rPr>
+              <a:t>Thursday follows CONSTANT pattern.</a:t>
+            </a:r>
+          </a:p>
+          <a:p>
+            <a:endParaRPr lang="en-US" sz="1400" b="1" dirty="0">
+              <a:latin typeface="+mj-lt"/>
+            </a:endParaRPr>
+          </a:p>
+          <a:p>
+            <a:r>
+              <a:rPr lang="en-US" sz="1400" b="1" dirty="0" smtClean="0">
+                <a:latin typeface="+mj-lt"/>
+              </a:rPr>
+              <a:t>Weekly PEAK: </a:t>
+            </a:r>
+            <a:r>
+              <a:rPr lang="en-US" sz="1400" b="1" dirty="0">
+                <a:latin typeface="+mj-lt"/>
+              </a:rPr>
+              <a:t>8 pm till midnight Thursday and Friday</a:t>
+            </a:r>
+            <a:r>
+              <a:rPr lang="en-US" sz="1400" b="1" dirty="0" smtClean="0">
+                <a:latin typeface="+mj-lt"/>
+              </a:rPr>
+              <a:t>.</a:t>
+            </a:r>
+          </a:p>
+          <a:p>
+            <a:endParaRPr lang="en-US" sz="1000" b="1" dirty="0">
+              <a:latin typeface="+mj-lt"/>
+            </a:endParaRPr>
+          </a:p>
+          <a:p>
+            <a:r>
+              <a:rPr lang="en-US" sz="1400" b="1" dirty="0" smtClean="0">
+                <a:latin typeface="+mj-lt"/>
+              </a:rPr>
+              <a:t>Mini Rush-hour: 7 am till 11 am Sunday to Thursday.</a:t>
+            </a:r>
+          </a:p>
+        </p:txBody>
+      </p:sp>
+      <p:grpSp>
+        <p:nvGrpSpPr>
+          <p:cNvPr id="54" name="Group 53"/>
+          <p:cNvGrpSpPr/>
+          <p:nvPr/>
+        </p:nvGrpSpPr>
+        <p:grpSpPr>
+          <a:xfrm>
+            <a:off x="6969208" y="2419543"/>
+            <a:ext cx="1079113" cy="2864264"/>
+            <a:chOff x="6969208" y="2419543"/>
+            <a:chExt cx="1079113" cy="2864264"/>
+          </a:xfrm>
+        </p:grpSpPr>
+        <p:grpSp>
+          <p:nvGrpSpPr>
+            <p:cNvPr id="52" name="Group 51"/>
+            <p:cNvGrpSpPr/>
+            <p:nvPr/>
+          </p:nvGrpSpPr>
+          <p:grpSpPr>
+            <a:xfrm>
+              <a:off x="6969208" y="2419543"/>
+              <a:ext cx="1073242" cy="1494999"/>
+              <a:chOff x="6969208" y="2419543"/>
+              <a:chExt cx="1073242" cy="1494999"/>
+            </a:xfrm>
+          </p:grpSpPr>
+          <p:grpSp>
+            <p:nvGrpSpPr>
+              <p:cNvPr id="51" name="Group 50"/>
+              <p:cNvGrpSpPr/>
+              <p:nvPr/>
+            </p:nvGrpSpPr>
+            <p:grpSpPr>
+              <a:xfrm>
+                <a:off x="6969208" y="2419543"/>
+                <a:ext cx="1037517" cy="1494999"/>
+                <a:chOff x="6969208" y="2419543"/>
+                <a:chExt cx="1037517" cy="1494999"/>
+              </a:xfrm>
+            </p:grpSpPr>
+            <p:sp>
+              <p:nvSpPr>
+                <p:cNvPr id="18" name="TextBox 17"/>
+                <p:cNvSpPr txBox="1"/>
+                <p:nvPr/>
+              </p:nvSpPr>
+              <p:spPr>
+                <a:xfrm>
+                  <a:off x="6969208" y="2419543"/>
+                  <a:ext cx="993280" cy="323165"/>
+                </a:xfrm>
+                <a:prstGeom prst="rect">
+                  <a:avLst/>
+                </a:prstGeom>
+                <a:noFill/>
+              </p:spPr>
+              <p:txBody>
+                <a:bodyPr wrap="square" rtlCol="0">
+                  <a:spAutoFit/>
+                </a:bodyPr>
+                <a:lstStyle/>
+                <a:p>
+                  <a:r>
+                    <a:rPr lang="en-US" altLang="zh-CN" sz="1500" b="1" dirty="0" err="1" smtClean="0">
+                      <a:solidFill>
+                        <a:schemeClr val="bg2">
+                          <a:lumMod val="50000"/>
+                        </a:schemeClr>
+                      </a:solidFill>
+                    </a:rPr>
+                    <a:t>Thur</a:t>
+                  </a:r>
+                  <a:endParaRPr lang="en-US" sz="1500" b="1" dirty="0">
+                    <a:solidFill>
+                      <a:schemeClr val="bg2">
+                        <a:lumMod val="50000"/>
+                      </a:schemeClr>
+                    </a:solidFill>
+                  </a:endParaRPr>
+                </a:p>
+              </p:txBody>
+            </p:sp>
+            <p:sp>
+              <p:nvSpPr>
+                <p:cNvPr id="22" name="TextBox 21"/>
+                <p:cNvSpPr txBox="1"/>
+                <p:nvPr/>
+              </p:nvSpPr>
+              <p:spPr>
+                <a:xfrm>
+                  <a:off x="6985316" y="2888879"/>
+                  <a:ext cx="993280" cy="323165"/>
+                </a:xfrm>
+                <a:prstGeom prst="rect">
+                  <a:avLst/>
+                </a:prstGeom>
+                <a:noFill/>
+              </p:spPr>
+              <p:txBody>
+                <a:bodyPr wrap="square" rtlCol="0">
+                  <a:spAutoFit/>
+                </a:bodyPr>
+                <a:lstStyle/>
+                <a:p>
+                  <a:r>
+                    <a:rPr lang="en-US" altLang="zh-CN" sz="1500" b="1" dirty="0" smtClean="0">
+                      <a:solidFill>
+                        <a:schemeClr val="bg2">
+                          <a:lumMod val="50000"/>
+                        </a:schemeClr>
+                      </a:solidFill>
+                    </a:rPr>
+                    <a:t>Wed</a:t>
+                  </a:r>
+                  <a:endParaRPr lang="en-US" sz="1500" b="1" dirty="0">
+                    <a:solidFill>
+                      <a:schemeClr val="bg2">
+                        <a:lumMod val="50000"/>
+                      </a:schemeClr>
+                    </a:solidFill>
+                  </a:endParaRPr>
+                </a:p>
+              </p:txBody>
+            </p:sp>
+            <p:sp>
+              <p:nvSpPr>
+                <p:cNvPr id="25" name="TextBox 24"/>
+                <p:cNvSpPr txBox="1"/>
+                <p:nvPr/>
+              </p:nvSpPr>
+              <p:spPr>
+                <a:xfrm>
+                  <a:off x="7013445" y="3372460"/>
+                  <a:ext cx="993280" cy="323165"/>
+                </a:xfrm>
+                <a:prstGeom prst="rect">
+                  <a:avLst/>
+                </a:prstGeom>
+                <a:noFill/>
+              </p:spPr>
+              <p:txBody>
+                <a:bodyPr wrap="square" rtlCol="0">
+                  <a:spAutoFit/>
+                </a:bodyPr>
+                <a:lstStyle/>
+                <a:p>
+                  <a:r>
+                    <a:rPr lang="en-US" sz="1500" b="1" dirty="0" smtClean="0">
+                      <a:solidFill>
+                        <a:schemeClr val="bg2">
+                          <a:lumMod val="50000"/>
+                        </a:schemeClr>
+                      </a:solidFill>
+                    </a:rPr>
+                    <a:t>Mon</a:t>
+                  </a:r>
+                  <a:endParaRPr lang="en-US" sz="1500" b="1" dirty="0">
+                    <a:solidFill>
+                      <a:schemeClr val="bg2">
+                        <a:lumMod val="50000"/>
+                      </a:schemeClr>
+                    </a:solidFill>
+                  </a:endParaRPr>
+                </a:p>
+              </p:txBody>
+            </p:sp>
+            <p:grpSp>
+              <p:nvGrpSpPr>
+                <p:cNvPr id="50" name="Group 49"/>
+                <p:cNvGrpSpPr/>
+                <p:nvPr/>
+              </p:nvGrpSpPr>
+              <p:grpSpPr>
+                <a:xfrm>
+                  <a:off x="6992506" y="3141063"/>
+                  <a:ext cx="1006394" cy="773479"/>
+                  <a:chOff x="6992506" y="3141063"/>
+                  <a:chExt cx="1006394" cy="773479"/>
+                </a:xfrm>
+              </p:grpSpPr>
+              <p:sp>
+                <p:nvSpPr>
+                  <p:cNvPr id="24" name="TextBox 23"/>
+                  <p:cNvSpPr txBox="1"/>
+                  <p:nvPr/>
+                </p:nvSpPr>
+                <p:spPr>
+                  <a:xfrm>
+                    <a:off x="7005620" y="3591377"/>
+                    <a:ext cx="993280" cy="323165"/>
+                  </a:xfrm>
+                  <a:prstGeom prst="rect">
+                    <a:avLst/>
+                  </a:prstGeom>
+                  <a:noFill/>
+                </p:spPr>
+                <p:txBody>
+                  <a:bodyPr wrap="square" rtlCol="0">
+                    <a:spAutoFit/>
+                  </a:bodyPr>
+                  <a:lstStyle/>
+                  <a:p>
+                    <a:r>
+                      <a:rPr lang="en-US" altLang="zh-CN" sz="1500" b="1" dirty="0" smtClean="0">
+                        <a:solidFill>
+                          <a:schemeClr val="bg2">
+                            <a:lumMod val="50000"/>
+                          </a:schemeClr>
+                        </a:solidFill>
+                      </a:rPr>
+                      <a:t>Sun</a:t>
+                    </a:r>
+                    <a:endParaRPr lang="en-US" sz="1500" b="1" dirty="0">
+                      <a:solidFill>
+                        <a:schemeClr val="bg2">
+                          <a:lumMod val="50000"/>
+                        </a:schemeClr>
+                      </a:solidFill>
+                    </a:endParaRPr>
+                  </a:p>
+                </p:txBody>
+              </p:sp>
+              <p:sp>
+                <p:nvSpPr>
+                  <p:cNvPr id="26" name="TextBox 25"/>
+                  <p:cNvSpPr txBox="1"/>
+                  <p:nvPr/>
+                </p:nvSpPr>
+                <p:spPr>
+                  <a:xfrm>
+                    <a:off x="6992506" y="3141063"/>
+                    <a:ext cx="993280" cy="323165"/>
+                  </a:xfrm>
+                  <a:prstGeom prst="rect">
+                    <a:avLst/>
+                  </a:prstGeom>
+                  <a:noFill/>
+                </p:spPr>
+                <p:txBody>
+                  <a:bodyPr wrap="square" rtlCol="0">
+                    <a:spAutoFit/>
+                  </a:bodyPr>
+                  <a:lstStyle/>
+                  <a:p>
+                    <a:r>
+                      <a:rPr lang="en-US" altLang="zh-CN" sz="1500" b="1" dirty="0" smtClean="0">
+                        <a:solidFill>
+                          <a:schemeClr val="bg2">
+                            <a:lumMod val="50000"/>
+                          </a:schemeClr>
+                        </a:solidFill>
+                      </a:rPr>
+                      <a:t>Tue</a:t>
+                    </a:r>
+                    <a:endParaRPr lang="en-US" sz="1500" b="1" dirty="0">
+                      <a:solidFill>
+                        <a:schemeClr val="bg2">
+                          <a:lumMod val="50000"/>
+                        </a:schemeClr>
+                      </a:solidFill>
+                    </a:endParaRPr>
+                  </a:p>
+                </p:txBody>
+              </p:sp>
+            </p:grpSp>
+          </p:grpSp>
+          <p:grpSp>
+            <p:nvGrpSpPr>
+              <p:cNvPr id="40" name="Group 39"/>
+              <p:cNvGrpSpPr/>
+              <p:nvPr/>
+            </p:nvGrpSpPr>
+            <p:grpSpPr>
+              <a:xfrm>
+                <a:off x="7611762" y="2568435"/>
+                <a:ext cx="430688" cy="1127190"/>
+                <a:chOff x="7611762" y="2568435"/>
+                <a:chExt cx="842580" cy="1127190"/>
+              </a:xfrm>
+            </p:grpSpPr>
+            <p:cxnSp>
+              <p:nvCxnSpPr>
+                <p:cNvPr id="36" name="Straight Connector 35"/>
+                <p:cNvCxnSpPr/>
+                <p:nvPr/>
+              </p:nvCxnSpPr>
+              <p:spPr>
+                <a:xfrm>
+                  <a:off x="7611762" y="2568435"/>
+                  <a:ext cx="823784" cy="0"/>
+                </a:xfrm>
+                <a:prstGeom prst="line">
+                  <a:avLst/>
+                </a:prstGeom>
+                <a:ln w="19050">
+                  <a:solidFill>
+                    <a:schemeClr val="tx1"/>
+                  </a:solidFill>
+                </a:ln>
+              </p:spPr>
+              <p:style>
+                <a:lnRef idx="1">
+                  <a:schemeClr val="accent1"/>
+                </a:lnRef>
+                <a:fillRef idx="0">
+                  <a:schemeClr val="accent1"/>
+                </a:fillRef>
+                <a:effectRef idx="0">
+                  <a:schemeClr val="accent1"/>
+                </a:effectRef>
+                <a:fontRef idx="minor">
+                  <a:schemeClr val="tx1"/>
+                </a:fontRef>
+              </p:style>
+            </p:cxnSp>
+            <p:cxnSp>
+              <p:nvCxnSpPr>
+                <p:cNvPr id="38" name="Straight Connector 37"/>
+                <p:cNvCxnSpPr/>
+                <p:nvPr/>
+              </p:nvCxnSpPr>
+              <p:spPr>
+                <a:xfrm flipH="1">
+                  <a:off x="8427308" y="2568435"/>
+                  <a:ext cx="8238" cy="1127190"/>
+                </a:xfrm>
+                <a:prstGeom prst="line">
+                  <a:avLst/>
+                </a:prstGeom>
+                <a:ln w="19050">
+                  <a:solidFill>
+                    <a:schemeClr val="tx1"/>
+                  </a:solidFill>
+                </a:ln>
+              </p:spPr>
+              <p:style>
+                <a:lnRef idx="1">
+                  <a:schemeClr val="accent1"/>
+                </a:lnRef>
+                <a:fillRef idx="0">
+                  <a:schemeClr val="accent1"/>
+                </a:fillRef>
+                <a:effectRef idx="0">
+                  <a:schemeClr val="accent1"/>
+                </a:effectRef>
+                <a:fontRef idx="minor">
+                  <a:schemeClr val="tx1"/>
+                </a:fontRef>
+              </p:style>
+            </p:cxnSp>
+            <p:cxnSp>
+              <p:nvCxnSpPr>
+                <p:cNvPr id="39" name="Straight Connector 38"/>
+                <p:cNvCxnSpPr/>
+                <p:nvPr/>
+              </p:nvCxnSpPr>
+              <p:spPr>
+                <a:xfrm>
+                  <a:off x="7630558" y="3695625"/>
+                  <a:ext cx="823784" cy="0"/>
+                </a:xfrm>
+                <a:prstGeom prst="line">
+                  <a:avLst/>
+                </a:prstGeom>
+                <a:ln w="19050">
+                  <a:solidFill>
+                    <a:schemeClr val="tx1"/>
+                  </a:solidFill>
+                </a:ln>
+              </p:spPr>
+              <p:style>
+                <a:lnRef idx="1">
+                  <a:schemeClr val="accent1"/>
+                </a:lnRef>
+                <a:fillRef idx="0">
+                  <a:schemeClr val="accent1"/>
+                </a:fillRef>
+                <a:effectRef idx="0">
+                  <a:schemeClr val="accent1"/>
+                </a:effectRef>
+                <a:fontRef idx="minor">
+                  <a:schemeClr val="tx1"/>
+                </a:fontRef>
+              </p:style>
+            </p:cxnSp>
+          </p:grpSp>
+        </p:grpSp>
+        <p:grpSp>
+          <p:nvGrpSpPr>
+            <p:cNvPr id="53" name="Group 52"/>
+            <p:cNvGrpSpPr/>
+            <p:nvPr/>
+          </p:nvGrpSpPr>
+          <p:grpSpPr>
+            <a:xfrm>
+              <a:off x="7049170" y="4070205"/>
+              <a:ext cx="999151" cy="1213602"/>
+              <a:chOff x="7049170" y="4070205"/>
+              <a:chExt cx="999151" cy="1213602"/>
+            </a:xfrm>
+          </p:grpSpPr>
+          <p:sp>
+            <p:nvSpPr>
+              <p:cNvPr id="23" name="TextBox 22"/>
+              <p:cNvSpPr txBox="1"/>
+              <p:nvPr/>
+            </p:nvSpPr>
+            <p:spPr>
+              <a:xfrm>
+                <a:off x="7055041" y="4070205"/>
+                <a:ext cx="993280" cy="323165"/>
+              </a:xfrm>
+              <a:prstGeom prst="rect">
+                <a:avLst/>
+              </a:prstGeom>
+              <a:noFill/>
+            </p:spPr>
+            <p:txBody>
+              <a:bodyPr wrap="square" rtlCol="0">
+                <a:spAutoFit/>
+              </a:bodyPr>
+              <a:lstStyle/>
+              <a:p>
+                <a:r>
+                  <a:rPr lang="en-US" altLang="zh-CN" sz="1500" b="1" dirty="0" smtClean="0">
+                    <a:solidFill>
+                      <a:schemeClr val="bg2">
+                        <a:lumMod val="50000"/>
+                      </a:schemeClr>
+                    </a:solidFill>
+                  </a:rPr>
+                  <a:t>Fri</a:t>
+                </a:r>
+                <a:endParaRPr lang="en-US" sz="1500" b="1" dirty="0">
+                  <a:solidFill>
+                    <a:schemeClr val="bg2">
+                      <a:lumMod val="50000"/>
+                    </a:schemeClr>
+                  </a:solidFill>
+                </a:endParaRPr>
+              </a:p>
+            </p:txBody>
+          </p:sp>
+          <p:sp>
+            <p:nvSpPr>
+              <p:cNvPr id="27" name="TextBox 26"/>
+              <p:cNvSpPr txBox="1"/>
+              <p:nvPr/>
+            </p:nvSpPr>
+            <p:spPr>
+              <a:xfrm>
+                <a:off x="7049170" y="4960642"/>
+                <a:ext cx="993280" cy="323165"/>
+              </a:xfrm>
+              <a:prstGeom prst="rect">
+                <a:avLst/>
+              </a:prstGeom>
+              <a:noFill/>
+            </p:spPr>
+            <p:txBody>
+              <a:bodyPr wrap="square" rtlCol="0">
+                <a:spAutoFit/>
+              </a:bodyPr>
+              <a:lstStyle/>
+              <a:p>
+                <a:r>
+                  <a:rPr lang="en-US" altLang="zh-CN" sz="1500" b="1" dirty="0" smtClean="0">
+                    <a:solidFill>
+                      <a:schemeClr val="bg2">
+                        <a:lumMod val="50000"/>
+                      </a:schemeClr>
+                    </a:solidFill>
+                  </a:rPr>
+                  <a:t>Sat</a:t>
+                </a:r>
+                <a:endParaRPr lang="en-US" sz="1500" b="1" dirty="0">
+                  <a:solidFill>
+                    <a:schemeClr val="bg2">
+                      <a:lumMod val="50000"/>
+                    </a:schemeClr>
+                  </a:solidFill>
+                </a:endParaRPr>
+              </a:p>
+            </p:txBody>
+          </p:sp>
+          <p:grpSp>
+            <p:nvGrpSpPr>
+              <p:cNvPr id="42" name="Group 41"/>
+              <p:cNvGrpSpPr/>
+              <p:nvPr/>
+            </p:nvGrpSpPr>
+            <p:grpSpPr>
+              <a:xfrm>
+                <a:off x="7530097" y="4204354"/>
+                <a:ext cx="430688" cy="917871"/>
+                <a:chOff x="7611762" y="2568435"/>
+                <a:chExt cx="842580" cy="1127190"/>
+              </a:xfrm>
+            </p:grpSpPr>
+            <p:cxnSp>
+              <p:nvCxnSpPr>
+                <p:cNvPr id="43" name="Straight Connector 42"/>
+                <p:cNvCxnSpPr/>
+                <p:nvPr/>
+              </p:nvCxnSpPr>
+              <p:spPr>
+                <a:xfrm>
+                  <a:off x="7611762" y="2568435"/>
+                  <a:ext cx="823784" cy="0"/>
+                </a:xfrm>
+                <a:prstGeom prst="line">
+                  <a:avLst/>
+                </a:prstGeom>
+                <a:ln w="19050">
+                  <a:solidFill>
+                    <a:schemeClr val="tx1"/>
+                  </a:solidFill>
+                </a:ln>
+              </p:spPr>
+              <p:style>
+                <a:lnRef idx="1">
+                  <a:schemeClr val="accent1"/>
+                </a:lnRef>
+                <a:fillRef idx="0">
+                  <a:schemeClr val="accent1"/>
+                </a:fillRef>
+                <a:effectRef idx="0">
+                  <a:schemeClr val="accent1"/>
+                </a:effectRef>
+                <a:fontRef idx="minor">
+                  <a:schemeClr val="tx1"/>
+                </a:fontRef>
+              </p:style>
+            </p:cxnSp>
+            <p:cxnSp>
+              <p:nvCxnSpPr>
+                <p:cNvPr id="44" name="Straight Connector 43"/>
+                <p:cNvCxnSpPr/>
+                <p:nvPr/>
+              </p:nvCxnSpPr>
+              <p:spPr>
+                <a:xfrm flipH="1">
+                  <a:off x="8427308" y="2568435"/>
+                  <a:ext cx="8238" cy="1127190"/>
+                </a:xfrm>
+                <a:prstGeom prst="line">
+                  <a:avLst/>
+                </a:prstGeom>
+                <a:ln w="19050">
+                  <a:solidFill>
+                    <a:schemeClr val="tx1"/>
+                  </a:solidFill>
+                </a:ln>
+              </p:spPr>
+              <p:style>
+                <a:lnRef idx="1">
+                  <a:schemeClr val="accent1"/>
+                </a:lnRef>
+                <a:fillRef idx="0">
+                  <a:schemeClr val="accent1"/>
+                </a:fillRef>
+                <a:effectRef idx="0">
+                  <a:schemeClr val="accent1"/>
+                </a:effectRef>
+                <a:fontRef idx="minor">
+                  <a:schemeClr val="tx1"/>
+                </a:fontRef>
+              </p:style>
+            </p:cxnSp>
+            <p:cxnSp>
+              <p:nvCxnSpPr>
+                <p:cNvPr id="45" name="Straight Connector 44"/>
+                <p:cNvCxnSpPr/>
+                <p:nvPr/>
+              </p:nvCxnSpPr>
+              <p:spPr>
+                <a:xfrm>
+                  <a:off x="7630558" y="3695625"/>
+                  <a:ext cx="823784" cy="0"/>
+                </a:xfrm>
+                <a:prstGeom prst="line">
+                  <a:avLst/>
+                </a:prstGeom>
+                <a:ln w="19050">
+                  <a:solidFill>
+                    <a:schemeClr val="tx1"/>
+                  </a:solidFill>
+                </a:ln>
+              </p:spPr>
+              <p:style>
+                <a:lnRef idx="1">
+                  <a:schemeClr val="accent1"/>
+                </a:lnRef>
+                <a:fillRef idx="0">
+                  <a:schemeClr val="accent1"/>
+                </a:fillRef>
+                <a:effectRef idx="0">
+                  <a:schemeClr val="accent1"/>
+                </a:effectRef>
+                <a:fontRef idx="minor">
+                  <a:schemeClr val="tx1"/>
+                </a:fontRef>
+              </p:style>
+            </p:cxnSp>
+          </p:grpSp>
+        </p:grpSp>
+      </p:grpSp>
+      <p:sp>
+        <p:nvSpPr>
+          <p:cNvPr id="46" name="TextBox 45"/>
           <p:cNvSpPr txBox="1"/>
           <p:nvPr/>
         </p:nvSpPr>
         <p:spPr>
           <a:xfrm>
-            <a:off x="859139" y="1982442"/>
-            <a:ext cx="1327942" cy="323165"/>
+            <a:off x="2802494" y="2896270"/>
+            <a:ext cx="1200271" cy="323165"/>
           </a:xfrm>
           <a:prstGeom prst="rect">
             <a:avLst/>
@@ -4470,51 +6291,7 @@
                   </a:schemeClr>
                 </a:solidFill>
               </a:rPr>
-              <a:t>Ride Count</a:t>
-            </a:r>
-            <a:endParaRPr lang="en-US" sz="1500" b="1" dirty="0">
-              <a:solidFill>
-                <a:schemeClr val="tx1">
-                  <a:lumMod val="50000"/>
-                  <a:lumOff val="50000"/>
-                </a:schemeClr>
-              </a:solidFill>
-            </a:endParaRPr>
-          </a:p>
-        </p:txBody>
-      </p:sp>
-      <p:sp>
-        <p:nvSpPr>
-          <p:cNvPr id="19" name="TextBox 18"/>
-          <p:cNvSpPr txBox="1"/>
-          <p:nvPr/>
-        </p:nvSpPr>
-        <p:spPr>
-          <a:xfrm>
-            <a:off x="3940740" y="3027782"/>
-            <a:ext cx="1200271" cy="323165"/>
-          </a:xfrm>
-          <a:prstGeom prst="rect">
-            <a:avLst/>
-          </a:prstGeom>
-          <a:noFill/>
-        </p:spPr>
-        <p:txBody>
-          <a:bodyPr wrap="square" rtlCol="0">
-            <a:spAutoFit/>
-          </a:bodyPr>
-          <a:lstStyle/>
-          <a:p>
-            <a:r>
-              <a:rPr lang="en-US" sz="1500" b="1" dirty="0">
-                <a:solidFill>
-                  <a:schemeClr val="tx1">
-                    <a:lumMod val="50000"/>
-                    <a:lumOff val="50000"/>
-                  </a:schemeClr>
-                </a:solidFill>
-              </a:rPr>
-              <a:t>3</a:t>
+              <a:t>10</a:t>
             </a:r>
             <a:r>
               <a:rPr lang="en-US" sz="1500" b="1" dirty="0" smtClean="0">
@@ -4536,7 +6313,7 @@
                   </a:schemeClr>
                 </a:solidFill>
               </a:rPr>
-              <a:t>PM</a:t>
+              <a:t>AM</a:t>
             </a:r>
             <a:endParaRPr lang="en-US" sz="1500" b="1" dirty="0">
               <a:solidFill>
@@ -4546,6 +6323,194 @@
                 </a:schemeClr>
               </a:solidFill>
             </a:endParaRPr>
+          </a:p>
+        </p:txBody>
+      </p:sp>
+      <p:sp>
+        <p:nvSpPr>
+          <p:cNvPr id="47" name="TextBox 46"/>
+          <p:cNvSpPr txBox="1"/>
+          <p:nvPr/>
+        </p:nvSpPr>
+        <p:spPr>
+          <a:xfrm>
+            <a:off x="5508602" y="3989362"/>
+            <a:ext cx="1200271" cy="323165"/>
+          </a:xfrm>
+          <a:prstGeom prst="rect">
+            <a:avLst/>
+          </a:prstGeom>
+          <a:noFill/>
+        </p:spPr>
+        <p:txBody>
+          <a:bodyPr wrap="square" rtlCol="0">
+            <a:spAutoFit/>
+          </a:bodyPr>
+          <a:lstStyle/>
+          <a:p>
+            <a:r>
+              <a:rPr lang="en-US" sz="1500" b="1" dirty="0" smtClean="0">
+                <a:solidFill>
+                  <a:schemeClr val="tx1">
+                    <a:lumMod val="50000"/>
+                    <a:lumOff val="50000"/>
+                  </a:schemeClr>
+                </a:solidFill>
+              </a:rPr>
+              <a:t>8 PM</a:t>
+            </a:r>
+            <a:endParaRPr lang="en-US" sz="1500" b="1" dirty="0">
+              <a:solidFill>
+                <a:schemeClr val="tx1">
+                  <a:lumMod val="50000"/>
+                  <a:lumOff val="50000"/>
+                </a:schemeClr>
+              </a:solidFill>
+            </a:endParaRPr>
+          </a:p>
+        </p:txBody>
+      </p:sp>
+      <p:sp>
+        <p:nvSpPr>
+          <p:cNvPr id="48" name="TextBox 47"/>
+          <p:cNvSpPr txBox="1"/>
+          <p:nvPr/>
+        </p:nvSpPr>
+        <p:spPr>
+          <a:xfrm>
+            <a:off x="6631639" y="5976551"/>
+            <a:ext cx="1200271" cy="323165"/>
+          </a:xfrm>
+          <a:prstGeom prst="rect">
+            <a:avLst/>
+          </a:prstGeom>
+          <a:noFill/>
+        </p:spPr>
+        <p:txBody>
+          <a:bodyPr wrap="square" rtlCol="0">
+            <a:spAutoFit/>
+          </a:bodyPr>
+          <a:lstStyle/>
+          <a:p>
+            <a:r>
+              <a:rPr lang="en-US" sz="1500" b="1" dirty="0" smtClean="0">
+                <a:solidFill>
+                  <a:schemeClr val="tx1">
+                    <a:lumMod val="50000"/>
+                    <a:lumOff val="50000"/>
+                  </a:schemeClr>
+                </a:solidFill>
+              </a:rPr>
+              <a:t>Midnight</a:t>
+            </a:r>
+            <a:endParaRPr lang="en-US" sz="1500" b="1" dirty="0">
+              <a:solidFill>
+                <a:schemeClr val="tx1">
+                  <a:lumMod val="50000"/>
+                  <a:lumOff val="50000"/>
+                </a:schemeClr>
+              </a:solidFill>
+            </a:endParaRPr>
+          </a:p>
+        </p:txBody>
+      </p:sp>
+      <p:sp>
+        <p:nvSpPr>
+          <p:cNvPr id="28" name="TextBox 27"/>
+          <p:cNvSpPr txBox="1"/>
+          <p:nvPr/>
+        </p:nvSpPr>
+        <p:spPr>
+          <a:xfrm>
+            <a:off x="1210119" y="5317707"/>
+            <a:ext cx="762282" cy="500822"/>
+          </a:xfrm>
+          <a:prstGeom prst="rect">
+            <a:avLst/>
+          </a:prstGeom>
+          <a:solidFill>
+            <a:schemeClr val="bg1"/>
+          </a:solidFill>
+        </p:spPr>
+        <p:txBody>
+          <a:bodyPr wrap="square" rtlCol="0">
+            <a:spAutoFit/>
+          </a:bodyPr>
+          <a:lstStyle/>
+          <a:p>
+            <a:endParaRPr lang="en-US" dirty="0"/>
+          </a:p>
+        </p:txBody>
+      </p:sp>
+      <p:sp>
+        <p:nvSpPr>
+          <p:cNvPr id="57" name="TextBox 56"/>
+          <p:cNvSpPr txBox="1"/>
+          <p:nvPr/>
+        </p:nvSpPr>
+        <p:spPr>
+          <a:xfrm>
+            <a:off x="895865" y="1535026"/>
+            <a:ext cx="4740832" cy="369332"/>
+          </a:xfrm>
+          <a:prstGeom prst="rect">
+            <a:avLst/>
+          </a:prstGeom>
+          <a:solidFill>
+            <a:schemeClr val="accent2"/>
+          </a:solidFill>
+        </p:spPr>
+        <p:txBody>
+          <a:bodyPr wrap="square" rtlCol="0">
+            <a:spAutoFit/>
+          </a:bodyPr>
+          <a:lstStyle/>
+          <a:p>
+            <a:r>
+              <a:rPr lang="en-US" b="1" dirty="0" smtClean="0">
+                <a:latin typeface="+mj-lt"/>
+              </a:rPr>
+              <a:t>Most passenger volume on Friday</a:t>
+            </a:r>
+            <a:endParaRPr lang="en-US" b="1" dirty="0">
+              <a:latin typeface="+mj-lt"/>
+            </a:endParaRPr>
+          </a:p>
+        </p:txBody>
+      </p:sp>
+      <p:sp>
+        <p:nvSpPr>
+          <p:cNvPr id="58" name="TextBox 57"/>
+          <p:cNvSpPr txBox="1"/>
+          <p:nvPr/>
+        </p:nvSpPr>
+        <p:spPr>
+          <a:xfrm>
+            <a:off x="6696909" y="6288613"/>
+            <a:ext cx="5190292" cy="323165"/>
+          </a:xfrm>
+          <a:prstGeom prst="rect">
+            <a:avLst/>
+          </a:prstGeom>
+          <a:noFill/>
+        </p:spPr>
+        <p:txBody>
+          <a:bodyPr wrap="square" rtlCol="0">
+            <a:spAutoFit/>
+          </a:bodyPr>
+          <a:lstStyle/>
+          <a:p>
+            <a:pPr algn="r"/>
+            <a:r>
+              <a:rPr lang="en-US" sz="1500" b="1" dirty="0" smtClean="0">
+                <a:solidFill>
+                  <a:schemeClr val="bg2">
+                    <a:lumMod val="75000"/>
+                  </a:schemeClr>
+                </a:solidFill>
+              </a:rPr>
+              <a:t>DATA: TAXI AND LIMOUSINE  COMMISSION</a:t>
+            </a:r>
           </a:p>
         </p:txBody>
       </p:sp>
@@ -4689,73 +6654,6 @@
           </a:p>
         </p:txBody>
       </p:sp>
-      <p:grpSp>
-        <p:nvGrpSpPr>
-          <p:cNvPr id="9" name="Group 8"/>
-          <p:cNvGrpSpPr/>
-          <p:nvPr/>
-        </p:nvGrpSpPr>
-        <p:grpSpPr>
-          <a:xfrm>
-            <a:off x="838200" y="2454876"/>
-            <a:ext cx="5211517" cy="3715265"/>
-            <a:chOff x="1011853" y="1593891"/>
-            <a:chExt cx="4475762" cy="3009332"/>
-          </a:xfrm>
-        </p:grpSpPr>
-        <p:pic>
-          <p:nvPicPr>
-            <p:cNvPr id="6" name="Picture 5"/>
-            <p:cNvPicPr>
-              <a:picLocks noChangeAspect="1"/>
-            </p:cNvPicPr>
-            <p:nvPr/>
-          </p:nvPicPr>
-          <p:blipFill rotWithShape="1">
-            <a:blip r:embed="rId2">
-              <a:extLst>
-                <a:ext uri="{28A0092B-C50C-407E-A947-70E740481C1C}">
-                  <a14:useLocalDpi xmlns:a14="http://schemas.microsoft.com/office/drawing/2010/main" val="0"/>
-                </a:ext>
-              </a:extLst>
-            </a:blip>
-            <a:srcRect t="4607" b="7949"/>
-            <a:stretch/>
-          </p:blipFill>
-          <p:spPr>
-            <a:xfrm>
-              <a:off x="1011853" y="1593891"/>
-              <a:ext cx="3337198" cy="3009332"/>
-            </a:xfrm>
-            <a:prstGeom prst="rect">
-              <a:avLst/>
-            </a:prstGeom>
-          </p:spPr>
-        </p:pic>
-        <p:pic>
-          <p:nvPicPr>
-            <p:cNvPr id="8" name="Picture 7"/>
-            <p:cNvPicPr>
-              <a:picLocks noChangeAspect="1"/>
-            </p:cNvPicPr>
-            <p:nvPr/>
-          </p:nvPicPr>
-          <p:blipFill rotWithShape="1">
-            <a:blip r:embed="rId3"/>
-            <a:srcRect l="25283"/>
-            <a:stretch/>
-          </p:blipFill>
-          <p:spPr>
-            <a:xfrm>
-              <a:off x="4233428" y="1750607"/>
-              <a:ext cx="1254187" cy="723240"/>
-            </a:xfrm>
-            <a:prstGeom prst="rect">
-              <a:avLst/>
-            </a:prstGeom>
-          </p:spPr>
-        </p:pic>
-      </p:grpSp>
       <p:sp>
         <p:nvSpPr>
           <p:cNvPr id="11" name="TextBox 10"/>
@@ -4765,43 +6663,7 @@
         <p:spPr>
           <a:xfrm>
             <a:off x="838200" y="1558880"/>
-            <a:ext cx="4740832" cy="369332"/>
-          </a:xfrm>
-          <a:prstGeom prst="rect">
-            <a:avLst/>
-          </a:prstGeom>
-          <a:solidFill>
-            <a:schemeClr val="accent4"/>
-          </a:solidFill>
-        </p:spPr>
-        <p:txBody>
-          <a:bodyPr wrap="square" rtlCol="0">
-            <a:spAutoFit/>
-          </a:bodyPr>
-          <a:lstStyle/>
-          <a:p>
-            <a:r>
-              <a:rPr lang="en-US" b="1" dirty="0" smtClean="0">
-                <a:latin typeface="+mj-lt"/>
-              </a:rPr>
-              <a:t>Great changes happened in February, 2015. </a:t>
-            </a:r>
-            <a:endParaRPr lang="en-US" b="1" dirty="0">
-              <a:latin typeface="+mj-lt"/>
-            </a:endParaRPr>
-          </a:p>
-        </p:txBody>
-      </p:sp>
-      <p:sp>
-        <p:nvSpPr>
-          <p:cNvPr id="12" name="TextBox 11"/>
-          <p:cNvSpPr txBox="1"/>
-          <p:nvPr/>
-        </p:nvSpPr>
-        <p:spPr>
-          <a:xfrm>
-            <a:off x="2434592" y="2141288"/>
-            <a:ext cx="1200271" cy="323165"/>
+            <a:ext cx="7670800" cy="369332"/>
           </a:xfrm>
           <a:prstGeom prst="rect">
             <a:avLst/>
@@ -4815,23 +6677,480 @@
           <a:lstStyle/>
           <a:p>
             <a:r>
-              <a:rPr lang="en-US" sz="1500" b="1" dirty="0" smtClean="0"/>
-              <a:t>Midnight</a:t>
-            </a:r>
-            <a:endParaRPr lang="en-US" sz="1500" b="1" dirty="0"/>
-          </a:p>
-        </p:txBody>
-      </p:sp>
-      <p:sp>
-        <p:nvSpPr>
-          <p:cNvPr id="13" name="TextBox 12"/>
+              <a:rPr lang="en-US" b="1" dirty="0">
+                <a:latin typeface="+mj-lt"/>
+              </a:rPr>
+              <a:t>P</a:t>
+            </a:r>
+            <a:r>
+              <a:rPr lang="en-US" b="1" dirty="0" smtClean="0">
+                <a:latin typeface="+mj-lt"/>
+              </a:rPr>
+              <a:t>assenger flow dispersed on rainy/snowy/windy day and centralized on cloudy day</a:t>
+            </a:r>
+            <a:endParaRPr lang="en-US" b="1" dirty="0">
+              <a:latin typeface="+mj-lt"/>
+            </a:endParaRPr>
+          </a:p>
+        </p:txBody>
+      </p:sp>
+      <p:grpSp>
+        <p:nvGrpSpPr>
+          <p:cNvPr id="5" name="Group 4"/>
+          <p:cNvGrpSpPr/>
+          <p:nvPr/>
+        </p:nvGrpSpPr>
+        <p:grpSpPr>
+          <a:xfrm>
+            <a:off x="838201" y="2049574"/>
+            <a:ext cx="4419599" cy="3461446"/>
+            <a:chOff x="838200" y="2141288"/>
+            <a:chExt cx="5211517" cy="4325966"/>
+          </a:xfrm>
+        </p:grpSpPr>
+        <p:sp>
+          <p:nvSpPr>
+            <p:cNvPr id="12" name="TextBox 11"/>
+            <p:cNvSpPr txBox="1"/>
+            <p:nvPr/>
+          </p:nvSpPr>
+          <p:spPr>
+            <a:xfrm>
+              <a:off x="2434592" y="2141288"/>
+              <a:ext cx="1200271" cy="323165"/>
+            </a:xfrm>
+            <a:prstGeom prst="rect">
+              <a:avLst/>
+            </a:prstGeom>
+            <a:noFill/>
+          </p:spPr>
+          <p:txBody>
+            <a:bodyPr wrap="square" rtlCol="0">
+              <a:spAutoFit/>
+            </a:bodyPr>
+            <a:lstStyle/>
+            <a:p>
+              <a:r>
+                <a:rPr lang="en-US" sz="1500" b="1" dirty="0" smtClean="0"/>
+                <a:t>Midnight</a:t>
+              </a:r>
+              <a:endParaRPr lang="en-US" sz="1500" b="1" dirty="0"/>
+            </a:p>
+          </p:txBody>
+        </p:sp>
+        <p:sp>
+          <p:nvSpPr>
+            <p:cNvPr id="13" name="TextBox 12"/>
+            <p:cNvSpPr txBox="1"/>
+            <p:nvPr/>
+          </p:nvSpPr>
+          <p:spPr>
+            <a:xfrm>
+              <a:off x="2734870" y="6144089"/>
+              <a:ext cx="1200271" cy="323165"/>
+            </a:xfrm>
+            <a:prstGeom prst="rect">
+              <a:avLst/>
+            </a:prstGeom>
+            <a:noFill/>
+          </p:spPr>
+          <p:txBody>
+            <a:bodyPr wrap="square" rtlCol="0">
+              <a:spAutoFit/>
+            </a:bodyPr>
+            <a:lstStyle/>
+            <a:p>
+              <a:r>
+                <a:rPr lang="en-US" sz="1500" b="1" dirty="0" smtClean="0"/>
+                <a:t>Noon</a:t>
+              </a:r>
+              <a:endParaRPr lang="en-US" sz="1500" b="1" dirty="0"/>
+            </a:p>
+          </p:txBody>
+        </p:sp>
+        <p:grpSp>
+          <p:nvGrpSpPr>
+            <p:cNvPr id="3" name="Group 2"/>
+            <p:cNvGrpSpPr/>
+            <p:nvPr/>
+          </p:nvGrpSpPr>
+          <p:grpSpPr>
+            <a:xfrm>
+              <a:off x="838200" y="2523180"/>
+              <a:ext cx="5211517" cy="3715265"/>
+              <a:chOff x="838200" y="2454876"/>
+              <a:chExt cx="5211517" cy="3715265"/>
+            </a:xfrm>
+          </p:grpSpPr>
+          <p:grpSp>
+            <p:nvGrpSpPr>
+              <p:cNvPr id="9" name="Group 8"/>
+              <p:cNvGrpSpPr/>
+              <p:nvPr/>
+            </p:nvGrpSpPr>
+            <p:grpSpPr>
+              <a:xfrm>
+                <a:off x="838200" y="2454876"/>
+                <a:ext cx="5211517" cy="3715265"/>
+                <a:chOff x="1011853" y="1593891"/>
+                <a:chExt cx="4475762" cy="3009332"/>
+              </a:xfrm>
+            </p:grpSpPr>
+            <p:pic>
+              <p:nvPicPr>
+                <p:cNvPr id="6" name="Picture 5"/>
+                <p:cNvPicPr>
+                  <a:picLocks noChangeAspect="1"/>
+                </p:cNvPicPr>
+                <p:nvPr/>
+              </p:nvPicPr>
+              <p:blipFill rotWithShape="1">
+                <a:blip r:embed="rId2">
+                  <a:extLst>
+                    <a:ext uri="{28A0092B-C50C-407E-A947-70E740481C1C}">
+                      <a14:useLocalDpi xmlns:a14="http://schemas.microsoft.com/office/drawing/2010/main" val="0"/>
+                    </a:ext>
+                  </a:extLst>
+                </a:blip>
+                <a:srcRect t="4607" b="7949"/>
+                <a:stretch/>
+              </p:blipFill>
+              <p:spPr>
+                <a:xfrm>
+                  <a:off x="1011853" y="1593891"/>
+                  <a:ext cx="3337198" cy="3009332"/>
+                </a:xfrm>
+                <a:prstGeom prst="rect">
+                  <a:avLst/>
+                </a:prstGeom>
+              </p:spPr>
+            </p:pic>
+            <p:pic>
+              <p:nvPicPr>
+                <p:cNvPr id="8" name="Picture 7"/>
+                <p:cNvPicPr>
+                  <a:picLocks noChangeAspect="1"/>
+                </p:cNvPicPr>
+                <p:nvPr/>
+              </p:nvPicPr>
+              <p:blipFill rotWithShape="1">
+                <a:blip r:embed="rId3"/>
+                <a:srcRect l="25283"/>
+                <a:stretch/>
+              </p:blipFill>
+              <p:spPr>
+                <a:xfrm>
+                  <a:off x="4233428" y="1750607"/>
+                  <a:ext cx="1254187" cy="723240"/>
+                </a:xfrm>
+                <a:prstGeom prst="rect">
+                  <a:avLst/>
+                </a:prstGeom>
+              </p:spPr>
+            </p:pic>
+          </p:grpSp>
+          <p:sp>
+            <p:nvSpPr>
+              <p:cNvPr id="19" name="TextBox 18"/>
+              <p:cNvSpPr txBox="1"/>
+              <p:nvPr/>
+            </p:nvSpPr>
+            <p:spPr>
+              <a:xfrm>
+                <a:off x="1076462" y="2470264"/>
+                <a:ext cx="1608438" cy="307777"/>
+              </a:xfrm>
+              <a:prstGeom prst="rect">
+                <a:avLst/>
+              </a:prstGeom>
+              <a:noFill/>
+            </p:spPr>
+            <p:txBody>
+              <a:bodyPr wrap="square" rtlCol="0">
+                <a:spAutoFit/>
+              </a:bodyPr>
+              <a:lstStyle/>
+              <a:p>
+                <a:r>
+                  <a:rPr lang="en-US" sz="1400" b="1" dirty="0" smtClean="0">
+                    <a:solidFill>
+                      <a:schemeClr val="tx1">
+                        <a:lumMod val="50000"/>
+                        <a:lumOff val="50000"/>
+                      </a:schemeClr>
+                    </a:solidFill>
+                  </a:rPr>
+                  <a:t>Hourly traffic shar</a:t>
+                </a:r>
+                <a:r>
+                  <a:rPr lang="en-US" sz="1400" b="1" dirty="0" smtClean="0">
+                    <a:solidFill>
+                      <a:schemeClr val="tx1">
+                        <a:lumMod val="50000"/>
+                        <a:lumOff val="50000"/>
+                      </a:schemeClr>
+                    </a:solidFill>
+                  </a:rPr>
+                  <a:t>e</a:t>
+                </a:r>
+                <a:r>
+                  <a:rPr lang="en-US" sz="1400" b="1" dirty="0" smtClean="0">
+                    <a:solidFill>
+                      <a:schemeClr val="tx1">
+                        <a:lumMod val="50000"/>
+                        <a:lumOff val="50000"/>
+                      </a:schemeClr>
+                    </a:solidFill>
+                  </a:rPr>
+                  <a:t> </a:t>
+                </a:r>
+                <a:endParaRPr lang="en-US" sz="1400" b="1" dirty="0">
+                  <a:solidFill>
+                    <a:schemeClr val="tx1">
+                      <a:lumMod val="50000"/>
+                      <a:lumOff val="50000"/>
+                    </a:schemeClr>
+                  </a:solidFill>
+                </a:endParaRPr>
+              </a:p>
+            </p:txBody>
+          </p:sp>
+        </p:grpSp>
+      </p:grpSp>
+      <p:grpSp>
+        <p:nvGrpSpPr>
+          <p:cNvPr id="7" name="Group 6"/>
+          <p:cNvGrpSpPr/>
+          <p:nvPr/>
+        </p:nvGrpSpPr>
+        <p:grpSpPr>
+          <a:xfrm>
+            <a:off x="5934104" y="2049574"/>
+            <a:ext cx="3964123" cy="3360626"/>
+            <a:chOff x="5831811" y="2634554"/>
+            <a:chExt cx="4108056" cy="3832699"/>
+          </a:xfrm>
+        </p:grpSpPr>
+        <p:grpSp>
+          <p:nvGrpSpPr>
+            <p:cNvPr id="10" name="Group 9"/>
+            <p:cNvGrpSpPr/>
+            <p:nvPr/>
+          </p:nvGrpSpPr>
+          <p:grpSpPr>
+            <a:xfrm>
+              <a:off x="5831811" y="2634554"/>
+              <a:ext cx="4108056" cy="3832699"/>
+              <a:chOff x="797011" y="2008144"/>
+              <a:chExt cx="5134232" cy="4534590"/>
+            </a:xfrm>
+          </p:grpSpPr>
+          <p:grpSp>
+            <p:nvGrpSpPr>
+              <p:cNvPr id="14" name="Group 13"/>
+              <p:cNvGrpSpPr/>
+              <p:nvPr/>
+            </p:nvGrpSpPr>
+            <p:grpSpPr>
+              <a:xfrm>
+                <a:off x="797011" y="2331309"/>
+                <a:ext cx="5134232" cy="3863546"/>
+                <a:chOff x="1296347" y="1787608"/>
+                <a:chExt cx="5425729" cy="4118919"/>
+              </a:xfrm>
+            </p:grpSpPr>
+            <p:pic>
+              <p:nvPicPr>
+                <p:cNvPr id="17" name="Picture 16"/>
+                <p:cNvPicPr>
+                  <a:picLocks noChangeAspect="1"/>
+                </p:cNvPicPr>
+                <p:nvPr/>
+              </p:nvPicPr>
+              <p:blipFill rotWithShape="1">
+                <a:blip r:embed="rId4">
+                  <a:extLst>
+                    <a:ext uri="{28A0092B-C50C-407E-A947-70E740481C1C}">
+                      <a14:useLocalDpi xmlns:a14="http://schemas.microsoft.com/office/drawing/2010/main" val="0"/>
+                    </a:ext>
+                  </a:extLst>
+                </a:blip>
+                <a:srcRect t="5252" b="7421"/>
+                <a:stretch/>
+              </p:blipFill>
+              <p:spPr>
+                <a:xfrm>
+                  <a:off x="1296347" y="1787608"/>
+                  <a:ext cx="4774939" cy="4118919"/>
+                </a:xfrm>
+                <a:prstGeom prst="rect">
+                  <a:avLst/>
+                </a:prstGeom>
+              </p:spPr>
+            </p:pic>
+            <p:pic>
+              <p:nvPicPr>
+                <p:cNvPr id="18" name="Picture 17"/>
+                <p:cNvPicPr>
+                  <a:picLocks noChangeAspect="1"/>
+                </p:cNvPicPr>
+                <p:nvPr/>
+              </p:nvPicPr>
+              <p:blipFill>
+                <a:blip r:embed="rId5"/>
+                <a:stretch>
+                  <a:fillRect/>
+                </a:stretch>
+              </p:blipFill>
+              <p:spPr>
+                <a:xfrm>
+                  <a:off x="5431208" y="2042985"/>
+                  <a:ext cx="1290868" cy="488775"/>
+                </a:xfrm>
+                <a:prstGeom prst="rect">
+                  <a:avLst/>
+                </a:prstGeom>
+              </p:spPr>
+            </p:pic>
+          </p:grpSp>
+          <p:sp>
+            <p:nvSpPr>
+              <p:cNvPr id="15" name="TextBox 14"/>
+              <p:cNvSpPr txBox="1"/>
+              <p:nvPr/>
+            </p:nvSpPr>
+            <p:spPr>
+              <a:xfrm>
+                <a:off x="2608480" y="2008144"/>
+                <a:ext cx="1200271" cy="323165"/>
+              </a:xfrm>
+              <a:prstGeom prst="rect">
+                <a:avLst/>
+              </a:prstGeom>
+              <a:noFill/>
+            </p:spPr>
+            <p:txBody>
+              <a:bodyPr wrap="square" rtlCol="0">
+                <a:spAutoFit/>
+              </a:bodyPr>
+              <a:lstStyle/>
+              <a:p>
+                <a:r>
+                  <a:rPr lang="en-US" sz="1500" b="1" dirty="0" smtClean="0"/>
+                  <a:t>Midnight</a:t>
+                </a:r>
+                <a:endParaRPr lang="en-US" sz="1500" b="1" dirty="0"/>
+              </a:p>
+            </p:txBody>
+          </p:sp>
+          <p:sp>
+            <p:nvSpPr>
+              <p:cNvPr id="16" name="TextBox 15"/>
+              <p:cNvSpPr txBox="1"/>
+              <p:nvPr/>
+            </p:nvSpPr>
+            <p:spPr>
+              <a:xfrm>
+                <a:off x="3097404" y="6219569"/>
+                <a:ext cx="1200271" cy="323165"/>
+              </a:xfrm>
+              <a:prstGeom prst="rect">
+                <a:avLst/>
+              </a:prstGeom>
+              <a:noFill/>
+            </p:spPr>
+            <p:txBody>
+              <a:bodyPr wrap="square" rtlCol="0">
+                <a:spAutoFit/>
+              </a:bodyPr>
+              <a:lstStyle/>
+              <a:p>
+                <a:r>
+                  <a:rPr lang="en-US" sz="1500" b="1" dirty="0" smtClean="0"/>
+                  <a:t>Noon</a:t>
+                </a:r>
+                <a:endParaRPr lang="en-US" sz="1500" b="1" dirty="0"/>
+              </a:p>
+            </p:txBody>
+          </p:sp>
+        </p:grpSp>
+        <p:sp>
+          <p:nvSpPr>
+            <p:cNvPr id="20" name="TextBox 19"/>
+            <p:cNvSpPr txBox="1"/>
+            <p:nvPr/>
+          </p:nvSpPr>
+          <p:spPr>
+            <a:xfrm>
+              <a:off x="7838688" y="2814190"/>
+              <a:ext cx="1608438" cy="307777"/>
+            </a:xfrm>
+            <a:prstGeom prst="rect">
+              <a:avLst/>
+            </a:prstGeom>
+            <a:noFill/>
+          </p:spPr>
+          <p:txBody>
+            <a:bodyPr wrap="square" rtlCol="0">
+              <a:spAutoFit/>
+            </a:bodyPr>
+            <a:lstStyle/>
+            <a:p>
+              <a:r>
+                <a:rPr lang="en-US" sz="1400" b="1" dirty="0" smtClean="0">
+                  <a:solidFill>
+                    <a:schemeClr val="tx1">
+                      <a:lumMod val="50000"/>
+                      <a:lumOff val="50000"/>
+                    </a:schemeClr>
+                  </a:solidFill>
+                </a:rPr>
+                <a:t>Hourly traffic shar</a:t>
+              </a:r>
+              <a:r>
+                <a:rPr lang="en-US" sz="1400" b="1" dirty="0" smtClean="0">
+                  <a:solidFill>
+                    <a:schemeClr val="tx1">
+                      <a:lumMod val="50000"/>
+                      <a:lumOff val="50000"/>
+                    </a:schemeClr>
+                  </a:solidFill>
+                </a:rPr>
+                <a:t>e</a:t>
+              </a:r>
+              <a:r>
+                <a:rPr lang="en-US" sz="1400" b="1" dirty="0" smtClean="0">
+                  <a:solidFill>
+                    <a:schemeClr val="tx1">
+                      <a:lumMod val="50000"/>
+                      <a:lumOff val="50000"/>
+                    </a:schemeClr>
+                  </a:solidFill>
+                </a:rPr>
+                <a:t> </a:t>
+              </a:r>
+              <a:endParaRPr lang="en-US" sz="1400" b="1" dirty="0">
+                <a:solidFill>
+                  <a:schemeClr val="tx1">
+                    <a:lumMod val="50000"/>
+                    <a:lumOff val="50000"/>
+                  </a:schemeClr>
+                </a:solidFill>
+              </a:endParaRPr>
+            </a:p>
+          </p:txBody>
+        </p:sp>
+      </p:grpSp>
+      <p:sp>
+        <p:nvSpPr>
+          <p:cNvPr id="21" name="TextBox 20"/>
           <p:cNvSpPr txBox="1"/>
           <p:nvPr/>
         </p:nvSpPr>
         <p:spPr>
           <a:xfrm>
-            <a:off x="2734870" y="6144089"/>
-            <a:ext cx="1200271" cy="323165"/>
+            <a:off x="838200" y="5577045"/>
+            <a:ext cx="5095904" cy="738664"/>
           </a:xfrm>
           <a:prstGeom prst="rect">
             <a:avLst/>
@@ -4844,11 +7163,144 @@
           </a:bodyPr>
           <a:lstStyle/>
           <a:p>
-            <a:r>
-              <a:rPr lang="en-US" sz="1500" b="1" dirty="0" smtClean="0"/>
-              <a:t>Noon</a:t>
-            </a:r>
-            <a:endParaRPr lang="en-US" sz="1500" b="1" dirty="0"/>
+            <a:pPr marL="285750" indent="-285750">
+              <a:buFont typeface="Arial" panose="020B0604020202020204" pitchFamily="34" charset="0"/>
+              <a:buChar char="•"/>
+            </a:pPr>
+            <a:r>
+              <a:rPr lang="en-US" sz="1400" b="1" dirty="0">
+                <a:latin typeface="+mj-lt"/>
+              </a:rPr>
+              <a:t>Traffic well distributed </a:t>
+            </a:r>
+            <a:r>
+              <a:rPr lang="en-US" sz="1400" b="1" dirty="0" smtClean="0">
+                <a:latin typeface="+mj-lt"/>
+              </a:rPr>
+              <a:t>during daytime and sparse in the evening.</a:t>
+            </a:r>
+            <a:endParaRPr lang="en-US" sz="1000" b="1" dirty="0" smtClean="0">
+              <a:latin typeface="+mj-lt"/>
+            </a:endParaRPr>
+          </a:p>
+          <a:p>
+            <a:pPr marL="285750" indent="-285750">
+              <a:buFont typeface="Arial" panose="020B0604020202020204" pitchFamily="34" charset="0"/>
+              <a:buChar char="•"/>
+            </a:pPr>
+            <a:r>
+              <a:rPr lang="en-US" sz="1400" b="1" dirty="0" smtClean="0">
+                <a:latin typeface="+mj-lt"/>
+              </a:rPr>
+              <a:t>Mini rush period usually around 6 pm</a:t>
+            </a:r>
+          </a:p>
+          <a:p>
+            <a:pPr marL="285750" indent="-285750">
+              <a:buFont typeface="Arial" panose="020B0604020202020204" pitchFamily="34" charset="0"/>
+              <a:buChar char="•"/>
+            </a:pPr>
+            <a:r>
+              <a:rPr lang="en-US" sz="1400" b="1" dirty="0" smtClean="0">
+                <a:latin typeface="+mj-lt"/>
+              </a:rPr>
+              <a:t>Snow and wind greatly depress evening traffic  </a:t>
+            </a:r>
+            <a:endParaRPr lang="en-US" sz="1400" b="1" dirty="0">
+              <a:latin typeface="+mj-lt"/>
+            </a:endParaRPr>
+          </a:p>
+        </p:txBody>
+      </p:sp>
+      <p:sp>
+        <p:nvSpPr>
+          <p:cNvPr id="22" name="TextBox 21"/>
+          <p:cNvSpPr txBox="1"/>
+          <p:nvPr/>
+        </p:nvSpPr>
+        <p:spPr>
+          <a:xfrm>
+            <a:off x="6096000" y="5577045"/>
+            <a:ext cx="3886560" cy="954107"/>
+          </a:xfrm>
+          <a:prstGeom prst="rect">
+            <a:avLst/>
+          </a:prstGeom>
+          <a:noFill/>
+        </p:spPr>
+        <p:txBody>
+          <a:bodyPr wrap="square" rtlCol="0">
+            <a:spAutoFit/>
+          </a:bodyPr>
+          <a:lstStyle/>
+          <a:p>
+            <a:pPr marL="285750" indent="-285750">
+              <a:buFont typeface="Arial" panose="020B0604020202020204" pitchFamily="34" charset="0"/>
+              <a:buChar char="•"/>
+            </a:pPr>
+            <a:r>
+              <a:rPr lang="en-US" altLang="zh-CN" sz="1400" b="1" dirty="0" smtClean="0">
+                <a:latin typeface="+mj-lt"/>
+              </a:rPr>
+              <a:t>Passengers flow concentrated at 9 am, noon, 2 pm, 4pm, 7pm and 11 pm.</a:t>
+            </a:r>
+          </a:p>
+          <a:p>
+            <a:pPr marL="285750" indent="-285750">
+              <a:buFont typeface="Arial" panose="020B0604020202020204" pitchFamily="34" charset="0"/>
+              <a:buChar char="•"/>
+            </a:pPr>
+            <a:r>
+              <a:rPr lang="en-US" altLang="zh-CN" sz="1400" b="1" dirty="0" smtClean="0">
+                <a:latin typeface="+mj-lt"/>
+              </a:rPr>
+              <a:t>Ridership peaks at 7pm.</a:t>
+            </a:r>
+          </a:p>
+          <a:p>
+            <a:pPr marL="285750" indent="-285750">
+              <a:buFont typeface="Arial" panose="020B0604020202020204" pitchFamily="34" charset="0"/>
+              <a:buChar char="•"/>
+            </a:pPr>
+            <a:endParaRPr lang="en-US" sz="1400" b="1" dirty="0">
+              <a:latin typeface="+mj-lt"/>
+            </a:endParaRPr>
+          </a:p>
+        </p:txBody>
+      </p:sp>
+      <p:sp>
+        <p:nvSpPr>
+          <p:cNvPr id="24" name="TextBox 23"/>
+          <p:cNvSpPr txBox="1"/>
+          <p:nvPr/>
+        </p:nvSpPr>
+        <p:spPr>
+          <a:xfrm>
+            <a:off x="6696909" y="6288613"/>
+            <a:ext cx="5190292" cy="323165"/>
+          </a:xfrm>
+          <a:prstGeom prst="rect">
+            <a:avLst/>
+          </a:prstGeom>
+          <a:noFill/>
+        </p:spPr>
+        <p:txBody>
+          <a:bodyPr wrap="square" rtlCol="0">
+            <a:spAutoFit/>
+          </a:bodyPr>
+          <a:lstStyle/>
+          <a:p>
+            <a:pPr algn="r"/>
+            <a:r>
+              <a:rPr lang="en-US" sz="1500" b="1" dirty="0" smtClean="0">
+                <a:solidFill>
+                  <a:schemeClr val="bg2">
+                    <a:lumMod val="75000"/>
+                  </a:schemeClr>
+                </a:solidFill>
+              </a:rPr>
+              <a:t>DATA: TAXI AND LIMOUSINE  COMMISSION</a:t>
+            </a:r>
           </a:p>
         </p:txBody>
       </p:sp>
@@ -4994,16 +7446,16 @@
       </p:sp>
       <p:grpSp>
         <p:nvGrpSpPr>
-          <p:cNvPr id="3" name="Group 2"/>
+          <p:cNvPr id="9" name="Group 8"/>
           <p:cNvGrpSpPr/>
           <p:nvPr/>
         </p:nvGrpSpPr>
         <p:grpSpPr>
           <a:xfrm>
-            <a:off x="838200" y="2463117"/>
-            <a:ext cx="5831552" cy="3682313"/>
-            <a:chOff x="5734371" y="1561282"/>
-            <a:chExt cx="4697275" cy="2925534"/>
+            <a:off x="838200" y="2377993"/>
+            <a:ext cx="4643244" cy="2961528"/>
+            <a:chOff x="838200" y="2377993"/>
+            <a:chExt cx="4643244" cy="2961528"/>
           </a:xfrm>
         </p:grpSpPr>
         <p:pic>
@@ -5027,8 +7479,8 @@
           </p:blipFill>
           <p:spPr>
             <a:xfrm>
-              <a:off x="5734371" y="1561282"/>
-              <a:ext cx="3264277" cy="2925534"/>
+              <a:off x="838200" y="2377993"/>
+              <a:ext cx="3352800" cy="2961528"/>
             </a:xfrm>
             <a:prstGeom prst="rect">
               <a:avLst/>
@@ -5050,8 +7502,8 @@
           </p:blipFill>
           <p:spPr>
             <a:xfrm>
-              <a:off x="8895288" y="1690688"/>
-              <a:ext cx="1536358" cy="523605"/>
+              <a:off x="3903422" y="2508991"/>
+              <a:ext cx="1578022" cy="530047"/>
             </a:xfrm>
             <a:prstGeom prst="rect">
               <a:avLst/>
@@ -5067,14 +7519,14 @@
         </p:nvSpPr>
         <p:spPr>
           <a:xfrm>
-            <a:off x="838200" y="1558880"/>
-            <a:ext cx="4740832" cy="369332"/>
+            <a:off x="838199" y="1558880"/>
+            <a:ext cx="6189133" cy="369332"/>
           </a:xfrm>
           <a:prstGeom prst="rect">
             <a:avLst/>
           </a:prstGeom>
           <a:solidFill>
-            <a:schemeClr val="accent4"/>
+            <a:schemeClr val="bg1"/>
           </a:solidFill>
         </p:spPr>
         <p:txBody>
@@ -5084,14 +7536,11 @@
           <a:lstStyle/>
           <a:p>
             <a:r>
-              <a:rPr lang="en-US" b="1" dirty="0" smtClean="0">
+              <a:rPr lang="en-US" b="1" dirty="0">
                 <a:latin typeface="+mj-lt"/>
               </a:rPr>
-              <a:t>Great changes happened in February, 2015. </a:t>
-            </a:r>
-            <a:endParaRPr lang="en-US" b="1" dirty="0">
-              <a:latin typeface="+mj-lt"/>
-            </a:endParaRPr>
+              <a:t>Good weather (clear and cloudy) greatly stimulates ridership.</a:t>
+            </a:r>
           </a:p>
         </p:txBody>
       </p:sp>
@@ -5103,7 +7552,7 @@
         </p:nvSpPr>
         <p:spPr>
           <a:xfrm>
-            <a:off x="2434592" y="2141288"/>
+            <a:off x="2008345" y="2097649"/>
             <a:ext cx="1200271" cy="323165"/>
           </a:xfrm>
           <a:prstGeom prst="rect">
@@ -5133,7 +7582,7 @@
         </p:nvSpPr>
         <p:spPr>
           <a:xfrm>
-            <a:off x="2734870" y="6144089"/>
+            <a:off x="2185881" y="5253880"/>
             <a:ext cx="1200271" cy="323165"/>
           </a:xfrm>
           <a:prstGeom prst="rect">
@@ -5152,6 +7601,300 @@
               <a:t>Noon</a:t>
             </a:r>
             <a:endParaRPr lang="en-US" sz="1500" b="1" dirty="0"/>
+          </a:p>
+        </p:txBody>
+      </p:sp>
+      <p:sp>
+        <p:nvSpPr>
+          <p:cNvPr id="13" name="TextBox 12"/>
+          <p:cNvSpPr txBox="1"/>
+          <p:nvPr/>
+        </p:nvSpPr>
+        <p:spPr>
+          <a:xfrm>
+            <a:off x="838200" y="5577045"/>
+            <a:ext cx="4740832" cy="1323439"/>
+          </a:xfrm>
+          <a:prstGeom prst="rect">
+            <a:avLst/>
+          </a:prstGeom>
+          <a:noFill/>
+        </p:spPr>
+        <p:txBody>
+          <a:bodyPr wrap="square" rtlCol="0">
+            <a:spAutoFit/>
+          </a:bodyPr>
+          <a:lstStyle/>
+          <a:p>
+            <a:pPr marL="285750" indent="-285750">
+              <a:buFont typeface="Arial" panose="020B0604020202020204" pitchFamily="34" charset="0"/>
+              <a:buChar char="•"/>
+            </a:pPr>
+            <a:r>
+              <a:rPr lang="en-US" sz="1400" b="1" dirty="0" smtClean="0">
+                <a:latin typeface="+mj-lt"/>
+              </a:rPr>
+              <a:t>Daytime traffic more evenly distributed than evening traffic on clear day.</a:t>
+            </a:r>
+          </a:p>
+          <a:p>
+            <a:pPr marL="285750" indent="-285750">
+              <a:buFont typeface="Arial" panose="020B0604020202020204" pitchFamily="34" charset="0"/>
+              <a:buChar char="•"/>
+            </a:pPr>
+            <a:r>
+              <a:rPr lang="en-US" sz="1400" b="1" dirty="0">
+                <a:latin typeface="+mj-lt"/>
+              </a:rPr>
+              <a:t>Traffic concentrated at </a:t>
+            </a:r>
+            <a:r>
+              <a:rPr lang="en-US" sz="1400" b="1" dirty="0" smtClean="0">
+                <a:latin typeface="+mj-lt"/>
+              </a:rPr>
+              <a:t>9 pm/noon/2 pm for clear day, and 9 pm/midnight for clear night.</a:t>
+            </a:r>
+            <a:endParaRPr lang="en-US" sz="1400" b="1" dirty="0">
+              <a:latin typeface="+mj-lt"/>
+            </a:endParaRPr>
+          </a:p>
+          <a:p>
+            <a:pPr marL="285750" indent="-285750">
+              <a:buFont typeface="Arial" panose="020B0604020202020204" pitchFamily="34" charset="0"/>
+              <a:buChar char="•"/>
+            </a:pPr>
+            <a:endParaRPr lang="en-US" sz="1400" b="1" dirty="0" smtClean="0">
+              <a:latin typeface="+mj-lt"/>
+            </a:endParaRPr>
+          </a:p>
+          <a:p>
+            <a:pPr marL="285750" indent="-285750">
+              <a:buFont typeface="Arial" panose="020B0604020202020204" pitchFamily="34" charset="0"/>
+              <a:buChar char="•"/>
+            </a:pPr>
+            <a:endParaRPr lang="en-US" sz="1000" b="1" dirty="0" smtClean="0">
+              <a:latin typeface="+mj-lt"/>
+            </a:endParaRPr>
+          </a:p>
+        </p:txBody>
+      </p:sp>
+      <p:sp>
+        <p:nvSpPr>
+          <p:cNvPr id="14" name="TextBox 13"/>
+          <p:cNvSpPr txBox="1"/>
+          <p:nvPr/>
+        </p:nvSpPr>
+        <p:spPr>
+          <a:xfrm>
+            <a:off x="5807632" y="5626923"/>
+            <a:ext cx="3886560" cy="954107"/>
+          </a:xfrm>
+          <a:prstGeom prst="rect">
+            <a:avLst/>
+          </a:prstGeom>
+          <a:noFill/>
+        </p:spPr>
+        <p:txBody>
+          <a:bodyPr wrap="square" rtlCol="0">
+            <a:spAutoFit/>
+          </a:bodyPr>
+          <a:lstStyle/>
+          <a:p>
+            <a:pPr marL="285750" indent="-285750">
+              <a:buFont typeface="Arial" panose="020B0604020202020204" pitchFamily="34" charset="0"/>
+              <a:buChar char="•"/>
+            </a:pPr>
+            <a:r>
+              <a:rPr lang="en-US" altLang="zh-CN" sz="1400" b="1" dirty="0">
+                <a:latin typeface="+mj-lt"/>
+              </a:rPr>
+              <a:t>Traffic concentrated at </a:t>
+            </a:r>
+            <a:r>
+              <a:rPr lang="en-US" altLang="zh-CN" sz="1400" b="1" dirty="0" smtClean="0">
+                <a:latin typeface="+mj-lt"/>
+              </a:rPr>
+              <a:t>4 pm </a:t>
+            </a:r>
+            <a:r>
+              <a:rPr lang="en-US" altLang="zh-CN" sz="1400" b="1" dirty="0">
+                <a:latin typeface="+mj-lt"/>
+              </a:rPr>
+              <a:t>and 11 pm for partly cloudy day and partly cloudy night respectively.</a:t>
+            </a:r>
+          </a:p>
+          <a:p>
+            <a:pPr marL="285750" indent="-285750">
+              <a:buFont typeface="Arial" panose="020B0604020202020204" pitchFamily="34" charset="0"/>
+              <a:buChar char="•"/>
+            </a:pPr>
+            <a:endParaRPr lang="en-US" sz="1400" b="1" dirty="0">
+              <a:latin typeface="+mj-lt"/>
+            </a:endParaRPr>
+          </a:p>
+        </p:txBody>
+      </p:sp>
+      <p:sp>
+        <p:nvSpPr>
+          <p:cNvPr id="16" name="TextBox 15"/>
+          <p:cNvSpPr txBox="1"/>
+          <p:nvPr/>
+        </p:nvSpPr>
+        <p:spPr>
+          <a:xfrm>
+            <a:off x="7220009" y="1952849"/>
+            <a:ext cx="1200271" cy="323165"/>
+          </a:xfrm>
+          <a:prstGeom prst="rect">
+            <a:avLst/>
+          </a:prstGeom>
+          <a:noFill/>
+        </p:spPr>
+        <p:txBody>
+          <a:bodyPr wrap="square" rtlCol="0">
+            <a:spAutoFit/>
+          </a:bodyPr>
+          <a:lstStyle/>
+          <a:p>
+            <a:r>
+              <a:rPr lang="en-US" sz="1500" b="1" dirty="0" smtClean="0"/>
+              <a:t>Midnight</a:t>
+            </a:r>
+            <a:endParaRPr lang="en-US" sz="1500" b="1" dirty="0"/>
+          </a:p>
+        </p:txBody>
+      </p:sp>
+      <p:grpSp>
+        <p:nvGrpSpPr>
+          <p:cNvPr id="17" name="Group 16"/>
+          <p:cNvGrpSpPr/>
+          <p:nvPr/>
+        </p:nvGrpSpPr>
+        <p:grpSpPr>
+          <a:xfrm>
+            <a:off x="5807632" y="2289376"/>
+            <a:ext cx="5015017" cy="3050145"/>
+            <a:chOff x="5642754" y="2343223"/>
+            <a:chExt cx="5015017" cy="3050145"/>
+          </a:xfrm>
+        </p:grpSpPr>
+        <p:pic>
+          <p:nvPicPr>
+            <p:cNvPr id="6" name="Picture 5"/>
+            <p:cNvPicPr>
+              <a:picLocks noChangeAspect="1"/>
+            </p:cNvPicPr>
+            <p:nvPr/>
+          </p:nvPicPr>
+          <p:blipFill rotWithShape="1">
+            <a:blip r:embed="rId4">
+              <a:extLst>
+                <a:ext uri="{28A0092B-C50C-407E-A947-70E740481C1C}">
+                  <a14:useLocalDpi xmlns:a14="http://schemas.microsoft.com/office/drawing/2010/main" val="0"/>
+                </a:ext>
+              </a:extLst>
+            </a:blip>
+            <a:srcRect t="5462" b="6631"/>
+            <a:stretch/>
+          </p:blipFill>
+          <p:spPr>
+            <a:xfrm>
+              <a:off x="5642754" y="2343223"/>
+              <a:ext cx="3247245" cy="3050145"/>
+            </a:xfrm>
+            <a:prstGeom prst="rect">
+              <a:avLst/>
+            </a:prstGeom>
+          </p:spPr>
+        </p:pic>
+        <p:pic>
+          <p:nvPicPr>
+            <p:cNvPr id="8" name="Picture 7"/>
+            <p:cNvPicPr>
+              <a:picLocks noChangeAspect="1"/>
+            </p:cNvPicPr>
+            <p:nvPr/>
+          </p:nvPicPr>
+          <p:blipFill>
+            <a:blip r:embed="rId5"/>
+            <a:stretch>
+              <a:fillRect/>
+            </a:stretch>
+          </p:blipFill>
+          <p:spPr>
+            <a:xfrm>
+              <a:off x="8805966" y="2508991"/>
+              <a:ext cx="1851805" cy="598276"/>
+            </a:xfrm>
+            <a:prstGeom prst="rect">
+              <a:avLst/>
+            </a:prstGeom>
+          </p:spPr>
+        </p:pic>
+      </p:grpSp>
+      <p:sp>
+        <p:nvSpPr>
+          <p:cNvPr id="15" name="TextBox 14"/>
+          <p:cNvSpPr txBox="1"/>
+          <p:nvPr/>
+        </p:nvSpPr>
+        <p:spPr>
+          <a:xfrm>
+            <a:off x="7431254" y="5258427"/>
+            <a:ext cx="1200271" cy="323165"/>
+          </a:xfrm>
+          <a:prstGeom prst="rect">
+            <a:avLst/>
+          </a:prstGeom>
+          <a:noFill/>
+        </p:spPr>
+        <p:txBody>
+          <a:bodyPr wrap="square" rtlCol="0">
+            <a:spAutoFit/>
+          </a:bodyPr>
+          <a:lstStyle/>
+          <a:p>
+            <a:r>
+              <a:rPr lang="en-US" sz="1500" b="1" dirty="0" smtClean="0"/>
+              <a:t>Noon</a:t>
+            </a:r>
+            <a:endParaRPr lang="en-US" sz="1500" b="1" dirty="0"/>
+          </a:p>
+        </p:txBody>
+      </p:sp>
+      <p:sp>
+        <p:nvSpPr>
+          <p:cNvPr id="19" name="TextBox 18"/>
+          <p:cNvSpPr txBox="1"/>
+          <p:nvPr/>
+        </p:nvSpPr>
+        <p:spPr>
+          <a:xfrm>
+            <a:off x="6696909" y="6288613"/>
+            <a:ext cx="5190292" cy="323165"/>
+          </a:xfrm>
+          <a:prstGeom prst="rect">
+            <a:avLst/>
+          </a:prstGeom>
+          <a:noFill/>
+        </p:spPr>
+        <p:txBody>
+          <a:bodyPr wrap="square" rtlCol="0">
+            <a:spAutoFit/>
+          </a:bodyPr>
+          <a:lstStyle/>
+          <a:p>
+            <a:pPr algn="r"/>
+            <a:r>
+              <a:rPr lang="en-US" sz="1500" b="1" dirty="0" smtClean="0">
+                <a:solidFill>
+                  <a:schemeClr val="bg2">
+                    <a:lumMod val="75000"/>
+                  </a:schemeClr>
+                </a:solidFill>
+              </a:rPr>
+              <a:t>DATA: TAXI AND LIMOUSINE  COMMISSION</a:t>
+            </a:r>
           </a:p>
         </p:txBody>
       </p:sp>
@@ -5201,14 +7944,41 @@
           <a:lstStyle/>
           <a:p>
             <a:r>
-              <a:rPr lang="en-US" dirty="0"/>
-              <a:t>Segmentation </a:t>
-            </a:r>
-            <a:r>
-              <a:rPr lang="en-US" altLang="zh-CN" dirty="0"/>
-              <a:t>—— Weather &amp; Hour Cont’d</a:t>
+              <a:rPr lang="en-US" dirty="0" smtClean="0"/>
+              <a:t>Network Analysis</a:t>
             </a:r>
             <a:endParaRPr lang="en-US" i="1" dirty="0"/>
+          </a:p>
+        </p:txBody>
+      </p:sp>
+      <p:sp>
+        <p:nvSpPr>
+          <p:cNvPr id="3" name="Content Placeholder 2"/>
+          <p:cNvSpPr>
+            <a:spLocks noGrp="1"/>
+          </p:cNvSpPr>
+          <p:nvPr>
+            <p:ph idx="1"/>
+          </p:nvPr>
+        </p:nvSpPr>
+        <p:spPr>
+          <a:xfrm>
+            <a:off x="838200" y="1825625"/>
+            <a:ext cx="10515600" cy="4822310"/>
+          </a:xfrm>
+        </p:spPr>
+        <p:txBody>
+          <a:bodyPr>
+            <a:normAutofit/>
+          </a:bodyPr>
+          <a:lstStyle/>
+          <a:p>
+            <a:pPr>
+              <a:lnSpc>
+                <a:spcPct val="150000"/>
+              </a:lnSpc>
+            </a:pPr>
+            <a:endParaRPr lang="en-US" dirty="0"/>
           </a:p>
         </p:txBody>
       </p:sp>
@@ -5295,174 +8065,10 @@
           </a:p>
         </p:txBody>
       </p:sp>
-      <p:grpSp>
-        <p:nvGrpSpPr>
-          <p:cNvPr id="10" name="Group 9"/>
-          <p:cNvGrpSpPr/>
-          <p:nvPr/>
-        </p:nvGrpSpPr>
-        <p:grpSpPr>
-          <a:xfrm>
-            <a:off x="797011" y="2331309"/>
-            <a:ext cx="5134232" cy="3863546"/>
-            <a:chOff x="1296347" y="1787608"/>
-            <a:chExt cx="5425729" cy="4118919"/>
-          </a:xfrm>
-        </p:grpSpPr>
-        <p:pic>
-          <p:nvPicPr>
-            <p:cNvPr id="3" name="Picture 2"/>
-            <p:cNvPicPr>
-              <a:picLocks noChangeAspect="1"/>
-            </p:cNvPicPr>
-            <p:nvPr/>
-          </p:nvPicPr>
-          <p:blipFill rotWithShape="1">
-            <a:blip r:embed="rId2">
-              <a:extLst>
-                <a:ext uri="{28A0092B-C50C-407E-A947-70E740481C1C}">
-                  <a14:useLocalDpi xmlns:a14="http://schemas.microsoft.com/office/drawing/2010/main" val="0"/>
-                </a:ext>
-              </a:extLst>
-            </a:blip>
-            <a:srcRect t="5252" b="7421"/>
-            <a:stretch/>
-          </p:blipFill>
-          <p:spPr>
-            <a:xfrm>
-              <a:off x="1296347" y="1787608"/>
-              <a:ext cx="4774939" cy="4118919"/>
-            </a:xfrm>
-            <a:prstGeom prst="rect">
-              <a:avLst/>
-            </a:prstGeom>
-          </p:spPr>
-        </p:pic>
-        <p:pic>
-          <p:nvPicPr>
-            <p:cNvPr id="9" name="Picture 8"/>
-            <p:cNvPicPr>
-              <a:picLocks noChangeAspect="1"/>
-            </p:cNvPicPr>
-            <p:nvPr/>
-          </p:nvPicPr>
-          <p:blipFill>
-            <a:blip r:embed="rId3"/>
-            <a:stretch>
-              <a:fillRect/>
-            </a:stretch>
-          </p:blipFill>
-          <p:spPr>
-            <a:xfrm>
-              <a:off x="5431208" y="2042985"/>
-              <a:ext cx="1290868" cy="488775"/>
-            </a:xfrm>
-            <a:prstGeom prst="rect">
-              <a:avLst/>
-            </a:prstGeom>
-          </p:spPr>
-        </p:pic>
-      </p:grpSp>
-      <p:sp>
-        <p:nvSpPr>
-          <p:cNvPr id="12" name="TextBox 11"/>
-          <p:cNvSpPr txBox="1"/>
-          <p:nvPr/>
-        </p:nvSpPr>
-        <p:spPr>
-          <a:xfrm>
-            <a:off x="838199" y="1576772"/>
-            <a:ext cx="4740832" cy="369332"/>
-          </a:xfrm>
-          <a:prstGeom prst="rect">
-            <a:avLst/>
-          </a:prstGeom>
-          <a:solidFill>
-            <a:schemeClr val="accent4"/>
-          </a:solidFill>
-        </p:spPr>
-        <p:txBody>
-          <a:bodyPr wrap="square" rtlCol="0">
-            <a:spAutoFit/>
-          </a:bodyPr>
-          <a:lstStyle/>
-          <a:p>
-            <a:r>
-              <a:rPr lang="en-US" b="1" dirty="0" smtClean="0">
-                <a:latin typeface="+mj-lt"/>
-              </a:rPr>
-              <a:t>Great changes happened in February, 2015. </a:t>
-            </a:r>
-            <a:endParaRPr lang="en-US" b="1" dirty="0">
-              <a:latin typeface="+mj-lt"/>
-            </a:endParaRPr>
-          </a:p>
-        </p:txBody>
-      </p:sp>
-      <p:sp>
-        <p:nvSpPr>
-          <p:cNvPr id="13" name="TextBox 12"/>
-          <p:cNvSpPr txBox="1"/>
-          <p:nvPr/>
-        </p:nvSpPr>
-        <p:spPr>
-          <a:xfrm>
-            <a:off x="2608480" y="2008144"/>
-            <a:ext cx="1200271" cy="323165"/>
-          </a:xfrm>
-          <a:prstGeom prst="rect">
-            <a:avLst/>
-          </a:prstGeom>
-          <a:noFill/>
-        </p:spPr>
-        <p:txBody>
-          <a:bodyPr wrap="square" rtlCol="0">
-            <a:spAutoFit/>
-          </a:bodyPr>
-          <a:lstStyle/>
-          <a:p>
-            <a:r>
-              <a:rPr lang="en-US" sz="1500" b="1" dirty="0" smtClean="0"/>
-              <a:t>Midnight</a:t>
-            </a:r>
-            <a:endParaRPr lang="en-US" sz="1500" b="1" dirty="0"/>
-          </a:p>
-        </p:txBody>
-      </p:sp>
-      <p:sp>
-        <p:nvSpPr>
-          <p:cNvPr id="14" name="TextBox 13"/>
-          <p:cNvSpPr txBox="1"/>
-          <p:nvPr/>
-        </p:nvSpPr>
-        <p:spPr>
-          <a:xfrm>
-            <a:off x="3097404" y="6219569"/>
-            <a:ext cx="1200271" cy="323165"/>
-          </a:xfrm>
-          <a:prstGeom prst="rect">
-            <a:avLst/>
-          </a:prstGeom>
-          <a:noFill/>
-        </p:spPr>
-        <p:txBody>
-          <a:bodyPr wrap="square" rtlCol="0">
-            <a:spAutoFit/>
-          </a:bodyPr>
-          <a:lstStyle/>
-          <a:p>
-            <a:r>
-              <a:rPr lang="en-US" sz="1500" b="1" dirty="0" smtClean="0"/>
-              <a:t>Noon</a:t>
-            </a:r>
-            <a:endParaRPr lang="en-US" sz="1500" b="1" dirty="0"/>
-          </a:p>
-        </p:txBody>
-      </p:sp>
     </p:spTree>
     <p:extLst>
       <p:ext uri="{BB962C8B-B14F-4D97-AF65-F5344CB8AC3E}">
-        <p14:creationId xmlns:p14="http://schemas.microsoft.com/office/powerpoint/2010/main" val="503323480"/>
+        <p14:creationId xmlns:p14="http://schemas.microsoft.com/office/powerpoint/2010/main" val="708205101"/>
       </p:ext>
     </p:extLst>
   </p:cSld>
@@ -5506,7 +8112,7 @@
           <a:p>
             <a:r>
               <a:rPr lang="en-US" dirty="0" smtClean="0"/>
-              <a:t>Network Analysis</a:t>
+              <a:t>Recommendation</a:t>
             </a:r>
             <a:endParaRPr lang="en-US" i="1" dirty="0"/>
           </a:p>
@@ -5629,7 +8235,7 @@
     </p:spTree>
     <p:extLst>
       <p:ext uri="{BB962C8B-B14F-4D97-AF65-F5344CB8AC3E}">
-        <p14:creationId xmlns:p14="http://schemas.microsoft.com/office/powerpoint/2010/main" val="708205101"/>
+        <p14:creationId xmlns:p14="http://schemas.microsoft.com/office/powerpoint/2010/main" val="2676934259"/>
       </p:ext>
     </p:extLst>
   </p:cSld>
@@ -5673,40 +8279,28 @@
           <a:p>
             <a:r>
               <a:rPr lang="en-US" dirty="0" smtClean="0"/>
-              <a:t>Recommendation</a:t>
-            </a:r>
-            <a:endParaRPr lang="en-US" i="1" dirty="0"/>
-          </a:p>
-        </p:txBody>
-      </p:sp>
-      <p:sp>
-        <p:nvSpPr>
-          <p:cNvPr id="3" name="Content Placeholder 2"/>
-          <p:cNvSpPr>
-            <a:spLocks noGrp="1"/>
-          </p:cNvSpPr>
-          <p:nvPr>
-            <p:ph idx="1"/>
-          </p:nvPr>
-        </p:nvSpPr>
-        <p:spPr>
-          <a:xfrm>
-            <a:off x="838200" y="1825625"/>
-            <a:ext cx="10515600" cy="4822310"/>
-          </a:xfrm>
-        </p:spPr>
-        <p:txBody>
-          <a:bodyPr>
-            <a:normAutofit/>
-          </a:bodyPr>
-          <a:lstStyle/>
-          <a:p>
-            <a:pPr>
-              <a:lnSpc>
-                <a:spcPct val="150000"/>
-              </a:lnSpc>
-            </a:pPr>
-            <a:endParaRPr lang="en-US" dirty="0"/>
+              <a:t>II. Efficiency</a:t>
+            </a:r>
+            <a:r>
+              <a:rPr lang="en-US" dirty="0"/>
+              <a:t/>
+            </a:r>
+            <a:br>
+              <a:rPr lang="en-US" dirty="0"/>
+            </a:br>
+            <a:r>
+              <a:rPr lang="en-US" sz="2400" dirty="0" smtClean="0"/>
+              <a:t>* Money earned per ride</a:t>
+            </a:r>
+            <a:r>
+              <a:rPr lang="en-US" sz="2400" dirty="0"/>
+              <a:t> </a:t>
+            </a:r>
+            <a:r>
+              <a:rPr lang="en-US" sz="2400" dirty="0" smtClean="0"/>
+              <a:t>per minute</a:t>
+            </a:r>
+            <a:endParaRPr lang="en-US" sz="2400" i="1" dirty="0"/>
           </a:p>
         </p:txBody>
       </p:sp>
@@ -5796,7 +8390,7 @@
     </p:spTree>
     <p:extLst>
       <p:ext uri="{BB962C8B-B14F-4D97-AF65-F5344CB8AC3E}">
-        <p14:creationId xmlns:p14="http://schemas.microsoft.com/office/powerpoint/2010/main" val="2676934259"/>
+        <p14:creationId xmlns:p14="http://schemas.microsoft.com/office/powerpoint/2010/main" val="285115780"/>
       </p:ext>
     </p:extLst>
   </p:cSld>
@@ -5943,28 +8537,109 @@
           <a:p>
             <a:r>
               <a:rPr lang="en-US" dirty="0" smtClean="0"/>
-              <a:t>II. Efficiency</a:t>
+              <a:t>Overview</a:t>
+            </a:r>
+            <a:endParaRPr lang="en-US" i="1" dirty="0"/>
+          </a:p>
+        </p:txBody>
+      </p:sp>
+      <p:sp>
+        <p:nvSpPr>
+          <p:cNvPr id="3" name="Content Placeholder 2"/>
+          <p:cNvSpPr>
+            <a:spLocks noGrp="1"/>
+          </p:cNvSpPr>
+          <p:nvPr>
+            <p:ph idx="1"/>
+          </p:nvPr>
+        </p:nvSpPr>
+        <p:spPr>
+          <a:xfrm>
+            <a:off x="838200" y="1825625"/>
+            <a:ext cx="10515600" cy="4822310"/>
+          </a:xfrm>
+        </p:spPr>
+        <p:txBody>
+          <a:bodyPr>
+            <a:normAutofit/>
+          </a:bodyPr>
+          <a:lstStyle/>
+          <a:p>
+            <a:pPr>
+              <a:lnSpc>
+                <a:spcPct val="150000"/>
+              </a:lnSpc>
+            </a:pPr>
+            <a:r>
+              <a:rPr lang="en-US" dirty="0" smtClean="0"/>
+              <a:t>Calculate </a:t>
             </a:r>
             <a:r>
               <a:rPr lang="en-US" dirty="0"/>
-              <a:t/>
-            </a:r>
-            <a:br>
-              <a:rPr lang="en-US" dirty="0"/>
-            </a:br>
-            <a:r>
-              <a:rPr lang="en-US" sz="2400" dirty="0" smtClean="0"/>
-              <a:t>* Money earned per ride</a:t>
-            </a:r>
-            <a:r>
-              <a:rPr lang="en-US" sz="2400" dirty="0"/>
+              <a:t>“Efficiency” (Fare amount divided by ride time in </a:t>
+            </a:r>
+            <a:r>
+              <a:rPr lang="en-US" dirty="0" smtClean="0"/>
+              <a:t>minutes)</a:t>
+            </a:r>
+          </a:p>
+          <a:p>
+            <a:pPr>
+              <a:lnSpc>
+                <a:spcPct val="150000"/>
+              </a:lnSpc>
+            </a:pPr>
+            <a:r>
+              <a:rPr lang="en-US" dirty="0" smtClean="0"/>
+              <a:t>Trend analysis</a:t>
+            </a:r>
+          </a:p>
+          <a:p>
+            <a:pPr>
+              <a:lnSpc>
+                <a:spcPct val="150000"/>
+              </a:lnSpc>
+            </a:pPr>
+            <a:r>
+              <a:rPr lang="en-US" dirty="0" smtClean="0"/>
+              <a:t>Density analysis</a:t>
+            </a:r>
+          </a:p>
+          <a:p>
+            <a:pPr>
+              <a:lnSpc>
+                <a:spcPct val="150000"/>
+              </a:lnSpc>
+            </a:pPr>
+            <a:r>
+              <a:rPr lang="en-US" dirty="0" smtClean="0"/>
+              <a:t>Efficiency Prediction (Classify a trip as “efficient” or “inefficient”) </a:t>
+            </a:r>
+          </a:p>
+          <a:p>
+            <a:pPr>
+              <a:lnSpc>
+                <a:spcPct val="150000"/>
+              </a:lnSpc>
+              <a:buFont typeface="Courier New" panose="02070309020205020404" pitchFamily="49" charset="0"/>
+              <a:buChar char="o"/>
+            </a:pPr>
+            <a:r>
+              <a:rPr lang="en-US" i="1" dirty="0"/>
               <a:t> </a:t>
             </a:r>
             <a:r>
-              <a:rPr lang="en-US" sz="2400" dirty="0" smtClean="0"/>
-              <a:t>per minute</a:t>
-            </a:r>
-            <a:endParaRPr lang="en-US" sz="2400" i="1" dirty="0"/>
+              <a:rPr lang="en-US" i="1" dirty="0" smtClean="0"/>
+              <a:t>Sample cleansed </a:t>
+            </a:r>
+            <a:r>
+              <a:rPr lang="en-US" i="1" dirty="0" smtClean="0"/>
+              <a:t>data </a:t>
+            </a:r>
+            <a:r>
+              <a:rPr lang="en-US" i="1" dirty="0" smtClean="0"/>
+              <a:t>used</a:t>
+            </a:r>
           </a:p>
         </p:txBody>
       </p:sp>
@@ -6051,10 +8726,39 @@
           </a:p>
         </p:txBody>
       </p:sp>
+      <p:sp>
+        <p:nvSpPr>
+          <p:cNvPr id="5" name="Rectangle 4"/>
+          <p:cNvSpPr/>
+          <p:nvPr/>
+        </p:nvSpPr>
+        <p:spPr>
+          <a:xfrm>
+            <a:off x="5640586" y="3244334"/>
+            <a:ext cx="910827" cy="369332"/>
+          </a:xfrm>
+          <a:prstGeom prst="rect">
+            <a:avLst/>
+          </a:prstGeom>
+        </p:spPr>
+        <p:txBody>
+          <a:bodyPr wrap="none">
+            <a:spAutoFit/>
+          </a:bodyPr>
+          <a:lstStyle/>
+          <a:p>
+            <a:r>
+              <a:rPr lang="en-US" i="1" dirty="0"/>
+              <a:t>sample </a:t>
+            </a:r>
+            <a:endParaRPr lang="en-US" dirty="0"/>
+          </a:p>
+        </p:txBody>
+      </p:sp>
     </p:spTree>
     <p:extLst>
       <p:ext uri="{BB962C8B-B14F-4D97-AF65-F5344CB8AC3E}">
-        <p14:creationId xmlns:p14="http://schemas.microsoft.com/office/powerpoint/2010/main" val="285115780"/>
+        <p14:creationId xmlns:p14="http://schemas.microsoft.com/office/powerpoint/2010/main" val="3110026062"/>
       </p:ext>
     </p:extLst>
   </p:cSld>
@@ -6098,99 +8802,9 @@
           <a:p>
             <a:r>
               <a:rPr lang="en-US" dirty="0" smtClean="0"/>
-              <a:t>Overview</a:t>
+              <a:t>Trend</a:t>
             </a:r>
             <a:endParaRPr lang="en-US" i="1" dirty="0"/>
-          </a:p>
-        </p:txBody>
-      </p:sp>
-      <p:sp>
-        <p:nvSpPr>
-          <p:cNvPr id="3" name="Content Placeholder 2"/>
-          <p:cNvSpPr>
-            <a:spLocks noGrp="1"/>
-          </p:cNvSpPr>
-          <p:nvPr>
-            <p:ph idx="1"/>
-          </p:nvPr>
-        </p:nvSpPr>
-        <p:spPr>
-          <a:xfrm>
-            <a:off x="838200" y="1825625"/>
-            <a:ext cx="10515600" cy="4822310"/>
-          </a:xfrm>
-        </p:spPr>
-        <p:txBody>
-          <a:bodyPr>
-            <a:normAutofit/>
-          </a:bodyPr>
-          <a:lstStyle/>
-          <a:p>
-            <a:pPr>
-              <a:lnSpc>
-                <a:spcPct val="150000"/>
-              </a:lnSpc>
-            </a:pPr>
-            <a:r>
-              <a:rPr lang="en-US" dirty="0" smtClean="0"/>
-              <a:t>Calculate </a:t>
-            </a:r>
-            <a:r>
-              <a:rPr lang="en-US" dirty="0"/>
-              <a:t>“Efficiency” (Fare amount divided by ride time in </a:t>
-            </a:r>
-            <a:r>
-              <a:rPr lang="en-US" dirty="0" smtClean="0"/>
-              <a:t>minutes)</a:t>
-            </a:r>
-          </a:p>
-          <a:p>
-            <a:pPr>
-              <a:lnSpc>
-                <a:spcPct val="150000"/>
-              </a:lnSpc>
-            </a:pPr>
-            <a:r>
-              <a:rPr lang="en-US" dirty="0" smtClean="0"/>
-              <a:t>Trend analysis</a:t>
-            </a:r>
-          </a:p>
-          <a:p>
-            <a:pPr>
-              <a:lnSpc>
-                <a:spcPct val="150000"/>
-              </a:lnSpc>
-            </a:pPr>
-            <a:r>
-              <a:rPr lang="en-US" dirty="0" smtClean="0"/>
-              <a:t>Density analysis</a:t>
-            </a:r>
-          </a:p>
-          <a:p>
-            <a:pPr>
-              <a:lnSpc>
-                <a:spcPct val="150000"/>
-              </a:lnSpc>
-            </a:pPr>
-            <a:r>
-              <a:rPr lang="en-US" dirty="0" smtClean="0"/>
-              <a:t>Efficiency Prediction (Classify a trip as “efficient” or “inefficient”) </a:t>
-            </a:r>
-            <a:endParaRPr lang="en-US" dirty="0" smtClean="0"/>
-          </a:p>
-          <a:p>
-            <a:pPr>
-              <a:lnSpc>
-                <a:spcPct val="150000"/>
-              </a:lnSpc>
-              <a:buFont typeface="Courier New" panose="02070309020205020404" pitchFamily="49" charset="0"/>
-              <a:buChar char="o"/>
-            </a:pPr>
-            <a:r>
-              <a:rPr lang="en-US" dirty="0" smtClean="0"/>
-              <a:t>Clean sample data used</a:t>
-            </a:r>
-            <a:endParaRPr lang="en-US" dirty="0" smtClean="0"/>
           </a:p>
         </p:txBody>
       </p:sp>
@@ -6277,10 +8891,521 @@
           </a:p>
         </p:txBody>
       </p:sp>
+      <p:sp>
+        <p:nvSpPr>
+          <p:cNvPr id="41" name="TextBox 40"/>
+          <p:cNvSpPr txBox="1"/>
+          <p:nvPr/>
+        </p:nvSpPr>
+        <p:spPr>
+          <a:xfrm>
+            <a:off x="838200" y="1537087"/>
+            <a:ext cx="4740832" cy="369332"/>
+          </a:xfrm>
+          <a:prstGeom prst="rect">
+            <a:avLst/>
+          </a:prstGeom>
+          <a:noFill/>
+        </p:spPr>
+        <p:txBody>
+          <a:bodyPr wrap="square" rtlCol="0">
+            <a:spAutoFit/>
+          </a:bodyPr>
+          <a:lstStyle/>
+          <a:p>
+            <a:r>
+              <a:rPr lang="en-US" b="1" dirty="0" smtClean="0">
+                <a:latin typeface="+mj-lt"/>
+              </a:rPr>
+              <a:t>Green cab program is a seasonal business </a:t>
+            </a:r>
+            <a:endParaRPr lang="en-US" b="1" dirty="0">
+              <a:latin typeface="+mj-lt"/>
+            </a:endParaRPr>
+          </a:p>
+        </p:txBody>
+      </p:sp>
+      <p:grpSp>
+        <p:nvGrpSpPr>
+          <p:cNvPr id="39" name="Group 38"/>
+          <p:cNvGrpSpPr/>
+          <p:nvPr/>
+        </p:nvGrpSpPr>
+        <p:grpSpPr>
+          <a:xfrm>
+            <a:off x="838200" y="2044918"/>
+            <a:ext cx="9509668" cy="4243695"/>
+            <a:chOff x="1673869" y="1367522"/>
+            <a:chExt cx="8908157" cy="4243695"/>
+          </a:xfrm>
+        </p:grpSpPr>
+        <p:pic>
+          <p:nvPicPr>
+            <p:cNvPr id="42" name="Picture 41"/>
+            <p:cNvPicPr>
+              <a:picLocks noChangeAspect="1"/>
+            </p:cNvPicPr>
+            <p:nvPr/>
+          </p:nvPicPr>
+          <p:blipFill rotWithShape="1">
+            <a:blip r:embed="rId2">
+              <a:extLst>
+                <a:ext uri="{28A0092B-C50C-407E-A947-70E740481C1C}">
+                  <a14:useLocalDpi xmlns:a14="http://schemas.microsoft.com/office/drawing/2010/main" val="0"/>
+                </a:ext>
+              </a:extLst>
+            </a:blip>
+            <a:srcRect b="1991"/>
+            <a:stretch/>
+          </p:blipFill>
+          <p:spPr>
+            <a:xfrm>
+              <a:off x="1673869" y="1763742"/>
+              <a:ext cx="8908157" cy="3847475"/>
+            </a:xfrm>
+            <a:prstGeom prst="rect">
+              <a:avLst/>
+            </a:prstGeom>
+          </p:spPr>
+        </p:pic>
+        <p:sp>
+          <p:nvSpPr>
+            <p:cNvPr id="43" name="TextBox 42"/>
+            <p:cNvSpPr txBox="1"/>
+            <p:nvPr/>
+          </p:nvSpPr>
+          <p:spPr>
+            <a:xfrm>
+              <a:off x="1727887" y="1367522"/>
+              <a:ext cx="993280" cy="523220"/>
+            </a:xfrm>
+            <a:prstGeom prst="rect">
+              <a:avLst/>
+            </a:prstGeom>
+            <a:noFill/>
+          </p:spPr>
+          <p:txBody>
+            <a:bodyPr wrap="square" rtlCol="0">
+              <a:spAutoFit/>
+            </a:bodyPr>
+            <a:lstStyle/>
+            <a:p>
+              <a:r>
+                <a:rPr lang="en-US" sz="1400" b="1" dirty="0" smtClean="0">
+                  <a:solidFill>
+                    <a:schemeClr val="tx1">
+                      <a:lumMod val="50000"/>
+                      <a:lumOff val="50000"/>
+                    </a:schemeClr>
+                  </a:solidFill>
+                </a:rPr>
+                <a:t>Earning</a:t>
+              </a:r>
+            </a:p>
+            <a:p>
+              <a:r>
+                <a:rPr lang="en-US" sz="1400" b="1" dirty="0" smtClean="0">
+                  <a:solidFill>
+                    <a:schemeClr val="tx1">
+                      <a:lumMod val="50000"/>
+                      <a:lumOff val="50000"/>
+                    </a:schemeClr>
+                  </a:solidFill>
+                </a:rPr>
+                <a:t>Per ride</a:t>
+              </a:r>
+              <a:endParaRPr lang="en-US" sz="1400" b="1" dirty="0">
+                <a:solidFill>
+                  <a:schemeClr val="tx1">
+                    <a:lumMod val="50000"/>
+                    <a:lumOff val="50000"/>
+                  </a:schemeClr>
+                </a:solidFill>
+              </a:endParaRPr>
+            </a:p>
+          </p:txBody>
+        </p:sp>
+      </p:grpSp>
+      <p:sp>
+        <p:nvSpPr>
+          <p:cNvPr id="44" name="TextBox 43"/>
+          <p:cNvSpPr txBox="1"/>
+          <p:nvPr/>
+        </p:nvSpPr>
+        <p:spPr>
+          <a:xfrm>
+            <a:off x="6696909" y="6288613"/>
+            <a:ext cx="5190292" cy="323165"/>
+          </a:xfrm>
+          <a:prstGeom prst="rect">
+            <a:avLst/>
+          </a:prstGeom>
+          <a:noFill/>
+        </p:spPr>
+        <p:txBody>
+          <a:bodyPr wrap="square" rtlCol="0">
+            <a:spAutoFit/>
+          </a:bodyPr>
+          <a:lstStyle/>
+          <a:p>
+            <a:pPr algn="r"/>
+            <a:r>
+              <a:rPr lang="en-US" sz="1500" b="1" dirty="0" smtClean="0">
+                <a:solidFill>
+                  <a:schemeClr val="bg2">
+                    <a:lumMod val="75000"/>
+                  </a:schemeClr>
+                </a:solidFill>
+              </a:rPr>
+              <a:t>DATA: TAXI AND LIMOUSINE  COMMISSION</a:t>
+            </a:r>
+          </a:p>
+        </p:txBody>
+      </p:sp>
+      <p:sp>
+        <p:nvSpPr>
+          <p:cNvPr id="45" name="TextBox 44"/>
+          <p:cNvSpPr txBox="1"/>
+          <p:nvPr/>
+        </p:nvSpPr>
+        <p:spPr>
+          <a:xfrm>
+            <a:off x="4094679" y="1936895"/>
+            <a:ext cx="4114725" cy="1384995"/>
+          </a:xfrm>
+          <a:prstGeom prst="rect">
+            <a:avLst/>
+          </a:prstGeom>
+          <a:noFill/>
+        </p:spPr>
+        <p:txBody>
+          <a:bodyPr wrap="square" rtlCol="0">
+            <a:spAutoFit/>
+          </a:bodyPr>
+          <a:lstStyle/>
+          <a:p>
+            <a:r>
+              <a:rPr lang="en-US" sz="1400" b="1" dirty="0">
+                <a:latin typeface="+mj-lt"/>
+              </a:rPr>
+              <a:t>Since Jan 2014, average earning for each ride (tax and extras excluded) follows a </a:t>
+            </a:r>
+            <a:r>
+              <a:rPr lang="en-US" sz="1400" b="1" dirty="0" smtClean="0">
+                <a:latin typeface="+mj-lt"/>
+              </a:rPr>
+              <a:t>SEASONALITY pattern</a:t>
+            </a:r>
+            <a:r>
+              <a:rPr lang="en-US" sz="1400" b="1" dirty="0">
+                <a:latin typeface="+mj-lt"/>
+              </a:rPr>
+              <a:t>: </a:t>
+            </a:r>
+            <a:endParaRPr lang="en-US" sz="1400" b="1" dirty="0" smtClean="0">
+              <a:latin typeface="+mj-lt"/>
+            </a:endParaRPr>
+          </a:p>
+          <a:p>
+            <a:pPr marL="285750" indent="-285750">
+              <a:buFont typeface="Arial" panose="020B0604020202020204" pitchFamily="34" charset="0"/>
+              <a:buChar char="•"/>
+            </a:pPr>
+            <a:r>
+              <a:rPr lang="en-US" sz="1400" b="1" dirty="0" smtClean="0">
+                <a:latin typeface="+mj-lt"/>
+              </a:rPr>
+              <a:t>average fare </a:t>
+            </a:r>
+            <a:r>
+              <a:rPr lang="en-US" sz="1400" b="1" dirty="0">
+                <a:latin typeface="+mj-lt"/>
+              </a:rPr>
+              <a:t>fluctuates regularly around $ 12.5.</a:t>
+            </a:r>
+          </a:p>
+          <a:p>
+            <a:pPr marL="285750" indent="-285750">
+              <a:buFont typeface="Arial" panose="020B0604020202020204" pitchFamily="34" charset="0"/>
+              <a:buChar char="•"/>
+            </a:pPr>
+            <a:r>
+              <a:rPr lang="en-US" sz="1400" b="1" dirty="0" smtClean="0">
+                <a:latin typeface="+mj-lt"/>
+              </a:rPr>
+              <a:t>Highs (above $12.5) happen during spring and summer.</a:t>
+            </a:r>
+          </a:p>
+          <a:p>
+            <a:pPr marL="285750" indent="-285750">
+              <a:buFont typeface="Arial" panose="020B0604020202020204" pitchFamily="34" charset="0"/>
+              <a:buChar char="•"/>
+            </a:pPr>
+            <a:r>
+              <a:rPr lang="en-US" sz="1400" b="1" dirty="0" smtClean="0">
+                <a:latin typeface="+mj-lt"/>
+              </a:rPr>
+              <a:t>Lows (below $ 12.5) happen in autumn </a:t>
+            </a:r>
+            <a:r>
+              <a:rPr lang="en-US" sz="1400" b="1" dirty="0">
+                <a:latin typeface="+mj-lt"/>
+              </a:rPr>
+              <a:t>and </a:t>
+            </a:r>
+            <a:r>
+              <a:rPr lang="en-US" sz="1400" b="1" dirty="0" smtClean="0">
+                <a:latin typeface="+mj-lt"/>
+              </a:rPr>
+              <a:t>winter.</a:t>
+            </a:r>
+          </a:p>
+        </p:txBody>
+      </p:sp>
+      <p:grpSp>
+        <p:nvGrpSpPr>
+          <p:cNvPr id="57" name="Group 56"/>
+          <p:cNvGrpSpPr/>
+          <p:nvPr/>
+        </p:nvGrpSpPr>
+        <p:grpSpPr>
+          <a:xfrm rot="16200000">
+            <a:off x="4036228" y="2503757"/>
+            <a:ext cx="921996" cy="2875823"/>
+            <a:chOff x="7611762" y="2568435"/>
+            <a:chExt cx="842580" cy="1127190"/>
+          </a:xfrm>
+        </p:grpSpPr>
+        <p:cxnSp>
+          <p:nvCxnSpPr>
+            <p:cNvPr id="58" name="Straight Connector 57"/>
+            <p:cNvCxnSpPr/>
+            <p:nvPr/>
+          </p:nvCxnSpPr>
+          <p:spPr>
+            <a:xfrm>
+              <a:off x="7611762" y="2568435"/>
+              <a:ext cx="823784" cy="0"/>
+            </a:xfrm>
+            <a:prstGeom prst="line">
+              <a:avLst/>
+            </a:prstGeom>
+            <a:ln w="28575">
+              <a:solidFill>
+                <a:schemeClr val="tx1"/>
+              </a:solidFill>
+            </a:ln>
+          </p:spPr>
+          <p:style>
+            <a:lnRef idx="1">
+              <a:schemeClr val="accent1"/>
+            </a:lnRef>
+            <a:fillRef idx="0">
+              <a:schemeClr val="accent1"/>
+            </a:fillRef>
+            <a:effectRef idx="0">
+              <a:schemeClr val="accent1"/>
+            </a:effectRef>
+            <a:fontRef idx="minor">
+              <a:schemeClr val="tx1"/>
+            </a:fontRef>
+          </p:style>
+        </p:cxnSp>
+        <p:cxnSp>
+          <p:nvCxnSpPr>
+            <p:cNvPr id="59" name="Straight Connector 58"/>
+            <p:cNvCxnSpPr/>
+            <p:nvPr/>
+          </p:nvCxnSpPr>
+          <p:spPr>
+            <a:xfrm flipH="1">
+              <a:off x="8427308" y="2568435"/>
+              <a:ext cx="8238" cy="1127190"/>
+            </a:xfrm>
+            <a:prstGeom prst="line">
+              <a:avLst/>
+            </a:prstGeom>
+            <a:ln w="28575">
+              <a:solidFill>
+                <a:schemeClr val="tx1"/>
+              </a:solidFill>
+            </a:ln>
+          </p:spPr>
+          <p:style>
+            <a:lnRef idx="1">
+              <a:schemeClr val="accent1"/>
+            </a:lnRef>
+            <a:fillRef idx="0">
+              <a:schemeClr val="accent1"/>
+            </a:fillRef>
+            <a:effectRef idx="0">
+              <a:schemeClr val="accent1"/>
+            </a:effectRef>
+            <a:fontRef idx="minor">
+              <a:schemeClr val="tx1"/>
+            </a:fontRef>
+          </p:style>
+        </p:cxnSp>
+        <p:cxnSp>
+          <p:nvCxnSpPr>
+            <p:cNvPr id="60" name="Straight Connector 59"/>
+            <p:cNvCxnSpPr/>
+            <p:nvPr/>
+          </p:nvCxnSpPr>
+          <p:spPr>
+            <a:xfrm>
+              <a:off x="7630559" y="3695625"/>
+              <a:ext cx="823783" cy="0"/>
+            </a:xfrm>
+            <a:prstGeom prst="line">
+              <a:avLst/>
+            </a:prstGeom>
+            <a:ln w="28575">
+              <a:solidFill>
+                <a:schemeClr val="tx1"/>
+              </a:solidFill>
+            </a:ln>
+          </p:spPr>
+          <p:style>
+            <a:lnRef idx="1">
+              <a:schemeClr val="accent1"/>
+            </a:lnRef>
+            <a:fillRef idx="0">
+              <a:schemeClr val="accent1"/>
+            </a:fillRef>
+            <a:effectRef idx="0">
+              <a:schemeClr val="accent1"/>
+            </a:effectRef>
+            <a:fontRef idx="minor">
+              <a:schemeClr val="tx1"/>
+            </a:fontRef>
+          </p:style>
+        </p:cxnSp>
+      </p:grpSp>
+      <p:grpSp>
+        <p:nvGrpSpPr>
+          <p:cNvPr id="52" name="Group 51"/>
+          <p:cNvGrpSpPr/>
+          <p:nvPr/>
+        </p:nvGrpSpPr>
+        <p:grpSpPr>
+          <a:xfrm rot="16200000">
+            <a:off x="7113684" y="2385648"/>
+            <a:ext cx="911034" cy="3081866"/>
+            <a:chOff x="7611762" y="2568435"/>
+            <a:chExt cx="842580" cy="1127190"/>
+          </a:xfrm>
+        </p:grpSpPr>
+        <p:cxnSp>
+          <p:nvCxnSpPr>
+            <p:cNvPr id="53" name="Straight Connector 52"/>
+            <p:cNvCxnSpPr/>
+            <p:nvPr/>
+          </p:nvCxnSpPr>
+          <p:spPr>
+            <a:xfrm>
+              <a:off x="7611762" y="2568435"/>
+              <a:ext cx="823784" cy="0"/>
+            </a:xfrm>
+            <a:prstGeom prst="line">
+              <a:avLst/>
+            </a:prstGeom>
+            <a:ln w="28575">
+              <a:solidFill>
+                <a:schemeClr val="tx1"/>
+              </a:solidFill>
+            </a:ln>
+          </p:spPr>
+          <p:style>
+            <a:lnRef idx="1">
+              <a:schemeClr val="accent1"/>
+            </a:lnRef>
+            <a:fillRef idx="0">
+              <a:schemeClr val="accent1"/>
+            </a:fillRef>
+            <a:effectRef idx="0">
+              <a:schemeClr val="accent1"/>
+            </a:effectRef>
+            <a:fontRef idx="minor">
+              <a:schemeClr val="tx1"/>
+            </a:fontRef>
+          </p:style>
+        </p:cxnSp>
+        <p:cxnSp>
+          <p:nvCxnSpPr>
+            <p:cNvPr id="54" name="Straight Connector 53"/>
+            <p:cNvCxnSpPr/>
+            <p:nvPr/>
+          </p:nvCxnSpPr>
+          <p:spPr>
+            <a:xfrm flipH="1">
+              <a:off x="8427308" y="2568435"/>
+              <a:ext cx="8238" cy="1127190"/>
+            </a:xfrm>
+            <a:prstGeom prst="line">
+              <a:avLst/>
+            </a:prstGeom>
+            <a:ln w="28575">
+              <a:solidFill>
+                <a:schemeClr val="tx1"/>
+              </a:solidFill>
+            </a:ln>
+          </p:spPr>
+          <p:style>
+            <a:lnRef idx="1">
+              <a:schemeClr val="accent1"/>
+            </a:lnRef>
+            <a:fillRef idx="0">
+              <a:schemeClr val="accent1"/>
+            </a:fillRef>
+            <a:effectRef idx="0">
+              <a:schemeClr val="accent1"/>
+            </a:effectRef>
+            <a:fontRef idx="minor">
+              <a:schemeClr val="tx1"/>
+            </a:fontRef>
+          </p:style>
+        </p:cxnSp>
+        <p:cxnSp>
+          <p:nvCxnSpPr>
+            <p:cNvPr id="55" name="Straight Connector 54"/>
+            <p:cNvCxnSpPr/>
+            <p:nvPr/>
+          </p:nvCxnSpPr>
+          <p:spPr>
+            <a:xfrm>
+              <a:off x="7630558" y="3695625"/>
+              <a:ext cx="823784" cy="0"/>
+            </a:xfrm>
+            <a:prstGeom prst="line">
+              <a:avLst/>
+            </a:prstGeom>
+            <a:ln w="28575">
+              <a:solidFill>
+                <a:schemeClr val="tx1"/>
+              </a:solidFill>
+            </a:ln>
+          </p:spPr>
+          <p:style>
+            <a:lnRef idx="1">
+              <a:schemeClr val="accent1"/>
+            </a:lnRef>
+            <a:fillRef idx="0">
+              <a:schemeClr val="accent1"/>
+            </a:fillRef>
+            <a:effectRef idx="0">
+              <a:schemeClr val="accent1"/>
+            </a:effectRef>
+            <a:fontRef idx="minor">
+              <a:schemeClr val="tx1"/>
+            </a:fontRef>
+          </p:style>
+        </p:cxnSp>
+      </p:grpSp>
     </p:spTree>
     <p:extLst>
       <p:ext uri="{BB962C8B-B14F-4D97-AF65-F5344CB8AC3E}">
-        <p14:creationId xmlns:p14="http://schemas.microsoft.com/office/powerpoint/2010/main" val="3110026062"/>
+        <p14:creationId xmlns:p14="http://schemas.microsoft.com/office/powerpoint/2010/main" val="1957552359"/>
       </p:ext>
     </p:extLst>
   </p:cSld>
@@ -6324,7 +9449,7 @@
           <a:p>
             <a:r>
               <a:rPr lang="en-US" dirty="0" smtClean="0"/>
-              <a:t>Trend</a:t>
+              <a:t>Density</a:t>
             </a:r>
             <a:endParaRPr lang="en-US" i="1" dirty="0"/>
           </a:p>
@@ -6384,7 +9509,7 @@
           </a:bodyPr>
           <a:lstStyle/>
           <a:p>
-            <a:pPr marL="0" marR="0" lvl="0" indent="0" algn="l" defTabSz="914400" rtl="0" eaLnBrk="0" fontAlgn="base" latinLnBrk="0" hangingPunct="0">
+            <a:pPr marL="0" marR="0" lvl="0" indent="0" defTabSz="914400" rtl="0" eaLnBrk="0" fontAlgn="base" latinLnBrk="0" hangingPunct="0">
               <a:lnSpc>
                 <a:spcPct val="100000"/>
               </a:lnSpc>
@@ -6413,124 +9538,670 @@
           </a:p>
         </p:txBody>
       </p:sp>
-      <p:grpSp>
-        <p:nvGrpSpPr>
-          <p:cNvPr id="5" name="Group 4"/>
-          <p:cNvGrpSpPr/>
+      <p:pic>
+        <p:nvPicPr>
+          <p:cNvPr id="5" name="Picture 4"/>
+          <p:cNvPicPr>
+            <a:picLocks noChangeAspect="1"/>
+          </p:cNvPicPr>
           <p:nvPr/>
-        </p:nvGrpSpPr>
-        <p:grpSpPr>
+        </p:nvPicPr>
+        <p:blipFill>
+          <a:blip r:embed="rId2">
+            <a:extLst>
+              <a:ext uri="{28A0092B-C50C-407E-A947-70E740481C1C}">
+                <a14:useLocalDpi xmlns:a14="http://schemas.microsoft.com/office/drawing/2010/main" val="0"/>
+              </a:ext>
+            </a:extLst>
+          </a:blip>
+          <a:stretch>
+            <a:fillRect/>
+          </a:stretch>
+        </p:blipFill>
+        <p:spPr>
           <a:xfrm>
-            <a:off x="1019433" y="2133642"/>
-            <a:ext cx="8908157" cy="4283634"/>
-            <a:chOff x="1727887" y="1367522"/>
-            <a:chExt cx="8908157" cy="4283634"/>
+            <a:off x="951789" y="1801729"/>
+            <a:ext cx="6154406" cy="4090996"/>
           </a:xfrm>
-        </p:grpSpPr>
-        <p:pic>
-          <p:nvPicPr>
-            <p:cNvPr id="3" name="Picture 2"/>
-            <p:cNvPicPr>
-              <a:picLocks noChangeAspect="1"/>
-            </p:cNvPicPr>
-            <p:nvPr/>
-          </p:nvPicPr>
-          <p:blipFill rotWithShape="1">
-            <a:blip r:embed="rId2">
-              <a:extLst>
-                <a:ext uri="{28A0092B-C50C-407E-A947-70E740481C1C}">
-                  <a14:useLocalDpi xmlns:a14="http://schemas.microsoft.com/office/drawing/2010/main" val="0"/>
-                </a:ext>
-              </a:extLst>
-            </a:blip>
-            <a:srcRect b="1991"/>
-            <a:stretch/>
-          </p:blipFill>
-          <p:spPr>
-            <a:xfrm>
-              <a:off x="1727887" y="1803681"/>
-              <a:ext cx="8908157" cy="3847475"/>
-            </a:xfrm>
-            <a:prstGeom prst="rect">
-              <a:avLst/>
-            </a:prstGeom>
-          </p:spPr>
-        </p:pic>
-        <p:sp>
-          <p:nvSpPr>
-            <p:cNvPr id="6" name="TextBox 5"/>
-            <p:cNvSpPr txBox="1"/>
-            <p:nvPr/>
-          </p:nvSpPr>
-          <p:spPr>
-            <a:xfrm>
-              <a:off x="1727887" y="1367522"/>
-              <a:ext cx="993280" cy="646331"/>
-            </a:xfrm>
-            <a:prstGeom prst="rect">
-              <a:avLst/>
-            </a:prstGeom>
-            <a:noFill/>
-          </p:spPr>
-          <p:txBody>
-            <a:bodyPr wrap="square" rtlCol="0">
-              <a:spAutoFit/>
-            </a:bodyPr>
-            <a:lstStyle/>
-            <a:p>
-              <a:r>
-                <a:rPr lang="en-US" b="1" dirty="0" smtClean="0">
-                  <a:solidFill>
-                    <a:schemeClr val="tx1">
-                      <a:lumMod val="50000"/>
-                      <a:lumOff val="50000"/>
-                    </a:schemeClr>
-                  </a:solidFill>
-                </a:rPr>
-                <a:t>Earning</a:t>
-              </a:r>
-            </a:p>
-            <a:p>
-              <a:r>
-                <a:rPr lang="en-US" b="1" dirty="0" smtClean="0">
-                  <a:solidFill>
-                    <a:schemeClr val="tx1">
-                      <a:lumMod val="50000"/>
-                      <a:lumOff val="50000"/>
-                    </a:schemeClr>
-                  </a:solidFill>
-                </a:rPr>
-                <a:t>Per ride</a:t>
-              </a:r>
-              <a:endParaRPr lang="en-US" b="1" dirty="0">
+          <a:prstGeom prst="rect">
+            <a:avLst/>
+          </a:prstGeom>
+        </p:spPr>
+      </p:pic>
+      <p:graphicFrame>
+        <p:nvGraphicFramePr>
+          <p:cNvPr id="7" name="Table 6"/>
+          <p:cNvGraphicFramePr>
+            <a:graphicFrameLocks noGrp="1"/>
+          </p:cNvGraphicFramePr>
+          <p:nvPr>
+            <p:extLst>
+              <p:ext uri="{D42A27DB-BD31-4B8C-83A1-F6EECF244321}">
+                <p14:modId xmlns:p14="http://schemas.microsoft.com/office/powerpoint/2010/main" val="3048335224"/>
+              </p:ext>
+            </p:extLst>
+          </p:nvPr>
+        </p:nvGraphicFramePr>
+        <p:xfrm>
+          <a:off x="7447185" y="1869331"/>
+          <a:ext cx="2704348" cy="1828800"/>
+        </p:xfrm>
+        <a:graphic>
+          <a:graphicData uri="http://schemas.openxmlformats.org/drawingml/2006/table">
+            <a:tbl>
+              <a:tblPr firstRow="1" bandRow="1">
+                <a:tableStyleId>{D7AC3CCA-C797-4891-BE02-D94E43425B78}</a:tableStyleId>
+              </a:tblPr>
+              <a:tblGrid>
+                <a:gridCol w="1715302"/>
+                <a:gridCol w="989046"/>
+              </a:tblGrid>
+              <a:tr h="288401">
+                <a:tc>
+                  <a:txBody>
+                    <a:bodyPr/>
+                    <a:lstStyle/>
+                    <a:p>
+                      <a:r>
+                        <a:rPr lang="en-US" sz="1400" b="0" dirty="0" smtClean="0">
+                          <a:solidFill>
+                            <a:schemeClr val="tx1"/>
+                          </a:solidFill>
+                        </a:rPr>
+                        <a:t>Mean</a:t>
+                      </a:r>
+                      <a:endParaRPr lang="en-US" sz="1400" b="0" dirty="0">
+                        <a:solidFill>
+                          <a:schemeClr val="tx1"/>
+                        </a:solidFill>
+                      </a:endParaRPr>
+                    </a:p>
+                  </a:txBody>
+                  <a:tcPr>
+                    <a:solidFill>
+                      <a:schemeClr val="bg1"/>
+                    </a:solidFill>
+                  </a:tcPr>
+                </a:tc>
+                <a:tc>
+                  <a:txBody>
+                    <a:bodyPr/>
+                    <a:lstStyle/>
+                    <a:p>
+                      <a:r>
+                        <a:rPr lang="en-US" sz="1400" b="0" dirty="0" smtClean="0">
+                          <a:solidFill>
+                            <a:schemeClr val="tx1"/>
+                          </a:solidFill>
+                        </a:rPr>
+                        <a:t>1.266382</a:t>
+                      </a:r>
+                      <a:endParaRPr lang="en-US" sz="1400" b="0" dirty="0">
+                        <a:solidFill>
+                          <a:schemeClr val="tx1"/>
+                        </a:solidFill>
+                      </a:endParaRPr>
+                    </a:p>
+                  </a:txBody>
+                  <a:tcPr>
+                    <a:solidFill>
+                      <a:schemeClr val="bg1"/>
+                    </a:solidFill>
+                  </a:tcPr>
+                </a:tc>
+              </a:tr>
+              <a:tr h="288401">
+                <a:tc>
+                  <a:txBody>
+                    <a:bodyPr/>
+                    <a:lstStyle/>
+                    <a:p>
+                      <a:r>
+                        <a:rPr lang="en-US" sz="1400" dirty="0" smtClean="0">
+                          <a:solidFill>
+                            <a:schemeClr val="tx1"/>
+                          </a:solidFill>
+                        </a:rPr>
+                        <a:t>Standard Deviation</a:t>
+                      </a:r>
+                    </a:p>
+                  </a:txBody>
+                  <a:tcPr>
+                    <a:solidFill>
+                      <a:schemeClr val="bg1"/>
+                    </a:solidFill>
+                  </a:tcPr>
+                </a:tc>
+                <a:tc>
+                  <a:txBody>
+                    <a:bodyPr/>
+                    <a:lstStyle/>
+                    <a:p>
+                      <a:r>
+                        <a:rPr lang="en-US" sz="1400" dirty="0" smtClean="0">
+                          <a:solidFill>
+                            <a:schemeClr val="tx1"/>
+                          </a:solidFill>
+                        </a:rPr>
+                        <a:t>0.610673</a:t>
+                      </a:r>
+                      <a:endParaRPr lang="en-US" sz="1400" dirty="0">
+                        <a:solidFill>
+                          <a:schemeClr val="tx1"/>
+                        </a:solidFill>
+                      </a:endParaRPr>
+                    </a:p>
+                  </a:txBody>
+                  <a:tcPr>
+                    <a:solidFill>
+                      <a:schemeClr val="bg1"/>
+                    </a:solidFill>
+                  </a:tcPr>
+                </a:tc>
+              </a:tr>
+              <a:tr h="288401">
+                <a:tc>
+                  <a:txBody>
+                    <a:bodyPr/>
+                    <a:lstStyle/>
+                    <a:p>
+                      <a:r>
+                        <a:rPr lang="en-US" sz="1400" dirty="0" smtClean="0">
+                          <a:solidFill>
+                            <a:schemeClr val="tx1"/>
+                          </a:solidFill>
+                        </a:rPr>
+                        <a:t>Minimum</a:t>
+                      </a:r>
+                      <a:endParaRPr lang="en-US" sz="1400" dirty="0">
+                        <a:solidFill>
+                          <a:schemeClr val="tx1"/>
+                        </a:solidFill>
+                      </a:endParaRPr>
+                    </a:p>
+                  </a:txBody>
+                  <a:tcPr>
+                    <a:solidFill>
+                      <a:schemeClr val="bg1"/>
+                    </a:solidFill>
+                  </a:tcPr>
+                </a:tc>
+                <a:tc>
+                  <a:txBody>
+                    <a:bodyPr/>
+                    <a:lstStyle/>
+                    <a:p>
+                      <a:r>
+                        <a:rPr lang="en-US" sz="1400" dirty="0" smtClean="0">
+                          <a:solidFill>
+                            <a:schemeClr val="tx1"/>
+                          </a:solidFill>
+                        </a:rPr>
+                        <a:t>1.000255</a:t>
+                      </a:r>
+                      <a:endParaRPr lang="en-US" sz="1400" dirty="0">
+                        <a:solidFill>
+                          <a:schemeClr val="tx1"/>
+                        </a:solidFill>
+                      </a:endParaRPr>
+                    </a:p>
+                  </a:txBody>
+                  <a:tcPr>
+                    <a:solidFill>
+                      <a:schemeClr val="bg1"/>
+                    </a:solidFill>
+                  </a:tcPr>
+                </a:tc>
+              </a:tr>
+              <a:tr h="288401">
+                <a:tc>
+                  <a:txBody>
+                    <a:bodyPr/>
+                    <a:lstStyle/>
+                    <a:p>
+                      <a:r>
+                        <a:rPr lang="en-US" sz="1400" dirty="0" smtClean="0">
+                          <a:solidFill>
+                            <a:schemeClr val="tx1"/>
+                          </a:solidFill>
+                        </a:rPr>
+                        <a:t>25%</a:t>
+                      </a:r>
+                      <a:endParaRPr lang="en-US" sz="1400" dirty="0">
+                        <a:solidFill>
+                          <a:schemeClr val="tx1"/>
+                        </a:solidFill>
+                      </a:endParaRPr>
+                    </a:p>
+                  </a:txBody>
+                  <a:tcPr>
+                    <a:solidFill>
+                      <a:schemeClr val="bg1"/>
+                    </a:solidFill>
+                  </a:tcPr>
+                </a:tc>
+                <a:tc>
+                  <a:txBody>
+                    <a:bodyPr/>
+                    <a:lstStyle/>
+                    <a:p>
+                      <a:r>
+                        <a:rPr lang="en-US" sz="1400" dirty="0" smtClean="0">
+                          <a:solidFill>
+                            <a:schemeClr val="tx1"/>
+                          </a:solidFill>
+                        </a:rPr>
+                        <a:t>1.069418</a:t>
+                      </a:r>
+                      <a:endParaRPr lang="en-US" sz="1400" dirty="0">
+                        <a:solidFill>
+                          <a:schemeClr val="tx1"/>
+                        </a:solidFill>
+                      </a:endParaRPr>
+                    </a:p>
+                  </a:txBody>
+                  <a:tcPr>
+                    <a:solidFill>
+                      <a:schemeClr val="bg1"/>
+                    </a:solidFill>
+                  </a:tcPr>
+                </a:tc>
+              </a:tr>
+              <a:tr h="288401">
+                <a:tc>
+                  <a:txBody>
+                    <a:bodyPr/>
+                    <a:lstStyle/>
+                    <a:p>
+                      <a:r>
+                        <a:rPr lang="en-US" sz="1400" dirty="0" smtClean="0">
+                          <a:solidFill>
+                            <a:schemeClr val="tx1"/>
+                          </a:solidFill>
+                        </a:rPr>
+                        <a:t>50%</a:t>
+                      </a:r>
+                      <a:endParaRPr lang="en-US" sz="1400" dirty="0">
+                        <a:solidFill>
+                          <a:schemeClr val="tx1"/>
+                        </a:solidFill>
+                      </a:endParaRPr>
+                    </a:p>
+                  </a:txBody>
+                  <a:tcPr>
+                    <a:solidFill>
+                      <a:schemeClr val="bg1"/>
+                    </a:solidFill>
+                  </a:tcPr>
+                </a:tc>
+                <a:tc>
+                  <a:txBody>
+                    <a:bodyPr/>
+                    <a:lstStyle/>
+                    <a:p>
+                      <a:r>
+                        <a:rPr lang="en-US" sz="1400" dirty="0" smtClean="0">
+                          <a:solidFill>
+                            <a:schemeClr val="tx1"/>
+                          </a:solidFill>
+                        </a:rPr>
+                        <a:t>1.159154</a:t>
+                      </a:r>
+                      <a:endParaRPr lang="en-US" sz="1400" dirty="0">
+                        <a:solidFill>
+                          <a:schemeClr val="tx1"/>
+                        </a:solidFill>
+                      </a:endParaRPr>
+                    </a:p>
+                  </a:txBody>
+                  <a:tcPr>
+                    <a:solidFill>
+                      <a:schemeClr val="bg1"/>
+                    </a:solidFill>
+                  </a:tcPr>
+                </a:tc>
+              </a:tr>
+              <a:tr h="288401">
+                <a:tc>
+                  <a:txBody>
+                    <a:bodyPr/>
+                    <a:lstStyle/>
+                    <a:p>
+                      <a:r>
+                        <a:rPr lang="en-US" sz="1400" dirty="0" smtClean="0">
+                          <a:solidFill>
+                            <a:schemeClr val="tx1"/>
+                          </a:solidFill>
+                        </a:rPr>
+                        <a:t>75%</a:t>
+                      </a:r>
+                      <a:endParaRPr lang="en-US" sz="1400" dirty="0">
+                        <a:solidFill>
+                          <a:schemeClr val="tx1"/>
+                        </a:solidFill>
+                      </a:endParaRPr>
+                    </a:p>
+                  </a:txBody>
+                  <a:tcPr>
+                    <a:solidFill>
+                      <a:schemeClr val="bg1"/>
+                    </a:solidFill>
+                  </a:tcPr>
+                </a:tc>
+                <a:tc>
+                  <a:txBody>
+                    <a:bodyPr/>
+                    <a:lstStyle/>
+                    <a:p>
+                      <a:r>
+                        <a:rPr lang="en-US" sz="1400" dirty="0" smtClean="0">
+                          <a:solidFill>
+                            <a:schemeClr val="tx1"/>
+                          </a:solidFill>
+                        </a:rPr>
+                        <a:t>1.304348</a:t>
+                      </a:r>
+                      <a:endParaRPr lang="en-US" sz="1400" dirty="0">
+                        <a:solidFill>
+                          <a:schemeClr val="tx1"/>
+                        </a:solidFill>
+                      </a:endParaRPr>
+                    </a:p>
+                  </a:txBody>
+                  <a:tcPr>
+                    <a:solidFill>
+                      <a:schemeClr val="bg1"/>
+                    </a:solidFill>
+                  </a:tcPr>
+                </a:tc>
+              </a:tr>
+            </a:tbl>
+          </a:graphicData>
+        </a:graphic>
+      </p:graphicFrame>
+      <p:sp>
+        <p:nvSpPr>
+          <p:cNvPr id="8" name="TextBox 7"/>
+          <p:cNvSpPr txBox="1"/>
+          <p:nvPr/>
+        </p:nvSpPr>
+        <p:spPr>
+          <a:xfrm>
+            <a:off x="3322116" y="5826586"/>
+            <a:ext cx="2084173" cy="369332"/>
+          </a:xfrm>
+          <a:prstGeom prst="rect">
+            <a:avLst/>
+          </a:prstGeom>
+          <a:noFill/>
+        </p:spPr>
+        <p:txBody>
+          <a:bodyPr wrap="square" rtlCol="0">
+            <a:spAutoFit/>
+          </a:bodyPr>
+          <a:lstStyle/>
+          <a:p>
+            <a:r>
+              <a:rPr lang="en-US" dirty="0" smtClean="0">
+                <a:solidFill>
+                  <a:schemeClr val="tx1">
+                    <a:lumMod val="65000"/>
+                    <a:lumOff val="35000"/>
+                  </a:schemeClr>
+                </a:solidFill>
+              </a:rPr>
+              <a:t>Earning per minute</a:t>
+            </a:r>
+            <a:endParaRPr lang="en-US" dirty="0">
+              <a:solidFill>
+                <a:schemeClr val="tx1">
+                  <a:lumMod val="65000"/>
+                  <a:lumOff val="35000"/>
+                </a:schemeClr>
+              </a:solidFill>
+            </a:endParaRPr>
+          </a:p>
+        </p:txBody>
+      </p:sp>
+      <p:sp>
+        <p:nvSpPr>
+          <p:cNvPr id="9" name="TextBox 8"/>
+          <p:cNvSpPr txBox="1"/>
+          <p:nvPr/>
+        </p:nvSpPr>
+        <p:spPr>
+          <a:xfrm>
+            <a:off x="838200" y="1478563"/>
+            <a:ext cx="7747000" cy="369332"/>
+          </a:xfrm>
+          <a:prstGeom prst="rect">
+            <a:avLst/>
+          </a:prstGeom>
+          <a:noFill/>
+        </p:spPr>
+        <p:txBody>
+          <a:bodyPr wrap="square" rtlCol="0">
+            <a:spAutoFit/>
+          </a:bodyPr>
+          <a:lstStyle/>
+          <a:p>
+            <a:r>
+              <a:rPr lang="en-US" b="1" dirty="0" smtClean="0">
+                <a:latin typeface="+mj-lt"/>
+              </a:rPr>
+              <a:t>M</a:t>
+            </a:r>
+            <a:r>
+              <a:rPr lang="en-US" b="1" dirty="0" smtClean="0">
+                <a:latin typeface="+mj-lt"/>
+              </a:rPr>
+              <a:t>inutely earning per ride averages at $ 1.27 </a:t>
+            </a:r>
+            <a:r>
+              <a:rPr lang="en-US" b="1" dirty="0" smtClean="0">
+                <a:latin typeface="+mj-lt"/>
+              </a:rPr>
+              <a:t>but </a:t>
+            </a:r>
+            <a:r>
+              <a:rPr lang="en-US" b="1" dirty="0" smtClean="0">
+                <a:latin typeface="+mj-lt"/>
+              </a:rPr>
+              <a:t>goes up to tens occasionally.  </a:t>
+            </a:r>
+            <a:endParaRPr lang="en-US" b="1" dirty="0">
+              <a:latin typeface="+mj-lt"/>
+            </a:endParaRPr>
+          </a:p>
+        </p:txBody>
+      </p:sp>
+      <p:sp>
+        <p:nvSpPr>
+          <p:cNvPr id="10" name="TextBox 9"/>
+          <p:cNvSpPr txBox="1"/>
+          <p:nvPr/>
+        </p:nvSpPr>
+        <p:spPr>
+          <a:xfrm>
+            <a:off x="7334493" y="3776915"/>
+            <a:ext cx="3062574" cy="2400657"/>
+          </a:xfrm>
+          <a:prstGeom prst="rect">
+            <a:avLst/>
+          </a:prstGeom>
+          <a:noFill/>
+        </p:spPr>
+        <p:txBody>
+          <a:bodyPr wrap="square" rtlCol="0">
+            <a:spAutoFit/>
+          </a:bodyPr>
+          <a:lstStyle/>
+          <a:p>
+            <a:pPr marL="285750" indent="-285750">
+              <a:buFont typeface="Arial" panose="020B0604020202020204" pitchFamily="34" charset="0"/>
+              <a:buChar char="•"/>
+            </a:pPr>
+            <a:r>
+              <a:rPr lang="en-US" sz="1400" b="1" dirty="0">
+                <a:latin typeface="+mj-lt"/>
+              </a:rPr>
+              <a:t>K</a:t>
+            </a:r>
+            <a:r>
+              <a:rPr lang="en-US" sz="1400" b="1" dirty="0" smtClean="0">
+                <a:latin typeface="+mj-lt"/>
+              </a:rPr>
+              <a:t>urtosis being over 683, larger than the statistical normal value of 651, accompanied by a pretty small p-value, the null hypothesis of green cab efficiency following a normal distribution is rejected. </a:t>
+            </a:r>
+          </a:p>
+          <a:p>
+            <a:pPr marL="285750" indent="-285750">
+              <a:buFont typeface="Arial" panose="020B0604020202020204" pitchFamily="34" charset="0"/>
+              <a:buChar char="•"/>
+            </a:pPr>
+            <a:endParaRPr lang="en-US" sz="1000" b="1" dirty="0" smtClean="0">
+              <a:latin typeface="+mj-lt"/>
+            </a:endParaRPr>
+          </a:p>
+          <a:p>
+            <a:pPr marL="285750" indent="-285750">
+              <a:buFont typeface="Arial" panose="020B0604020202020204" pitchFamily="34" charset="0"/>
+              <a:buChar char="•"/>
+            </a:pPr>
+            <a:r>
+              <a:rPr lang="en-US" sz="1400" b="1" dirty="0" err="1" smtClean="0">
+                <a:latin typeface="+mj-lt"/>
+              </a:rPr>
+              <a:t>Skewness</a:t>
+            </a:r>
+            <a:r>
+              <a:rPr lang="en-US" sz="1400" b="1" dirty="0" smtClean="0">
+                <a:latin typeface="+mj-lt"/>
+              </a:rPr>
+              <a:t> value being 21 means there is a lot of weight in the left tail. Efficiency distribution is heavily left skewed.</a:t>
+            </a:r>
+          </a:p>
+        </p:txBody>
+      </p:sp>
+      <p:sp>
+        <p:nvSpPr>
+          <p:cNvPr id="11" name="TextBox 10"/>
+          <p:cNvSpPr txBox="1"/>
+          <p:nvPr/>
+        </p:nvSpPr>
+        <p:spPr>
+          <a:xfrm>
+            <a:off x="6696909" y="6288613"/>
+            <a:ext cx="5190292" cy="323165"/>
+          </a:xfrm>
+          <a:prstGeom prst="rect">
+            <a:avLst/>
+          </a:prstGeom>
+          <a:noFill/>
+        </p:spPr>
+        <p:txBody>
+          <a:bodyPr wrap="square" rtlCol="0">
+            <a:spAutoFit/>
+          </a:bodyPr>
+          <a:lstStyle/>
+          <a:p>
+            <a:pPr algn="r"/>
+            <a:r>
+              <a:rPr lang="en-US" sz="1500" b="1" dirty="0" smtClean="0">
+                <a:solidFill>
+                  <a:schemeClr val="bg2">
+                    <a:lumMod val="75000"/>
+                  </a:schemeClr>
+                </a:solidFill>
+              </a:rPr>
+              <a:t>DATA: TAXI AND LIMOUSINE  COMMISSION</a:t>
+            </a:r>
+          </a:p>
+        </p:txBody>
+      </p:sp>
+      <p:sp>
+        <p:nvSpPr>
+          <p:cNvPr id="12" name="TextBox 11"/>
+          <p:cNvSpPr txBox="1"/>
+          <p:nvPr/>
+        </p:nvSpPr>
+        <p:spPr>
+          <a:xfrm>
+            <a:off x="4028992" y="4907478"/>
+            <a:ext cx="1652142" cy="523220"/>
+          </a:xfrm>
+          <a:prstGeom prst="rect">
+            <a:avLst/>
+          </a:prstGeom>
+          <a:noFill/>
+        </p:spPr>
+        <p:txBody>
+          <a:bodyPr wrap="square" rtlCol="0">
+            <a:spAutoFit/>
+          </a:bodyPr>
+          <a:lstStyle/>
+          <a:p>
+            <a:r>
+              <a:rPr lang="en-US" sz="1400" b="1" dirty="0" smtClean="0">
                 <a:solidFill>
                   <a:schemeClr val="tx1">
                     <a:lumMod val="50000"/>
                     <a:lumOff val="50000"/>
                   </a:schemeClr>
                 </a:solidFill>
-              </a:endParaRPr>
-            </a:p>
-          </p:txBody>
-        </p:sp>
-      </p:grpSp>
-      <p:sp>
-        <p:nvSpPr>
-          <p:cNvPr id="7" name="TextBox 6"/>
+              </a:rPr>
+              <a:t>Kurtosis: 683</a:t>
+            </a:r>
+          </a:p>
+          <a:p>
+            <a:r>
+              <a:rPr lang="en-US" sz="1400" b="1" dirty="0" err="1" smtClean="0">
+                <a:solidFill>
+                  <a:schemeClr val="tx1">
+                    <a:lumMod val="50000"/>
+                    <a:lumOff val="50000"/>
+                  </a:schemeClr>
+                </a:solidFill>
+              </a:rPr>
+              <a:t>Skewness</a:t>
+            </a:r>
+            <a:r>
+              <a:rPr lang="en-US" sz="1400" b="1" dirty="0" smtClean="0">
+                <a:solidFill>
+                  <a:schemeClr val="tx1">
+                    <a:lumMod val="50000"/>
+                    <a:lumOff val="50000"/>
+                  </a:schemeClr>
+                </a:solidFill>
+              </a:rPr>
+              <a:t>: 21</a:t>
+            </a:r>
+            <a:endParaRPr lang="en-US" sz="1400" b="1" dirty="0">
+              <a:solidFill>
+                <a:schemeClr val="tx1">
+                  <a:lumMod val="50000"/>
+                  <a:lumOff val="50000"/>
+                </a:schemeClr>
+              </a:solidFill>
+            </a:endParaRPr>
+          </a:p>
+        </p:txBody>
+      </p:sp>
+      <p:sp>
+        <p:nvSpPr>
+          <p:cNvPr id="13" name="TextBox 12"/>
           <p:cNvSpPr txBox="1"/>
           <p:nvPr/>
         </p:nvSpPr>
         <p:spPr>
           <a:xfrm>
-            <a:off x="1019433" y="1589351"/>
-            <a:ext cx="4740832" cy="369332"/>
+            <a:off x="1140717" y="6110749"/>
+            <a:ext cx="5965478" cy="307777"/>
           </a:xfrm>
           <a:prstGeom prst="rect">
             <a:avLst/>
           </a:prstGeom>
-          <a:solidFill>
-            <a:schemeClr val="accent4"/>
-          </a:solidFill>
+          <a:noFill/>
         </p:spPr>
         <p:txBody>
           <a:bodyPr wrap="square" rtlCol="0">
@@ -6538,22 +10209,24 @@
           </a:bodyPr>
           <a:lstStyle/>
           <a:p>
-            <a:r>
-              <a:rPr lang="en-US" b="1" dirty="0" smtClean="0">
-                <a:latin typeface="+mj-lt"/>
+            <a:pPr algn="ctr"/>
+            <a:r>
+              <a:rPr lang="en-US" sz="1400" i="1" dirty="0" smtClean="0">
+                <a:solidFill>
+                  <a:schemeClr val="bg2">
+                    <a:lumMod val="50000"/>
+                  </a:schemeClr>
+                </a:solidFill>
               </a:rPr>
-              <a:t>Great changes happened in February, 2015. </a:t>
-            </a:r>
-            <a:endParaRPr lang="en-US" b="1" dirty="0">
-              <a:latin typeface="+mj-lt"/>
-            </a:endParaRPr>
+              <a:t>Note: x axis is limited to a range of one to five for better visualization </a:t>
+            </a:r>
           </a:p>
         </p:txBody>
       </p:sp>
     </p:spTree>
     <p:extLst>
       <p:ext uri="{BB962C8B-B14F-4D97-AF65-F5344CB8AC3E}">
-        <p14:creationId xmlns:p14="http://schemas.microsoft.com/office/powerpoint/2010/main" val="19338297"/>
+        <p14:creationId xmlns:p14="http://schemas.microsoft.com/office/powerpoint/2010/main" val="3271080155"/>
       </p:ext>
     </p:extLst>
   </p:cSld>
@@ -6597,9 +10270,132 @@
           <a:p>
             <a:r>
               <a:rPr lang="en-US" dirty="0" smtClean="0"/>
-              <a:t>Density</a:t>
+              <a:t>Prediction</a:t>
             </a:r>
             <a:endParaRPr lang="en-US" i="1" dirty="0"/>
+          </a:p>
+        </p:txBody>
+      </p:sp>
+      <p:sp>
+        <p:nvSpPr>
+          <p:cNvPr id="3" name="Content Placeholder 2"/>
+          <p:cNvSpPr>
+            <a:spLocks noGrp="1"/>
+          </p:cNvSpPr>
+          <p:nvPr>
+            <p:ph idx="1"/>
+          </p:nvPr>
+        </p:nvSpPr>
+        <p:spPr>
+          <a:xfrm>
+            <a:off x="838200" y="1825625"/>
+            <a:ext cx="10515600" cy="4822310"/>
+          </a:xfrm>
+        </p:spPr>
+        <p:txBody>
+          <a:bodyPr>
+            <a:normAutofit fontScale="92500" lnSpcReduction="10000"/>
+          </a:bodyPr>
+          <a:lstStyle/>
+          <a:p>
+            <a:pPr>
+              <a:lnSpc>
+                <a:spcPct val="150000"/>
+              </a:lnSpc>
+            </a:pPr>
+            <a:r>
+              <a:rPr lang="en-US" dirty="0" smtClean="0"/>
+              <a:t>Randomly sample 1% from cleaned </a:t>
+            </a:r>
+            <a:r>
+              <a:rPr lang="en-US" dirty="0" smtClean="0"/>
+              <a:t>dataset</a:t>
+            </a:r>
+            <a:endParaRPr lang="en-US" dirty="0" smtClean="0"/>
+          </a:p>
+          <a:p>
+            <a:pPr>
+              <a:lnSpc>
+                <a:spcPct val="150000"/>
+              </a:lnSpc>
+            </a:pPr>
+            <a:r>
+              <a:rPr lang="en-US" dirty="0" smtClean="0"/>
+              <a:t>Label generate:</a:t>
+            </a:r>
+          </a:p>
+          <a:p>
+            <a:pPr lvl="1">
+              <a:lnSpc>
+                <a:spcPct val="150000"/>
+              </a:lnSpc>
+              <a:buFont typeface="Wingdings" panose="05000000000000000000" pitchFamily="2" charset="2"/>
+              <a:buChar char="ü"/>
+            </a:pPr>
+            <a:r>
+              <a:rPr lang="en-US" dirty="0" smtClean="0"/>
+              <a:t>Efficiency over average labeled as “Good”, otherwise “Low”</a:t>
+            </a:r>
+          </a:p>
+          <a:p>
+            <a:pPr>
+              <a:lnSpc>
+                <a:spcPct val="150000"/>
+              </a:lnSpc>
+            </a:pPr>
+            <a:r>
+              <a:rPr lang="en-US" dirty="0" smtClean="0"/>
+              <a:t>Features</a:t>
+            </a:r>
+            <a:r>
+              <a:rPr lang="en-US" dirty="0"/>
+              <a:t> </a:t>
+            </a:r>
+            <a:r>
+              <a:rPr lang="en-US" dirty="0" smtClean="0"/>
+              <a:t>preparation (dummy coding): </a:t>
+            </a:r>
+            <a:endParaRPr lang="en-US" dirty="0" smtClean="0"/>
+          </a:p>
+          <a:p>
+            <a:pPr lvl="1">
+              <a:lnSpc>
+                <a:spcPct val="150000"/>
+              </a:lnSpc>
+              <a:buFont typeface="Wingdings" panose="05000000000000000000" pitchFamily="2" charset="2"/>
+              <a:buChar char="ü"/>
+            </a:pPr>
+            <a:r>
+              <a:rPr lang="en-US" dirty="0" smtClean="0"/>
+              <a:t>Holiday, Passenger number, Rate Code ID, Store and </a:t>
+            </a:r>
+            <a:r>
+              <a:rPr lang="en-US" dirty="0" err="1" smtClean="0"/>
+              <a:t>fwd</a:t>
+            </a:r>
+            <a:r>
+              <a:rPr lang="en-US" dirty="0" smtClean="0"/>
+              <a:t> flag, Trip distance, Trip type, Pick up hour, month, day of week, temperature, weather, wind bearing, wind speed and visibility.</a:t>
+            </a:r>
+          </a:p>
+          <a:p>
+            <a:pPr>
+              <a:lnSpc>
+                <a:spcPct val="150000"/>
+              </a:lnSpc>
+            </a:pPr>
+            <a:r>
+              <a:rPr lang="en-US" dirty="0" smtClean="0"/>
+              <a:t>Random Forest VS Gradient Boost</a:t>
+            </a:r>
+          </a:p>
+          <a:p>
+            <a:pPr>
+              <a:lnSpc>
+                <a:spcPct val="150000"/>
+              </a:lnSpc>
+            </a:pPr>
+            <a:endParaRPr lang="en-US" dirty="0" smtClean="0"/>
           </a:p>
         </p:txBody>
       </p:sp>
@@ -6686,355 +10482,10 @@
           </a:p>
         </p:txBody>
       </p:sp>
-      <p:pic>
-        <p:nvPicPr>
-          <p:cNvPr id="5" name="Picture 4"/>
-          <p:cNvPicPr>
-            <a:picLocks noChangeAspect="1"/>
-          </p:cNvPicPr>
-          <p:nvPr/>
-        </p:nvPicPr>
-        <p:blipFill>
-          <a:blip r:embed="rId2">
-            <a:extLst>
-              <a:ext uri="{28A0092B-C50C-407E-A947-70E740481C1C}">
-                <a14:useLocalDpi xmlns:a14="http://schemas.microsoft.com/office/drawing/2010/main" val="0"/>
-              </a:ext>
-            </a:extLst>
-          </a:blip>
-          <a:stretch>
-            <a:fillRect/>
-          </a:stretch>
-        </p:blipFill>
-        <p:spPr>
-          <a:xfrm>
-            <a:off x="1019433" y="2155912"/>
-            <a:ext cx="6154406" cy="4090996"/>
-          </a:xfrm>
-          <a:prstGeom prst="rect">
-            <a:avLst/>
-          </a:prstGeom>
-        </p:spPr>
-      </p:pic>
-      <p:graphicFrame>
-        <p:nvGraphicFramePr>
-          <p:cNvPr id="7" name="Table 6"/>
-          <p:cNvGraphicFramePr>
-            <a:graphicFrameLocks noGrp="1"/>
-          </p:cNvGraphicFramePr>
-          <p:nvPr>
-            <p:extLst>
-              <p:ext uri="{D42A27DB-BD31-4B8C-83A1-F6EECF244321}">
-                <p14:modId xmlns:p14="http://schemas.microsoft.com/office/powerpoint/2010/main" val="364875403"/>
-              </p:ext>
-            </p:extLst>
-          </p:nvPr>
-        </p:nvGraphicFramePr>
-        <p:xfrm>
-          <a:off x="7586704" y="2358997"/>
-          <a:ext cx="3108413" cy="2225040"/>
-        </p:xfrm>
-        <a:graphic>
-          <a:graphicData uri="http://schemas.openxmlformats.org/drawingml/2006/table">
-            <a:tbl>
-              <a:tblPr firstRow="1" bandRow="1">
-                <a:tableStyleId>{69CF1AB2-1976-4502-BF36-3FF5EA218861}</a:tableStyleId>
-              </a:tblPr>
-              <a:tblGrid>
-                <a:gridCol w="1971591"/>
-                <a:gridCol w="1136822"/>
-              </a:tblGrid>
-              <a:tr h="370840">
-                <a:tc>
-                  <a:txBody>
-                    <a:bodyPr/>
-                    <a:lstStyle/>
-                    <a:p>
-                      <a:r>
-                        <a:rPr lang="en-US" b="0" dirty="0" smtClean="0"/>
-                        <a:t>Mean</a:t>
-                      </a:r>
-                      <a:endParaRPr lang="en-US" b="0" dirty="0"/>
-                    </a:p>
-                  </a:txBody>
-                  <a:tcPr/>
-                </a:tc>
-                <a:tc>
-                  <a:txBody>
-                    <a:bodyPr/>
-                    <a:lstStyle/>
-                    <a:p>
-                      <a:r>
-                        <a:rPr lang="en-US" b="0" dirty="0" smtClean="0"/>
-                        <a:t>1.266382</a:t>
-                      </a:r>
-                      <a:endParaRPr lang="en-US" b="0" dirty="0"/>
-                    </a:p>
-                  </a:txBody>
-                  <a:tcPr>
-                    <a:solidFill>
-                      <a:schemeClr val="bg1"/>
-                    </a:solidFill>
-                  </a:tcPr>
-                </a:tc>
-              </a:tr>
-              <a:tr h="370840">
-                <a:tc>
-                  <a:txBody>
-                    <a:bodyPr/>
-                    <a:lstStyle/>
-                    <a:p>
-                      <a:r>
-                        <a:rPr lang="en-US" dirty="0" smtClean="0"/>
-                        <a:t>Standard Deviation</a:t>
-                      </a:r>
-                    </a:p>
-                  </a:txBody>
-                  <a:tcPr/>
-                </a:tc>
-                <a:tc>
-                  <a:txBody>
-                    <a:bodyPr/>
-                    <a:lstStyle/>
-                    <a:p>
-                      <a:r>
-                        <a:rPr lang="en-US" dirty="0" smtClean="0"/>
-                        <a:t>0.610673</a:t>
-                      </a:r>
-                      <a:endParaRPr lang="en-US" dirty="0"/>
-                    </a:p>
-                  </a:txBody>
-                  <a:tcPr>
-                    <a:solidFill>
-                      <a:schemeClr val="bg1"/>
-                    </a:solidFill>
-                  </a:tcPr>
-                </a:tc>
-              </a:tr>
-              <a:tr h="370840">
-                <a:tc>
-                  <a:txBody>
-                    <a:bodyPr/>
-                    <a:lstStyle/>
-                    <a:p>
-                      <a:r>
-                        <a:rPr lang="en-US" dirty="0" smtClean="0"/>
-                        <a:t>Minimum</a:t>
-                      </a:r>
-                      <a:endParaRPr lang="en-US" dirty="0"/>
-                    </a:p>
-                  </a:txBody>
-                  <a:tcPr/>
-                </a:tc>
-                <a:tc>
-                  <a:txBody>
-                    <a:bodyPr/>
-                    <a:lstStyle/>
-                    <a:p>
-                      <a:r>
-                        <a:rPr lang="en-US" dirty="0" smtClean="0"/>
-                        <a:t>1.000255</a:t>
-                      </a:r>
-                      <a:endParaRPr lang="en-US" dirty="0"/>
-                    </a:p>
-                  </a:txBody>
-                  <a:tcPr>
-                    <a:solidFill>
-                      <a:schemeClr val="bg1"/>
-                    </a:solidFill>
-                  </a:tcPr>
-                </a:tc>
-              </a:tr>
-              <a:tr h="370840">
-                <a:tc>
-                  <a:txBody>
-                    <a:bodyPr/>
-                    <a:lstStyle/>
-                    <a:p>
-                      <a:r>
-                        <a:rPr lang="en-US" dirty="0" smtClean="0"/>
-                        <a:t>25%</a:t>
-                      </a:r>
-                      <a:endParaRPr lang="en-US" dirty="0"/>
-                    </a:p>
-                  </a:txBody>
-                  <a:tcPr/>
-                </a:tc>
-                <a:tc>
-                  <a:txBody>
-                    <a:bodyPr/>
-                    <a:lstStyle/>
-                    <a:p>
-                      <a:r>
-                        <a:rPr lang="en-US" dirty="0" smtClean="0"/>
-                        <a:t>1.069418</a:t>
-                      </a:r>
-                      <a:endParaRPr lang="en-US" dirty="0"/>
-                    </a:p>
-                  </a:txBody>
-                  <a:tcPr>
-                    <a:solidFill>
-                      <a:schemeClr val="bg1"/>
-                    </a:solidFill>
-                  </a:tcPr>
-                </a:tc>
-              </a:tr>
-              <a:tr h="370840">
-                <a:tc>
-                  <a:txBody>
-                    <a:bodyPr/>
-                    <a:lstStyle/>
-                    <a:p>
-                      <a:r>
-                        <a:rPr lang="en-US" dirty="0" smtClean="0"/>
-                        <a:t>50%</a:t>
-                      </a:r>
-                      <a:endParaRPr lang="en-US" dirty="0"/>
-                    </a:p>
-                  </a:txBody>
-                  <a:tcPr/>
-                </a:tc>
-                <a:tc>
-                  <a:txBody>
-                    <a:bodyPr/>
-                    <a:lstStyle/>
-                    <a:p>
-                      <a:r>
-                        <a:rPr lang="en-US" dirty="0" smtClean="0"/>
-                        <a:t>1.159154</a:t>
-                      </a:r>
-                      <a:endParaRPr lang="en-US" dirty="0"/>
-                    </a:p>
-                  </a:txBody>
-                  <a:tcPr>
-                    <a:solidFill>
-                      <a:schemeClr val="bg1"/>
-                    </a:solidFill>
-                  </a:tcPr>
-                </a:tc>
-              </a:tr>
-              <a:tr h="370840">
-                <a:tc>
-                  <a:txBody>
-                    <a:bodyPr/>
-                    <a:lstStyle/>
-                    <a:p>
-                      <a:r>
-                        <a:rPr lang="en-US" dirty="0" smtClean="0"/>
-                        <a:t>75%</a:t>
-                      </a:r>
-                      <a:endParaRPr lang="en-US" dirty="0"/>
-                    </a:p>
-                  </a:txBody>
-                  <a:tcPr/>
-                </a:tc>
-                <a:tc>
-                  <a:txBody>
-                    <a:bodyPr/>
-                    <a:lstStyle/>
-                    <a:p>
-                      <a:r>
-                        <a:rPr lang="en-US" dirty="0" smtClean="0"/>
-                        <a:t>1.304348</a:t>
-                      </a:r>
-                      <a:endParaRPr lang="en-US" dirty="0"/>
-                    </a:p>
-                  </a:txBody>
-                  <a:tcPr>
-                    <a:solidFill>
-                      <a:schemeClr val="bg1"/>
-                    </a:solidFill>
-                  </a:tcPr>
-                </a:tc>
-              </a:tr>
-            </a:tbl>
-          </a:graphicData>
-        </a:graphic>
-      </p:graphicFrame>
-      <p:sp>
-        <p:nvSpPr>
-          <p:cNvPr id="8" name="TextBox 7"/>
-          <p:cNvSpPr txBox="1"/>
-          <p:nvPr/>
-        </p:nvSpPr>
-        <p:spPr>
-          <a:xfrm>
-            <a:off x="3389849" y="6177572"/>
-            <a:ext cx="2084173" cy="369332"/>
-          </a:xfrm>
-          <a:prstGeom prst="rect">
-            <a:avLst/>
-          </a:prstGeom>
-          <a:noFill/>
-        </p:spPr>
-        <p:txBody>
-          <a:bodyPr wrap="square" rtlCol="0">
-            <a:spAutoFit/>
-          </a:bodyPr>
-          <a:lstStyle/>
-          <a:p>
-            <a:r>
-              <a:rPr lang="en-US" dirty="0" smtClean="0">
-                <a:solidFill>
-                  <a:schemeClr val="tx1">
-                    <a:lumMod val="65000"/>
-                    <a:lumOff val="35000"/>
-                  </a:schemeClr>
-                </a:solidFill>
-              </a:rPr>
-              <a:t>Earning per minute</a:t>
-            </a:r>
-            <a:endParaRPr lang="en-US" dirty="0">
-              <a:solidFill>
-                <a:schemeClr val="tx1">
-                  <a:lumMod val="65000"/>
-                  <a:lumOff val="35000"/>
-                </a:schemeClr>
-              </a:solidFill>
-            </a:endParaRPr>
-          </a:p>
-        </p:txBody>
-      </p:sp>
-      <p:sp>
-        <p:nvSpPr>
-          <p:cNvPr id="9" name="TextBox 8"/>
-          <p:cNvSpPr txBox="1"/>
-          <p:nvPr/>
-        </p:nvSpPr>
-        <p:spPr>
-          <a:xfrm>
-            <a:off x="1019433" y="1589351"/>
-            <a:ext cx="4740832" cy="369332"/>
-          </a:xfrm>
-          <a:prstGeom prst="rect">
-            <a:avLst/>
-          </a:prstGeom>
-          <a:solidFill>
-            <a:schemeClr val="accent4"/>
-          </a:solidFill>
-        </p:spPr>
-        <p:txBody>
-          <a:bodyPr wrap="square" rtlCol="0">
-            <a:spAutoFit/>
-          </a:bodyPr>
-          <a:lstStyle/>
-          <a:p>
-            <a:r>
-              <a:rPr lang="en-US" b="1" dirty="0" smtClean="0">
-                <a:latin typeface="+mj-lt"/>
-              </a:rPr>
-              <a:t>Great changes happened in February, 2015. </a:t>
-            </a:r>
-            <a:endParaRPr lang="en-US" b="1" dirty="0">
-              <a:latin typeface="+mj-lt"/>
-            </a:endParaRPr>
-          </a:p>
-        </p:txBody>
-      </p:sp>
     </p:spTree>
     <p:extLst>
       <p:ext uri="{BB962C8B-B14F-4D97-AF65-F5344CB8AC3E}">
-        <p14:creationId xmlns:p14="http://schemas.microsoft.com/office/powerpoint/2010/main" val="3271080155"/>
+        <p14:creationId xmlns:p14="http://schemas.microsoft.com/office/powerpoint/2010/main" val="1120695406"/>
       </p:ext>
     </p:extLst>
   </p:cSld>
@@ -7078,7 +10529,7 @@
           <a:p>
             <a:r>
               <a:rPr lang="en-US" dirty="0" smtClean="0"/>
-              <a:t>Prediction</a:t>
+              <a:t>Prediction Cont’d</a:t>
             </a:r>
             <a:endParaRPr lang="en-US" i="1" dirty="0"/>
           </a:p>
@@ -7096,13 +10547,13 @@
         </p:nvSpPr>
         <p:spPr>
           <a:xfrm>
-            <a:off x="838200" y="1825625"/>
+            <a:off x="838200" y="1690688"/>
             <a:ext cx="10515600" cy="4822310"/>
           </a:xfrm>
         </p:spPr>
         <p:txBody>
           <a:bodyPr>
-            <a:normAutofit fontScale="92500" lnSpcReduction="10000"/>
+            <a:normAutofit fontScale="92500"/>
           </a:bodyPr>
           <a:lstStyle/>
           <a:p>
@@ -7113,7 +10564,7 @@
             </a:pPr>
             <a:r>
               <a:rPr lang="en-US" dirty="0" smtClean="0"/>
-              <a:t>Randomly sample 1% from cleaned dataset</a:t>
+              <a:t>Accuracy (after cross validation): </a:t>
             </a:r>
           </a:p>
           <a:p>
@@ -7122,23 +10573,7 @@
                 <a:spcPct val="150000"/>
               </a:lnSpc>
             </a:pPr>
-            <a:r>
-              <a:rPr lang="en-US" dirty="0" smtClean="0"/>
-              <a:t>Label generate:</a:t>
-            </a:r>
-          </a:p>
-          <a:p>
-            <a:pPr lvl="1">
-              <a:lnSpc>
-                <a:spcPct val="150000"/>
-              </a:lnSpc>
-              <a:buFont typeface="Wingdings" panose="05000000000000000000" pitchFamily="2" charset="2"/>
-              <a:buChar char="ü"/>
-            </a:pPr>
-            <a:r>
-              <a:rPr lang="en-US" dirty="0" smtClean="0"/>
-              <a:t>Efficiency over average labeled as “Good”, otherwise “Low”</a:t>
-            </a:r>
+            <a:endParaRPr lang="en-US" dirty="0"/>
           </a:p>
           <a:p>
             <a:pPr>
@@ -7148,36 +10583,7 @@
             </a:pPr>
             <a:r>
               <a:rPr lang="en-US" dirty="0" smtClean="0"/>
-              <a:t>Features</a:t>
-            </a:r>
-            <a:r>
-              <a:rPr lang="en-US" dirty="0"/>
-              <a:t> </a:t>
-            </a:r>
-            <a:r>
-              <a:rPr lang="en-US" dirty="0" smtClean="0"/>
-              <a:t>preparation:</a:t>
-            </a:r>
-          </a:p>
-          <a:p>
-            <a:pPr lvl="1">
-              <a:lnSpc>
-                <a:spcPct val="150000"/>
-              </a:lnSpc>
-              <a:buFont typeface="Wingdings" panose="05000000000000000000" pitchFamily="2" charset="2"/>
-              <a:buChar char="ü"/>
-            </a:pPr>
-            <a:r>
-              <a:rPr lang="en-US" dirty="0" smtClean="0"/>
-              <a:t>Holiday, Passenger number, Rate Code ID, Store and </a:t>
-            </a:r>
-            <a:r>
-              <a:rPr lang="en-US" dirty="0" err="1" smtClean="0"/>
-              <a:t>fwd</a:t>
-            </a:r>
-            <a:r>
-              <a:rPr lang="en-US" dirty="0" smtClean="0"/>
-              <a:t> flag, Trip distance, Trip type, Pick up hour, month, day of week, temperature, weather, wind bearing, wind speed and visibility.</a:t>
+              <a:t>Top three important features:</a:t>
             </a:r>
           </a:p>
           <a:p>
@@ -7186,16 +10592,45 @@
                 <a:spcPct val="150000"/>
               </a:lnSpc>
             </a:pPr>
-            <a:r>
-              <a:rPr lang="en-US" dirty="0" smtClean="0"/>
-              <a:t>Random Forest VS Gradient Boost</a:t>
-            </a:r>
+            <a:endParaRPr lang="en-US" dirty="0"/>
           </a:p>
           <a:p>
             <a:pPr>
               <a:lnSpc>
                 <a:spcPct val="150000"/>
               </a:lnSpc>
+            </a:pPr>
+            <a:endParaRPr lang="en-US" dirty="0" smtClean="0"/>
+          </a:p>
+          <a:p>
+            <a:pPr lvl="1">
+              <a:lnSpc>
+                <a:spcPct val="150000"/>
+              </a:lnSpc>
+              <a:buFont typeface="Courier New" panose="02070309020205020404" pitchFamily="49" charset="0"/>
+              <a:buChar char="o"/>
+            </a:pPr>
+            <a:r>
+              <a:rPr lang="en-US" dirty="0" smtClean="0"/>
+              <a:t>Accuracy is good enough on the whole. However, the model may suffer under-fitting and is unstable when trip distance is unknown. More features are needed</a:t>
+            </a:r>
+          </a:p>
+          <a:p>
+            <a:pPr lvl="1">
+              <a:lnSpc>
+                <a:spcPct val="150000"/>
+              </a:lnSpc>
+              <a:buFont typeface="Courier New" panose="02070309020205020404" pitchFamily="49" charset="0"/>
+              <a:buChar char="o"/>
+            </a:pPr>
+            <a:endParaRPr lang="en-US" dirty="0" smtClean="0"/>
+          </a:p>
+          <a:p>
+            <a:pPr marL="0" indent="0">
+              <a:lnSpc>
+                <a:spcPct val="150000"/>
+              </a:lnSpc>
+              <a:buNone/>
             </a:pPr>
             <a:endParaRPr lang="en-US" dirty="0" smtClean="0"/>
           </a:p>
@@ -7284,243 +10719,6 @@
           </a:p>
         </p:txBody>
       </p:sp>
-    </p:spTree>
-    <p:extLst>
-      <p:ext uri="{BB962C8B-B14F-4D97-AF65-F5344CB8AC3E}">
-        <p14:creationId xmlns:p14="http://schemas.microsoft.com/office/powerpoint/2010/main" val="1120695406"/>
-      </p:ext>
-    </p:extLst>
-  </p:cSld>
-  <p:clrMapOvr>
-    <a:masterClrMapping/>
-  </p:clrMapOvr>
-</p:sld>
-</file>
-
-<file path=ppt/slides/slide25.xml><?xml version="1.0" encoding="utf-8"?>
-<p:sld xmlns:a="http://schemas.openxmlformats.org/drawingml/2006/main" xmlns:r="http://schemas.openxmlformats.org/officeDocument/2006/relationships" xmlns:p="http://schemas.openxmlformats.org/presentationml/2006/main">
-  <p:cSld>
-    <p:spTree>
-      <p:nvGrpSpPr>
-        <p:cNvPr id="1" name=""/>
-        <p:cNvGrpSpPr/>
-        <p:nvPr/>
-      </p:nvGrpSpPr>
-      <p:grpSpPr>
-        <a:xfrm>
-          <a:off x="0" y="0"/>
-          <a:ext cx="0" cy="0"/>
-          <a:chOff x="0" y="0"/>
-          <a:chExt cx="0" cy="0"/>
-        </a:xfrm>
-      </p:grpSpPr>
-      <p:sp>
-        <p:nvSpPr>
-          <p:cNvPr id="2" name="Title 1"/>
-          <p:cNvSpPr>
-            <a:spLocks noGrp="1"/>
-          </p:cNvSpPr>
-          <p:nvPr>
-            <p:ph type="title"/>
-          </p:nvPr>
-        </p:nvSpPr>
-        <p:spPr/>
-        <p:txBody>
-          <a:bodyPr/>
-          <a:lstStyle/>
-          <a:p>
-            <a:r>
-              <a:rPr lang="en-US" dirty="0" smtClean="0"/>
-              <a:t>Prediction Cont’d</a:t>
-            </a:r>
-            <a:endParaRPr lang="en-US" i="1" dirty="0"/>
-          </a:p>
-        </p:txBody>
-      </p:sp>
-      <p:sp>
-        <p:nvSpPr>
-          <p:cNvPr id="3" name="Content Placeholder 2"/>
-          <p:cNvSpPr>
-            <a:spLocks noGrp="1"/>
-          </p:cNvSpPr>
-          <p:nvPr>
-            <p:ph idx="1"/>
-          </p:nvPr>
-        </p:nvSpPr>
-        <p:spPr>
-          <a:xfrm>
-            <a:off x="838200" y="1690688"/>
-            <a:ext cx="10515600" cy="4822310"/>
-          </a:xfrm>
-        </p:spPr>
-        <p:txBody>
-          <a:bodyPr>
-            <a:normAutofit fontScale="92500"/>
-          </a:bodyPr>
-          <a:lstStyle/>
-          <a:p>
-            <a:pPr>
-              <a:lnSpc>
-                <a:spcPct val="150000"/>
-              </a:lnSpc>
-            </a:pPr>
-            <a:r>
-              <a:rPr lang="en-US" dirty="0" smtClean="0"/>
-              <a:t>Accuracy (after cross validation): </a:t>
-            </a:r>
-          </a:p>
-          <a:p>
-            <a:pPr>
-              <a:lnSpc>
-                <a:spcPct val="150000"/>
-              </a:lnSpc>
-            </a:pPr>
-            <a:endParaRPr lang="en-US" dirty="0"/>
-          </a:p>
-          <a:p>
-            <a:pPr>
-              <a:lnSpc>
-                <a:spcPct val="150000"/>
-              </a:lnSpc>
-            </a:pPr>
-            <a:r>
-              <a:rPr lang="en-US" dirty="0" smtClean="0"/>
-              <a:t>Top three important features:</a:t>
-            </a:r>
-          </a:p>
-          <a:p>
-            <a:pPr>
-              <a:lnSpc>
-                <a:spcPct val="150000"/>
-              </a:lnSpc>
-            </a:pPr>
-            <a:endParaRPr lang="en-US" dirty="0"/>
-          </a:p>
-          <a:p>
-            <a:pPr>
-              <a:lnSpc>
-                <a:spcPct val="150000"/>
-              </a:lnSpc>
-            </a:pPr>
-            <a:endParaRPr lang="en-US" dirty="0" smtClean="0"/>
-          </a:p>
-          <a:p>
-            <a:pPr lvl="1">
-              <a:lnSpc>
-                <a:spcPct val="150000"/>
-              </a:lnSpc>
-              <a:buFont typeface="Courier New" panose="02070309020205020404" pitchFamily="49" charset="0"/>
-              <a:buChar char="o"/>
-            </a:pPr>
-            <a:r>
-              <a:rPr lang="en-US" dirty="0" smtClean="0"/>
-              <a:t>Accuracy is good enough on the whole. However, the model may suffer under-fitting and is unstable when trip distance is unknown. More features are needed</a:t>
-            </a:r>
-          </a:p>
-          <a:p>
-            <a:pPr lvl="1">
-              <a:lnSpc>
-                <a:spcPct val="150000"/>
-              </a:lnSpc>
-              <a:buFont typeface="Courier New" panose="02070309020205020404" pitchFamily="49" charset="0"/>
-              <a:buChar char="o"/>
-            </a:pPr>
-            <a:endParaRPr lang="en-US" dirty="0" smtClean="0"/>
-          </a:p>
-          <a:p>
-            <a:pPr marL="0" indent="0">
-              <a:lnSpc>
-                <a:spcPct val="150000"/>
-              </a:lnSpc>
-              <a:buNone/>
-            </a:pPr>
-            <a:endParaRPr lang="en-US" dirty="0" smtClean="0"/>
-          </a:p>
-        </p:txBody>
-      </p:sp>
-      <p:sp>
-        <p:nvSpPr>
-          <p:cNvPr id="4" name="Rectangle 1"/>
-          <p:cNvSpPr>
-            <a:spLocks noChangeArrowheads="1"/>
-          </p:cNvSpPr>
-          <p:nvPr/>
-        </p:nvSpPr>
-        <p:spPr bwMode="auto">
-          <a:xfrm>
-            <a:off x="0" y="43934"/>
-            <a:ext cx="184731" cy="369332"/>
-          </a:xfrm>
-          <a:prstGeom prst="rect">
-            <a:avLst/>
-          </a:prstGeom>
-          <a:solidFill>
-            <a:srgbClr val="FFFFFF"/>
-          </a:solidFill>
-          <a:ln>
-            <a:noFill/>
-          </a:ln>
-          <a:effectLst/>
-          <a:extLst>
-            <a:ext uri="{91240B29-F687-4F45-9708-019B960494DF}">
-              <a14:hiddenLine xmlns:a14="http://schemas.microsoft.com/office/drawing/2010/main" w="9525">
-                <a:solidFill>
-                  <a:schemeClr val="tx1"/>
-                </a:solidFill>
-                <a:miter lim="800000"/>
-                <a:headEnd/>
-                <a:tailEnd/>
-              </a14:hiddenLine>
-            </a:ext>
-            <a:ext uri="{AF507438-7753-43E0-B8FC-AC1667EBCBE1}">
-              <a14:hiddenEffects xmlns:a14="http://schemas.microsoft.com/office/drawing/2010/main">
-                <a:effectLst>
-                  <a:outerShdw dist="35921" dir="2700000" algn="ctr" rotWithShape="0">
-                    <a:schemeClr val="bg2"/>
-                  </a:outerShdw>
-                </a:effectLst>
-              </a14:hiddenEffects>
-            </a:ext>
-          </a:extLst>
-        </p:spPr>
-        <p:txBody>
-          <a:bodyPr vert="horz" wrap="none" lIns="91440" tIns="45720" rIns="91440" bIns="45720" numCol="1" anchor="ctr" anchorCtr="0" compatLnSpc="1">
-            <a:prstTxWarp prst="textNoShape">
-              <a:avLst/>
-            </a:prstTxWarp>
-            <a:spAutoFit/>
-          </a:bodyPr>
-          <a:lstStyle/>
-          <a:p>
-            <a:pPr marL="0" marR="0" lvl="0" indent="0" algn="l" defTabSz="914400" rtl="0" eaLnBrk="0" fontAlgn="base" latinLnBrk="0" hangingPunct="0">
-              <a:lnSpc>
-                <a:spcPct val="100000"/>
-              </a:lnSpc>
-              <a:spcBef>
-                <a:spcPct val="0"/>
-              </a:spcBef>
-              <a:spcAft>
-                <a:spcPct val="0"/>
-              </a:spcAft>
-              <a:buClrTx/>
-              <a:buSzTx/>
-              <a:buFontTx/>
-              <a:buNone/>
-              <a:tabLst/>
-            </a:pPr>
-            <a:endParaRPr kumimoji="0" lang="en-US" sz="1800" b="0" i="0" u="none" strike="noStrike" cap="none" normalizeH="0" baseline="0" dirty="0" smtClean="0">
-              <a:ln>
-                <a:noFill/>
-              </a:ln>
-              <a:solidFill>
-                <a:schemeClr val="tx1"/>
-              </a:solidFill>
-              <a:effectLst/>
-              <a:latin typeface="Arial" panose="020B0604020202020204" pitchFamily="34" charset="0"/>
-            </a:endParaRPr>
-          </a:p>
-        </p:txBody>
-      </p:sp>
       <p:graphicFrame>
         <p:nvGraphicFramePr>
           <p:cNvPr id="5" name="Table 4"/>
@@ -7530,13 +10728,13 @@
           <p:nvPr>
             <p:extLst>
               <p:ext uri="{D42A27DB-BD31-4B8C-83A1-F6EECF244321}">
-                <p14:modId xmlns:p14="http://schemas.microsoft.com/office/powerpoint/2010/main" val="776327483"/>
+                <p14:modId xmlns:p14="http://schemas.microsoft.com/office/powerpoint/2010/main" val="4051586354"/>
               </p:ext>
             </p:extLst>
           </p:nvPr>
         </p:nvGraphicFramePr>
         <p:xfrm>
-          <a:off x="1784864" y="2589655"/>
+          <a:off x="1734065" y="2386455"/>
           <a:ext cx="8128000" cy="741680"/>
         </p:xfrm>
         <a:graphic>
@@ -7626,13 +10824,13 @@
           <p:nvPr>
             <p:extLst>
               <p:ext uri="{D42A27DB-BD31-4B8C-83A1-F6EECF244321}">
-                <p14:modId xmlns:p14="http://schemas.microsoft.com/office/powerpoint/2010/main" val="1227659099"/>
+                <p14:modId xmlns:p14="http://schemas.microsoft.com/office/powerpoint/2010/main" val="1821952331"/>
               </p:ext>
             </p:extLst>
           </p:nvPr>
         </p:nvGraphicFramePr>
         <p:xfrm>
-          <a:off x="1779552" y="3907178"/>
+          <a:off x="1771085" y="3814045"/>
           <a:ext cx="8128000" cy="1483360"/>
         </p:xfrm>
         <a:graphic>
@@ -7806,7 +11004,7 @@
 </p:sld>
 </file>
 
-<file path=ppt/slides/slide26.xml><?xml version="1.0" encoding="utf-8"?>
+<file path=ppt/slides/slide25.xml><?xml version="1.0" encoding="utf-8"?>
 <p:sld xmlns:a="http://schemas.openxmlformats.org/drawingml/2006/main" xmlns:r="http://schemas.openxmlformats.org/officeDocument/2006/relationships" xmlns:p="http://schemas.openxmlformats.org/presentationml/2006/main">
   <p:cSld>
     <p:spTree>
@@ -8174,10 +11372,10 @@
         </p:nvGrpSpPr>
         <p:grpSpPr>
           <a:xfrm>
-            <a:off x="615778" y="1366449"/>
-            <a:ext cx="10042743" cy="5080646"/>
-            <a:chOff x="706395" y="1268627"/>
-            <a:chExt cx="10042743" cy="5080646"/>
+            <a:off x="838200" y="1690688"/>
+            <a:ext cx="6925731" cy="4653013"/>
+            <a:chOff x="2130918" y="1268627"/>
+            <a:chExt cx="7679982" cy="5080646"/>
           </a:xfrm>
         </p:grpSpPr>
         <p:grpSp>
@@ -8188,10 +11386,10 @@
           </p:nvGrpSpPr>
           <p:grpSpPr>
             <a:xfrm>
-              <a:off x="706395" y="1268627"/>
-              <a:ext cx="10042743" cy="5080646"/>
-              <a:chOff x="838200" y="1120346"/>
-              <a:chExt cx="10042743" cy="5080646"/>
+              <a:off x="2130918" y="1268627"/>
+              <a:ext cx="7679982" cy="5080646"/>
+              <a:chOff x="2262723" y="1120346"/>
+              <a:chExt cx="7679982" cy="5080646"/>
             </a:xfrm>
           </p:grpSpPr>
           <p:pic>
@@ -8304,8 +11502,8 @@
             </p:nvSpPr>
             <p:spPr>
               <a:xfrm>
-                <a:off x="9471941" y="5435965"/>
-                <a:ext cx="1409002" cy="369332"/>
+                <a:off x="8286607" y="5640905"/>
+                <a:ext cx="1656098" cy="403275"/>
               </a:xfrm>
               <a:prstGeom prst="rect">
                 <a:avLst/>
@@ -8348,7 +11546,7 @@
             </p:nvSpPr>
             <p:spPr>
               <a:xfrm>
-                <a:off x="838200" y="1699638"/>
+                <a:off x="2262723" y="1517339"/>
                 <a:ext cx="1466335" cy="369332"/>
               </a:xfrm>
               <a:prstGeom prst="rect">
@@ -8428,6 +11626,42 @@
           </p:txBody>
         </p:sp>
       </p:grpSp>
+      <p:sp>
+        <p:nvSpPr>
+          <p:cNvPr id="14" name="TextBox 13"/>
+          <p:cNvSpPr txBox="1"/>
+          <p:nvPr/>
+        </p:nvSpPr>
+        <p:spPr>
+          <a:xfrm>
+            <a:off x="6696909" y="6288613"/>
+            <a:ext cx="5190292" cy="323165"/>
+          </a:xfrm>
+          <a:prstGeom prst="rect">
+            <a:avLst/>
+          </a:prstGeom>
+          <a:noFill/>
+        </p:spPr>
+        <p:txBody>
+          <a:bodyPr wrap="square" rtlCol="0">
+            <a:spAutoFit/>
+          </a:bodyPr>
+          <a:lstStyle/>
+          <a:p>
+            <a:pPr algn="r"/>
+            <a:r>
+              <a:rPr lang="en-US" sz="1500" b="1" dirty="0" smtClean="0">
+                <a:solidFill>
+                  <a:schemeClr val="bg2">
+                    <a:lumMod val="75000"/>
+                  </a:schemeClr>
+                </a:solidFill>
+              </a:rPr>
+              <a:t>DATA: TAXI AND LIMOUSINE  COMMISSION</a:t>
+            </a:r>
+          </a:p>
+        </p:txBody>
+      </p:sp>
     </p:spTree>
     <p:extLst>
       <p:ext uri="{BB962C8B-B14F-4D97-AF65-F5344CB8AC3E}">
@@ -8441,7 +11675,7 @@
 </p:sld>
 </file>
 
-<file path=ppt/slides/slide27.xml><?xml version="1.0" encoding="utf-8"?>
+<file path=ppt/slides/slide26.xml><?xml version="1.0" encoding="utf-8"?>
 <p:sld xmlns:a="http://schemas.openxmlformats.org/drawingml/2006/main" xmlns:r="http://schemas.openxmlformats.org/officeDocument/2006/relationships" xmlns:p="http://schemas.openxmlformats.org/presentationml/2006/main">
   <p:cSld>
     <p:spTree>
@@ -9079,7 +12313,7 @@
 </p:sld>
 </file>
 
-<file path=ppt/slides/slide28.xml><?xml version="1.0" encoding="utf-8"?>
+<file path=ppt/slides/slide27.xml><?xml version="1.0" encoding="utf-8"?>
 <p:sld xmlns:a="http://schemas.openxmlformats.org/drawingml/2006/main" xmlns:r="http://schemas.openxmlformats.org/officeDocument/2006/relationships" xmlns:p="http://schemas.openxmlformats.org/presentationml/2006/main">
   <p:cSld>
     <p:spTree>
@@ -9246,7 +12480,7 @@
 </p:sld>
 </file>
 
-<file path=ppt/slides/slide29.xml><?xml version="1.0" encoding="utf-8"?>
+<file path=ppt/slides/slide28.xml><?xml version="1.0" encoding="utf-8"?>
 <p:sld xmlns:a="http://schemas.openxmlformats.org/drawingml/2006/main" xmlns:r="http://schemas.openxmlformats.org/officeDocument/2006/relationships" xmlns:p="http://schemas.openxmlformats.org/presentationml/2006/main">
   <p:cSld>
     <p:spTree>
@@ -9413,7 +12647,7 @@
 </p:sld>
 </file>
 
-<file path=ppt/slides/slide3.xml><?xml version="1.0" encoding="utf-8"?>
+<file path=ppt/slides/slide29.xml><?xml version="1.0" encoding="utf-8"?>
 <p:sld xmlns:a="http://schemas.openxmlformats.org/drawingml/2006/main" xmlns:r="http://schemas.openxmlformats.org/officeDocument/2006/relationships" xmlns:p="http://schemas.openxmlformats.org/presentationml/2006/main">
   <p:cSld>
     <p:spTree>
@@ -9445,95 +12679,11 @@
           <a:bodyPr/>
           <a:lstStyle/>
           <a:p>
-            <a:endParaRPr lang="en-US" i="1" dirty="0"/>
-          </a:p>
-        </p:txBody>
-      </p:sp>
-      <p:sp>
-        <p:nvSpPr>
-          <p:cNvPr id="3" name="Content Placeholder 2"/>
-          <p:cNvSpPr>
-            <a:spLocks noGrp="1"/>
-          </p:cNvSpPr>
-          <p:nvPr>
-            <p:ph idx="1"/>
-          </p:nvPr>
-        </p:nvSpPr>
-        <p:spPr>
-          <a:xfrm>
-            <a:off x="838200" y="1825625"/>
-            <a:ext cx="10515600" cy="4822310"/>
-          </a:xfrm>
-        </p:spPr>
-        <p:txBody>
-          <a:bodyPr>
-            <a:normAutofit/>
-          </a:bodyPr>
-          <a:lstStyle/>
-          <a:p>
-            <a:pPr>
-              <a:lnSpc>
-                <a:spcPct val="150000"/>
-              </a:lnSpc>
-            </a:pPr>
             <a:r>
               <a:rPr lang="en-US" dirty="0" smtClean="0"/>
-              <a:t>Higher passenger </a:t>
-            </a:r>
-            <a:r>
-              <a:rPr lang="en-US" sz="3400" dirty="0" smtClean="0"/>
-              <a:t>VOLUMNE</a:t>
-            </a:r>
-            <a:r>
-              <a:rPr lang="en-US" dirty="0" smtClean="0">
-                <a:sym typeface="Wingdings" panose="05000000000000000000" pitchFamily="2" charset="2"/>
-              </a:rPr>
-              <a:t></a:t>
-            </a:r>
-            <a:endParaRPr lang="en-US" dirty="0" smtClean="0"/>
-          </a:p>
-          <a:p>
-            <a:pPr>
-              <a:lnSpc>
-                <a:spcPct val="150000"/>
-              </a:lnSpc>
-            </a:pPr>
-            <a:r>
-              <a:rPr lang="en-US" dirty="0" smtClean="0"/>
-              <a:t> Better ridership </a:t>
-            </a:r>
-            <a:r>
-              <a:rPr lang="en-US" sz="3400" dirty="0" smtClean="0"/>
-              <a:t>EFFICIENCY</a:t>
-            </a:r>
-            <a:r>
-              <a:rPr lang="en-US" dirty="0" smtClean="0">
-                <a:sym typeface="Wingdings" panose="05000000000000000000" pitchFamily="2" charset="2"/>
-              </a:rPr>
-              <a:t></a:t>
-            </a:r>
-            <a:endParaRPr lang="en-US" dirty="0" smtClean="0"/>
-          </a:p>
-          <a:p>
-            <a:pPr>
-              <a:lnSpc>
-                <a:spcPct val="150000"/>
-              </a:lnSpc>
-            </a:pPr>
-            <a:r>
-              <a:rPr lang="en-US" dirty="0" smtClean="0"/>
-              <a:t> More </a:t>
-            </a:r>
-            <a:r>
-              <a:rPr lang="en-US" sz="3400" dirty="0" smtClean="0"/>
-              <a:t>TIP</a:t>
-            </a:r>
-            <a:r>
-              <a:rPr lang="en-US" dirty="0" smtClean="0">
-                <a:sym typeface="Wingdings" panose="05000000000000000000" pitchFamily="2" charset="2"/>
-              </a:rPr>
-              <a:t></a:t>
-            </a:r>
+              <a:t>III. Tip</a:t>
+            </a:r>
+            <a:endParaRPr lang="en-US" sz="2400" i="1" dirty="0"/>
           </a:p>
         </p:txBody>
       </p:sp>
@@ -9623,7 +12773,7 @@
     </p:spTree>
     <p:extLst>
       <p:ext uri="{BB962C8B-B14F-4D97-AF65-F5344CB8AC3E}">
-        <p14:creationId xmlns:p14="http://schemas.microsoft.com/office/powerpoint/2010/main" val="1106246930"/>
+        <p14:creationId xmlns:p14="http://schemas.microsoft.com/office/powerpoint/2010/main" val="3347943891"/>
       </p:ext>
     </p:extLst>
   </p:cSld>
@@ -9633,7 +12783,7 @@
 </p:sld>
 </file>
 
-<file path=ppt/slides/slide30.xml><?xml version="1.0" encoding="utf-8"?>
+<file path=ppt/slides/slide3.xml><?xml version="1.0" encoding="utf-8"?>
 <p:sld xmlns:a="http://schemas.openxmlformats.org/drawingml/2006/main" xmlns:r="http://schemas.openxmlformats.org/officeDocument/2006/relationships" xmlns:p="http://schemas.openxmlformats.org/presentationml/2006/main">
   <p:cSld>
     <p:spTree>
@@ -9665,11 +12815,95 @@
           <a:bodyPr/>
           <a:lstStyle/>
           <a:p>
+            <a:endParaRPr lang="en-US" i="1" dirty="0"/>
+          </a:p>
+        </p:txBody>
+      </p:sp>
+      <p:sp>
+        <p:nvSpPr>
+          <p:cNvPr id="3" name="Content Placeholder 2"/>
+          <p:cNvSpPr>
+            <a:spLocks noGrp="1"/>
+          </p:cNvSpPr>
+          <p:nvPr>
+            <p:ph idx="1"/>
+          </p:nvPr>
+        </p:nvSpPr>
+        <p:spPr>
+          <a:xfrm>
+            <a:off x="838200" y="1825625"/>
+            <a:ext cx="10515600" cy="4822310"/>
+          </a:xfrm>
+        </p:spPr>
+        <p:txBody>
+          <a:bodyPr>
+            <a:normAutofit/>
+          </a:bodyPr>
+          <a:lstStyle/>
+          <a:p>
+            <a:pPr>
+              <a:lnSpc>
+                <a:spcPct val="150000"/>
+              </a:lnSpc>
+            </a:pPr>
             <a:r>
               <a:rPr lang="en-US" dirty="0" smtClean="0"/>
-              <a:t>III. Tip</a:t>
-            </a:r>
-            <a:endParaRPr lang="en-US" sz="2400" i="1" dirty="0"/>
+              <a:t>Higher passenger </a:t>
+            </a:r>
+            <a:r>
+              <a:rPr lang="en-US" sz="3400" dirty="0" smtClean="0"/>
+              <a:t>VOLUMNE</a:t>
+            </a:r>
+            <a:r>
+              <a:rPr lang="en-US" dirty="0" smtClean="0">
+                <a:sym typeface="Wingdings" panose="05000000000000000000" pitchFamily="2" charset="2"/>
+              </a:rPr>
+              <a:t></a:t>
+            </a:r>
+            <a:endParaRPr lang="en-US" dirty="0" smtClean="0"/>
+          </a:p>
+          <a:p>
+            <a:pPr>
+              <a:lnSpc>
+                <a:spcPct val="150000"/>
+              </a:lnSpc>
+            </a:pPr>
+            <a:r>
+              <a:rPr lang="en-US" dirty="0" smtClean="0"/>
+              <a:t> Better ridership </a:t>
+            </a:r>
+            <a:r>
+              <a:rPr lang="en-US" sz="3400" dirty="0" smtClean="0"/>
+              <a:t>EFFICIENCY</a:t>
+            </a:r>
+            <a:r>
+              <a:rPr lang="en-US" dirty="0" smtClean="0">
+                <a:sym typeface="Wingdings" panose="05000000000000000000" pitchFamily="2" charset="2"/>
+              </a:rPr>
+              <a:t></a:t>
+            </a:r>
+            <a:endParaRPr lang="en-US" dirty="0" smtClean="0"/>
+          </a:p>
+          <a:p>
+            <a:pPr>
+              <a:lnSpc>
+                <a:spcPct val="150000"/>
+              </a:lnSpc>
+            </a:pPr>
+            <a:r>
+              <a:rPr lang="en-US" dirty="0" smtClean="0"/>
+              <a:t> More </a:t>
+            </a:r>
+            <a:r>
+              <a:rPr lang="en-US" sz="3400" dirty="0" smtClean="0"/>
+              <a:t>TIP</a:t>
+            </a:r>
+            <a:r>
+              <a:rPr lang="en-US" dirty="0" smtClean="0">
+                <a:sym typeface="Wingdings" panose="05000000000000000000" pitchFamily="2" charset="2"/>
+              </a:rPr>
+              <a:t></a:t>
+            </a:r>
           </a:p>
         </p:txBody>
       </p:sp>
@@ -9759,7 +12993,7 @@
     </p:spTree>
     <p:extLst>
       <p:ext uri="{BB962C8B-B14F-4D97-AF65-F5344CB8AC3E}">
-        <p14:creationId xmlns:p14="http://schemas.microsoft.com/office/powerpoint/2010/main" val="3347943891"/>
+        <p14:creationId xmlns:p14="http://schemas.microsoft.com/office/powerpoint/2010/main" val="1106246930"/>
       </p:ext>
     </p:extLst>
   </p:cSld>
@@ -9769,7 +13003,7 @@
 </p:sld>
 </file>
 
-<file path=ppt/slides/slide31.xml><?xml version="1.0" encoding="utf-8"?>
+<file path=ppt/slides/slide30.xml><?xml version="1.0" encoding="utf-8"?>
 <p:sld xmlns:a="http://schemas.openxmlformats.org/drawingml/2006/main" xmlns:r="http://schemas.openxmlformats.org/officeDocument/2006/relationships" xmlns:p="http://schemas.openxmlformats.org/presentationml/2006/main">
   <p:cSld>
     <p:spTree>
@@ -9914,11 +13148,7 @@
             </a:pPr>
             <a:r>
               <a:rPr lang="en-US" dirty="0" smtClean="0"/>
-              <a:t>Rate Code </a:t>
-            </a:r>
-            <a:r>
-              <a:rPr lang="en-US" dirty="0" smtClean="0"/>
-              <a:t>ID</a:t>
+              <a:t>Rate Code ID</a:t>
             </a:r>
             <a:endParaRPr lang="en-US" dirty="0"/>
           </a:p>
@@ -10033,7 +13263,7 @@
 </p:sld>
 </file>
 
-<file path=ppt/slides/slide32.xml><?xml version="1.0" encoding="utf-8"?>
+<file path=ppt/slides/slide31.xml><?xml version="1.0" encoding="utf-8"?>
 <p:sld xmlns:a="http://schemas.openxmlformats.org/drawingml/2006/main" xmlns:r="http://schemas.openxmlformats.org/officeDocument/2006/relationships" xmlns:p="http://schemas.openxmlformats.org/presentationml/2006/main">
   <p:cSld>
     <p:spTree>
@@ -10445,7 +13675,7 @@
 </p:sld>
 </file>
 
-<file path=ppt/slides/slide33.xml><?xml version="1.0" encoding="utf-8"?>
+<file path=ppt/slides/slide32.xml><?xml version="1.0" encoding="utf-8"?>
 <p:sld xmlns:a="http://schemas.openxmlformats.org/drawingml/2006/main" xmlns:r="http://schemas.openxmlformats.org/officeDocument/2006/relationships" xmlns:p="http://schemas.openxmlformats.org/presentationml/2006/main">
   <p:cSld>
     <p:spTree>
@@ -10838,7 +14068,7 @@
 </p:sld>
 </file>
 
-<file path=ppt/slides/slide34.xml><?xml version="1.0" encoding="utf-8"?>
+<file path=ppt/slides/slide33.xml><?xml version="1.0" encoding="utf-8"?>
 <p:sld xmlns:a="http://schemas.openxmlformats.org/drawingml/2006/main" xmlns:r="http://schemas.openxmlformats.org/officeDocument/2006/relationships" xmlns:p="http://schemas.openxmlformats.org/presentationml/2006/main">
   <p:cSld>
     <p:spTree>
@@ -11448,7 +14678,7 @@
 </p:sld>
 </file>
 
-<file path=ppt/slides/slide35.xml><?xml version="1.0" encoding="utf-8"?>
+<file path=ppt/slides/slide34.xml><?xml version="1.0" encoding="utf-8"?>
 <p:sld xmlns:a="http://schemas.openxmlformats.org/drawingml/2006/main" xmlns:r="http://schemas.openxmlformats.org/officeDocument/2006/relationships" xmlns:p="http://schemas.openxmlformats.org/presentationml/2006/main">
   <p:cSld>
     <p:spTree>
@@ -11613,79 +14843,792 @@
           </a:p>
         </p:txBody>
       </p:sp>
-      <p:pic>
-        <p:nvPicPr>
-          <p:cNvPr id="2" name="Picture 1"/>
-          <p:cNvPicPr>
-            <a:picLocks noChangeAspect="1"/>
-          </p:cNvPicPr>
+      <p:grpSp>
+        <p:nvGrpSpPr>
+          <p:cNvPr id="47" name="Group 46"/>
+          <p:cNvGrpSpPr/>
           <p:nvPr/>
-        </p:nvPicPr>
-        <p:blipFill rotWithShape="1">
-          <a:blip r:embed="rId2">
-            <a:extLst>
-              <a:ext uri="{28A0092B-C50C-407E-A947-70E740481C1C}">
-                <a14:useLocalDpi xmlns:a14="http://schemas.microsoft.com/office/drawing/2010/main" val="0"/>
-              </a:ext>
-            </a:extLst>
-          </a:blip>
-          <a:srcRect l="-804"/>
-          <a:stretch/>
-        </p:blipFill>
-        <p:spPr>
+        </p:nvGrpSpPr>
+        <p:grpSpPr>
           <a:xfrm>
-            <a:off x="838199" y="2337906"/>
-            <a:ext cx="8376397" cy="3519195"/>
+            <a:off x="838199" y="2354092"/>
+            <a:ext cx="8561174" cy="3774860"/>
+            <a:chOff x="838199" y="2650654"/>
+            <a:chExt cx="8561174" cy="3774860"/>
           </a:xfrm>
-          <a:prstGeom prst="rect">
-            <a:avLst/>
-          </a:prstGeom>
-        </p:spPr>
-      </p:pic>
-      <p:sp>
-        <p:nvSpPr>
-          <p:cNvPr id="23" name="TextBox 22"/>
-          <p:cNvSpPr txBox="1"/>
-          <p:nvPr/>
-        </p:nvSpPr>
-        <p:spPr>
-          <a:xfrm>
-            <a:off x="947352" y="2176323"/>
-            <a:ext cx="1200271" cy="323165"/>
-          </a:xfrm>
-          <a:prstGeom prst="rect">
-            <a:avLst/>
-          </a:prstGeom>
-          <a:noFill/>
-        </p:spPr>
-        <p:txBody>
-          <a:bodyPr wrap="square" rtlCol="0">
-            <a:spAutoFit/>
-          </a:bodyPr>
-          <a:lstStyle/>
-          <a:p>
-            <a:r>
-              <a:rPr lang="en-US" sz="1500" b="1" dirty="0" smtClean="0">
+        </p:grpSpPr>
+        <p:grpSp>
+          <p:nvGrpSpPr>
+            <p:cNvPr id="11" name="Group 10"/>
+            <p:cNvGrpSpPr/>
+            <p:nvPr/>
+          </p:nvGrpSpPr>
+          <p:grpSpPr>
+            <a:xfrm>
+              <a:off x="838199" y="2777684"/>
+              <a:ext cx="8462320" cy="3647830"/>
+              <a:chOff x="838199" y="2176322"/>
+              <a:chExt cx="8462320" cy="3647830"/>
+            </a:xfrm>
+          </p:grpSpPr>
+          <p:grpSp>
+            <p:nvGrpSpPr>
+              <p:cNvPr id="6" name="Group 5"/>
+              <p:cNvGrpSpPr/>
+              <p:nvPr/>
+            </p:nvGrpSpPr>
+            <p:grpSpPr>
+              <a:xfrm>
+                <a:off x="838199" y="2337905"/>
+                <a:ext cx="8462320" cy="3486247"/>
+                <a:chOff x="838199" y="2337905"/>
+                <a:chExt cx="8462320" cy="3486247"/>
+              </a:xfrm>
+            </p:grpSpPr>
+            <p:pic>
+              <p:nvPicPr>
+                <p:cNvPr id="2" name="Picture 1"/>
+                <p:cNvPicPr>
+                  <a:picLocks noChangeAspect="1"/>
+                </p:cNvPicPr>
+                <p:nvPr/>
+              </p:nvPicPr>
+              <p:blipFill rotWithShape="1">
+                <a:blip r:embed="rId2">
+                  <a:extLst>
+                    <a:ext uri="{28A0092B-C50C-407E-A947-70E740481C1C}">
+                      <a14:useLocalDpi xmlns:a14="http://schemas.microsoft.com/office/drawing/2010/main" val="0"/>
+                    </a:ext>
+                  </a:extLst>
+                </a:blip>
+                <a:srcRect l="8440" b="41667"/>
+                <a:stretch/>
+              </p:blipFill>
+              <p:spPr>
+                <a:xfrm>
+                  <a:off x="1606378" y="2337905"/>
+                  <a:ext cx="7608218" cy="2052863"/>
+                </a:xfrm>
+                <a:prstGeom prst="rect">
+                  <a:avLst/>
+                </a:prstGeom>
+              </p:spPr>
+            </p:pic>
+            <p:sp>
+              <p:nvSpPr>
+                <p:cNvPr id="7" name="TextBox 6"/>
+                <p:cNvSpPr txBox="1"/>
+                <p:nvPr/>
+              </p:nvSpPr>
+              <p:spPr>
+                <a:xfrm>
+                  <a:off x="975945" y="3398590"/>
+                  <a:ext cx="924778" cy="323165"/>
+                </a:xfrm>
+                <a:prstGeom prst="rect">
+                  <a:avLst/>
+                </a:prstGeom>
+                <a:noFill/>
+              </p:spPr>
+              <p:txBody>
+                <a:bodyPr wrap="square" rtlCol="0">
+                  <a:spAutoFit/>
+                </a:bodyPr>
+                <a:lstStyle/>
+                <a:p>
+                  <a:r>
+                    <a:rPr lang="en-US" sz="1500" b="1" dirty="0" smtClean="0">
+                      <a:solidFill>
+                        <a:schemeClr val="tx1">
+                          <a:lumMod val="50000"/>
+                          <a:lumOff val="50000"/>
+                        </a:schemeClr>
+                      </a:solidFill>
+                    </a:rPr>
+                    <a:t>21.8%</a:t>
+                  </a:r>
+                  <a:endParaRPr lang="en-US" sz="1500" b="1" dirty="0">
+                    <a:solidFill>
+                      <a:schemeClr val="tx1">
+                        <a:lumMod val="50000"/>
+                        <a:lumOff val="50000"/>
+                      </a:schemeClr>
+                    </a:solidFill>
+                  </a:endParaRPr>
+                </a:p>
+              </p:txBody>
+            </p:sp>
+            <p:sp>
+              <p:nvSpPr>
+                <p:cNvPr id="8" name="TextBox 7"/>
+                <p:cNvSpPr txBox="1"/>
+                <p:nvPr/>
+              </p:nvSpPr>
+              <p:spPr>
+                <a:xfrm>
+                  <a:off x="975945" y="2499487"/>
+                  <a:ext cx="924778" cy="323165"/>
+                </a:xfrm>
+                <a:prstGeom prst="rect">
+                  <a:avLst/>
+                </a:prstGeom>
+                <a:noFill/>
+              </p:spPr>
+              <p:txBody>
+                <a:bodyPr wrap="square" rtlCol="0">
+                  <a:spAutoFit/>
+                </a:bodyPr>
+                <a:lstStyle/>
+                <a:p>
+                  <a:r>
+                    <a:rPr lang="en-US" sz="1500" b="1" dirty="0" smtClean="0">
+                      <a:solidFill>
+                        <a:schemeClr val="tx1">
+                          <a:lumMod val="50000"/>
+                          <a:lumOff val="50000"/>
+                        </a:schemeClr>
+                      </a:solidFill>
+                    </a:rPr>
+                    <a:t>22</a:t>
+                  </a:r>
+                  <a:r>
+                    <a:rPr lang="en-US" sz="1500" b="1" dirty="0" smtClean="0">
+                      <a:solidFill>
+                        <a:schemeClr val="tx1">
+                          <a:lumMod val="50000"/>
+                          <a:lumOff val="50000"/>
+                        </a:schemeClr>
+                      </a:solidFill>
+                    </a:rPr>
+                    <a:t>.8</a:t>
+                  </a:r>
+                  <a:r>
+                    <a:rPr lang="en-US" sz="1500" b="1" dirty="0" smtClean="0">
+                      <a:solidFill>
+                        <a:schemeClr val="tx1">
+                          <a:lumMod val="50000"/>
+                          <a:lumOff val="50000"/>
+                        </a:schemeClr>
+                      </a:solidFill>
+                    </a:rPr>
+                    <a:t>%</a:t>
+                  </a:r>
+                  <a:endParaRPr lang="en-US" sz="1500" b="1" dirty="0">
+                    <a:solidFill>
+                      <a:schemeClr val="tx1">
+                        <a:lumMod val="50000"/>
+                        <a:lumOff val="50000"/>
+                      </a:schemeClr>
+                    </a:solidFill>
+                  </a:endParaRPr>
+                </a:p>
+              </p:txBody>
+            </p:sp>
+            <p:sp>
+              <p:nvSpPr>
+                <p:cNvPr id="9" name="TextBox 8"/>
+                <p:cNvSpPr txBox="1"/>
+                <p:nvPr/>
+              </p:nvSpPr>
+              <p:spPr>
+                <a:xfrm>
+                  <a:off x="975945" y="4161222"/>
+                  <a:ext cx="924778" cy="323165"/>
+                </a:xfrm>
+                <a:prstGeom prst="rect">
+                  <a:avLst/>
+                </a:prstGeom>
+                <a:noFill/>
+              </p:spPr>
+              <p:txBody>
+                <a:bodyPr wrap="square" rtlCol="0">
+                  <a:spAutoFit/>
+                </a:bodyPr>
+                <a:lstStyle/>
+                <a:p>
+                  <a:r>
+                    <a:rPr lang="en-US" sz="1500" b="1" dirty="0" smtClean="0">
+                      <a:solidFill>
+                        <a:schemeClr val="tx1">
+                          <a:lumMod val="50000"/>
+                          <a:lumOff val="50000"/>
+                        </a:schemeClr>
+                      </a:solidFill>
+                    </a:rPr>
+                    <a:t>21.0%</a:t>
+                  </a:r>
+                  <a:endParaRPr lang="en-US" sz="1500" b="1" dirty="0">
+                    <a:solidFill>
+                      <a:schemeClr val="tx1">
+                        <a:lumMod val="50000"/>
+                        <a:lumOff val="50000"/>
+                      </a:schemeClr>
+                    </a:solidFill>
+                  </a:endParaRPr>
+                </a:p>
+              </p:txBody>
+            </p:sp>
+            <p:pic>
+              <p:nvPicPr>
+                <p:cNvPr id="5" name="Picture 4"/>
+                <p:cNvPicPr>
+                  <a:picLocks noChangeAspect="1"/>
+                </p:cNvPicPr>
+                <p:nvPr/>
+              </p:nvPicPr>
+              <p:blipFill rotWithShape="1">
+                <a:blip r:embed="rId2">
+                  <a:extLst>
+                    <a:ext uri="{28A0092B-C50C-407E-A947-70E740481C1C}">
+                      <a14:useLocalDpi xmlns:a14="http://schemas.microsoft.com/office/drawing/2010/main" val="0"/>
+                    </a:ext>
+                  </a:extLst>
+                </a:blip>
+                <a:srcRect t="58535"/>
+                <a:stretch/>
+              </p:blipFill>
+              <p:spPr>
+                <a:xfrm>
+                  <a:off x="838199" y="4390768"/>
+                  <a:ext cx="8462320" cy="1433384"/>
+                </a:xfrm>
+                <a:prstGeom prst="rect">
+                  <a:avLst/>
+                </a:prstGeom>
+              </p:spPr>
+            </p:pic>
+          </p:grpSp>
+          <p:sp>
+            <p:nvSpPr>
+              <p:cNvPr id="23" name="TextBox 22"/>
+              <p:cNvSpPr txBox="1"/>
+              <p:nvPr/>
+            </p:nvSpPr>
+            <p:spPr>
+              <a:xfrm>
+                <a:off x="838199" y="2176322"/>
+                <a:ext cx="1200271" cy="323165"/>
+              </a:xfrm>
+              <a:prstGeom prst="rect">
+                <a:avLst/>
+              </a:prstGeom>
+              <a:noFill/>
+            </p:spPr>
+            <p:txBody>
+              <a:bodyPr wrap="square" rtlCol="0">
+                <a:spAutoFit/>
+              </a:bodyPr>
+              <a:lstStyle/>
+              <a:p>
+                <a:r>
+                  <a:rPr lang="en-US" sz="1500" b="1" dirty="0" smtClean="0">
+                    <a:solidFill>
+                      <a:schemeClr val="tx1">
+                        <a:lumMod val="50000"/>
+                        <a:lumOff val="50000"/>
+                      </a:schemeClr>
+                    </a:solidFill>
+                  </a:rPr>
+                  <a:t>Average tip</a:t>
+                </a:r>
+                <a:endParaRPr lang="en-US" sz="1500" b="1" dirty="0">
+                  <a:solidFill>
+                    <a:schemeClr val="tx1">
+                      <a:lumMod val="50000"/>
+                      <a:lumOff val="50000"/>
+                    </a:schemeClr>
+                  </a:solidFill>
+                </a:endParaRPr>
+              </a:p>
+            </p:txBody>
+          </p:sp>
+        </p:grpSp>
+        <p:grpSp>
+          <p:nvGrpSpPr>
+            <p:cNvPr id="28" name="Group 27"/>
+            <p:cNvGrpSpPr/>
+            <p:nvPr/>
+          </p:nvGrpSpPr>
+          <p:grpSpPr>
+            <a:xfrm>
+              <a:off x="3756454" y="3016251"/>
+              <a:ext cx="3344560" cy="565718"/>
+              <a:chOff x="2158334" y="2777684"/>
+              <a:chExt cx="840239" cy="560572"/>
+            </a:xfrm>
+          </p:grpSpPr>
+          <p:cxnSp>
+            <p:nvCxnSpPr>
+              <p:cNvPr id="29" name="Straight Connector 28"/>
+              <p:cNvCxnSpPr/>
+              <p:nvPr/>
+            </p:nvCxnSpPr>
+            <p:spPr>
+              <a:xfrm flipH="1" flipV="1">
+                <a:off x="2158334" y="2777684"/>
+                <a:ext cx="1406" cy="560572"/>
+              </a:xfrm>
+              <a:prstGeom prst="line">
+                <a:avLst/>
+              </a:prstGeom>
+              <a:ln w="19050">
                 <a:solidFill>
-                  <a:schemeClr val="tx1">
-                    <a:lumMod val="50000"/>
-                    <a:lumOff val="50000"/>
+                  <a:schemeClr val="tx2"/>
+                </a:solidFill>
+              </a:ln>
+            </p:spPr>
+            <p:style>
+              <a:lnRef idx="1">
+                <a:schemeClr val="accent1"/>
+              </a:lnRef>
+              <a:fillRef idx="0">
+                <a:schemeClr val="accent1"/>
+              </a:fillRef>
+              <a:effectRef idx="0">
+                <a:schemeClr val="accent1"/>
+              </a:effectRef>
+              <a:fontRef idx="minor">
+                <a:schemeClr val="tx1"/>
+              </a:fontRef>
+            </p:style>
+          </p:cxnSp>
+          <p:cxnSp>
+            <p:nvCxnSpPr>
+              <p:cNvPr id="30" name="Straight Connector 29"/>
+              <p:cNvCxnSpPr/>
+              <p:nvPr/>
+            </p:nvCxnSpPr>
+            <p:spPr>
+              <a:xfrm>
+                <a:off x="2158334" y="2777684"/>
+                <a:ext cx="840239" cy="0"/>
+              </a:xfrm>
+              <a:prstGeom prst="line">
+                <a:avLst/>
+              </a:prstGeom>
+              <a:ln w="19050">
+                <a:solidFill>
+                  <a:schemeClr val="tx2"/>
+                </a:solidFill>
+              </a:ln>
+            </p:spPr>
+            <p:style>
+              <a:lnRef idx="1">
+                <a:schemeClr val="accent1"/>
+              </a:lnRef>
+              <a:fillRef idx="0">
+                <a:schemeClr val="accent1"/>
+              </a:fillRef>
+              <a:effectRef idx="0">
+                <a:schemeClr val="accent1"/>
+              </a:effectRef>
+              <a:fontRef idx="minor">
+                <a:schemeClr val="tx1"/>
+              </a:fontRef>
+            </p:style>
+          </p:cxnSp>
+          <p:cxnSp>
+            <p:nvCxnSpPr>
+              <p:cNvPr id="31" name="Straight Connector 30"/>
+              <p:cNvCxnSpPr/>
+              <p:nvPr/>
+            </p:nvCxnSpPr>
+            <p:spPr>
+              <a:xfrm>
+                <a:off x="2998573" y="2777684"/>
+                <a:ext cx="0" cy="560572"/>
+              </a:xfrm>
+              <a:prstGeom prst="line">
+                <a:avLst/>
+              </a:prstGeom>
+              <a:ln w="19050">
+                <a:solidFill>
+                  <a:schemeClr val="tx2"/>
+                </a:solidFill>
+              </a:ln>
+            </p:spPr>
+            <p:style>
+              <a:lnRef idx="1">
+                <a:schemeClr val="accent1"/>
+              </a:lnRef>
+              <a:fillRef idx="0">
+                <a:schemeClr val="accent1"/>
+              </a:fillRef>
+              <a:effectRef idx="0">
+                <a:schemeClr val="accent1"/>
+              </a:effectRef>
+              <a:fontRef idx="minor">
+                <a:schemeClr val="tx1"/>
+              </a:fontRef>
+            </p:style>
+          </p:cxnSp>
+        </p:grpSp>
+        <p:grpSp>
+          <p:nvGrpSpPr>
+            <p:cNvPr id="36" name="Group 35"/>
+            <p:cNvGrpSpPr/>
+            <p:nvPr/>
+          </p:nvGrpSpPr>
+          <p:grpSpPr>
+            <a:xfrm>
+              <a:off x="2131777" y="3016251"/>
+              <a:ext cx="875034" cy="369332"/>
+              <a:chOff x="2158334" y="2777684"/>
+              <a:chExt cx="840239" cy="560572"/>
+            </a:xfrm>
+          </p:grpSpPr>
+          <p:cxnSp>
+            <p:nvCxnSpPr>
+              <p:cNvPr id="37" name="Straight Connector 36"/>
+              <p:cNvCxnSpPr/>
+              <p:nvPr/>
+            </p:nvCxnSpPr>
+            <p:spPr>
+              <a:xfrm flipH="1" flipV="1">
+                <a:off x="2158334" y="2777684"/>
+                <a:ext cx="1406" cy="560572"/>
+              </a:xfrm>
+              <a:prstGeom prst="line">
+                <a:avLst/>
+              </a:prstGeom>
+              <a:ln w="19050">
+                <a:solidFill>
+                  <a:schemeClr val="tx2"/>
+                </a:solidFill>
+              </a:ln>
+            </p:spPr>
+            <p:style>
+              <a:lnRef idx="1">
+                <a:schemeClr val="accent1"/>
+              </a:lnRef>
+              <a:fillRef idx="0">
+                <a:schemeClr val="accent1"/>
+              </a:fillRef>
+              <a:effectRef idx="0">
+                <a:schemeClr val="accent1"/>
+              </a:effectRef>
+              <a:fontRef idx="minor">
+                <a:schemeClr val="tx1"/>
+              </a:fontRef>
+            </p:style>
+          </p:cxnSp>
+          <p:cxnSp>
+            <p:nvCxnSpPr>
+              <p:cNvPr id="38" name="Straight Connector 37"/>
+              <p:cNvCxnSpPr/>
+              <p:nvPr/>
+            </p:nvCxnSpPr>
+            <p:spPr>
+              <a:xfrm>
+                <a:off x="2158334" y="2777684"/>
+                <a:ext cx="840239" cy="0"/>
+              </a:xfrm>
+              <a:prstGeom prst="line">
+                <a:avLst/>
+              </a:prstGeom>
+              <a:ln w="19050">
+                <a:solidFill>
+                  <a:schemeClr val="tx2"/>
+                </a:solidFill>
+              </a:ln>
+            </p:spPr>
+            <p:style>
+              <a:lnRef idx="1">
+                <a:schemeClr val="accent1"/>
+              </a:lnRef>
+              <a:fillRef idx="0">
+                <a:schemeClr val="accent1"/>
+              </a:fillRef>
+              <a:effectRef idx="0">
+                <a:schemeClr val="accent1"/>
+              </a:effectRef>
+              <a:fontRef idx="minor">
+                <a:schemeClr val="tx1"/>
+              </a:fontRef>
+            </p:style>
+          </p:cxnSp>
+          <p:cxnSp>
+            <p:nvCxnSpPr>
+              <p:cNvPr id="39" name="Straight Connector 38"/>
+              <p:cNvCxnSpPr/>
+              <p:nvPr/>
+            </p:nvCxnSpPr>
+            <p:spPr>
+              <a:xfrm>
+                <a:off x="2998573" y="2777684"/>
+                <a:ext cx="0" cy="560572"/>
+              </a:xfrm>
+              <a:prstGeom prst="line">
+                <a:avLst/>
+              </a:prstGeom>
+              <a:ln w="19050">
+                <a:solidFill>
+                  <a:schemeClr val="tx2"/>
+                </a:solidFill>
+              </a:ln>
+            </p:spPr>
+            <p:style>
+              <a:lnRef idx="1">
+                <a:schemeClr val="accent1"/>
+              </a:lnRef>
+              <a:fillRef idx="0">
+                <a:schemeClr val="accent1"/>
+              </a:fillRef>
+              <a:effectRef idx="0">
+                <a:schemeClr val="accent1"/>
+              </a:effectRef>
+              <a:fontRef idx="minor">
+                <a:schemeClr val="tx1"/>
+              </a:fontRef>
+            </p:style>
+          </p:cxnSp>
+        </p:grpSp>
+        <p:grpSp>
+          <p:nvGrpSpPr>
+            <p:cNvPr id="40" name="Group 39"/>
+            <p:cNvGrpSpPr/>
+            <p:nvPr/>
+          </p:nvGrpSpPr>
+          <p:grpSpPr>
+            <a:xfrm>
+              <a:off x="7731447" y="3014376"/>
+              <a:ext cx="984185" cy="985576"/>
+              <a:chOff x="2158334" y="2777684"/>
+              <a:chExt cx="840239" cy="560572"/>
+            </a:xfrm>
+          </p:grpSpPr>
+          <p:cxnSp>
+            <p:nvCxnSpPr>
+              <p:cNvPr id="41" name="Straight Connector 40"/>
+              <p:cNvCxnSpPr/>
+              <p:nvPr/>
+            </p:nvCxnSpPr>
+            <p:spPr>
+              <a:xfrm flipH="1" flipV="1">
+                <a:off x="2158334" y="2777684"/>
+                <a:ext cx="1406" cy="560572"/>
+              </a:xfrm>
+              <a:prstGeom prst="line">
+                <a:avLst/>
+              </a:prstGeom>
+              <a:ln w="19050">
+                <a:solidFill>
+                  <a:schemeClr val="tx2"/>
+                </a:solidFill>
+              </a:ln>
+            </p:spPr>
+            <p:style>
+              <a:lnRef idx="1">
+                <a:schemeClr val="accent1"/>
+              </a:lnRef>
+              <a:fillRef idx="0">
+                <a:schemeClr val="accent1"/>
+              </a:fillRef>
+              <a:effectRef idx="0">
+                <a:schemeClr val="accent1"/>
+              </a:effectRef>
+              <a:fontRef idx="minor">
+                <a:schemeClr val="tx1"/>
+              </a:fontRef>
+            </p:style>
+          </p:cxnSp>
+          <p:cxnSp>
+            <p:nvCxnSpPr>
+              <p:cNvPr id="42" name="Straight Connector 41"/>
+              <p:cNvCxnSpPr/>
+              <p:nvPr/>
+            </p:nvCxnSpPr>
+            <p:spPr>
+              <a:xfrm>
+                <a:off x="2158334" y="2777684"/>
+                <a:ext cx="840239" cy="0"/>
+              </a:xfrm>
+              <a:prstGeom prst="line">
+                <a:avLst/>
+              </a:prstGeom>
+              <a:ln w="19050">
+                <a:solidFill>
+                  <a:schemeClr val="tx2"/>
+                </a:solidFill>
+              </a:ln>
+            </p:spPr>
+            <p:style>
+              <a:lnRef idx="1">
+                <a:schemeClr val="accent1"/>
+              </a:lnRef>
+              <a:fillRef idx="0">
+                <a:schemeClr val="accent1"/>
+              </a:fillRef>
+              <a:effectRef idx="0">
+                <a:schemeClr val="accent1"/>
+              </a:effectRef>
+              <a:fontRef idx="minor">
+                <a:schemeClr val="tx1"/>
+              </a:fontRef>
+            </p:style>
+          </p:cxnSp>
+          <p:cxnSp>
+            <p:nvCxnSpPr>
+              <p:cNvPr id="43" name="Straight Connector 42"/>
+              <p:cNvCxnSpPr/>
+              <p:nvPr/>
+            </p:nvCxnSpPr>
+            <p:spPr>
+              <a:xfrm>
+                <a:off x="2998573" y="2777684"/>
+                <a:ext cx="0" cy="560572"/>
+              </a:xfrm>
+              <a:prstGeom prst="line">
+                <a:avLst/>
+              </a:prstGeom>
+              <a:ln w="19050">
+                <a:solidFill>
+                  <a:schemeClr val="tx2"/>
+                </a:solidFill>
+              </a:ln>
+            </p:spPr>
+            <p:style>
+              <a:lnRef idx="1">
+                <a:schemeClr val="accent1"/>
+              </a:lnRef>
+              <a:fillRef idx="0">
+                <a:schemeClr val="accent1"/>
+              </a:fillRef>
+              <a:effectRef idx="0">
+                <a:schemeClr val="accent1"/>
+              </a:effectRef>
+              <a:fontRef idx="minor">
+                <a:schemeClr val="tx1"/>
+              </a:fontRef>
+            </p:style>
+          </p:cxnSp>
+        </p:grpSp>
+        <p:sp>
+          <p:nvSpPr>
+            <p:cNvPr id="44" name="TextBox 43"/>
+            <p:cNvSpPr txBox="1"/>
+            <p:nvPr/>
+          </p:nvSpPr>
+          <p:spPr>
+            <a:xfrm>
+              <a:off x="1771052" y="2650654"/>
+              <a:ext cx="1927339" cy="323165"/>
+            </a:xfrm>
+            <a:prstGeom prst="rect">
+              <a:avLst/>
+            </a:prstGeom>
+            <a:noFill/>
+          </p:spPr>
+          <p:txBody>
+            <a:bodyPr wrap="square" rtlCol="0">
+              <a:spAutoFit/>
+            </a:bodyPr>
+            <a:lstStyle/>
+            <a:p>
+              <a:pPr algn="ctr"/>
+              <a:r>
+                <a:rPr lang="en-US" sz="1500" b="1" dirty="0" smtClean="0">
+                  <a:solidFill>
+                    <a:srgbClr val="7030A0"/>
+                  </a:solidFill>
+                </a:rPr>
+                <a:t>Good Weather Night</a:t>
+              </a:r>
+              <a:endParaRPr lang="en-US" sz="1500" b="1" dirty="0">
+                <a:solidFill>
+                  <a:srgbClr val="7030A0"/>
+                </a:solidFill>
+              </a:endParaRPr>
+            </a:p>
+          </p:txBody>
+        </p:sp>
+        <p:sp>
+          <p:nvSpPr>
+            <p:cNvPr id="45" name="TextBox 44"/>
+            <p:cNvSpPr txBox="1"/>
+            <p:nvPr/>
+          </p:nvSpPr>
+          <p:spPr>
+            <a:xfrm>
+              <a:off x="4818949" y="2652744"/>
+              <a:ext cx="1450045" cy="323165"/>
+            </a:xfrm>
+            <a:prstGeom prst="rect">
+              <a:avLst/>
+            </a:prstGeom>
+            <a:noFill/>
+          </p:spPr>
+          <p:txBody>
+            <a:bodyPr wrap="square" rtlCol="0">
+              <a:spAutoFit/>
+            </a:bodyPr>
+            <a:lstStyle/>
+            <a:p>
+              <a:pPr algn="ctr"/>
+              <a:r>
+                <a:rPr lang="en-US" sz="1500" b="1" dirty="0" smtClean="0">
+                  <a:solidFill>
+                    <a:schemeClr val="accent1">
+                      <a:lumMod val="75000"/>
+                    </a:schemeClr>
+                  </a:solidFill>
+                </a:rPr>
+                <a:t>Bad Weather</a:t>
+              </a:r>
+              <a:endParaRPr lang="en-US" sz="1500" b="1" dirty="0">
+                <a:solidFill>
+                  <a:schemeClr val="accent1">
+                    <a:lumMod val="75000"/>
                   </a:schemeClr>
                 </a:solidFill>
-              </a:rPr>
-              <a:t>Average tip</a:t>
-            </a:r>
-            <a:endParaRPr lang="en-US" sz="1500" b="1" dirty="0">
-              <a:solidFill>
-                <a:schemeClr val="tx1">
-                  <a:lumMod val="50000"/>
-                  <a:lumOff val="50000"/>
-                </a:schemeClr>
-              </a:solidFill>
-            </a:endParaRPr>
-          </a:p>
-        </p:txBody>
-      </p:sp>
+              </a:endParaRPr>
+            </a:p>
+          </p:txBody>
+        </p:sp>
+        <p:sp>
+          <p:nvSpPr>
+            <p:cNvPr id="46" name="TextBox 45"/>
+            <p:cNvSpPr txBox="1"/>
+            <p:nvPr/>
+          </p:nvSpPr>
+          <p:spPr>
+            <a:xfrm>
+              <a:off x="7285652" y="2650654"/>
+              <a:ext cx="2113721" cy="323165"/>
+            </a:xfrm>
+            <a:prstGeom prst="rect">
+              <a:avLst/>
+            </a:prstGeom>
+            <a:noFill/>
+          </p:spPr>
+          <p:txBody>
+            <a:bodyPr wrap="square" rtlCol="0">
+              <a:spAutoFit/>
+            </a:bodyPr>
+            <a:lstStyle/>
+            <a:p>
+              <a:pPr algn="ctr"/>
+              <a:r>
+                <a:rPr lang="en-US" sz="1500" b="1" dirty="0" smtClean="0">
+                  <a:solidFill>
+                    <a:schemeClr val="accent6">
+                      <a:lumMod val="75000"/>
+                    </a:schemeClr>
+                  </a:solidFill>
+                </a:rPr>
+                <a:t>Good Weather Daytime</a:t>
+              </a:r>
+              <a:endParaRPr lang="en-US" sz="1500" b="1" dirty="0">
+                <a:solidFill>
+                  <a:schemeClr val="accent6">
+                    <a:lumMod val="75000"/>
+                  </a:schemeClr>
+                </a:solidFill>
+              </a:endParaRPr>
+            </a:p>
+          </p:txBody>
+        </p:sp>
+      </p:grpSp>
     </p:spTree>
     <p:extLst>
       <p:ext uri="{BB962C8B-B14F-4D97-AF65-F5344CB8AC3E}">
@@ -11790,8 +15733,13 @@
             </a:pPr>
             <a:r>
               <a:rPr lang="en-US" dirty="0" smtClean="0"/>
-              <a:t>Data validation/cleaning/transformation</a:t>
-            </a:r>
+              <a:t>Data </a:t>
+            </a:r>
+            <a:r>
+              <a:rPr lang="en-US" dirty="0" smtClean="0"/>
+              <a:t>Integration/validation/cleaning/transformation</a:t>
+            </a:r>
+            <a:endParaRPr lang="en-US" dirty="0" smtClean="0"/>
           </a:p>
           <a:p>
             <a:pPr>
@@ -12157,13 +16105,13 @@
         </p:nvSpPr>
         <p:spPr>
           <a:xfrm>
-            <a:off x="838200" y="1825625"/>
+            <a:off x="838200" y="1690688"/>
             <a:ext cx="10515600" cy="4822310"/>
           </a:xfrm>
         </p:spPr>
         <p:txBody>
           <a:bodyPr>
-            <a:normAutofit fontScale="70000" lnSpcReduction="20000"/>
+            <a:normAutofit/>
           </a:bodyPr>
           <a:lstStyle/>
           <a:p>
@@ -12186,140 +16134,6 @@
             <a:r>
               <a:rPr lang="en-US" dirty="0" smtClean="0"/>
               <a:t>Data Validation (data type, missing value, anomaly detection etc.)</a:t>
-            </a:r>
-          </a:p>
-          <a:p>
-            <a:pPr lvl="1">
-              <a:lnSpc>
-                <a:spcPct val="150000"/>
-              </a:lnSpc>
-              <a:buFont typeface="Wingdings" panose="05000000000000000000" pitchFamily="2" charset="2"/>
-              <a:buChar char="ü"/>
-            </a:pPr>
-            <a:r>
-              <a:rPr lang="en-US" dirty="0"/>
-              <a:t> </a:t>
-            </a:r>
-            <a:r>
-              <a:rPr lang="en-US" dirty="0" smtClean="0"/>
-              <a:t>loud noise:</a:t>
-            </a:r>
-          </a:p>
-          <a:p>
-            <a:pPr lvl="2">
-              <a:lnSpc>
-                <a:spcPct val="150000"/>
-              </a:lnSpc>
-              <a:buFont typeface="Wingdings" panose="05000000000000000000" pitchFamily="2" charset="2"/>
-              <a:buChar char="§"/>
-            </a:pPr>
-            <a:r>
-              <a:rPr lang="en-US" dirty="0" smtClean="0"/>
-              <a:t>Tax, fare, tolls, trip distance etc. being negative</a:t>
-            </a:r>
-          </a:p>
-          <a:p>
-            <a:pPr lvl="2">
-              <a:lnSpc>
-                <a:spcPct val="150000"/>
-              </a:lnSpc>
-              <a:buFont typeface="Wingdings" panose="05000000000000000000" pitchFamily="2" charset="2"/>
-              <a:buChar char="§"/>
-            </a:pPr>
-            <a:r>
-              <a:rPr lang="en-US" dirty="0" smtClean="0"/>
-              <a:t>Tip being hundreds</a:t>
-            </a:r>
-          </a:p>
-          <a:p>
-            <a:pPr lvl="2">
-              <a:lnSpc>
-                <a:spcPct val="150000"/>
-              </a:lnSpc>
-              <a:buFont typeface="Wingdings" panose="05000000000000000000" pitchFamily="2" charset="2"/>
-              <a:buChar char="§"/>
-            </a:pPr>
-            <a:r>
-              <a:rPr lang="en-US" dirty="0" smtClean="0"/>
-              <a:t>Ride time being 0</a:t>
-            </a:r>
-          </a:p>
-          <a:p>
-            <a:pPr lvl="2">
-              <a:lnSpc>
-                <a:spcPct val="150000"/>
-              </a:lnSpc>
-              <a:buFont typeface="Wingdings" panose="05000000000000000000" pitchFamily="2" charset="2"/>
-              <a:buChar char="§"/>
-            </a:pPr>
-            <a:r>
-              <a:rPr lang="en-US" dirty="0" smtClean="0"/>
-              <a:t>Passenger number over 5</a:t>
-            </a:r>
-          </a:p>
-          <a:p>
-            <a:pPr lvl="1">
-              <a:lnSpc>
-                <a:spcPct val="150000"/>
-              </a:lnSpc>
-              <a:buFont typeface="Wingdings" panose="05000000000000000000" pitchFamily="2" charset="2"/>
-              <a:buChar char="ü"/>
-            </a:pPr>
-            <a:r>
-              <a:rPr lang="en-US" dirty="0" smtClean="0"/>
-              <a:t> hidden noise: </a:t>
-            </a:r>
-          </a:p>
-          <a:p>
-            <a:pPr lvl="2">
-              <a:lnSpc>
-                <a:spcPct val="150000"/>
-              </a:lnSpc>
-              <a:buFont typeface="Wingdings" panose="05000000000000000000" pitchFamily="2" charset="2"/>
-              <a:buChar char="§"/>
-            </a:pPr>
-            <a:r>
-              <a:rPr lang="en-US" dirty="0" smtClean="0"/>
-              <a:t>Cab speed being either over 25mph (speed limit in NYC) or under 10 mph in the city </a:t>
-            </a:r>
-          </a:p>
-          <a:p>
-            <a:pPr lvl="2">
-              <a:lnSpc>
-                <a:spcPct val="150000"/>
-              </a:lnSpc>
-              <a:buFont typeface="Wingdings" panose="05000000000000000000" pitchFamily="2" charset="2"/>
-              <a:buChar char="§"/>
-            </a:pPr>
-            <a:r>
-              <a:rPr lang="en-US" dirty="0" smtClean="0"/>
-              <a:t>Fare per minute less than $0.5 or over $30</a:t>
-            </a:r>
-          </a:p>
-          <a:p>
-            <a:pPr lvl="2">
-              <a:lnSpc>
-                <a:spcPct val="150000"/>
-              </a:lnSpc>
-              <a:buFont typeface="Wingdings" panose="05000000000000000000" pitchFamily="2" charset="2"/>
-              <a:buChar char="§"/>
-            </a:pPr>
-            <a:r>
-              <a:rPr lang="en-US" dirty="0" smtClean="0"/>
-              <a:t>Tip percentage over 100%</a:t>
-            </a:r>
-          </a:p>
-          <a:p>
-            <a:pPr lvl="2">
-              <a:lnSpc>
-                <a:spcPct val="150000"/>
-              </a:lnSpc>
-              <a:buFont typeface="Wingdings" panose="05000000000000000000" pitchFamily="2" charset="2"/>
-              <a:buChar char="§"/>
-            </a:pPr>
-            <a:r>
-              <a:rPr lang="en-US" dirty="0" smtClean="0"/>
-              <a:t>… …</a:t>
             </a:r>
           </a:p>
           <a:p>
@@ -12415,6 +16229,216 @@
           </a:p>
         </p:txBody>
       </p:sp>
+      <p:sp>
+        <p:nvSpPr>
+          <p:cNvPr id="5" name="TextBox 4"/>
+          <p:cNvSpPr txBox="1"/>
+          <p:nvPr/>
+        </p:nvSpPr>
+        <p:spPr>
+          <a:xfrm>
+            <a:off x="4258963" y="3793799"/>
+            <a:ext cx="6441989" cy="3139321"/>
+          </a:xfrm>
+          <a:prstGeom prst="rect">
+            <a:avLst/>
+          </a:prstGeom>
+          <a:noFill/>
+        </p:spPr>
+        <p:txBody>
+          <a:bodyPr wrap="square" rtlCol="0">
+            <a:spAutoFit/>
+          </a:bodyPr>
+          <a:lstStyle/>
+          <a:p>
+            <a:pPr lvl="1">
+              <a:lnSpc>
+                <a:spcPct val="150000"/>
+              </a:lnSpc>
+              <a:buFont typeface="Wingdings" panose="05000000000000000000" pitchFamily="2" charset="2"/>
+              <a:buChar char="ü"/>
+            </a:pPr>
+            <a:r>
+              <a:rPr lang="en-US" sz="2000" dirty="0"/>
+              <a:t> hidden noise: </a:t>
+            </a:r>
+          </a:p>
+          <a:p>
+            <a:pPr lvl="2">
+              <a:lnSpc>
+                <a:spcPct val="150000"/>
+              </a:lnSpc>
+              <a:buFont typeface="Wingdings" panose="05000000000000000000" pitchFamily="2" charset="2"/>
+              <a:buChar char="§"/>
+            </a:pPr>
+            <a:r>
+              <a:rPr lang="en-US" sz="2000" dirty="0" smtClean="0"/>
+              <a:t> Cab </a:t>
+            </a:r>
+            <a:r>
+              <a:rPr lang="en-US" sz="2000" dirty="0"/>
+              <a:t>speed being either over 25mph (speed limit in NYC) or under 10 mph in the city </a:t>
+            </a:r>
+          </a:p>
+          <a:p>
+            <a:pPr lvl="2">
+              <a:lnSpc>
+                <a:spcPct val="150000"/>
+              </a:lnSpc>
+              <a:buFont typeface="Wingdings" panose="05000000000000000000" pitchFamily="2" charset="2"/>
+              <a:buChar char="§"/>
+            </a:pPr>
+            <a:r>
+              <a:rPr lang="en-US" sz="2000" dirty="0" smtClean="0"/>
+              <a:t> Fare </a:t>
+            </a:r>
+            <a:r>
+              <a:rPr lang="en-US" sz="2000" dirty="0"/>
+              <a:t>per minute less than $0.5 or over $30</a:t>
+            </a:r>
+          </a:p>
+          <a:p>
+            <a:pPr lvl="2">
+              <a:lnSpc>
+                <a:spcPct val="150000"/>
+              </a:lnSpc>
+              <a:buFont typeface="Wingdings" panose="05000000000000000000" pitchFamily="2" charset="2"/>
+              <a:buChar char="§"/>
+            </a:pPr>
+            <a:r>
+              <a:rPr lang="en-US" sz="2000" dirty="0" smtClean="0"/>
+              <a:t> Tip </a:t>
+            </a:r>
+            <a:r>
+              <a:rPr lang="en-US" sz="2000" dirty="0"/>
+              <a:t>percentage over 100%</a:t>
+            </a:r>
+          </a:p>
+          <a:p>
+            <a:pPr lvl="2">
+              <a:lnSpc>
+                <a:spcPct val="150000"/>
+              </a:lnSpc>
+              <a:buFont typeface="Wingdings" panose="05000000000000000000" pitchFamily="2" charset="2"/>
+              <a:buChar char="§"/>
+            </a:pPr>
+            <a:r>
+              <a:rPr lang="en-US" sz="2000" dirty="0"/>
+              <a:t>… …</a:t>
+            </a:r>
+          </a:p>
+          <a:p>
+            <a:endParaRPr lang="en-US" dirty="0"/>
+          </a:p>
+        </p:txBody>
+      </p:sp>
+      <p:sp>
+        <p:nvSpPr>
+          <p:cNvPr id="6" name="TextBox 5"/>
+          <p:cNvSpPr txBox="1"/>
+          <p:nvPr/>
+        </p:nvSpPr>
+        <p:spPr>
+          <a:xfrm>
+            <a:off x="691978" y="3795721"/>
+            <a:ext cx="4391388" cy="3139321"/>
+          </a:xfrm>
+          <a:prstGeom prst="rect">
+            <a:avLst/>
+          </a:prstGeom>
+          <a:noFill/>
+        </p:spPr>
+        <p:txBody>
+          <a:bodyPr wrap="square" rtlCol="0">
+            <a:spAutoFit/>
+          </a:bodyPr>
+          <a:lstStyle/>
+          <a:p>
+            <a:pPr lvl="1">
+              <a:lnSpc>
+                <a:spcPct val="150000"/>
+              </a:lnSpc>
+              <a:buFont typeface="Wingdings" panose="05000000000000000000" pitchFamily="2" charset="2"/>
+              <a:buChar char="ü"/>
+            </a:pPr>
+            <a:r>
+              <a:rPr lang="en-US" sz="2000" dirty="0"/>
+              <a:t> loud noise:</a:t>
+            </a:r>
+          </a:p>
+          <a:p>
+            <a:pPr lvl="2">
+              <a:lnSpc>
+                <a:spcPct val="150000"/>
+              </a:lnSpc>
+              <a:buFont typeface="Wingdings" panose="05000000000000000000" pitchFamily="2" charset="2"/>
+              <a:buChar char="§"/>
+            </a:pPr>
+            <a:r>
+              <a:rPr lang="en-US" sz="2000" dirty="0" smtClean="0"/>
+              <a:t> Tax</a:t>
+            </a:r>
+            <a:r>
+              <a:rPr lang="en-US" sz="2000" dirty="0"/>
+              <a:t>, fare, tolls, trip distance etc. being negative</a:t>
+            </a:r>
+          </a:p>
+          <a:p>
+            <a:pPr lvl="2">
+              <a:lnSpc>
+                <a:spcPct val="150000"/>
+              </a:lnSpc>
+              <a:buFont typeface="Wingdings" panose="05000000000000000000" pitchFamily="2" charset="2"/>
+              <a:buChar char="§"/>
+            </a:pPr>
+            <a:r>
+              <a:rPr lang="en-US" sz="2000" dirty="0" smtClean="0"/>
+              <a:t> Tip </a:t>
+            </a:r>
+            <a:r>
+              <a:rPr lang="en-US" sz="2000" dirty="0"/>
+              <a:t>being hundreds</a:t>
+            </a:r>
+          </a:p>
+          <a:p>
+            <a:pPr lvl="2">
+              <a:lnSpc>
+                <a:spcPct val="150000"/>
+              </a:lnSpc>
+              <a:buFont typeface="Wingdings" panose="05000000000000000000" pitchFamily="2" charset="2"/>
+              <a:buChar char="§"/>
+            </a:pPr>
+            <a:r>
+              <a:rPr lang="en-US" sz="2000" dirty="0" smtClean="0"/>
+              <a:t> Ride </a:t>
+            </a:r>
+            <a:r>
+              <a:rPr lang="en-US" sz="2000" dirty="0"/>
+              <a:t>time being 0</a:t>
+            </a:r>
+          </a:p>
+          <a:p>
+            <a:pPr lvl="2">
+              <a:lnSpc>
+                <a:spcPct val="150000"/>
+              </a:lnSpc>
+              <a:buFont typeface="Wingdings" panose="05000000000000000000" pitchFamily="2" charset="2"/>
+              <a:buChar char="§"/>
+            </a:pPr>
+            <a:r>
+              <a:rPr lang="en-US" sz="2000" dirty="0" smtClean="0"/>
+              <a:t> Passenger </a:t>
+            </a:r>
+            <a:r>
+              <a:rPr lang="en-US" sz="2000" dirty="0"/>
+              <a:t>number over 5</a:t>
+            </a:r>
+          </a:p>
+          <a:p>
+            <a:endParaRPr lang="en-US" dirty="0"/>
+          </a:p>
+        </p:txBody>
+      </p:sp>
     </p:spTree>
     <p:extLst>
       <p:ext uri="{BB962C8B-B14F-4D97-AF65-F5344CB8AC3E}">
@@ -12497,8 +16521,51 @@
             </a:pPr>
             <a:r>
               <a:rPr lang="en-US" dirty="0" smtClean="0"/>
-              <a:t>If throwing away all polluted records, 8,314,112 (roughly one fifth) would remain.</a:t>
-            </a:r>
+              <a:t>If throwing away all polluted records, 8,314,112 (roughly one fifth) would remain</a:t>
+            </a:r>
+            <a:r>
+              <a:rPr lang="en-US" dirty="0" smtClean="0"/>
+              <a:t>.</a:t>
+            </a:r>
+          </a:p>
+          <a:p>
+            <a:pPr>
+              <a:lnSpc>
+                <a:spcPct val="150000"/>
+              </a:lnSpc>
+            </a:pPr>
+            <a:r>
+              <a:rPr lang="en-US" dirty="0" smtClean="0"/>
+              <a:t>Assume noise re randomly distributed among data.</a:t>
+            </a:r>
+          </a:p>
+          <a:p>
+            <a:pPr>
+              <a:lnSpc>
+                <a:spcPct val="150000"/>
+              </a:lnSpc>
+            </a:pPr>
+            <a:r>
+              <a:rPr lang="en-US" dirty="0"/>
+              <a:t>D</a:t>
+            </a:r>
+            <a:r>
+              <a:rPr lang="en-US" dirty="0" smtClean="0"/>
+              <a:t>eal with noise in data only when it </a:t>
+            </a:r>
+            <a:r>
+              <a:rPr lang="en-US" dirty="0" smtClean="0"/>
+              <a:t>would directly affect analysis, e.g. negative fare values would affect density analysis of efficiency(fare/ride </a:t>
+            </a:r>
+            <a:r>
+              <a:rPr lang="en-US" dirty="0"/>
+              <a:t>time</a:t>
+            </a:r>
+            <a:r>
+              <a:rPr lang="en-US" dirty="0" smtClean="0"/>
+              <a:t>), but not trend analysis of ride count.</a:t>
+            </a:r>
+            <a:endParaRPr lang="en-US" dirty="0" smtClean="0"/>
           </a:p>
           <a:p>
             <a:pPr>

--- a/DataChallengeAssessment.pptx
+++ b/DataChallengeAssessment.pptx
@@ -22,23 +22,24 @@
     <p:sldId id="269" r:id="rId16"/>
     <p:sldId id="291" r:id="rId17"/>
     <p:sldId id="271" r:id="rId18"/>
-    <p:sldId id="274" r:id="rId19"/>
-    <p:sldId id="275" r:id="rId20"/>
-    <p:sldId id="276" r:id="rId21"/>
-    <p:sldId id="298" r:id="rId22"/>
-    <p:sldId id="280" r:id="rId23"/>
-    <p:sldId id="278" r:id="rId24"/>
-    <p:sldId id="281" r:id="rId25"/>
-    <p:sldId id="284" r:id="rId26"/>
-    <p:sldId id="283" r:id="rId27"/>
-    <p:sldId id="285" r:id="rId28"/>
-    <p:sldId id="286" r:id="rId29"/>
-    <p:sldId id="287" r:id="rId30"/>
-    <p:sldId id="288" r:id="rId31"/>
-    <p:sldId id="292" r:id="rId32"/>
-    <p:sldId id="293" r:id="rId33"/>
-    <p:sldId id="294" r:id="rId34"/>
-    <p:sldId id="295" r:id="rId35"/>
+    <p:sldId id="299" r:id="rId19"/>
+    <p:sldId id="274" r:id="rId20"/>
+    <p:sldId id="275" r:id="rId21"/>
+    <p:sldId id="276" r:id="rId22"/>
+    <p:sldId id="298" r:id="rId23"/>
+    <p:sldId id="280" r:id="rId24"/>
+    <p:sldId id="278" r:id="rId25"/>
+    <p:sldId id="281" r:id="rId26"/>
+    <p:sldId id="284" r:id="rId27"/>
+    <p:sldId id="283" r:id="rId28"/>
+    <p:sldId id="285" r:id="rId29"/>
+    <p:sldId id="286" r:id="rId30"/>
+    <p:sldId id="287" r:id="rId31"/>
+    <p:sldId id="288" r:id="rId32"/>
+    <p:sldId id="292" r:id="rId33"/>
+    <p:sldId id="293" r:id="rId34"/>
+    <p:sldId id="294" r:id="rId35"/>
+    <p:sldId id="295" r:id="rId36"/>
   </p:sldIdLst>
   <p:sldSz cx="12192000" cy="6858000"/>
   <p:notesSz cx="6858000" cy="9144000"/>
@@ -3267,7 +3268,7 @@
         </p:spPr>
         <p:txBody>
           <a:bodyPr>
-            <a:normAutofit fontScale="92500" lnSpcReduction="20000"/>
+            <a:normAutofit fontScale="92500" lnSpcReduction="10000"/>
           </a:bodyPr>
           <a:lstStyle/>
           <a:p>
@@ -3341,7 +3342,24 @@
             </a:pPr>
             <a:r>
               <a:rPr lang="en-US" dirty="0" smtClean="0"/>
-              <a:t>Holiday + hour</a:t>
+              <a:t>Holiday + </a:t>
+            </a:r>
+            <a:r>
+              <a:rPr lang="en-US" dirty="0" smtClean="0"/>
+              <a:t>hour</a:t>
+            </a:r>
+          </a:p>
+          <a:p>
+            <a:pPr lvl="1">
+              <a:lnSpc>
+                <a:spcPct val="150000"/>
+              </a:lnSpc>
+              <a:buFont typeface="Wingdings" panose="05000000000000000000" pitchFamily="2" charset="2"/>
+              <a:buChar char="ü"/>
+            </a:pPr>
+            <a:r>
+              <a:rPr lang="en-US" dirty="0" smtClean="0"/>
+              <a:t>ZIP code</a:t>
             </a:r>
             <a:endParaRPr lang="en-US" dirty="0"/>
           </a:p>
@@ -3352,22 +3370,8 @@
               </a:lnSpc>
             </a:pPr>
             <a:r>
-              <a:rPr lang="en-US" dirty="0" smtClean="0"/>
-              <a:t>Social network analysis</a:t>
-            </a:r>
-            <a:endParaRPr lang="en-US" dirty="0"/>
-          </a:p>
-          <a:p>
-            <a:pPr>
-              <a:lnSpc>
-                <a:spcPct val="150000"/>
-              </a:lnSpc>
-              <a:buFont typeface="Courier New" panose="02070309020205020404" pitchFamily="49" charset="0"/>
-              <a:buChar char="o"/>
-            </a:pPr>
-            <a:r>
               <a:rPr lang="en-US" i="1" dirty="0" smtClean="0"/>
-              <a:t> Raw </a:t>
+              <a:t>Raw </a:t>
             </a:r>
             <a:r>
               <a:rPr lang="en-US" i="1" dirty="0" smtClean="0"/>
@@ -3658,8 +3662,8 @@
         </p:nvGrpSpPr>
         <p:grpSpPr>
           <a:xfrm>
-            <a:off x="895866" y="1968392"/>
-            <a:ext cx="9022492" cy="3814570"/>
+            <a:off x="895866" y="1968391"/>
+            <a:ext cx="9022492" cy="3983675"/>
             <a:chOff x="527416" y="1387917"/>
             <a:chExt cx="9572567" cy="4685720"/>
           </a:xfrm>
@@ -7944,44 +7948,50 @@
           <a:lstStyle/>
           <a:p>
             <a:r>
-              <a:rPr lang="en-US" dirty="0" smtClean="0"/>
-              <a:t>Network Analysis</a:t>
+              <a:rPr lang="en-US" dirty="0"/>
+              <a:t>Segmentation </a:t>
+            </a:r>
+            <a:r>
+              <a:rPr lang="en-US" altLang="zh-CN" dirty="0"/>
+              <a:t>—— </a:t>
+            </a:r>
+            <a:r>
+              <a:rPr lang="en-US" altLang="zh-CN" dirty="0" smtClean="0"/>
+              <a:t>ZIP Code</a:t>
             </a:r>
             <a:endParaRPr lang="en-US" i="1" dirty="0"/>
           </a:p>
         </p:txBody>
       </p:sp>
-      <p:sp>
-        <p:nvSpPr>
-          <p:cNvPr id="3" name="Content Placeholder 2"/>
-          <p:cNvSpPr>
-            <a:spLocks noGrp="1"/>
-          </p:cNvSpPr>
+      <p:pic>
+        <p:nvPicPr>
+          <p:cNvPr id="5" name="Content Placeholder 4"/>
+          <p:cNvPicPr>
+            <a:picLocks noGrp="1" noChangeAspect="1"/>
+          </p:cNvPicPr>
           <p:nvPr>
             <p:ph idx="1"/>
           </p:nvPr>
-        </p:nvSpPr>
+        </p:nvPicPr>
+        <p:blipFill>
+          <a:blip r:embed="rId2">
+            <a:extLst>
+              <a:ext uri="{28A0092B-C50C-407E-A947-70E740481C1C}">
+                <a14:useLocalDpi xmlns:a14="http://schemas.microsoft.com/office/drawing/2010/main" val="0"/>
+              </a:ext>
+            </a:extLst>
+          </a:blip>
+          <a:stretch>
+            <a:fillRect/>
+          </a:stretch>
+        </p:blipFill>
         <p:spPr>
           <a:xfrm>
-            <a:off x="838200" y="1825625"/>
-            <a:ext cx="10515600" cy="4822310"/>
+            <a:off x="838200" y="1690688"/>
+            <a:ext cx="5842000" cy="4760912"/>
           </a:xfrm>
         </p:spPr>
-        <p:txBody>
-          <a:bodyPr>
-            <a:normAutofit/>
-          </a:bodyPr>
-          <a:lstStyle/>
-          <a:p>
-            <a:pPr>
-              <a:lnSpc>
-                <a:spcPct val="150000"/>
-              </a:lnSpc>
-            </a:pPr>
-            <a:endParaRPr lang="en-US" dirty="0"/>
-          </a:p>
-        </p:txBody>
-      </p:sp>
+      </p:pic>
       <p:sp>
         <p:nvSpPr>
           <p:cNvPr id="4" name="Rectangle 1"/>
@@ -8065,6 +8075,235 @@
           </a:p>
         </p:txBody>
       </p:sp>
+      <p:sp>
+        <p:nvSpPr>
+          <p:cNvPr id="6" name="TextBox 5"/>
+          <p:cNvSpPr txBox="1"/>
+          <p:nvPr/>
+        </p:nvSpPr>
+        <p:spPr>
+          <a:xfrm>
+            <a:off x="6987066" y="1690688"/>
+            <a:ext cx="4036533" cy="1384995"/>
+          </a:xfrm>
+          <a:prstGeom prst="rect">
+            <a:avLst/>
+          </a:prstGeom>
+          <a:noFill/>
+        </p:spPr>
+        <p:txBody>
+          <a:bodyPr wrap="square" rtlCol="0">
+            <a:spAutoFit/>
+          </a:bodyPr>
+          <a:lstStyle/>
+          <a:p>
+            <a:r>
+              <a:rPr lang="en-US" sz="1400" b="1" dirty="0" smtClean="0">
+                <a:latin typeface="+mj-lt"/>
+              </a:rPr>
+              <a:t>Blue points: pick up places</a:t>
+            </a:r>
+          </a:p>
+          <a:p>
+            <a:r>
+              <a:rPr lang="en-US" sz="1400" b="1" dirty="0" smtClean="0">
+                <a:latin typeface="+mj-lt"/>
+              </a:rPr>
+              <a:t>Orange points: drop off places</a:t>
+            </a:r>
+          </a:p>
+          <a:p>
+            <a:r>
+              <a:rPr lang="en-US" sz="1400" b="1" dirty="0" smtClean="0">
+                <a:latin typeface="+mj-lt"/>
+              </a:rPr>
+              <a:t>Bigger size indicates higher frequency</a:t>
+            </a:r>
+          </a:p>
+          <a:p>
+            <a:endParaRPr lang="en-US" sz="1400" b="1" dirty="0">
+              <a:latin typeface="+mj-lt"/>
+            </a:endParaRPr>
+          </a:p>
+          <a:p>
+            <a:r>
+              <a:rPr lang="en-US" sz="1400" b="1" dirty="0" smtClean="0">
+                <a:latin typeface="+mj-lt"/>
+              </a:rPr>
+              <a:t>For map layer:</a:t>
+            </a:r>
+          </a:p>
+          <a:p>
+            <a:r>
+              <a:rPr lang="en-US" sz="1400" b="1" dirty="0" smtClean="0">
+                <a:latin typeface="+mj-lt"/>
+              </a:rPr>
+              <a:t>Darker blocks imply populous areas</a:t>
+            </a:r>
+          </a:p>
+        </p:txBody>
+      </p:sp>
+      <p:sp>
+        <p:nvSpPr>
+          <p:cNvPr id="7" name="TextBox 6"/>
+          <p:cNvSpPr txBox="1"/>
+          <p:nvPr/>
+        </p:nvSpPr>
+        <p:spPr>
+          <a:xfrm>
+            <a:off x="6948966" y="3148486"/>
+            <a:ext cx="4404834" cy="3108543"/>
+          </a:xfrm>
+          <a:prstGeom prst="rect">
+            <a:avLst/>
+          </a:prstGeom>
+          <a:noFill/>
+        </p:spPr>
+        <p:txBody>
+          <a:bodyPr wrap="square" rtlCol="0">
+            <a:spAutoFit/>
+          </a:bodyPr>
+          <a:lstStyle/>
+          <a:p>
+            <a:r>
+              <a:rPr lang="en-US" sz="1400" b="1" dirty="0" smtClean="0">
+                <a:latin typeface="+mj-lt"/>
+              </a:rPr>
+              <a:t>Green taxis are not allowed to pick up passengers anywhere </a:t>
+            </a:r>
+            <a:r>
+              <a:rPr lang="en-US" sz="1400" b="1" dirty="0">
+                <a:latin typeface="+mj-lt"/>
+              </a:rPr>
+              <a:t>south of the Upper West and Upper East </a:t>
+            </a:r>
+            <a:r>
+              <a:rPr lang="en-US" sz="1400" b="1" dirty="0" smtClean="0">
+                <a:latin typeface="+mj-lt"/>
+              </a:rPr>
+              <a:t>sides. </a:t>
+            </a:r>
+          </a:p>
+          <a:p>
+            <a:endParaRPr lang="en-US" sz="1400" b="1" dirty="0" smtClean="0">
+              <a:latin typeface="+mj-lt"/>
+            </a:endParaRPr>
+          </a:p>
+          <a:p>
+            <a:r>
+              <a:rPr lang="en-US" sz="1400" b="1" dirty="0" smtClean="0">
+                <a:latin typeface="+mj-lt"/>
+              </a:rPr>
+              <a:t>As expected, larger ridership usually take place in densely populated areas such as Williamsburg, Long Island city and Staten Island.</a:t>
+            </a:r>
+          </a:p>
+          <a:p>
+            <a:endParaRPr lang="en-US" sz="1400" b="1" dirty="0" smtClean="0">
+              <a:latin typeface="+mj-lt"/>
+            </a:endParaRPr>
+          </a:p>
+          <a:p>
+            <a:r>
+              <a:rPr lang="en-US" sz="1400" b="1" dirty="0" smtClean="0">
+                <a:latin typeface="+mj-lt"/>
+              </a:rPr>
+              <a:t>Picking up passengers at Queens or Brooklyn and dropping them off in </a:t>
+            </a:r>
+            <a:r>
+              <a:rPr lang="en-US" sz="1400" b="1" dirty="0">
+                <a:latin typeface="+mj-lt"/>
+              </a:rPr>
+              <a:t>lower </a:t>
+            </a:r>
+            <a:r>
+              <a:rPr lang="en-US" sz="1400" b="1" dirty="0" smtClean="0">
+                <a:latin typeface="+mj-lt"/>
+              </a:rPr>
+              <a:t>Manhattan is typical green cab business routine.</a:t>
+            </a:r>
+          </a:p>
+          <a:p>
+            <a:endParaRPr lang="en-US" sz="1400" b="1" dirty="0">
+              <a:latin typeface="+mj-lt"/>
+            </a:endParaRPr>
+          </a:p>
+          <a:p>
+            <a:r>
+              <a:rPr lang="en-US" sz="1400" b="1" dirty="0" smtClean="0">
+                <a:latin typeface="+mj-lt"/>
+              </a:rPr>
+              <a:t>Other than lower Manhattan, the most popular drop-off places, green cab ride destinations are sparsely distributed around New York: Yorkers, Rosedale and Newark.</a:t>
+            </a:r>
+          </a:p>
+        </p:txBody>
+      </p:sp>
+      <p:sp>
+        <p:nvSpPr>
+          <p:cNvPr id="8" name="TextBox 7"/>
+          <p:cNvSpPr txBox="1"/>
+          <p:nvPr/>
+        </p:nvSpPr>
+        <p:spPr>
+          <a:xfrm>
+            <a:off x="6696909" y="6288613"/>
+            <a:ext cx="5190292" cy="323165"/>
+          </a:xfrm>
+          <a:prstGeom prst="rect">
+            <a:avLst/>
+          </a:prstGeom>
+          <a:noFill/>
+        </p:spPr>
+        <p:txBody>
+          <a:bodyPr wrap="square" rtlCol="0">
+            <a:spAutoFit/>
+          </a:bodyPr>
+          <a:lstStyle/>
+          <a:p>
+            <a:pPr algn="r"/>
+            <a:r>
+              <a:rPr lang="en-US" sz="1500" b="1" dirty="0" smtClean="0">
+                <a:solidFill>
+                  <a:schemeClr val="bg2">
+                    <a:lumMod val="75000"/>
+                  </a:schemeClr>
+                </a:solidFill>
+              </a:rPr>
+              <a:t>DATA: TAXI AND LIMOUSINE  COMMISSION</a:t>
+            </a:r>
+          </a:p>
+        </p:txBody>
+      </p:sp>
+      <p:sp>
+        <p:nvSpPr>
+          <p:cNvPr id="9" name="TextBox 8"/>
+          <p:cNvSpPr txBox="1"/>
+          <p:nvPr/>
+        </p:nvSpPr>
+        <p:spPr>
+          <a:xfrm>
+            <a:off x="6987066" y="1690688"/>
+            <a:ext cx="4366734" cy="1384995"/>
+          </a:xfrm>
+          <a:prstGeom prst="rect">
+            <a:avLst/>
+          </a:prstGeom>
+          <a:noFill/>
+          <a:ln w="28575">
+            <a:solidFill>
+              <a:schemeClr val="tx1"/>
+            </a:solidFill>
+          </a:ln>
+        </p:spPr>
+        <p:txBody>
+          <a:bodyPr wrap="square" rtlCol="0">
+            <a:spAutoFit/>
+          </a:bodyPr>
+          <a:lstStyle/>
+          <a:p>
+            <a:endParaRPr lang="en-US" dirty="0"/>
+          </a:p>
+        </p:txBody>
+      </p:sp>
     </p:spTree>
     <p:extLst>
       <p:ext uri="{BB962C8B-B14F-4D97-AF65-F5344CB8AC3E}">
@@ -8111,41 +8350,18 @@
           <a:lstStyle/>
           <a:p>
             <a:r>
-              <a:rPr lang="en-US" dirty="0" smtClean="0"/>
-              <a:t>Recommendation</a:t>
+              <a:rPr lang="en-US" dirty="0"/>
+              <a:t>Segmentation </a:t>
+            </a:r>
+            <a:r>
+              <a:rPr lang="en-US" altLang="zh-CN" dirty="0"/>
+              <a:t>—— </a:t>
+            </a:r>
+            <a:r>
+              <a:rPr lang="en-US" altLang="zh-CN" dirty="0" smtClean="0"/>
+              <a:t>ZIP Code</a:t>
             </a:r>
             <a:endParaRPr lang="en-US" i="1" dirty="0"/>
-          </a:p>
-        </p:txBody>
-      </p:sp>
-      <p:sp>
-        <p:nvSpPr>
-          <p:cNvPr id="3" name="Content Placeholder 2"/>
-          <p:cNvSpPr>
-            <a:spLocks noGrp="1"/>
-          </p:cNvSpPr>
-          <p:nvPr>
-            <p:ph idx="1"/>
-          </p:nvPr>
-        </p:nvSpPr>
-        <p:spPr>
-          <a:xfrm>
-            <a:off x="838200" y="1825625"/>
-            <a:ext cx="10515600" cy="4822310"/>
-          </a:xfrm>
-        </p:spPr>
-        <p:txBody>
-          <a:bodyPr>
-            <a:normAutofit/>
-          </a:bodyPr>
-          <a:lstStyle/>
-          <a:p>
-            <a:pPr>
-              <a:lnSpc>
-                <a:spcPct val="150000"/>
-              </a:lnSpc>
-            </a:pPr>
-            <a:endParaRPr lang="en-US" dirty="0"/>
           </a:p>
         </p:txBody>
       </p:sp>
@@ -8232,10 +8448,227 @@
           </a:p>
         </p:txBody>
       </p:sp>
+      <p:sp>
+        <p:nvSpPr>
+          <p:cNvPr id="6" name="TextBox 5"/>
+          <p:cNvSpPr txBox="1"/>
+          <p:nvPr/>
+        </p:nvSpPr>
+        <p:spPr>
+          <a:xfrm>
+            <a:off x="6987066" y="1690688"/>
+            <a:ext cx="4036533" cy="1384995"/>
+          </a:xfrm>
+          <a:prstGeom prst="rect">
+            <a:avLst/>
+          </a:prstGeom>
+          <a:noFill/>
+        </p:spPr>
+        <p:txBody>
+          <a:bodyPr wrap="square" rtlCol="0">
+            <a:spAutoFit/>
+          </a:bodyPr>
+          <a:lstStyle/>
+          <a:p>
+            <a:r>
+              <a:rPr lang="en-US" sz="1400" b="1" dirty="0" smtClean="0">
+                <a:latin typeface="+mj-lt"/>
+              </a:rPr>
+              <a:t>Blue points: pick up places</a:t>
+            </a:r>
+          </a:p>
+          <a:p>
+            <a:r>
+              <a:rPr lang="en-US" sz="1400" b="1" dirty="0" smtClean="0">
+                <a:latin typeface="+mj-lt"/>
+              </a:rPr>
+              <a:t>Orange points: drop off places</a:t>
+            </a:r>
+          </a:p>
+          <a:p>
+            <a:r>
+              <a:rPr lang="en-US" sz="1400" b="1" dirty="0" smtClean="0">
+                <a:latin typeface="+mj-lt"/>
+              </a:rPr>
+              <a:t>Bigger size indicates higher frequency</a:t>
+            </a:r>
+          </a:p>
+          <a:p>
+            <a:endParaRPr lang="en-US" sz="1400" b="1" dirty="0">
+              <a:latin typeface="+mj-lt"/>
+            </a:endParaRPr>
+          </a:p>
+          <a:p>
+            <a:r>
+              <a:rPr lang="en-US" sz="1400" b="1" dirty="0" smtClean="0">
+                <a:latin typeface="+mj-lt"/>
+              </a:rPr>
+              <a:t>For map layer:</a:t>
+            </a:r>
+          </a:p>
+          <a:p>
+            <a:r>
+              <a:rPr lang="en-US" sz="1400" b="1" dirty="0" smtClean="0">
+                <a:latin typeface="+mj-lt"/>
+              </a:rPr>
+              <a:t>Darker blocks imply populous areas</a:t>
+            </a:r>
+          </a:p>
+        </p:txBody>
+      </p:sp>
+      <p:sp>
+        <p:nvSpPr>
+          <p:cNvPr id="7" name="TextBox 6"/>
+          <p:cNvSpPr txBox="1"/>
+          <p:nvPr/>
+        </p:nvSpPr>
+        <p:spPr>
+          <a:xfrm>
+            <a:off x="6948966" y="3148486"/>
+            <a:ext cx="4404834" cy="3108543"/>
+          </a:xfrm>
+          <a:prstGeom prst="rect">
+            <a:avLst/>
+          </a:prstGeom>
+          <a:noFill/>
+        </p:spPr>
+        <p:txBody>
+          <a:bodyPr wrap="square" rtlCol="0">
+            <a:spAutoFit/>
+          </a:bodyPr>
+          <a:lstStyle/>
+          <a:p>
+            <a:r>
+              <a:rPr lang="en-US" sz="1400" b="1" dirty="0" smtClean="0">
+                <a:latin typeface="+mj-lt"/>
+              </a:rPr>
+              <a:t>Green taxis are not allowed to pick up passengers anywhere </a:t>
+            </a:r>
+            <a:r>
+              <a:rPr lang="en-US" sz="1400" b="1" dirty="0">
+                <a:latin typeface="+mj-lt"/>
+              </a:rPr>
+              <a:t>south of the Upper West and Upper East </a:t>
+            </a:r>
+            <a:r>
+              <a:rPr lang="en-US" sz="1400" b="1" dirty="0" smtClean="0">
+                <a:latin typeface="+mj-lt"/>
+              </a:rPr>
+              <a:t>sides. </a:t>
+            </a:r>
+          </a:p>
+          <a:p>
+            <a:endParaRPr lang="en-US" sz="1400" b="1" dirty="0" smtClean="0">
+              <a:latin typeface="+mj-lt"/>
+            </a:endParaRPr>
+          </a:p>
+          <a:p>
+            <a:r>
+              <a:rPr lang="en-US" sz="1400" b="1" dirty="0" smtClean="0">
+                <a:latin typeface="+mj-lt"/>
+              </a:rPr>
+              <a:t>As expected, larger ridership usually take place in densely populated areas such as Williamsburg, Long Island city and Staten Island.</a:t>
+            </a:r>
+          </a:p>
+          <a:p>
+            <a:endParaRPr lang="en-US" sz="1400" b="1" dirty="0" smtClean="0">
+              <a:latin typeface="+mj-lt"/>
+            </a:endParaRPr>
+          </a:p>
+          <a:p>
+            <a:r>
+              <a:rPr lang="en-US" sz="1400" b="1" dirty="0" smtClean="0">
+                <a:latin typeface="+mj-lt"/>
+              </a:rPr>
+              <a:t>Picking up passengers at Queens or Brooklyn and dropping them off in </a:t>
+            </a:r>
+            <a:r>
+              <a:rPr lang="en-US" sz="1400" b="1" dirty="0">
+                <a:latin typeface="+mj-lt"/>
+              </a:rPr>
+              <a:t>lower </a:t>
+            </a:r>
+            <a:r>
+              <a:rPr lang="en-US" sz="1400" b="1" dirty="0" smtClean="0">
+                <a:latin typeface="+mj-lt"/>
+              </a:rPr>
+              <a:t>Manhattan is typical green cab business routine.</a:t>
+            </a:r>
+          </a:p>
+          <a:p>
+            <a:endParaRPr lang="en-US" sz="1400" b="1" dirty="0">
+              <a:latin typeface="+mj-lt"/>
+            </a:endParaRPr>
+          </a:p>
+          <a:p>
+            <a:r>
+              <a:rPr lang="en-US" sz="1400" b="1" dirty="0" smtClean="0">
+                <a:latin typeface="+mj-lt"/>
+              </a:rPr>
+              <a:t>Other than lower Manhattan, the most popular drop-off places, green cab ride destinations are sparsely distributed around New York: Yorkers, Rosedale and Newark.</a:t>
+            </a:r>
+          </a:p>
+        </p:txBody>
+      </p:sp>
+      <p:sp>
+        <p:nvSpPr>
+          <p:cNvPr id="8" name="TextBox 7"/>
+          <p:cNvSpPr txBox="1"/>
+          <p:nvPr/>
+        </p:nvSpPr>
+        <p:spPr>
+          <a:xfrm>
+            <a:off x="6696909" y="6288613"/>
+            <a:ext cx="5190292" cy="323165"/>
+          </a:xfrm>
+          <a:prstGeom prst="rect">
+            <a:avLst/>
+          </a:prstGeom>
+          <a:noFill/>
+        </p:spPr>
+        <p:txBody>
+          <a:bodyPr wrap="square" rtlCol="0">
+            <a:spAutoFit/>
+          </a:bodyPr>
+          <a:lstStyle/>
+          <a:p>
+            <a:pPr algn="r"/>
+            <a:r>
+              <a:rPr lang="en-US" sz="1500" b="1" dirty="0" smtClean="0">
+                <a:solidFill>
+                  <a:schemeClr val="bg2">
+                    <a:lumMod val="75000"/>
+                  </a:schemeClr>
+                </a:solidFill>
+              </a:rPr>
+              <a:t>DATA: TAXI AND LIMOUSINE  COMMISSION</a:t>
+            </a:r>
+          </a:p>
+        </p:txBody>
+      </p:sp>
+      <p:sp>
+        <p:nvSpPr>
+          <p:cNvPr id="3" name="Content Placeholder 2"/>
+          <p:cNvSpPr>
+            <a:spLocks noGrp="1"/>
+          </p:cNvSpPr>
+          <p:nvPr>
+            <p:ph idx="1"/>
+          </p:nvPr>
+        </p:nvSpPr>
+        <p:spPr/>
+        <p:txBody>
+          <a:bodyPr/>
+          <a:lstStyle/>
+          <a:p>
+            <a:endParaRPr lang="en-US"/>
+          </a:p>
+        </p:txBody>
+      </p:sp>
     </p:spTree>
     <p:extLst>
       <p:ext uri="{BB962C8B-B14F-4D97-AF65-F5344CB8AC3E}">
-        <p14:creationId xmlns:p14="http://schemas.microsoft.com/office/powerpoint/2010/main" val="2676934259"/>
+        <p14:creationId xmlns:p14="http://schemas.microsoft.com/office/powerpoint/2010/main" val="2412739079"/>
       </p:ext>
     </p:extLst>
   </p:cSld>
@@ -8279,28 +8712,40 @@
           <a:p>
             <a:r>
               <a:rPr lang="en-US" dirty="0" smtClean="0"/>
-              <a:t>II. Efficiency</a:t>
-            </a:r>
-            <a:r>
-              <a:rPr lang="en-US" dirty="0"/>
-              <a:t/>
-            </a:r>
-            <a:br>
-              <a:rPr lang="en-US" dirty="0"/>
-            </a:br>
-            <a:r>
-              <a:rPr lang="en-US" sz="2400" dirty="0" smtClean="0"/>
-              <a:t>* Money earned per ride</a:t>
-            </a:r>
-            <a:r>
-              <a:rPr lang="en-US" sz="2400" dirty="0"/>
-              <a:t> </a:t>
-            </a:r>
-            <a:r>
-              <a:rPr lang="en-US" sz="2400" dirty="0" smtClean="0"/>
-              <a:t>per minute</a:t>
-            </a:r>
-            <a:endParaRPr lang="en-US" sz="2400" i="1" dirty="0"/>
+              <a:t>Recommendation</a:t>
+            </a:r>
+            <a:endParaRPr lang="en-US" i="1" dirty="0"/>
+          </a:p>
+        </p:txBody>
+      </p:sp>
+      <p:sp>
+        <p:nvSpPr>
+          <p:cNvPr id="3" name="Content Placeholder 2"/>
+          <p:cNvSpPr>
+            <a:spLocks noGrp="1"/>
+          </p:cNvSpPr>
+          <p:nvPr>
+            <p:ph idx="1"/>
+          </p:nvPr>
+        </p:nvSpPr>
+        <p:spPr>
+          <a:xfrm>
+            <a:off x="838200" y="1825625"/>
+            <a:ext cx="10515600" cy="4822310"/>
+          </a:xfrm>
+        </p:spPr>
+        <p:txBody>
+          <a:bodyPr>
+            <a:normAutofit/>
+          </a:bodyPr>
+          <a:lstStyle/>
+          <a:p>
+            <a:pPr>
+              <a:lnSpc>
+                <a:spcPct val="150000"/>
+              </a:lnSpc>
+            </a:pPr>
+            <a:endParaRPr lang="en-US" dirty="0"/>
           </a:p>
         </p:txBody>
       </p:sp>
@@ -8390,7 +8835,7 @@
     </p:spTree>
     <p:extLst>
       <p:ext uri="{BB962C8B-B14F-4D97-AF65-F5344CB8AC3E}">
-        <p14:creationId xmlns:p14="http://schemas.microsoft.com/office/powerpoint/2010/main" val="285115780"/>
+        <p14:creationId xmlns:p14="http://schemas.microsoft.com/office/powerpoint/2010/main" val="2676934259"/>
       </p:ext>
     </p:extLst>
   </p:cSld>
@@ -8537,109 +8982,28 @@
           <a:p>
             <a:r>
               <a:rPr lang="en-US" dirty="0" smtClean="0"/>
-              <a:t>Overview</a:t>
-            </a:r>
-            <a:endParaRPr lang="en-US" i="1" dirty="0"/>
-          </a:p>
-        </p:txBody>
-      </p:sp>
-      <p:sp>
-        <p:nvSpPr>
-          <p:cNvPr id="3" name="Content Placeholder 2"/>
-          <p:cNvSpPr>
-            <a:spLocks noGrp="1"/>
-          </p:cNvSpPr>
-          <p:nvPr>
-            <p:ph idx="1"/>
-          </p:nvPr>
-        </p:nvSpPr>
-        <p:spPr>
-          <a:xfrm>
-            <a:off x="838200" y="1825625"/>
-            <a:ext cx="10515600" cy="4822310"/>
-          </a:xfrm>
-        </p:spPr>
-        <p:txBody>
-          <a:bodyPr>
-            <a:normAutofit/>
-          </a:bodyPr>
-          <a:lstStyle/>
-          <a:p>
-            <a:pPr>
-              <a:lnSpc>
-                <a:spcPct val="150000"/>
-              </a:lnSpc>
-            </a:pPr>
-            <a:r>
-              <a:rPr lang="en-US" dirty="0" smtClean="0"/>
-              <a:t>Calculate </a:t>
+              <a:t>II. Efficiency</a:t>
             </a:r>
             <a:r>
               <a:rPr lang="en-US" dirty="0"/>
-              <a:t>“Efficiency” (Fare amount divided by ride time in </a:t>
-            </a:r>
-            <a:r>
-              <a:rPr lang="en-US" dirty="0" smtClean="0"/>
-              <a:t>minutes)</a:t>
-            </a:r>
-          </a:p>
-          <a:p>
-            <a:pPr>
-              <a:lnSpc>
-                <a:spcPct val="150000"/>
-              </a:lnSpc>
-            </a:pPr>
-            <a:r>
-              <a:rPr lang="en-US" dirty="0" smtClean="0"/>
-              <a:t>Trend analysis</a:t>
-            </a:r>
-          </a:p>
-          <a:p>
-            <a:pPr>
-              <a:lnSpc>
-                <a:spcPct val="150000"/>
-              </a:lnSpc>
-            </a:pPr>
-            <a:r>
-              <a:rPr lang="en-US" dirty="0" smtClean="0"/>
-              <a:t>Density analysis</a:t>
-            </a:r>
-          </a:p>
-          <a:p>
-            <a:pPr>
-              <a:lnSpc>
-                <a:spcPct val="150000"/>
-              </a:lnSpc>
-            </a:pPr>
-            <a:r>
-              <a:rPr lang="en-US" dirty="0" smtClean="0"/>
-              <a:t>Efficiency Prediction (Classify a trip as “efficient” or “inefficient”) </a:t>
-            </a:r>
-          </a:p>
-          <a:p>
-            <a:pPr>
-              <a:lnSpc>
-                <a:spcPct val="150000"/>
-              </a:lnSpc>
-              <a:buFont typeface="Courier New" panose="02070309020205020404" pitchFamily="49" charset="0"/>
-              <a:buChar char="o"/>
-            </a:pPr>
-            <a:r>
-              <a:rPr lang="en-US" i="1" dirty="0"/>
+              <a:t/>
+            </a:r>
+            <a:br>
+              <a:rPr lang="en-US" dirty="0"/>
+            </a:br>
+            <a:r>
+              <a:rPr lang="en-US" sz="2400" dirty="0" smtClean="0"/>
+              <a:t>* Money earned per ride</a:t>
+            </a:r>
+            <a:r>
+              <a:rPr lang="en-US" sz="2400" dirty="0"/>
               <a:t> </a:t>
             </a:r>
             <a:r>
-              <a:rPr lang="en-US" i="1" dirty="0" smtClean="0"/>
-              <a:t>Sample cleansed </a:t>
-            </a:r>
-            <a:r>
-              <a:rPr lang="en-US" i="1" dirty="0" smtClean="0"/>
-              <a:t>data </a:t>
-            </a:r>
-            <a:r>
-              <a:rPr lang="en-US" i="1" dirty="0" smtClean="0"/>
-              <a:t>used</a:t>
-            </a:r>
+              <a:rPr lang="en-US" sz="2400" dirty="0" smtClean="0"/>
+              <a:t>per minute</a:t>
+            </a:r>
+            <a:endParaRPr lang="en-US" sz="2400" i="1" dirty="0"/>
           </a:p>
         </p:txBody>
       </p:sp>
@@ -8726,32 +9090,239 @@
           </a:p>
         </p:txBody>
       </p:sp>
-      <p:sp>
-        <p:nvSpPr>
-          <p:cNvPr id="5" name="Rectangle 4"/>
-          <p:cNvSpPr/>
-          <p:nvPr/>
+    </p:spTree>
+    <p:extLst>
+      <p:ext uri="{BB962C8B-B14F-4D97-AF65-F5344CB8AC3E}">
+        <p14:creationId xmlns:p14="http://schemas.microsoft.com/office/powerpoint/2010/main" val="285115780"/>
+      </p:ext>
+    </p:extLst>
+  </p:cSld>
+  <p:clrMapOvr>
+    <a:masterClrMapping/>
+  </p:clrMapOvr>
+</p:sld>
+</file>
+
+<file path=ppt/slides/slide21.xml><?xml version="1.0" encoding="utf-8"?>
+<p:sld xmlns:a="http://schemas.openxmlformats.org/drawingml/2006/main" xmlns:r="http://schemas.openxmlformats.org/officeDocument/2006/relationships" xmlns:p="http://schemas.openxmlformats.org/presentationml/2006/main">
+  <p:cSld>
+    <p:spTree>
+      <p:nvGrpSpPr>
+        <p:cNvPr id="1" name=""/>
+        <p:cNvGrpSpPr/>
+        <p:nvPr/>
+      </p:nvGrpSpPr>
+      <p:grpSpPr>
+        <a:xfrm>
+          <a:off x="0" y="0"/>
+          <a:ext cx="0" cy="0"/>
+          <a:chOff x="0" y="0"/>
+          <a:chExt cx="0" cy="0"/>
+        </a:xfrm>
+      </p:grpSpPr>
+      <p:sp>
+        <p:nvSpPr>
+          <p:cNvPr id="2" name="Title 1"/>
+          <p:cNvSpPr>
+            <a:spLocks noGrp="1"/>
+          </p:cNvSpPr>
+          <p:nvPr>
+            <p:ph type="title"/>
+          </p:nvPr>
+        </p:nvSpPr>
+        <p:spPr/>
+        <p:txBody>
+          <a:bodyPr/>
+          <a:lstStyle/>
+          <a:p>
+            <a:r>
+              <a:rPr lang="en-US" dirty="0" smtClean="0"/>
+              <a:t>Overview</a:t>
+            </a:r>
+            <a:endParaRPr lang="en-US" i="1" dirty="0"/>
+          </a:p>
+        </p:txBody>
+      </p:sp>
+      <p:sp>
+        <p:nvSpPr>
+          <p:cNvPr id="3" name="Content Placeholder 2"/>
+          <p:cNvSpPr>
+            <a:spLocks noGrp="1"/>
+          </p:cNvSpPr>
+          <p:nvPr>
+            <p:ph idx="1"/>
+          </p:nvPr>
         </p:nvSpPr>
         <p:spPr>
           <a:xfrm>
-            <a:off x="5640586" y="3244334"/>
-            <a:ext cx="910827" cy="369332"/>
+            <a:off x="838200" y="1825625"/>
+            <a:ext cx="10515600" cy="4822310"/>
+          </a:xfrm>
+        </p:spPr>
+        <p:txBody>
+          <a:bodyPr>
+            <a:normAutofit/>
+          </a:bodyPr>
+          <a:lstStyle/>
+          <a:p>
+            <a:pPr>
+              <a:lnSpc>
+                <a:spcPct val="150000"/>
+              </a:lnSpc>
+            </a:pPr>
+            <a:r>
+              <a:rPr lang="en-US" dirty="0" smtClean="0"/>
+              <a:t>Calculate </a:t>
+            </a:r>
+            <a:r>
+              <a:rPr lang="en-US" dirty="0"/>
+              <a:t>“Efficiency” (Fare amount divided by ride time in </a:t>
+            </a:r>
+            <a:r>
+              <a:rPr lang="en-US" dirty="0" smtClean="0"/>
+              <a:t>minutes)</a:t>
+            </a:r>
+          </a:p>
+          <a:p>
+            <a:pPr>
+              <a:lnSpc>
+                <a:spcPct val="150000"/>
+              </a:lnSpc>
+            </a:pPr>
+            <a:r>
+              <a:rPr lang="en-US" dirty="0" smtClean="0"/>
+              <a:t>Trend analysis</a:t>
+            </a:r>
+          </a:p>
+          <a:p>
+            <a:pPr>
+              <a:lnSpc>
+                <a:spcPct val="150000"/>
+              </a:lnSpc>
+            </a:pPr>
+            <a:r>
+              <a:rPr lang="en-US" dirty="0" smtClean="0"/>
+              <a:t>Density analysis</a:t>
+            </a:r>
+          </a:p>
+          <a:p>
+            <a:pPr>
+              <a:lnSpc>
+                <a:spcPct val="150000"/>
+              </a:lnSpc>
+            </a:pPr>
+            <a:r>
+              <a:rPr lang="en-US" dirty="0" smtClean="0"/>
+              <a:t>Efficiency Prediction (Classify a trip as “efficient” or “inefficient”) </a:t>
+            </a:r>
+          </a:p>
+          <a:p>
+            <a:pPr>
+              <a:lnSpc>
+                <a:spcPct val="150000"/>
+              </a:lnSpc>
+              <a:buFont typeface="Courier New" panose="02070309020205020404" pitchFamily="49" charset="0"/>
+              <a:buChar char="o"/>
+            </a:pPr>
+            <a:r>
+              <a:rPr lang="en-US" i="1" dirty="0"/>
+              <a:t> </a:t>
+            </a:r>
+            <a:r>
+              <a:rPr lang="en-US" i="1" dirty="0" smtClean="0"/>
+              <a:t>Sample cleansed </a:t>
+            </a:r>
+            <a:r>
+              <a:rPr lang="en-US" i="1" dirty="0" smtClean="0"/>
+              <a:t>data </a:t>
+            </a:r>
+            <a:r>
+              <a:rPr lang="en-US" i="1" dirty="0" smtClean="0"/>
+              <a:t>used</a:t>
+            </a:r>
+          </a:p>
+        </p:txBody>
+      </p:sp>
+      <p:sp>
+        <p:nvSpPr>
+          <p:cNvPr id="4" name="Rectangle 1"/>
+          <p:cNvSpPr>
+            <a:spLocks noChangeArrowheads="1"/>
+          </p:cNvSpPr>
+          <p:nvPr/>
+        </p:nvSpPr>
+        <p:spPr bwMode="auto">
+          <a:xfrm>
+            <a:off x="0" y="43934"/>
+            <a:ext cx="184731" cy="369332"/>
           </a:xfrm>
           <a:prstGeom prst="rect">
             <a:avLst/>
           </a:prstGeom>
+          <a:solidFill>
+            <a:srgbClr val="FFFFFF"/>
+          </a:solidFill>
+          <a:ln>
+            <a:noFill/>
+          </a:ln>
+          <a:effectLst/>
+          <a:extLst>
+            <a:ext uri="{91240B29-F687-4F45-9708-019B960494DF}">
+              <a14:hiddenLine xmlns:a14="http://schemas.microsoft.com/office/drawing/2010/main" w="9525">
+                <a:solidFill>
+                  <a:schemeClr val="tx1"/>
+                </a:solidFill>
+                <a:miter lim="800000"/>
+                <a:headEnd/>
+                <a:tailEnd/>
+              </a14:hiddenLine>
+            </a:ext>
+            <a:ext uri="{AF507438-7753-43E0-B8FC-AC1667EBCBE1}">
+              <a14:hiddenEffects xmlns:a14="http://schemas.microsoft.com/office/drawing/2010/main">
+                <a:effectLst>
+                  <a:outerShdw dist="35921" dir="2700000" algn="ctr" rotWithShape="0">
+                    <a:schemeClr val="bg2"/>
+                  </a:outerShdw>
+                </a:effectLst>
+              </a14:hiddenEffects>
+            </a:ext>
+          </a:extLst>
         </p:spPr>
         <p:txBody>
-          <a:bodyPr wrap="none">
+          <a:bodyPr vert="horz" wrap="none" lIns="91440" tIns="45720" rIns="91440" bIns="45720" numCol="1" anchor="ctr" anchorCtr="0" compatLnSpc="1">
+            <a:prstTxWarp prst="textNoShape">
+              <a:avLst/>
+            </a:prstTxWarp>
             <a:spAutoFit/>
           </a:bodyPr>
           <a:lstStyle/>
           <a:p>
-            <a:r>
-              <a:rPr lang="en-US" i="1" dirty="0"/>
-              <a:t>sample </a:t>
-            </a:r>
-            <a:endParaRPr lang="en-US" dirty="0"/>
+            <a:pPr marL="0" marR="0" lvl="0" indent="0" algn="l" defTabSz="914400" rtl="0" eaLnBrk="0" fontAlgn="base" latinLnBrk="0" hangingPunct="0">
+              <a:lnSpc>
+                <a:spcPct val="100000"/>
+              </a:lnSpc>
+              <a:spcBef>
+                <a:spcPct val="0"/>
+              </a:spcBef>
+              <a:spcAft>
+                <a:spcPct val="0"/>
+              </a:spcAft>
+              <a:buClrTx/>
+              <a:buSzTx/>
+              <a:buFontTx/>
+              <a:buNone/>
+              <a:tabLst/>
+            </a:pPr>
+            <a:endParaRPr kumimoji="0" lang="en-US" sz="1800" b="0" i="0" u="none" strike="noStrike" cap="none" normalizeH="0" baseline="0" dirty="0" smtClean="0">
+              <a:ln>
+                <a:noFill/>
+              </a:ln>
+              <a:solidFill>
+                <a:schemeClr val="tx1"/>
+              </a:solidFill>
+              <a:effectLst/>
+              <a:latin typeface="Arial" panose="020B0604020202020204" pitchFamily="34" charset="0"/>
+            </a:endParaRPr>
           </a:p>
         </p:txBody>
       </p:sp>
@@ -8768,7 +9339,7 @@
 </p:sld>
 </file>
 
-<file path=ppt/slides/slide21.xml><?xml version="1.0" encoding="utf-8"?>
+<file path=ppt/slides/slide22.xml><?xml version="1.0" encoding="utf-8"?>
 <p:sld xmlns:a="http://schemas.openxmlformats.org/drawingml/2006/main" xmlns:r="http://schemas.openxmlformats.org/officeDocument/2006/relationships" xmlns:p="http://schemas.openxmlformats.org/presentationml/2006/main">
   <p:cSld>
     <p:spTree>
@@ -9070,8 +9641,8 @@
         </p:nvSpPr>
         <p:spPr>
           <a:xfrm>
-            <a:off x="4094679" y="1936895"/>
-            <a:ext cx="4114725" cy="1384995"/>
+            <a:off x="4001545" y="2166012"/>
+            <a:ext cx="4498988" cy="1169551"/>
           </a:xfrm>
           <a:prstGeom prst="rect">
             <a:avLst/>
@@ -9190,7 +9761,7 @@
             <a:prstGeom prst="line">
               <a:avLst/>
             </a:prstGeom>
-            <a:ln w="28575">
+            <a:ln w="19050">
               <a:solidFill>
                 <a:schemeClr val="tx1"/>
               </a:solidFill>
@@ -9225,7 +9796,7 @@
             <a:prstGeom prst="line">
               <a:avLst/>
             </a:prstGeom>
-            <a:ln w="28575">
+            <a:ln w="19050">
               <a:solidFill>
                 <a:schemeClr val="tx1"/>
               </a:solidFill>
@@ -9260,7 +9831,7 @@
             <a:prstGeom prst="line">
               <a:avLst/>
             </a:prstGeom>
-            <a:ln w="28575">
+            <a:ln w="19050">
               <a:solidFill>
                 <a:schemeClr val="tx1"/>
               </a:solidFill>
@@ -9310,7 +9881,7 @@
             <a:prstGeom prst="line">
               <a:avLst/>
             </a:prstGeom>
-            <a:ln w="28575">
+            <a:ln w="19050">
               <a:solidFill>
                 <a:schemeClr val="tx1"/>
               </a:solidFill>
@@ -9345,7 +9916,7 @@
             <a:prstGeom prst="line">
               <a:avLst/>
             </a:prstGeom>
-            <a:ln w="28575">
+            <a:ln w="19050">
               <a:solidFill>
                 <a:schemeClr val="tx1"/>
               </a:solidFill>
@@ -9380,7 +9951,7 @@
             <a:prstGeom prst="line">
               <a:avLst/>
             </a:prstGeom>
-            <a:ln w="28575">
+            <a:ln w="19050">
               <a:solidFill>
                 <a:schemeClr val="tx1"/>
               </a:solidFill>
@@ -9415,7 +9986,7 @@
 </p:sld>
 </file>
 
-<file path=ppt/slides/slide22.xml><?xml version="1.0" encoding="utf-8"?>
+<file path=ppt/slides/slide23.xml><?xml version="1.0" encoding="utf-8"?>
 <p:sld xmlns:a="http://schemas.openxmlformats.org/drawingml/2006/main" xmlns:r="http://schemas.openxmlformats.org/officeDocument/2006/relationships" xmlns:p="http://schemas.openxmlformats.org/presentationml/2006/main">
   <p:cSld>
     <p:spTree>
@@ -9995,19 +10566,7 @@
               <a:rPr lang="en-US" b="1" dirty="0" smtClean="0">
                 <a:latin typeface="+mj-lt"/>
               </a:rPr>
-              <a:t>inutely earning per ride averages at $ 1.27 </a:t>
-            </a:r>
-            <a:r>
-              <a:rPr lang="en-US" b="1" dirty="0" smtClean="0">
-                <a:latin typeface="+mj-lt"/>
-              </a:rPr>
-              <a:t>but </a:t>
-            </a:r>
-            <a:r>
-              <a:rPr lang="en-US" b="1" dirty="0" smtClean="0">
-                <a:latin typeface="+mj-lt"/>
-              </a:rPr>
-              <a:t>goes up to tens occasionally.  </a:t>
+              <a:t>inutely earning per ride averages at $ 1.27 but could go up to tens occasionally.  </a:t>
             </a:r>
             <a:endParaRPr lang="en-US" b="1" dirty="0">
               <a:latin typeface="+mj-lt"/>
@@ -10127,8 +10686,8 @@
         </p:nvSpPr>
         <p:spPr>
           <a:xfrm>
-            <a:off x="4028992" y="4907478"/>
-            <a:ext cx="1652142" cy="523220"/>
+            <a:off x="5091184" y="2928273"/>
+            <a:ext cx="1202515" cy="523220"/>
           </a:xfrm>
           <a:prstGeom prst="rect">
             <a:avLst/>
@@ -10218,7 +10777,341 @@
                   </a:schemeClr>
                 </a:solidFill>
               </a:rPr>
-              <a:t>Note: x axis is limited to a range of one to five for better visualization </a:t>
+              <a:t>Note: x axis is limited to a range of one to five for visualization </a:t>
+            </a:r>
+          </a:p>
+        </p:txBody>
+      </p:sp>
+      <p:grpSp>
+        <p:nvGrpSpPr>
+          <p:cNvPr id="14" name="Group 13"/>
+          <p:cNvGrpSpPr/>
+          <p:nvPr/>
+        </p:nvGrpSpPr>
+        <p:grpSpPr>
+          <a:xfrm rot="16200000">
+            <a:off x="5270022" y="4181274"/>
+            <a:ext cx="423333" cy="2234973"/>
+            <a:chOff x="7611762" y="2568435"/>
+            <a:chExt cx="842580" cy="1127190"/>
+          </a:xfrm>
+        </p:grpSpPr>
+        <p:cxnSp>
+          <p:nvCxnSpPr>
+            <p:cNvPr id="15" name="Straight Connector 14"/>
+            <p:cNvCxnSpPr/>
+            <p:nvPr/>
+          </p:nvCxnSpPr>
+          <p:spPr>
+            <a:xfrm>
+              <a:off x="7611762" y="2568435"/>
+              <a:ext cx="823784" cy="0"/>
+            </a:xfrm>
+            <a:prstGeom prst="line">
+              <a:avLst/>
+            </a:prstGeom>
+            <a:ln w="19050">
+              <a:solidFill>
+                <a:schemeClr val="tx1">
+                  <a:lumMod val="65000"/>
+                  <a:lumOff val="35000"/>
+                </a:schemeClr>
+              </a:solidFill>
+            </a:ln>
+          </p:spPr>
+          <p:style>
+            <a:lnRef idx="1">
+              <a:schemeClr val="accent1"/>
+            </a:lnRef>
+            <a:fillRef idx="0">
+              <a:schemeClr val="accent1"/>
+            </a:fillRef>
+            <a:effectRef idx="0">
+              <a:schemeClr val="accent1"/>
+            </a:effectRef>
+            <a:fontRef idx="minor">
+              <a:schemeClr val="tx1"/>
+            </a:fontRef>
+          </p:style>
+        </p:cxnSp>
+        <p:cxnSp>
+          <p:nvCxnSpPr>
+            <p:cNvPr id="16" name="Straight Connector 15"/>
+            <p:cNvCxnSpPr/>
+            <p:nvPr/>
+          </p:nvCxnSpPr>
+          <p:spPr>
+            <a:xfrm flipH="1">
+              <a:off x="8427308" y="2568435"/>
+              <a:ext cx="8238" cy="1127190"/>
+            </a:xfrm>
+            <a:prstGeom prst="line">
+              <a:avLst/>
+            </a:prstGeom>
+            <a:ln w="19050">
+              <a:solidFill>
+                <a:schemeClr val="tx1">
+                  <a:lumMod val="65000"/>
+                  <a:lumOff val="35000"/>
+                </a:schemeClr>
+              </a:solidFill>
+            </a:ln>
+          </p:spPr>
+          <p:style>
+            <a:lnRef idx="1">
+              <a:schemeClr val="accent1"/>
+            </a:lnRef>
+            <a:fillRef idx="0">
+              <a:schemeClr val="accent1"/>
+            </a:fillRef>
+            <a:effectRef idx="0">
+              <a:schemeClr val="accent1"/>
+            </a:effectRef>
+            <a:fontRef idx="minor">
+              <a:schemeClr val="tx1"/>
+            </a:fontRef>
+          </p:style>
+        </p:cxnSp>
+        <p:cxnSp>
+          <p:nvCxnSpPr>
+            <p:cNvPr id="17" name="Straight Connector 16"/>
+            <p:cNvCxnSpPr/>
+            <p:nvPr/>
+          </p:nvCxnSpPr>
+          <p:spPr>
+            <a:xfrm>
+              <a:off x="7630559" y="3695625"/>
+              <a:ext cx="823783" cy="0"/>
+            </a:xfrm>
+            <a:prstGeom prst="line">
+              <a:avLst/>
+            </a:prstGeom>
+            <a:ln w="19050">
+              <a:solidFill>
+                <a:schemeClr val="tx1">
+                  <a:lumMod val="65000"/>
+                  <a:lumOff val="35000"/>
+                </a:schemeClr>
+              </a:solidFill>
+            </a:ln>
+          </p:spPr>
+          <p:style>
+            <a:lnRef idx="1">
+              <a:schemeClr val="accent1"/>
+            </a:lnRef>
+            <a:fillRef idx="0">
+              <a:schemeClr val="accent1"/>
+            </a:fillRef>
+            <a:effectRef idx="0">
+              <a:schemeClr val="accent1"/>
+            </a:effectRef>
+            <a:fontRef idx="minor">
+              <a:schemeClr val="tx1"/>
+            </a:fontRef>
+          </p:style>
+        </p:cxnSp>
+      </p:grpSp>
+      <p:sp>
+        <p:nvSpPr>
+          <p:cNvPr id="18" name="TextBox 17"/>
+          <p:cNvSpPr txBox="1"/>
+          <p:nvPr/>
+        </p:nvSpPr>
+        <p:spPr>
+          <a:xfrm>
+            <a:off x="4360290" y="4248861"/>
+            <a:ext cx="2409131" cy="738664"/>
+          </a:xfrm>
+          <a:prstGeom prst="rect">
+            <a:avLst/>
+          </a:prstGeom>
+          <a:noFill/>
+        </p:spPr>
+        <p:txBody>
+          <a:bodyPr wrap="square" rtlCol="0">
+            <a:spAutoFit/>
+          </a:bodyPr>
+          <a:lstStyle/>
+          <a:p>
+            <a:pPr algn="ctr"/>
+            <a:r>
+              <a:rPr lang="en-US" sz="1400" b="1" dirty="0" smtClean="0">
+                <a:solidFill>
+                  <a:schemeClr val="tx1">
+                    <a:lumMod val="65000"/>
+                    <a:lumOff val="35000"/>
+                  </a:schemeClr>
+                </a:solidFill>
+                <a:latin typeface="+mj-lt"/>
+              </a:rPr>
+              <a:t>Extraordinary efficiency happens among short-distance rides ( shorter than 1 mile)</a:t>
+            </a:r>
+          </a:p>
+        </p:txBody>
+      </p:sp>
+      <p:grpSp>
+        <p:nvGrpSpPr>
+          <p:cNvPr id="19" name="Group 18"/>
+          <p:cNvGrpSpPr/>
+          <p:nvPr/>
+        </p:nvGrpSpPr>
+        <p:grpSpPr>
+          <a:xfrm>
+            <a:off x="2232706" y="2636892"/>
+            <a:ext cx="423333" cy="2234973"/>
+            <a:chOff x="7611762" y="2568435"/>
+            <a:chExt cx="842580" cy="1127190"/>
+          </a:xfrm>
+        </p:grpSpPr>
+        <p:cxnSp>
+          <p:nvCxnSpPr>
+            <p:cNvPr id="20" name="Straight Connector 19"/>
+            <p:cNvCxnSpPr/>
+            <p:nvPr/>
+          </p:nvCxnSpPr>
+          <p:spPr>
+            <a:xfrm>
+              <a:off x="7611762" y="2568435"/>
+              <a:ext cx="823784" cy="0"/>
+            </a:xfrm>
+            <a:prstGeom prst="line">
+              <a:avLst/>
+            </a:prstGeom>
+            <a:ln w="19050">
+              <a:solidFill>
+                <a:schemeClr val="tx1">
+                  <a:lumMod val="65000"/>
+                  <a:lumOff val="35000"/>
+                </a:schemeClr>
+              </a:solidFill>
+            </a:ln>
+          </p:spPr>
+          <p:style>
+            <a:lnRef idx="1">
+              <a:schemeClr val="accent1"/>
+            </a:lnRef>
+            <a:fillRef idx="0">
+              <a:schemeClr val="accent1"/>
+            </a:fillRef>
+            <a:effectRef idx="0">
+              <a:schemeClr val="accent1"/>
+            </a:effectRef>
+            <a:fontRef idx="minor">
+              <a:schemeClr val="tx1"/>
+            </a:fontRef>
+          </p:style>
+        </p:cxnSp>
+        <p:cxnSp>
+          <p:nvCxnSpPr>
+            <p:cNvPr id="21" name="Straight Connector 20"/>
+            <p:cNvCxnSpPr/>
+            <p:nvPr/>
+          </p:nvCxnSpPr>
+          <p:spPr>
+            <a:xfrm flipH="1">
+              <a:off x="8427308" y="2568435"/>
+              <a:ext cx="8238" cy="1127190"/>
+            </a:xfrm>
+            <a:prstGeom prst="line">
+              <a:avLst/>
+            </a:prstGeom>
+            <a:ln w="19050">
+              <a:solidFill>
+                <a:schemeClr val="tx1">
+                  <a:lumMod val="65000"/>
+                  <a:lumOff val="35000"/>
+                </a:schemeClr>
+              </a:solidFill>
+            </a:ln>
+          </p:spPr>
+          <p:style>
+            <a:lnRef idx="1">
+              <a:schemeClr val="accent1"/>
+            </a:lnRef>
+            <a:fillRef idx="0">
+              <a:schemeClr val="accent1"/>
+            </a:fillRef>
+            <a:effectRef idx="0">
+              <a:schemeClr val="accent1"/>
+            </a:effectRef>
+            <a:fontRef idx="minor">
+              <a:schemeClr val="tx1"/>
+            </a:fontRef>
+          </p:style>
+        </p:cxnSp>
+        <p:cxnSp>
+          <p:nvCxnSpPr>
+            <p:cNvPr id="22" name="Straight Connector 21"/>
+            <p:cNvCxnSpPr/>
+            <p:nvPr/>
+          </p:nvCxnSpPr>
+          <p:spPr>
+            <a:xfrm>
+              <a:off x="7630559" y="3695625"/>
+              <a:ext cx="823783" cy="0"/>
+            </a:xfrm>
+            <a:prstGeom prst="line">
+              <a:avLst/>
+            </a:prstGeom>
+            <a:ln w="19050">
+              <a:solidFill>
+                <a:schemeClr val="tx1">
+                  <a:lumMod val="65000"/>
+                  <a:lumOff val="35000"/>
+                </a:schemeClr>
+              </a:solidFill>
+            </a:ln>
+          </p:spPr>
+          <p:style>
+            <a:lnRef idx="1">
+              <a:schemeClr val="accent1"/>
+            </a:lnRef>
+            <a:fillRef idx="0">
+              <a:schemeClr val="accent1"/>
+            </a:fillRef>
+            <a:effectRef idx="0">
+              <a:schemeClr val="accent1"/>
+            </a:effectRef>
+            <a:fontRef idx="minor">
+              <a:schemeClr val="tx1"/>
+            </a:fontRef>
+          </p:style>
+        </p:cxnSp>
+      </p:grpSp>
+      <p:sp>
+        <p:nvSpPr>
+          <p:cNvPr id="23" name="TextBox 22"/>
+          <p:cNvSpPr txBox="1"/>
+          <p:nvPr/>
+        </p:nvSpPr>
+        <p:spPr>
+          <a:xfrm>
+            <a:off x="2630835" y="3362802"/>
+            <a:ext cx="1382561" cy="738664"/>
+          </a:xfrm>
+          <a:prstGeom prst="rect">
+            <a:avLst/>
+          </a:prstGeom>
+          <a:noFill/>
+        </p:spPr>
+        <p:txBody>
+          <a:bodyPr wrap="square" rtlCol="0">
+            <a:spAutoFit/>
+          </a:bodyPr>
+          <a:lstStyle/>
+          <a:p>
+            <a:pPr algn="ctr"/>
+            <a:r>
+              <a:rPr lang="en-US" sz="1400" b="1" dirty="0" smtClean="0">
+                <a:solidFill>
+                  <a:schemeClr val="tx1">
+                    <a:lumMod val="65000"/>
+                    <a:lumOff val="35000"/>
+                  </a:schemeClr>
+                </a:solidFill>
+                <a:latin typeface="+mj-lt"/>
+              </a:rPr>
+              <a:t>In most cases, efficiency hardly vary significantly.</a:t>
             </a:r>
           </a:p>
         </p:txBody>
@@ -10236,7 +11129,7 @@
 </p:sld>
 </file>
 
-<file path=ppt/slides/slide23.xml><?xml version="1.0" encoding="utf-8"?>
+<file path=ppt/slides/slide24.xml><?xml version="1.0" encoding="utf-8"?>
 <p:sld xmlns:a="http://schemas.openxmlformats.org/drawingml/2006/main" xmlns:r="http://schemas.openxmlformats.org/officeDocument/2006/relationships" xmlns:p="http://schemas.openxmlformats.org/presentationml/2006/main">
   <p:cSld>
     <p:spTree>
@@ -10270,7 +11163,7 @@
           <a:p>
             <a:r>
               <a:rPr lang="en-US" dirty="0" smtClean="0"/>
-              <a:t>Prediction</a:t>
+              <a:t>Predictive Modeling</a:t>
             </a:r>
             <a:endParaRPr lang="en-US" i="1" dirty="0"/>
           </a:p>
@@ -10288,13 +11181,13 @@
         </p:nvSpPr>
         <p:spPr>
           <a:xfrm>
-            <a:off x="838200" y="1825625"/>
+            <a:off x="838200" y="1571625"/>
             <a:ext cx="10515600" cy="4822310"/>
           </a:xfrm>
         </p:spPr>
         <p:txBody>
           <a:bodyPr>
-            <a:normAutofit fontScale="92500" lnSpcReduction="10000"/>
+            <a:normAutofit fontScale="85000" lnSpcReduction="10000"/>
           </a:bodyPr>
           <a:lstStyle/>
           <a:p>
@@ -10305,11 +11198,11 @@
             </a:pPr>
             <a:r>
               <a:rPr lang="en-US" dirty="0" smtClean="0"/>
-              <a:t>Randomly sample 1% from cleaned </a:t>
+              <a:t>Randomly sample </a:t>
             </a:r>
             <a:r>
               <a:rPr lang="en-US" dirty="0" smtClean="0"/>
-              <a:t>dataset</a:t>
+              <a:t>10% from cleansed dataset</a:t>
             </a:r>
             <a:endParaRPr lang="en-US" dirty="0" smtClean="0"/>
           </a:p>
@@ -10321,8 +11214,13 @@
             </a:pPr>
             <a:r>
               <a:rPr lang="en-US" dirty="0" smtClean="0"/>
-              <a:t>Label generate:</a:t>
-            </a:r>
+              <a:t>Label </a:t>
+            </a:r>
+            <a:r>
+              <a:rPr lang="en-US" dirty="0" smtClean="0"/>
+              <a:t>generation:</a:t>
+            </a:r>
+            <a:endParaRPr lang="en-US" dirty="0" smtClean="0"/>
           </a:p>
           <a:p>
             <a:pPr lvl="1">
@@ -10334,7 +11232,19 @@
             </a:pPr>
             <a:r>
               <a:rPr lang="en-US" dirty="0" smtClean="0"/>
-              <a:t>Efficiency over average labeled as “Good”, otherwise “Low”</a:t>
+              <a:t>Efficiency over </a:t>
+            </a:r>
+            <a:r>
+              <a:rPr lang="en-US" dirty="0" smtClean="0"/>
+              <a:t>the average</a:t>
+            </a:r>
+            <a:r>
+              <a:rPr lang="en-US" dirty="0" smtClean="0"/>
+              <a:t> labeled </a:t>
+            </a:r>
+            <a:r>
+              <a:rPr lang="en-US" dirty="0" smtClean="0"/>
+              <a:t>as “Good”, otherwise “Low”</a:t>
             </a:r>
           </a:p>
           <a:p>
@@ -10353,9 +11263,8 @@
             </a:r>
             <a:r>
               <a:rPr lang="en-US" dirty="0" smtClean="0"/>
-              <a:t>preparation (dummy coding): </a:t>
-            </a:r>
-            <a:endParaRPr lang="en-US" dirty="0" smtClean="0"/>
+              <a:t>preparation:</a:t>
+            </a:r>
           </a:p>
           <a:p>
             <a:pPr lvl="1">
@@ -10386,7 +11295,15 @@
             </a:pPr>
             <a:r>
               <a:rPr lang="en-US" dirty="0" smtClean="0"/>
-              <a:t>Random Forest VS Gradient Boost</a:t>
+              <a:t>Random </a:t>
+            </a:r>
+            <a:r>
+              <a:rPr lang="en-US" dirty="0" smtClean="0"/>
+              <a:t>Forest VS Gradient </a:t>
+            </a:r>
+            <a:r>
+              <a:rPr lang="en-US" dirty="0" smtClean="0"/>
+              <a:t>Boost</a:t>
             </a:r>
           </a:p>
           <a:p>
@@ -10395,6 +11312,18 @@
                 <a:spcPct val="150000"/>
               </a:lnSpc>
             </a:pPr>
+            <a:r>
+              <a:rPr lang="en-US" dirty="0" smtClean="0"/>
+              <a:t>Model validation</a:t>
+            </a:r>
+            <a:r>
+              <a:rPr lang="en-US" dirty="0"/>
+              <a:t> </a:t>
+            </a:r>
+            <a:r>
+              <a:rPr lang="en-US" dirty="0" smtClean="0"/>
+              <a:t>through visualization</a:t>
+            </a:r>
             <a:endParaRPr lang="en-US" dirty="0" smtClean="0"/>
           </a:p>
         </p:txBody>
@@ -10495,7 +11424,7 @@
 </p:sld>
 </file>
 
-<file path=ppt/slides/slide24.xml><?xml version="1.0" encoding="utf-8"?>
+<file path=ppt/slides/slide25.xml><?xml version="1.0" encoding="utf-8"?>
 <p:sld xmlns:a="http://schemas.openxmlformats.org/drawingml/2006/main" xmlns:r="http://schemas.openxmlformats.org/officeDocument/2006/relationships" xmlns:p="http://schemas.openxmlformats.org/presentationml/2006/main">
   <p:cSld>
     <p:spTree>
@@ -10528,8 +11457,16 @@
           <a:lstStyle/>
           <a:p>
             <a:r>
+              <a:rPr lang="en-US" dirty="0"/>
+              <a:t>Predictive </a:t>
+            </a:r>
+            <a:r>
               <a:rPr lang="en-US" dirty="0" smtClean="0"/>
-              <a:t>Prediction Cont’d</a:t>
+              <a:t>Modeling </a:t>
+            </a:r>
+            <a:r>
+              <a:rPr lang="en-US" dirty="0" smtClean="0"/>
+              <a:t>Cont’d</a:t>
             </a:r>
             <a:endParaRPr lang="en-US" i="1" dirty="0"/>
           </a:p>
@@ -10547,13 +11484,13 @@
         </p:nvSpPr>
         <p:spPr>
           <a:xfrm>
-            <a:off x="838200" y="1690688"/>
-            <a:ext cx="10515600" cy="4822310"/>
+            <a:off x="838200" y="1512888"/>
+            <a:ext cx="9482667" cy="4822310"/>
           </a:xfrm>
         </p:spPr>
         <p:txBody>
           <a:bodyPr>
-            <a:normAutofit fontScale="92500"/>
+            <a:normAutofit fontScale="92500" lnSpcReduction="10000"/>
           </a:bodyPr>
           <a:lstStyle/>
           <a:p>
@@ -10566,33 +11503,6 @@
               <a:rPr lang="en-US" dirty="0" smtClean="0"/>
               <a:t>Accuracy (after cross validation): </a:t>
             </a:r>
-          </a:p>
-          <a:p>
-            <a:pPr>
-              <a:lnSpc>
-                <a:spcPct val="150000"/>
-              </a:lnSpc>
-            </a:pPr>
-            <a:endParaRPr lang="en-US" dirty="0"/>
-          </a:p>
-          <a:p>
-            <a:pPr>
-              <a:lnSpc>
-                <a:spcPct val="150000"/>
-              </a:lnSpc>
-            </a:pPr>
-            <a:r>
-              <a:rPr lang="en-US" dirty="0" smtClean="0"/>
-              <a:t>Top three important features:</a:t>
-            </a:r>
-          </a:p>
-          <a:p>
-            <a:pPr>
-              <a:lnSpc>
-                <a:spcPct val="150000"/>
-              </a:lnSpc>
-            </a:pPr>
-            <a:endParaRPr lang="en-US" dirty="0"/>
           </a:p>
           <a:p>
             <a:pPr>
@@ -10611,18 +11521,69 @@
               <a:buChar char="o"/>
             </a:pPr>
             <a:r>
+              <a:rPr lang="en-US" dirty="0"/>
+              <a:t>Accuracy is good enough on the whole.</a:t>
+            </a:r>
+            <a:endParaRPr lang="en-US" dirty="0"/>
+          </a:p>
+          <a:p>
+            <a:pPr>
+              <a:lnSpc>
+                <a:spcPct val="150000"/>
+              </a:lnSpc>
+              <a:spcBef>
+                <a:spcPts val="0"/>
+              </a:spcBef>
+            </a:pPr>
+            <a:r>
               <a:rPr lang="en-US" dirty="0" smtClean="0"/>
-              <a:t>Accuracy is good enough on the whole. However, the model may suffer under-fitting and is unstable when trip distance is unknown. More features are needed</a:t>
-            </a:r>
+              <a:t>Top three important </a:t>
+            </a:r>
+            <a:r>
+              <a:rPr lang="en-US" dirty="0" smtClean="0"/>
+              <a:t>features generated by model:</a:t>
+            </a:r>
+            <a:endParaRPr lang="en-US" dirty="0" smtClean="0"/>
+          </a:p>
+          <a:p>
+            <a:pPr>
+              <a:lnSpc>
+                <a:spcPct val="150000"/>
+              </a:lnSpc>
+            </a:pPr>
+            <a:endParaRPr lang="en-US" dirty="0"/>
+          </a:p>
+          <a:p>
+            <a:pPr>
+              <a:lnSpc>
+                <a:spcPct val="150000"/>
+              </a:lnSpc>
+            </a:pPr>
+            <a:endParaRPr lang="en-US" dirty="0" smtClean="0"/>
           </a:p>
           <a:p>
             <a:pPr lvl="1">
               <a:lnSpc>
                 <a:spcPct val="150000"/>
               </a:lnSpc>
+              <a:spcBef>
+                <a:spcPts val="800"/>
+              </a:spcBef>
               <a:buFont typeface="Courier New" panose="02070309020205020404" pitchFamily="49" charset="0"/>
               <a:buChar char="o"/>
             </a:pPr>
+            <a:r>
+              <a:rPr lang="en-US" dirty="0" smtClean="0"/>
+              <a:t>Model may </a:t>
+            </a:r>
+            <a:r>
+              <a:rPr lang="en-US" dirty="0" smtClean="0"/>
+              <a:t>suffer under-fitting and is unstable when trip distance is unknown. More features are </a:t>
+            </a:r>
+            <a:r>
+              <a:rPr lang="en-US" dirty="0" smtClean="0"/>
+              <a:t>needed.</a:t>
+            </a:r>
             <a:endParaRPr lang="en-US" dirty="0" smtClean="0"/>
           </a:p>
           <a:p>
@@ -10728,20 +11689,20 @@
           <p:nvPr>
             <p:extLst>
               <p:ext uri="{D42A27DB-BD31-4B8C-83A1-F6EECF244321}">
-                <p14:modId xmlns:p14="http://schemas.microsoft.com/office/powerpoint/2010/main" val="4051586354"/>
+                <p14:modId xmlns:p14="http://schemas.microsoft.com/office/powerpoint/2010/main" val="3652760993"/>
               </p:ext>
             </p:extLst>
           </p:nvPr>
         </p:nvGraphicFramePr>
         <p:xfrm>
-          <a:off x="1734065" y="2386455"/>
+          <a:off x="1649398" y="2166321"/>
           <a:ext cx="8128000" cy="741680"/>
         </p:xfrm>
         <a:graphic>
           <a:graphicData uri="http://schemas.openxmlformats.org/drawingml/2006/table">
             <a:tbl>
               <a:tblPr firstRow="1" bandRow="1">
-                <a:tableStyleId>{69CF1AB2-1976-4502-BF36-3FF5EA218861}</a:tableStyleId>
+                <a:tableStyleId>{D7AC3CCA-C797-4891-BE02-D94E43425B78}</a:tableStyleId>
               </a:tblPr>
               <a:tblGrid>
                 <a:gridCol w="4064000"/>
@@ -10761,7 +11722,14 @@
                       <a:endParaRPr lang="en-US" dirty="0"/>
                     </a:p>
                   </a:txBody>
-                  <a:tcPr/>
+                  <a:tcPr>
+                    <a:solidFill>
+                      <a:schemeClr val="accent3">
+                        <a:tint val="20000"/>
+                        <a:alpha val="0"/>
+                      </a:schemeClr>
+                    </a:solidFill>
+                  </a:tcPr>
                 </a:tc>
                 <a:tc>
                   <a:txBody>
@@ -10776,7 +11744,14 @@
                       <a:endParaRPr lang="en-US" dirty="0"/>
                     </a:p>
                   </a:txBody>
-                  <a:tcPr/>
+                  <a:tcPr>
+                    <a:solidFill>
+                      <a:schemeClr val="accent3">
+                        <a:tint val="20000"/>
+                        <a:alpha val="0"/>
+                      </a:schemeClr>
+                    </a:solidFill>
+                  </a:tcPr>
                 </a:tc>
               </a:tr>
               <a:tr h="370840">
@@ -10793,7 +11768,14 @@
                       <a:endParaRPr lang="en-US" dirty="0"/>
                     </a:p>
                   </a:txBody>
-                  <a:tcPr/>
+                  <a:tcPr>
+                    <a:solidFill>
+                      <a:schemeClr val="accent3">
+                        <a:tint val="20000"/>
+                        <a:alpha val="0"/>
+                      </a:schemeClr>
+                    </a:solidFill>
+                  </a:tcPr>
                 </a:tc>
                 <a:tc>
                   <a:txBody>
@@ -10808,7 +11790,14 @@
                       <a:endParaRPr lang="en-US" dirty="0"/>
                     </a:p>
                   </a:txBody>
-                  <a:tcPr/>
+                  <a:tcPr>
+                    <a:solidFill>
+                      <a:schemeClr val="accent3">
+                        <a:tint val="20000"/>
+                        <a:alpha val="0"/>
+                      </a:schemeClr>
+                    </a:solidFill>
+                  </a:tcPr>
                 </a:tc>
               </a:tr>
             </a:tbl>
@@ -10824,20 +11813,20 @@
           <p:nvPr>
             <p:extLst>
               <p:ext uri="{D42A27DB-BD31-4B8C-83A1-F6EECF244321}">
-                <p14:modId xmlns:p14="http://schemas.microsoft.com/office/powerpoint/2010/main" val="1821952331"/>
+                <p14:modId xmlns:p14="http://schemas.microsoft.com/office/powerpoint/2010/main" val="511964430"/>
               </p:ext>
             </p:extLst>
           </p:nvPr>
         </p:nvGraphicFramePr>
         <p:xfrm>
-          <a:off x="1771085" y="3814045"/>
+          <a:off x="1703351" y="3924043"/>
           <a:ext cx="8128000" cy="1483360"/>
         </p:xfrm>
         <a:graphic>
           <a:graphicData uri="http://schemas.openxmlformats.org/drawingml/2006/table">
             <a:tbl>
               <a:tblPr firstRow="1" bandRow="1">
-                <a:tableStyleId>{69CF1AB2-1976-4502-BF36-3FF5EA218861}</a:tableStyleId>
+                <a:tableStyleId>{D7AC3CCA-C797-4891-BE02-D94E43425B78}</a:tableStyleId>
               </a:tblPr>
               <a:tblGrid>
                 <a:gridCol w="4064000"/>
@@ -10849,6 +11838,7 @@
                     <a:bodyPr/>
                     <a:lstStyle/>
                     <a:p>
+                      <a:pPr algn="ctr"/>
                       <a:r>
                         <a:rPr lang="en-US" dirty="0" smtClean="0"/>
                         <a:t>Features</a:t>
@@ -10856,13 +11846,21 @@
                       <a:endParaRPr lang="en-US" dirty="0"/>
                     </a:p>
                   </a:txBody>
-                  <a:tcPr/>
+                  <a:tcPr>
+                    <a:solidFill>
+                      <a:schemeClr val="accent3">
+                        <a:tint val="20000"/>
+                        <a:alpha val="0"/>
+                      </a:schemeClr>
+                    </a:solidFill>
+                  </a:tcPr>
                 </a:tc>
                 <a:tc>
                   <a:txBody>
                     <a:bodyPr/>
                     <a:lstStyle/>
                     <a:p>
+                      <a:pPr algn="ctr"/>
                       <a:r>
                         <a:rPr lang="en-US" dirty="0" smtClean="0"/>
                         <a:t>Variance Explained</a:t>
@@ -10870,7 +11868,14 @@
                       <a:endParaRPr lang="en-US" dirty="0"/>
                     </a:p>
                   </a:txBody>
-                  <a:tcPr/>
+                  <a:tcPr>
+                    <a:solidFill>
+                      <a:schemeClr val="accent3">
+                        <a:tint val="20000"/>
+                        <a:alpha val="0"/>
+                      </a:schemeClr>
+                    </a:solidFill>
+                  </a:tcPr>
                 </a:tc>
               </a:tr>
               <a:tr h="370840">
@@ -10879,6 +11884,7 @@
                     <a:bodyPr/>
                     <a:lstStyle/>
                     <a:p>
+                      <a:pPr algn="ctr"/>
                       <a:r>
                         <a:rPr lang="en-US" dirty="0" smtClean="0"/>
                         <a:t>Trip</a:t>
@@ -10890,13 +11896,21 @@
                       <a:endParaRPr lang="en-US" dirty="0"/>
                     </a:p>
                   </a:txBody>
-                  <a:tcPr/>
+                  <a:tcPr>
+                    <a:solidFill>
+                      <a:schemeClr val="accent3">
+                        <a:tint val="20000"/>
+                        <a:alpha val="0"/>
+                      </a:schemeClr>
+                    </a:solidFill>
+                  </a:tcPr>
                 </a:tc>
                 <a:tc>
                   <a:txBody>
                     <a:bodyPr/>
                     <a:lstStyle/>
                     <a:p>
+                      <a:pPr algn="ctr"/>
                       <a:r>
                         <a:rPr lang="en-US" dirty="0" smtClean="0"/>
                         <a:t>0.68</a:t>
@@ -10904,7 +11918,14 @@
                       <a:endParaRPr lang="en-US" dirty="0"/>
                     </a:p>
                   </a:txBody>
-                  <a:tcPr/>
+                  <a:tcPr>
+                    <a:solidFill>
+                      <a:schemeClr val="accent3">
+                        <a:tint val="20000"/>
+                        <a:alpha val="0"/>
+                      </a:schemeClr>
+                    </a:solidFill>
+                  </a:tcPr>
                 </a:tc>
               </a:tr>
               <a:tr h="370840">
@@ -10913,6 +11934,7 @@
                     <a:bodyPr/>
                     <a:lstStyle/>
                     <a:p>
+                      <a:pPr algn="ctr"/>
                       <a:r>
                         <a:rPr lang="en-US" dirty="0" smtClean="0"/>
                         <a:t>Wind Speed</a:t>
@@ -10924,13 +11946,21 @@
                       <a:endParaRPr lang="en-US" dirty="0"/>
                     </a:p>
                   </a:txBody>
-                  <a:tcPr/>
+                  <a:tcPr>
+                    <a:solidFill>
+                      <a:schemeClr val="accent3">
+                        <a:tint val="20000"/>
+                        <a:alpha val="0"/>
+                      </a:schemeClr>
+                    </a:solidFill>
+                  </a:tcPr>
                 </a:tc>
                 <a:tc>
                   <a:txBody>
                     <a:bodyPr/>
                     <a:lstStyle/>
                     <a:p>
+                      <a:pPr algn="ctr"/>
                       <a:r>
                         <a:rPr lang="en-US" dirty="0" smtClean="0">
                           <a:solidFill>
@@ -10946,7 +11976,14 @@
                       </a:endParaRPr>
                     </a:p>
                   </a:txBody>
-                  <a:tcPr/>
+                  <a:tcPr>
+                    <a:solidFill>
+                      <a:schemeClr val="accent3">
+                        <a:tint val="20000"/>
+                        <a:alpha val="0"/>
+                      </a:schemeClr>
+                    </a:solidFill>
+                  </a:tcPr>
                 </a:tc>
               </a:tr>
               <a:tr h="370840">
@@ -10955,6 +11992,7 @@
                     <a:bodyPr/>
                     <a:lstStyle/>
                     <a:p>
+                      <a:pPr algn="ctr"/>
                       <a:r>
                         <a:rPr lang="en-US" dirty="0" smtClean="0"/>
                         <a:t>Temperature</a:t>
@@ -10962,29 +12000,50 @@
                       <a:endParaRPr lang="en-US" dirty="0"/>
                     </a:p>
                   </a:txBody>
-                  <a:tcPr/>
+                  <a:tcPr>
+                    <a:solidFill>
+                      <a:schemeClr val="accent3">
+                        <a:tint val="20000"/>
+                        <a:alpha val="0"/>
+                      </a:schemeClr>
+                    </a:solidFill>
+                  </a:tcPr>
                 </a:tc>
                 <a:tc>
                   <a:txBody>
                     <a:bodyPr/>
                     <a:lstStyle/>
                     <a:p>
+                      <a:pPr algn="ctr"/>
                       <a:r>
-                        <a:rPr lang="en-US" dirty="0" smtClean="0">
+                        <a:rPr lang="en-US" sz="1800" kern="1200" dirty="0" smtClean="0">
                           <a:solidFill>
                             <a:srgbClr val="FF0000"/>
                           </a:solidFill>
+                          <a:latin typeface="+mn-lt"/>
+                          <a:ea typeface="+mn-ea"/>
+                          <a:cs typeface="+mn-cs"/>
                         </a:rPr>
                         <a:t>0.06</a:t>
                       </a:r>
-                      <a:endParaRPr lang="en-US" dirty="0">
+                      <a:endParaRPr lang="en-US" sz="1800" kern="1200" dirty="0">
                         <a:solidFill>
                           <a:srgbClr val="FF0000"/>
                         </a:solidFill>
+                        <a:latin typeface="+mn-lt"/>
+                        <a:ea typeface="+mn-ea"/>
+                        <a:cs typeface="+mn-cs"/>
                       </a:endParaRPr>
                     </a:p>
                   </a:txBody>
-                  <a:tcPr/>
+                  <a:tcPr>
+                    <a:solidFill>
+                      <a:schemeClr val="accent3">
+                        <a:tint val="20000"/>
+                        <a:alpha val="0"/>
+                      </a:schemeClr>
+                    </a:solidFill>
+                  </a:tcPr>
                 </a:tc>
               </a:tr>
             </a:tbl>
@@ -11004,7 +12063,7 @@
 </p:sld>
 </file>
 
-<file path=ppt/slides/slide25.xml><?xml version="1.0" encoding="utf-8"?>
+<file path=ppt/slides/slide26.xml><?xml version="1.0" encoding="utf-8"?>
 <p:sld xmlns:a="http://schemas.openxmlformats.org/drawingml/2006/main" xmlns:r="http://schemas.openxmlformats.org/officeDocument/2006/relationships" xmlns:p="http://schemas.openxmlformats.org/presentationml/2006/main">
   <p:cSld>
     <p:spTree>
@@ -11038,7 +12097,11 @@
           <a:p>
             <a:r>
               <a:rPr lang="en-US" dirty="0" smtClean="0"/>
-              <a:t>Prediction Cont’d</a:t>
+              <a:t>Predictive Modeling </a:t>
+            </a:r>
+            <a:r>
+              <a:rPr lang="en-US" dirty="0" smtClean="0"/>
+              <a:t>Cont’d</a:t>
             </a:r>
             <a:endParaRPr lang="en-US" i="1" dirty="0"/>
           </a:p>
@@ -11366,233 +12429,130 @@
       </p:sp>
       <p:grpSp>
         <p:nvGrpSpPr>
-          <p:cNvPr id="13" name="Group 12"/>
+          <p:cNvPr id="12" name="Group 11"/>
           <p:cNvGrpSpPr/>
           <p:nvPr/>
         </p:nvGrpSpPr>
         <p:grpSpPr>
           <a:xfrm>
-            <a:off x="838200" y="1690688"/>
-            <a:ext cx="6925731" cy="4653013"/>
-            <a:chOff x="2130918" y="1268627"/>
-            <a:chExt cx="7679982" cy="5080646"/>
+            <a:off x="838199" y="1690688"/>
+            <a:ext cx="7628466" cy="4653013"/>
+            <a:chOff x="2262722" y="1120346"/>
+            <a:chExt cx="8459248" cy="5080646"/>
           </a:xfrm>
         </p:grpSpPr>
-        <p:grpSp>
-          <p:nvGrpSpPr>
-            <p:cNvPr id="12" name="Group 11"/>
-            <p:cNvGrpSpPr/>
+        <p:pic>
+          <p:nvPicPr>
+            <p:cNvPr id="5" name="Picture 4"/>
+            <p:cNvPicPr>
+              <a:picLocks noChangeAspect="1"/>
+            </p:cNvPicPr>
             <p:nvPr/>
-          </p:nvGrpSpPr>
-          <p:grpSpPr>
+          </p:nvPicPr>
+          <p:blipFill>
+            <a:blip r:embed="rId2">
+              <a:extLst>
+                <a:ext uri="{28A0092B-C50C-407E-A947-70E740481C1C}">
+                  <a14:useLocalDpi xmlns:a14="http://schemas.microsoft.com/office/drawing/2010/main" val="0"/>
+                </a:ext>
+              </a:extLst>
+            </a:blip>
+            <a:stretch>
+              <a:fillRect/>
+            </a:stretch>
+          </p:blipFill>
+          <p:spPr>
             <a:xfrm>
-              <a:off x="2130918" y="1268627"/>
-              <a:ext cx="7679982" cy="5080646"/>
-              <a:chOff x="2262723" y="1120346"/>
-              <a:chExt cx="7679982" cy="5080646"/>
+              <a:off x="2418292" y="1120346"/>
+              <a:ext cx="6939892" cy="5036521"/>
             </a:xfrm>
-          </p:grpSpPr>
-          <p:pic>
-            <p:nvPicPr>
-              <p:cNvPr id="5" name="Picture 4"/>
-              <p:cNvPicPr>
-                <a:picLocks noChangeAspect="1"/>
-              </p:cNvPicPr>
-              <p:nvPr/>
-            </p:nvPicPr>
-            <p:blipFill>
-              <a:blip r:embed="rId2">
-                <a:extLst>
-                  <a:ext uri="{28A0092B-C50C-407E-A947-70E740481C1C}">
-                    <a14:useLocalDpi xmlns:a14="http://schemas.microsoft.com/office/drawing/2010/main" val="0"/>
-                  </a:ext>
-                </a:extLst>
-              </a:blip>
-              <a:stretch>
-                <a:fillRect/>
-              </a:stretch>
-            </p:blipFill>
-            <p:spPr>
-              <a:xfrm>
-                <a:off x="2418292" y="1120346"/>
-                <a:ext cx="6939892" cy="5036521"/>
-              </a:xfrm>
-              <a:prstGeom prst="rect">
-                <a:avLst/>
-              </a:prstGeom>
-            </p:spPr>
-          </p:pic>
-          <p:cxnSp>
-            <p:nvCxnSpPr>
-              <p:cNvPr id="11" name="Straight Arrow Connector 10"/>
-              <p:cNvCxnSpPr/>
-              <p:nvPr/>
-            </p:nvCxnSpPr>
-            <p:spPr>
-              <a:xfrm flipV="1">
-                <a:off x="2262723" y="1472434"/>
-                <a:ext cx="10920" cy="4728558"/>
-              </a:xfrm>
-              <a:prstGeom prst="straightConnector1">
-                <a:avLst/>
-              </a:prstGeom>
-              <a:ln w="28575">
-                <a:solidFill>
-                  <a:schemeClr val="accent2"/>
-                </a:solidFill>
-                <a:tailEnd type="triangle"/>
-              </a:ln>
-            </p:spPr>
-            <p:style>
-              <a:lnRef idx="1">
-                <a:schemeClr val="accent1"/>
-              </a:lnRef>
-              <a:fillRef idx="0">
-                <a:schemeClr val="accent1"/>
-              </a:fillRef>
-              <a:effectRef idx="0">
-                <a:schemeClr val="accent1"/>
-              </a:effectRef>
-              <a:fontRef idx="minor">
-                <a:schemeClr val="tx1"/>
-              </a:fontRef>
-            </p:style>
-          </p:cxnSp>
-          <p:cxnSp>
-            <p:nvCxnSpPr>
-              <p:cNvPr id="10" name="Straight Arrow Connector 9"/>
-              <p:cNvCxnSpPr/>
-              <p:nvPr/>
-            </p:nvCxnSpPr>
-            <p:spPr>
-              <a:xfrm flipV="1">
-                <a:off x="2262723" y="6165817"/>
-                <a:ext cx="7548542" cy="22996"/>
-              </a:xfrm>
-              <a:prstGeom prst="straightConnector1">
-                <a:avLst/>
-              </a:prstGeom>
-              <a:ln w="38100">
-                <a:solidFill>
-                  <a:schemeClr val="accent2"/>
-                </a:solidFill>
-                <a:tailEnd type="triangle"/>
-              </a:ln>
-            </p:spPr>
-            <p:style>
-              <a:lnRef idx="1">
-                <a:schemeClr val="accent1"/>
-              </a:lnRef>
-              <a:fillRef idx="0">
-                <a:schemeClr val="accent1"/>
-              </a:fillRef>
-              <a:effectRef idx="0">
-                <a:schemeClr val="accent1"/>
-              </a:effectRef>
-              <a:fontRef idx="minor">
-                <a:schemeClr val="tx1"/>
-              </a:fontRef>
-            </p:style>
-          </p:cxnSp>
-          <p:sp>
-            <p:nvSpPr>
-              <p:cNvPr id="22" name="TextBox 21"/>
-              <p:cNvSpPr txBox="1"/>
-              <p:nvPr/>
-            </p:nvSpPr>
-            <p:spPr>
-              <a:xfrm>
-                <a:off x="8286607" y="5640905"/>
-                <a:ext cx="1656098" cy="403275"/>
-              </a:xfrm>
-              <a:prstGeom prst="rect">
-                <a:avLst/>
-              </a:prstGeom>
-              <a:noFill/>
-            </p:spPr>
-            <p:txBody>
-              <a:bodyPr wrap="square" rtlCol="0">
-                <a:spAutoFit/>
-              </a:bodyPr>
-              <a:lstStyle/>
-              <a:p>
-                <a:r>
-                  <a:rPr lang="en-US" b="1" dirty="0" smtClean="0">
-                    <a:solidFill>
-                      <a:schemeClr val="tx1">
-                        <a:lumMod val="50000"/>
-                        <a:lumOff val="50000"/>
-                      </a:schemeClr>
-                    </a:solidFill>
-                  </a:rPr>
-                  <a:t>Trip Distance</a:t>
-                </a:r>
-                <a:endParaRPr lang="en-US" b="1" dirty="0">
-                  <a:solidFill>
-                    <a:schemeClr val="tx1">
-                      <a:lumMod val="50000"/>
-                      <a:lumOff val="50000"/>
-                    </a:schemeClr>
-                  </a:solidFill>
-                </a:endParaRPr>
-              </a:p>
-            </p:txBody>
-          </p:sp>
-          <p:sp>
-            <p:nvSpPr>
-              <p:cNvPr id="23" name="TextBox 22"/>
-              <p:cNvSpPr txBox="1"/>
-              <p:nvPr/>
-            </p:nvSpPr>
-            <p:spPr>
-              <a:xfrm>
-                <a:off x="2262723" y="1517339"/>
-                <a:ext cx="1466335" cy="369332"/>
-              </a:xfrm>
-              <a:prstGeom prst="rect">
-                <a:avLst/>
-              </a:prstGeom>
-              <a:noFill/>
-            </p:spPr>
-            <p:txBody>
-              <a:bodyPr wrap="square" rtlCol="0">
-                <a:spAutoFit/>
-              </a:bodyPr>
-              <a:lstStyle/>
-              <a:p>
-                <a:r>
-                  <a:rPr lang="en-US" b="1" dirty="0" smtClean="0">
-                    <a:solidFill>
-                      <a:schemeClr val="tx1">
-                        <a:lumMod val="50000"/>
-                        <a:lumOff val="50000"/>
-                      </a:schemeClr>
-                    </a:solidFill>
-                  </a:rPr>
-                  <a:t>Wind speed</a:t>
-                </a:r>
-                <a:endParaRPr lang="en-US" b="1" dirty="0">
-                  <a:solidFill>
-                    <a:schemeClr val="tx1">
-                      <a:lumMod val="50000"/>
-                      <a:lumOff val="50000"/>
-                    </a:schemeClr>
-                  </a:solidFill>
-                </a:endParaRPr>
-              </a:p>
-            </p:txBody>
-          </p:sp>
-        </p:grpSp>
+            <a:prstGeom prst="rect">
+              <a:avLst/>
+            </a:prstGeom>
+          </p:spPr>
+        </p:pic>
+        <p:cxnSp>
+          <p:nvCxnSpPr>
+            <p:cNvPr id="11" name="Straight Arrow Connector 10"/>
+            <p:cNvCxnSpPr/>
+            <p:nvPr/>
+          </p:nvCxnSpPr>
+          <p:spPr>
+            <a:xfrm flipV="1">
+              <a:off x="2262723" y="1472434"/>
+              <a:ext cx="10920" cy="4728558"/>
+            </a:xfrm>
+            <a:prstGeom prst="straightConnector1">
+              <a:avLst/>
+            </a:prstGeom>
+            <a:ln w="28575">
+              <a:solidFill>
+                <a:schemeClr val="accent2"/>
+              </a:solidFill>
+              <a:tailEnd type="triangle"/>
+            </a:ln>
+          </p:spPr>
+          <p:style>
+            <a:lnRef idx="1">
+              <a:schemeClr val="accent1"/>
+            </a:lnRef>
+            <a:fillRef idx="0">
+              <a:schemeClr val="accent1"/>
+            </a:fillRef>
+            <a:effectRef idx="0">
+              <a:schemeClr val="accent1"/>
+            </a:effectRef>
+            <a:fontRef idx="minor">
+              <a:schemeClr val="tx1"/>
+            </a:fontRef>
+          </p:style>
+        </p:cxnSp>
+        <p:cxnSp>
+          <p:nvCxnSpPr>
+            <p:cNvPr id="10" name="Straight Arrow Connector 9"/>
+            <p:cNvCxnSpPr/>
+            <p:nvPr/>
+          </p:nvCxnSpPr>
+          <p:spPr>
+            <a:xfrm flipV="1">
+              <a:off x="2262723" y="6165817"/>
+              <a:ext cx="7548542" cy="22996"/>
+            </a:xfrm>
+            <a:prstGeom prst="straightConnector1">
+              <a:avLst/>
+            </a:prstGeom>
+            <a:ln w="38100">
+              <a:solidFill>
+                <a:schemeClr val="accent2"/>
+              </a:solidFill>
+              <a:tailEnd type="triangle"/>
+            </a:ln>
+          </p:spPr>
+          <p:style>
+            <a:lnRef idx="1">
+              <a:schemeClr val="accent1"/>
+            </a:lnRef>
+            <a:fillRef idx="0">
+              <a:schemeClr val="accent1"/>
+            </a:fillRef>
+            <a:effectRef idx="0">
+              <a:schemeClr val="accent1"/>
+            </a:effectRef>
+            <a:fontRef idx="minor">
+              <a:schemeClr val="tx1"/>
+            </a:fontRef>
+          </p:style>
+        </p:cxnSp>
         <p:sp>
           <p:nvSpPr>
-            <p:cNvPr id="24" name="TextBox 23"/>
+            <p:cNvPr id="22" name="TextBox 21"/>
             <p:cNvSpPr txBox="1"/>
             <p:nvPr/>
           </p:nvSpPr>
           <p:spPr>
             <a:xfrm>
-              <a:off x="5430628" y="1567473"/>
-              <a:ext cx="1530344" cy="461665"/>
+              <a:off x="9065872" y="5682416"/>
+              <a:ext cx="1656098" cy="369669"/>
             </a:xfrm>
             <a:prstGeom prst="rect">
               <a:avLst/>
@@ -11606,19 +12566,65 @@
             <a:lstStyle/>
             <a:p>
               <a:r>
-                <a:rPr lang="en-US" sz="2400" b="1" dirty="0" smtClean="0">
+                <a:rPr lang="en-US" sz="1600" b="1" dirty="0" smtClean="0">
                   <a:solidFill>
-                    <a:schemeClr val="accent2">
-                      <a:lumMod val="75000"/>
+                    <a:schemeClr val="tx1">
+                      <a:lumMod val="50000"/>
+                      <a:lumOff val="50000"/>
                     </a:schemeClr>
                   </a:solidFill>
                 </a:rPr>
-                <a:t>Efficiency</a:t>
+                <a:t>Trip Distance</a:t>
               </a:r>
-              <a:endParaRPr lang="en-US" sz="2400" b="1" dirty="0">
+              <a:endParaRPr lang="en-US" sz="1600" b="1" dirty="0">
                 <a:solidFill>
-                  <a:schemeClr val="accent2">
-                    <a:lumMod val="75000"/>
+                  <a:schemeClr val="tx1">
+                    <a:lumMod val="50000"/>
+                    <a:lumOff val="50000"/>
+                  </a:schemeClr>
+                </a:solidFill>
+              </a:endParaRPr>
+            </a:p>
+          </p:txBody>
+        </p:sp>
+        <p:sp>
+          <p:nvSpPr>
+            <p:cNvPr id="23" name="TextBox 22"/>
+            <p:cNvSpPr txBox="1"/>
+            <p:nvPr/>
+          </p:nvSpPr>
+          <p:spPr>
+            <a:xfrm>
+              <a:off x="2262722" y="1517338"/>
+              <a:ext cx="874018" cy="638518"/>
+            </a:xfrm>
+            <a:prstGeom prst="rect">
+              <a:avLst/>
+            </a:prstGeom>
+            <a:noFill/>
+          </p:spPr>
+          <p:txBody>
+            <a:bodyPr wrap="square" rtlCol="0">
+              <a:spAutoFit/>
+            </a:bodyPr>
+            <a:lstStyle/>
+            <a:p>
+              <a:r>
+                <a:rPr lang="en-US" sz="1600" b="1" dirty="0" smtClean="0">
+                  <a:solidFill>
+                    <a:schemeClr val="tx1">
+                      <a:lumMod val="50000"/>
+                      <a:lumOff val="50000"/>
+                    </a:schemeClr>
+                  </a:solidFill>
+                </a:rPr>
+                <a:t>Wind speed</a:t>
+              </a:r>
+              <a:endParaRPr lang="en-US" sz="1600" b="1" dirty="0">
+                <a:solidFill>
+                  <a:schemeClr val="tx1">
+                    <a:lumMod val="50000"/>
+                    <a:lumOff val="50000"/>
                   </a:schemeClr>
                 </a:solidFill>
               </a:endParaRPr>
@@ -11659,6 +12665,248 @@
               </a:rPr>
               <a:t>DATA: TAXI AND LIMOUSINE  COMMISSION</a:t>
             </a:r>
+          </a:p>
+        </p:txBody>
+      </p:sp>
+      <p:sp>
+        <p:nvSpPr>
+          <p:cNvPr id="15" name="TextBox 14"/>
+          <p:cNvSpPr txBox="1"/>
+          <p:nvPr/>
+        </p:nvSpPr>
+        <p:spPr>
+          <a:xfrm>
+            <a:off x="838199" y="1424387"/>
+            <a:ext cx="8475134" cy="369332"/>
+          </a:xfrm>
+          <a:prstGeom prst="rect">
+            <a:avLst/>
+          </a:prstGeom>
+          <a:noFill/>
+        </p:spPr>
+        <p:txBody>
+          <a:bodyPr wrap="square" rtlCol="0">
+            <a:spAutoFit/>
+          </a:bodyPr>
+          <a:lstStyle/>
+          <a:p>
+            <a:r>
+              <a:rPr lang="en-US" b="1" dirty="0" smtClean="0">
+                <a:latin typeface="+mj-lt"/>
+              </a:rPr>
+              <a:t>For </a:t>
+            </a:r>
+            <a:r>
+              <a:rPr lang="en-US" b="1" dirty="0">
+                <a:latin typeface="+mj-lt"/>
+              </a:rPr>
+              <a:t>short </a:t>
+            </a:r>
+            <a:r>
+              <a:rPr lang="en-US" b="1" dirty="0" smtClean="0">
+                <a:latin typeface="+mj-lt"/>
+              </a:rPr>
+              <a:t>rides, distance increase and faster wind speed restrains efficiency</a:t>
+            </a:r>
+            <a:endParaRPr lang="en-US" b="1" dirty="0">
+              <a:latin typeface="+mj-lt"/>
+            </a:endParaRPr>
+          </a:p>
+        </p:txBody>
+      </p:sp>
+      <p:sp>
+        <p:nvSpPr>
+          <p:cNvPr id="6" name="TextBox 5"/>
+          <p:cNvSpPr txBox="1"/>
+          <p:nvPr/>
+        </p:nvSpPr>
+        <p:spPr>
+          <a:xfrm>
+            <a:off x="7107380" y="3353847"/>
+            <a:ext cx="3008747" cy="615553"/>
+          </a:xfrm>
+          <a:prstGeom prst="rect">
+            <a:avLst/>
+          </a:prstGeom>
+          <a:noFill/>
+        </p:spPr>
+        <p:txBody>
+          <a:bodyPr wrap="square" rtlCol="0">
+            <a:spAutoFit/>
+          </a:bodyPr>
+          <a:lstStyle/>
+          <a:p>
+            <a:r>
+              <a:rPr lang="en-US" sz="1700" b="1" dirty="0" smtClean="0">
+                <a:solidFill>
+                  <a:schemeClr val="bg2">
+                    <a:lumMod val="50000"/>
+                  </a:schemeClr>
+                </a:solidFill>
+              </a:rPr>
+              <a:t>larger </a:t>
+            </a:r>
+            <a:r>
+              <a:rPr lang="en-US" sz="1700" b="1" dirty="0">
+                <a:solidFill>
+                  <a:schemeClr val="bg2">
+                    <a:lumMod val="50000"/>
+                  </a:schemeClr>
+                </a:solidFill>
+              </a:rPr>
+              <a:t>and darker circles indicate higher efficiency</a:t>
+            </a:r>
+            <a:r>
+              <a:rPr lang="en-US" sz="1700" b="1" dirty="0" smtClean="0">
+                <a:solidFill>
+                  <a:schemeClr val="bg2">
+                    <a:lumMod val="50000"/>
+                  </a:schemeClr>
+                </a:solidFill>
+              </a:rPr>
+              <a:t>.</a:t>
+            </a:r>
+            <a:endParaRPr lang="en-US" sz="1700" b="1" dirty="0">
+              <a:solidFill>
+                <a:schemeClr val="bg2">
+                  <a:lumMod val="50000"/>
+                </a:schemeClr>
+              </a:solidFill>
+            </a:endParaRPr>
+          </a:p>
+        </p:txBody>
+      </p:sp>
+      <p:sp>
+        <p:nvSpPr>
+          <p:cNvPr id="8" name="TextBox 7"/>
+          <p:cNvSpPr txBox="1"/>
+          <p:nvPr/>
+        </p:nvSpPr>
+        <p:spPr>
+          <a:xfrm>
+            <a:off x="1473201" y="2243585"/>
+            <a:ext cx="863600" cy="3625188"/>
+          </a:xfrm>
+          <a:prstGeom prst="rect">
+            <a:avLst/>
+          </a:prstGeom>
+          <a:noFill/>
+          <a:ln w="38100">
+            <a:solidFill>
+              <a:schemeClr val="tx1">
+                <a:alpha val="50000"/>
+              </a:schemeClr>
+            </a:solidFill>
+          </a:ln>
+        </p:spPr>
+        <p:txBody>
+          <a:bodyPr wrap="square" rtlCol="0">
+            <a:spAutoFit/>
+          </a:bodyPr>
+          <a:lstStyle/>
+          <a:p>
+            <a:endParaRPr lang="en-US" dirty="0"/>
+          </a:p>
+        </p:txBody>
+      </p:sp>
+      <p:sp>
+        <p:nvSpPr>
+          <p:cNvPr id="20" name="TextBox 19"/>
+          <p:cNvSpPr txBox="1"/>
+          <p:nvPr/>
+        </p:nvSpPr>
+        <p:spPr>
+          <a:xfrm>
+            <a:off x="5743364" y="2243585"/>
+            <a:ext cx="867857" cy="3625188"/>
+          </a:xfrm>
+          <a:prstGeom prst="rect">
+            <a:avLst/>
+          </a:prstGeom>
+          <a:noFill/>
+          <a:ln w="38100">
+            <a:solidFill>
+              <a:schemeClr val="tx1">
+                <a:alpha val="47000"/>
+              </a:schemeClr>
+            </a:solidFill>
+          </a:ln>
+        </p:spPr>
+        <p:txBody>
+          <a:bodyPr wrap="square" rtlCol="0">
+            <a:spAutoFit/>
+          </a:bodyPr>
+          <a:lstStyle/>
+          <a:p>
+            <a:endParaRPr lang="en-US" dirty="0"/>
+          </a:p>
+        </p:txBody>
+      </p:sp>
+      <p:sp>
+        <p:nvSpPr>
+          <p:cNvPr id="17" name="TextBox 16"/>
+          <p:cNvSpPr txBox="1"/>
+          <p:nvPr/>
+        </p:nvSpPr>
+        <p:spPr>
+          <a:xfrm>
+            <a:off x="1861635" y="1989822"/>
+            <a:ext cx="3690184" cy="973894"/>
+          </a:xfrm>
+          <a:prstGeom prst="rect">
+            <a:avLst/>
+          </a:prstGeom>
+          <a:noFill/>
+          <a:ln w="34925">
+            <a:solidFill>
+              <a:schemeClr val="accent6">
+                <a:lumMod val="75000"/>
+                <a:alpha val="48000"/>
+              </a:schemeClr>
+            </a:solidFill>
+          </a:ln>
+        </p:spPr>
+        <p:txBody>
+          <a:bodyPr wrap="square" rtlCol="0">
+            <a:spAutoFit/>
+          </a:bodyPr>
+          <a:lstStyle/>
+          <a:p>
+            <a:endParaRPr lang="en-US" dirty="0"/>
+          </a:p>
+        </p:txBody>
+      </p:sp>
+      <p:sp>
+        <p:nvSpPr>
+          <p:cNvPr id="26" name="TextBox 25"/>
+          <p:cNvSpPr txBox="1"/>
+          <p:nvPr/>
+        </p:nvSpPr>
+        <p:spPr>
+          <a:xfrm>
+            <a:off x="1861635" y="4773846"/>
+            <a:ext cx="3594894" cy="973894"/>
+          </a:xfrm>
+          <a:prstGeom prst="rect">
+            <a:avLst/>
+          </a:prstGeom>
+          <a:noFill/>
+          <a:ln w="57150">
+            <a:solidFill>
+              <a:schemeClr val="accent6">
+                <a:lumMod val="75000"/>
+                <a:alpha val="29000"/>
+              </a:schemeClr>
+            </a:solidFill>
+          </a:ln>
+        </p:spPr>
+        <p:txBody>
+          <a:bodyPr wrap="square" rtlCol="0">
+            <a:spAutoFit/>
+          </a:bodyPr>
+          <a:lstStyle/>
+          <a:p>
+            <a:endParaRPr lang="en-US" dirty="0"/>
           </a:p>
         </p:txBody>
       </p:sp>
@@ -11675,7 +12923,7 @@
 </p:sld>
 </file>
 
-<file path=ppt/slides/slide26.xml><?xml version="1.0" encoding="utf-8"?>
+<file path=ppt/slides/slide27.xml><?xml version="1.0" encoding="utf-8"?>
 <p:sld xmlns:a="http://schemas.openxmlformats.org/drawingml/2006/main" xmlns:r="http://schemas.openxmlformats.org/officeDocument/2006/relationships" xmlns:p="http://schemas.openxmlformats.org/presentationml/2006/main">
   <p:cSld>
     <p:spTree>
@@ -11850,7 +13098,7 @@
         </p:nvSpPr>
         <p:spPr>
           <a:xfrm>
-            <a:off x="838200" y="1825625"/>
+            <a:off x="592666" y="1862911"/>
             <a:ext cx="10515600" cy="4822310"/>
           </a:xfrm>
           <a:prstGeom prst="rect">
@@ -12035,87 +13283,95 @@
           </a:p>
         </p:txBody>
       </p:sp>
+      <p:sp>
+        <p:nvSpPr>
+          <p:cNvPr id="15" name="TextBox 14"/>
+          <p:cNvSpPr txBox="1"/>
+          <p:nvPr/>
+        </p:nvSpPr>
+        <p:spPr>
+          <a:xfrm>
+            <a:off x="838199" y="1424387"/>
+            <a:ext cx="8475134" cy="369332"/>
+          </a:xfrm>
+          <a:prstGeom prst="rect">
+            <a:avLst/>
+          </a:prstGeom>
+          <a:noFill/>
+        </p:spPr>
+        <p:txBody>
+          <a:bodyPr wrap="square" rtlCol="0">
+            <a:spAutoFit/>
+          </a:bodyPr>
+          <a:lstStyle/>
+          <a:p>
+            <a:r>
+              <a:rPr lang="en-US" b="1" dirty="0" smtClean="0">
+                <a:latin typeface="+mj-lt"/>
+              </a:rPr>
+              <a:t>For </a:t>
+            </a:r>
+            <a:r>
+              <a:rPr lang="en-US" b="1" dirty="0">
+                <a:latin typeface="+mj-lt"/>
+              </a:rPr>
+              <a:t>short </a:t>
+            </a:r>
+            <a:r>
+              <a:rPr lang="en-US" b="1" dirty="0" smtClean="0">
+                <a:latin typeface="+mj-lt"/>
+              </a:rPr>
+              <a:t>rides, polarized temperatures promote efficiency</a:t>
+            </a:r>
+            <a:endParaRPr lang="en-US" b="1" dirty="0">
+              <a:latin typeface="+mj-lt"/>
+            </a:endParaRPr>
+          </a:p>
+        </p:txBody>
+      </p:sp>
       <p:grpSp>
         <p:nvGrpSpPr>
-          <p:cNvPr id="26" name="Group 25"/>
+          <p:cNvPr id="8" name="Group 7"/>
           <p:cNvGrpSpPr/>
           <p:nvPr/>
         </p:nvGrpSpPr>
         <p:grpSpPr>
           <a:xfrm>
-            <a:off x="838200" y="1442292"/>
-            <a:ext cx="10174062" cy="4788841"/>
-            <a:chOff x="937054" y="1417578"/>
-            <a:chExt cx="10174062" cy="4788841"/>
+            <a:off x="941602" y="1887738"/>
+            <a:ext cx="7973226" cy="4394529"/>
+            <a:chOff x="1051669" y="2059961"/>
+            <a:chExt cx="7780523" cy="4428210"/>
           </a:xfrm>
         </p:grpSpPr>
-        <p:cxnSp>
-          <p:nvCxnSpPr>
-            <p:cNvPr id="11" name="Straight Arrow Connector 10"/>
-            <p:cNvCxnSpPr/>
-            <p:nvPr/>
-          </p:nvCxnSpPr>
-          <p:spPr>
-            <a:xfrm flipV="1">
-              <a:off x="2361577" y="1447720"/>
-              <a:ext cx="10920" cy="4728558"/>
-            </a:xfrm>
-            <a:prstGeom prst="straightConnector1">
-              <a:avLst/>
-            </a:prstGeom>
-            <a:ln w="28575">
-              <a:solidFill>
-                <a:schemeClr val="accent1">
-                  <a:lumMod val="75000"/>
-                </a:schemeClr>
-              </a:solidFill>
-              <a:tailEnd type="triangle"/>
-            </a:ln>
-          </p:spPr>
-          <p:style>
-            <a:lnRef idx="1">
-              <a:schemeClr val="accent1"/>
-            </a:lnRef>
-            <a:fillRef idx="0">
-              <a:schemeClr val="accent1"/>
-            </a:fillRef>
-            <a:effectRef idx="0">
-              <a:schemeClr val="accent1"/>
-            </a:effectRef>
-            <a:fontRef idx="minor">
-              <a:schemeClr val="tx1"/>
-            </a:fontRef>
-          </p:style>
-        </p:cxnSp>
         <p:grpSp>
           <p:nvGrpSpPr>
-            <p:cNvPr id="25" name="Group 24"/>
+            <p:cNvPr id="5" name="Group 4"/>
             <p:cNvGrpSpPr/>
             <p:nvPr/>
           </p:nvGrpSpPr>
           <p:grpSpPr>
             <a:xfrm>
-              <a:off x="937054" y="1417578"/>
-              <a:ext cx="10174062" cy="4788841"/>
-              <a:chOff x="979970" y="1447718"/>
-              <a:chExt cx="10174062" cy="4788841"/>
+              <a:off x="1051669" y="2059961"/>
+              <a:ext cx="7780523" cy="4428210"/>
+              <a:chOff x="992402" y="2389132"/>
+              <a:chExt cx="7780523" cy="4428210"/>
             </a:xfrm>
           </p:grpSpPr>
           <p:cxnSp>
             <p:nvCxnSpPr>
-              <p:cNvPr id="10" name="Straight Arrow Connector 9"/>
+              <p:cNvPr id="11" name="Straight Arrow Connector 10"/>
               <p:cNvCxnSpPr/>
               <p:nvPr/>
             </p:nvCxnSpPr>
             <p:spPr>
-              <a:xfrm>
-                <a:off x="2372497" y="6190654"/>
-                <a:ext cx="7685903" cy="45905"/>
+              <a:xfrm flipV="1">
+                <a:off x="992402" y="2528259"/>
+                <a:ext cx="9808" cy="4251040"/>
               </a:xfrm>
               <a:prstGeom prst="straightConnector1">
                 <a:avLst/>
               </a:prstGeom>
-              <a:ln w="38100">
+              <a:ln w="28575">
                 <a:solidFill>
                   <a:schemeClr val="accent1">
                     <a:lumMod val="75000"/>
@@ -12139,167 +13395,411 @@
               </a:fontRef>
             </p:style>
           </p:cxnSp>
-          <p:pic>
-            <p:nvPicPr>
-              <p:cNvPr id="14" name="Picture 13"/>
-              <p:cNvPicPr>
-                <a:picLocks noChangeAspect="1"/>
-              </p:cNvPicPr>
+          <p:grpSp>
+            <p:nvGrpSpPr>
+              <p:cNvPr id="25" name="Group 24"/>
+              <p:cNvGrpSpPr/>
               <p:nvPr/>
-            </p:nvPicPr>
-            <p:blipFill rotWithShape="1">
-              <a:blip r:embed="rId2">
-                <a:extLst>
-                  <a:ext uri="{28A0092B-C50C-407E-A947-70E740481C1C}">
-                    <a14:useLocalDpi xmlns:a14="http://schemas.microsoft.com/office/drawing/2010/main" val="0"/>
-                  </a:ext>
-                </a:extLst>
-              </a:blip>
-              <a:srcRect l="4299" b="7270"/>
-              <a:stretch/>
-            </p:blipFill>
-            <p:spPr>
+            </p:nvGrpSpPr>
+            <p:grpSpPr>
               <a:xfrm>
-                <a:off x="2446305" y="1447718"/>
-                <a:ext cx="7224917" cy="4728560"/>
+                <a:off x="1002210" y="2389132"/>
+                <a:ext cx="7770715" cy="4428210"/>
+                <a:chOff x="2372496" y="1310930"/>
+                <a:chExt cx="8652127" cy="4925629"/>
               </a:xfrm>
-              <a:prstGeom prst="rect">
-                <a:avLst/>
-              </a:prstGeom>
-            </p:spPr>
-          </p:pic>
-          <p:sp>
-            <p:nvSpPr>
-              <p:cNvPr id="22" name="TextBox 21"/>
-              <p:cNvSpPr txBox="1"/>
-              <p:nvPr/>
-            </p:nvSpPr>
-            <p:spPr>
-              <a:xfrm>
-                <a:off x="9745030" y="5750030"/>
-                <a:ext cx="1409002" cy="369332"/>
-              </a:xfrm>
-              <a:prstGeom prst="rect">
-                <a:avLst/>
-              </a:prstGeom>
-              <a:noFill/>
-            </p:spPr>
-            <p:txBody>
-              <a:bodyPr wrap="square" rtlCol="0">
-                <a:spAutoFit/>
-              </a:bodyPr>
-              <a:lstStyle/>
-              <a:p>
-                <a:r>
-                  <a:rPr lang="en-US" b="1" dirty="0" smtClean="0">
+            </p:grpSpPr>
+            <p:cxnSp>
+              <p:nvCxnSpPr>
+                <p:cNvPr id="10" name="Straight Arrow Connector 9"/>
+                <p:cNvCxnSpPr/>
+                <p:nvPr/>
+              </p:nvCxnSpPr>
+              <p:spPr>
+                <a:xfrm>
+                  <a:off x="2372497" y="6190654"/>
+                  <a:ext cx="7685903" cy="45905"/>
+                </a:xfrm>
+                <a:prstGeom prst="straightConnector1">
+                  <a:avLst/>
+                </a:prstGeom>
+                <a:ln w="38100">
+                  <a:solidFill>
+                    <a:schemeClr val="accent1">
+                      <a:lumMod val="75000"/>
+                    </a:schemeClr>
+                  </a:solidFill>
+                  <a:tailEnd type="triangle"/>
+                </a:ln>
+              </p:spPr>
+              <p:style>
+                <a:lnRef idx="1">
+                  <a:schemeClr val="accent1"/>
+                </a:lnRef>
+                <a:fillRef idx="0">
+                  <a:schemeClr val="accent1"/>
+                </a:fillRef>
+                <a:effectRef idx="0">
+                  <a:schemeClr val="accent1"/>
+                </a:effectRef>
+                <a:fontRef idx="minor">
+                  <a:schemeClr val="tx1"/>
+                </a:fontRef>
+              </p:style>
+            </p:cxnSp>
+            <p:sp>
+              <p:nvSpPr>
+                <p:cNvPr id="22" name="TextBox 21"/>
+                <p:cNvSpPr txBox="1"/>
+                <p:nvPr/>
+              </p:nvSpPr>
+              <p:spPr>
+                <a:xfrm>
+                  <a:off x="9615621" y="5487414"/>
+                  <a:ext cx="1409002" cy="369332"/>
+                </a:xfrm>
+                <a:prstGeom prst="rect">
+                  <a:avLst/>
+                </a:prstGeom>
+                <a:noFill/>
+              </p:spPr>
+              <p:txBody>
+                <a:bodyPr wrap="square" rtlCol="0">
+                  <a:spAutoFit/>
+                </a:bodyPr>
+                <a:lstStyle/>
+                <a:p>
+                  <a:r>
+                    <a:rPr lang="en-US" b="1" dirty="0" smtClean="0">
+                      <a:solidFill>
+                        <a:schemeClr val="tx1">
+                          <a:lumMod val="50000"/>
+                          <a:lumOff val="50000"/>
+                        </a:schemeClr>
+                      </a:solidFill>
+                    </a:rPr>
+                    <a:t>Trip Distance</a:t>
+                  </a:r>
+                  <a:endParaRPr lang="en-US" b="1" dirty="0">
                     <a:solidFill>
                       <a:schemeClr val="tx1">
                         <a:lumMod val="50000"/>
                         <a:lumOff val="50000"/>
                       </a:schemeClr>
                     </a:solidFill>
-                  </a:rPr>
-                  <a:t>Trip Distance</a:t>
-                </a:r>
-                <a:endParaRPr lang="en-US" b="1" dirty="0">
-                  <a:solidFill>
-                    <a:schemeClr val="tx1">
-                      <a:lumMod val="50000"/>
-                      <a:lumOff val="50000"/>
-                    </a:schemeClr>
-                  </a:solidFill>
-                </a:endParaRPr>
-              </a:p>
-            </p:txBody>
-          </p:sp>
-          <p:sp>
-            <p:nvSpPr>
-              <p:cNvPr id="23" name="TextBox 22"/>
-              <p:cNvSpPr txBox="1"/>
-              <p:nvPr/>
-            </p:nvSpPr>
-            <p:spPr>
-              <a:xfrm>
-                <a:off x="979970" y="1705064"/>
-                <a:ext cx="1466335" cy="369332"/>
-              </a:xfrm>
-              <a:prstGeom prst="rect">
-                <a:avLst/>
-              </a:prstGeom>
-              <a:noFill/>
-            </p:spPr>
-            <p:txBody>
-              <a:bodyPr wrap="square" rtlCol="0">
-                <a:spAutoFit/>
-              </a:bodyPr>
-              <a:lstStyle/>
-              <a:p>
-                <a:r>
-                  <a:rPr lang="en-US" b="1" dirty="0" smtClean="0">
+                  </a:endParaRPr>
+                </a:p>
+              </p:txBody>
+            </p:sp>
+            <p:sp>
+              <p:nvSpPr>
+                <p:cNvPr id="23" name="TextBox 22"/>
+                <p:cNvSpPr txBox="1"/>
+                <p:nvPr/>
+              </p:nvSpPr>
+              <p:spPr>
+                <a:xfrm>
+                  <a:off x="2372496" y="1310930"/>
+                  <a:ext cx="1682989" cy="410819"/>
+                </a:xfrm>
+                <a:prstGeom prst="rect">
+                  <a:avLst/>
+                </a:prstGeom>
+                <a:noFill/>
+              </p:spPr>
+              <p:txBody>
+                <a:bodyPr wrap="square" rtlCol="0">
+                  <a:spAutoFit/>
+                </a:bodyPr>
+                <a:lstStyle/>
+                <a:p>
+                  <a:r>
+                    <a:rPr lang="en-US" b="1" dirty="0" smtClean="0">
+                      <a:solidFill>
+                        <a:schemeClr val="tx1">
+                          <a:lumMod val="50000"/>
+                          <a:lumOff val="50000"/>
+                        </a:schemeClr>
+                      </a:solidFill>
+                    </a:rPr>
+                    <a:t>Temperature</a:t>
+                  </a:r>
+                  <a:endParaRPr lang="en-US" b="1" dirty="0">
                     <a:solidFill>
                       <a:schemeClr val="tx1">
                         <a:lumMod val="50000"/>
                         <a:lumOff val="50000"/>
                       </a:schemeClr>
                     </a:solidFill>
-                  </a:rPr>
-                  <a:t>Temperature</a:t>
-                </a:r>
-                <a:endParaRPr lang="en-US" b="1" dirty="0">
-                  <a:solidFill>
-                    <a:schemeClr val="tx1">
-                      <a:lumMod val="50000"/>
-                      <a:lumOff val="50000"/>
-                    </a:schemeClr>
-                  </a:solidFill>
-                </a:endParaRPr>
-              </a:p>
-            </p:txBody>
-          </p:sp>
-          <p:sp>
-            <p:nvSpPr>
-              <p:cNvPr id="24" name="TextBox 23"/>
-              <p:cNvSpPr txBox="1"/>
-              <p:nvPr/>
-            </p:nvSpPr>
-            <p:spPr>
-              <a:xfrm>
-                <a:off x="5510947" y="3016251"/>
-                <a:ext cx="1409002" cy="461665"/>
-              </a:xfrm>
-              <a:prstGeom prst="rect">
-                <a:avLst/>
-              </a:prstGeom>
-              <a:noFill/>
-            </p:spPr>
-            <p:txBody>
-              <a:bodyPr wrap="square" rtlCol="0">
-                <a:spAutoFit/>
-              </a:bodyPr>
-              <a:lstStyle/>
-              <a:p>
-                <a:r>
-                  <a:rPr lang="en-US" sz="2400" b="1" dirty="0" smtClean="0">
-                    <a:solidFill>
-                      <a:schemeClr val="accent1">
-                        <a:lumMod val="75000"/>
-                      </a:schemeClr>
-                    </a:solidFill>
-                  </a:rPr>
-                  <a:t>Efficiency</a:t>
-                </a:r>
-                <a:endParaRPr lang="en-US" sz="2400" b="1" dirty="0">
-                  <a:solidFill>
-                    <a:schemeClr val="accent1">
-                      <a:lumMod val="75000"/>
-                    </a:schemeClr>
-                  </a:solidFill>
-                </a:endParaRPr>
-              </a:p>
-            </p:txBody>
-          </p:sp>
+                  </a:endParaRPr>
+                </a:p>
+              </p:txBody>
+            </p:sp>
+          </p:grpSp>
         </p:grpSp>
+        <p:pic>
+          <p:nvPicPr>
+            <p:cNvPr id="6" name="Picture 5"/>
+            <p:cNvPicPr>
+              <a:picLocks noChangeAspect="1"/>
+            </p:cNvPicPr>
+            <p:nvPr/>
+          </p:nvPicPr>
+          <p:blipFill>
+            <a:blip r:embed="rId2">
+              <a:extLst>
+                <a:ext uri="{28A0092B-C50C-407E-A947-70E740481C1C}">
+                  <a14:useLocalDpi xmlns:a14="http://schemas.microsoft.com/office/drawing/2010/main" val="0"/>
+                </a:ext>
+              </a:extLst>
+            </a:blip>
+            <a:stretch>
+              <a:fillRect/>
+            </a:stretch>
+          </p:blipFill>
+          <p:spPr>
+            <a:xfrm>
+              <a:off x="1177703" y="2336531"/>
+              <a:ext cx="6389025" cy="4085544"/>
+            </a:xfrm>
+            <a:prstGeom prst="rect">
+              <a:avLst/>
+            </a:prstGeom>
+          </p:spPr>
+        </p:pic>
       </p:grpSp>
+      <p:sp>
+        <p:nvSpPr>
+          <p:cNvPr id="18" name="TextBox 17"/>
+          <p:cNvSpPr txBox="1"/>
+          <p:nvPr/>
+        </p:nvSpPr>
+        <p:spPr>
+          <a:xfrm>
+            <a:off x="6459496" y="2253364"/>
+            <a:ext cx="867857" cy="3625188"/>
+          </a:xfrm>
+          <a:prstGeom prst="rect">
+            <a:avLst/>
+          </a:prstGeom>
+          <a:noFill/>
+          <a:ln w="38100">
+            <a:solidFill>
+              <a:schemeClr val="tx1">
+                <a:alpha val="47000"/>
+              </a:schemeClr>
+            </a:solidFill>
+          </a:ln>
+        </p:spPr>
+        <p:txBody>
+          <a:bodyPr wrap="square" rtlCol="0">
+            <a:spAutoFit/>
+          </a:bodyPr>
+          <a:lstStyle/>
+          <a:p>
+            <a:endParaRPr lang="en-US" dirty="0"/>
+          </a:p>
+        </p:txBody>
+      </p:sp>
+      <p:sp>
+        <p:nvSpPr>
+          <p:cNvPr id="19" name="TextBox 18"/>
+          <p:cNvSpPr txBox="1"/>
+          <p:nvPr/>
+        </p:nvSpPr>
+        <p:spPr>
+          <a:xfrm>
+            <a:off x="1473201" y="2243585"/>
+            <a:ext cx="863600" cy="3625188"/>
+          </a:xfrm>
+          <a:prstGeom prst="rect">
+            <a:avLst/>
+          </a:prstGeom>
+          <a:noFill/>
+          <a:ln w="38100">
+            <a:solidFill>
+              <a:schemeClr val="tx1">
+                <a:alpha val="50000"/>
+              </a:schemeClr>
+            </a:solidFill>
+          </a:ln>
+        </p:spPr>
+        <p:txBody>
+          <a:bodyPr wrap="square" rtlCol="0">
+            <a:spAutoFit/>
+          </a:bodyPr>
+          <a:lstStyle/>
+          <a:p>
+            <a:endParaRPr lang="en-US" dirty="0"/>
+          </a:p>
+        </p:txBody>
+      </p:sp>
+      <p:sp>
+        <p:nvSpPr>
+          <p:cNvPr id="20" name="TextBox 19"/>
+          <p:cNvSpPr txBox="1"/>
+          <p:nvPr/>
+        </p:nvSpPr>
+        <p:spPr>
+          <a:xfrm>
+            <a:off x="1707179" y="2218440"/>
+            <a:ext cx="3690184" cy="973894"/>
+          </a:xfrm>
+          <a:prstGeom prst="rect">
+            <a:avLst/>
+          </a:prstGeom>
+          <a:noFill/>
+          <a:ln w="34925">
+            <a:solidFill>
+              <a:schemeClr val="accent6">
+                <a:lumMod val="75000"/>
+                <a:alpha val="48000"/>
+              </a:schemeClr>
+            </a:solidFill>
+          </a:ln>
+        </p:spPr>
+        <p:txBody>
+          <a:bodyPr wrap="square" rtlCol="0">
+            <a:spAutoFit/>
+          </a:bodyPr>
+          <a:lstStyle/>
+          <a:p>
+            <a:endParaRPr lang="en-US" dirty="0"/>
+          </a:p>
+        </p:txBody>
+      </p:sp>
+      <p:sp>
+        <p:nvSpPr>
+          <p:cNvPr id="21" name="TextBox 20"/>
+          <p:cNvSpPr txBox="1"/>
+          <p:nvPr/>
+        </p:nvSpPr>
+        <p:spPr>
+          <a:xfrm>
+            <a:off x="1918474" y="4887536"/>
+            <a:ext cx="3690184" cy="973894"/>
+          </a:xfrm>
+          <a:prstGeom prst="rect">
+            <a:avLst/>
+          </a:prstGeom>
+          <a:noFill/>
+          <a:ln w="34925">
+            <a:solidFill>
+              <a:schemeClr val="accent6">
+                <a:lumMod val="75000"/>
+                <a:alpha val="48000"/>
+              </a:schemeClr>
+            </a:solidFill>
+          </a:ln>
+        </p:spPr>
+        <p:txBody>
+          <a:bodyPr wrap="square" rtlCol="0">
+            <a:spAutoFit/>
+          </a:bodyPr>
+          <a:lstStyle/>
+          <a:p>
+            <a:endParaRPr lang="en-US" dirty="0"/>
+          </a:p>
+        </p:txBody>
+      </p:sp>
+      <p:sp>
+        <p:nvSpPr>
+          <p:cNvPr id="27" name="TextBox 26"/>
+          <p:cNvSpPr txBox="1"/>
+          <p:nvPr/>
+        </p:nvSpPr>
+        <p:spPr>
+          <a:xfrm>
+            <a:off x="7350915" y="3254194"/>
+            <a:ext cx="3008747" cy="615553"/>
+          </a:xfrm>
+          <a:prstGeom prst="rect">
+            <a:avLst/>
+          </a:prstGeom>
+          <a:noFill/>
+        </p:spPr>
+        <p:txBody>
+          <a:bodyPr wrap="square" rtlCol="0">
+            <a:spAutoFit/>
+          </a:bodyPr>
+          <a:lstStyle/>
+          <a:p>
+            <a:r>
+              <a:rPr lang="en-US" sz="1700" b="1" dirty="0" smtClean="0">
+                <a:solidFill>
+                  <a:schemeClr val="bg2">
+                    <a:lumMod val="50000"/>
+                  </a:schemeClr>
+                </a:solidFill>
+              </a:rPr>
+              <a:t>larger </a:t>
+            </a:r>
+            <a:r>
+              <a:rPr lang="en-US" sz="1700" b="1" dirty="0">
+                <a:solidFill>
+                  <a:schemeClr val="bg2">
+                    <a:lumMod val="50000"/>
+                  </a:schemeClr>
+                </a:solidFill>
+              </a:rPr>
+              <a:t>and darker circles indicate higher efficiency</a:t>
+            </a:r>
+            <a:r>
+              <a:rPr lang="en-US" sz="1700" b="1" dirty="0" smtClean="0">
+                <a:solidFill>
+                  <a:schemeClr val="bg2">
+                    <a:lumMod val="50000"/>
+                  </a:schemeClr>
+                </a:solidFill>
+              </a:rPr>
+              <a:t>.</a:t>
+            </a:r>
+            <a:endParaRPr lang="en-US" sz="1700" b="1" dirty="0">
+              <a:solidFill>
+                <a:schemeClr val="bg2">
+                  <a:lumMod val="50000"/>
+                </a:schemeClr>
+              </a:solidFill>
+            </a:endParaRPr>
+          </a:p>
+        </p:txBody>
+      </p:sp>
+      <p:sp>
+        <p:nvSpPr>
+          <p:cNvPr id="28" name="TextBox 27"/>
+          <p:cNvSpPr txBox="1"/>
+          <p:nvPr/>
+        </p:nvSpPr>
+        <p:spPr>
+          <a:xfrm>
+            <a:off x="6696909" y="6288613"/>
+            <a:ext cx="5190292" cy="323165"/>
+          </a:xfrm>
+          <a:prstGeom prst="rect">
+            <a:avLst/>
+          </a:prstGeom>
+          <a:noFill/>
+        </p:spPr>
+        <p:txBody>
+          <a:bodyPr wrap="square" rtlCol="0">
+            <a:spAutoFit/>
+          </a:bodyPr>
+          <a:lstStyle/>
+          <a:p>
+            <a:pPr algn="r"/>
+            <a:r>
+              <a:rPr lang="en-US" sz="1500" b="1" dirty="0" smtClean="0">
+                <a:solidFill>
+                  <a:schemeClr val="bg2">
+                    <a:lumMod val="75000"/>
+                  </a:schemeClr>
+                </a:solidFill>
+              </a:rPr>
+              <a:t>DATA: TAXI AND LIMOUSINE  COMMISSION</a:t>
+            </a:r>
+          </a:p>
+        </p:txBody>
+      </p:sp>
     </p:spTree>
     <p:extLst>
       <p:ext uri="{BB962C8B-B14F-4D97-AF65-F5344CB8AC3E}">
@@ -12313,7 +13813,7 @@
 </p:sld>
 </file>
 
-<file path=ppt/slides/slide27.xml><?xml version="1.0" encoding="utf-8"?>
+<file path=ppt/slides/slide28.xml><?xml version="1.0" encoding="utf-8"?>
 <p:sld xmlns:a="http://schemas.openxmlformats.org/drawingml/2006/main" xmlns:r="http://schemas.openxmlformats.org/officeDocument/2006/relationships" xmlns:p="http://schemas.openxmlformats.org/presentationml/2006/main">
   <p:cSld>
     <p:spTree>
@@ -12480,7 +13980,7 @@
 </p:sld>
 </file>
 
-<file path=ppt/slides/slide28.xml><?xml version="1.0" encoding="utf-8"?>
+<file path=ppt/slides/slide29.xml><?xml version="1.0" encoding="utf-8"?>
 <p:sld xmlns:a="http://schemas.openxmlformats.org/drawingml/2006/main" xmlns:r="http://schemas.openxmlformats.org/officeDocument/2006/relationships" xmlns:p="http://schemas.openxmlformats.org/presentationml/2006/main">
   <p:cSld>
     <p:spTree>
@@ -12647,7 +14147,7 @@
 </p:sld>
 </file>
 
-<file path=ppt/slides/slide29.xml><?xml version="1.0" encoding="utf-8"?>
+<file path=ppt/slides/slide3.xml><?xml version="1.0" encoding="utf-8"?>
 <p:sld xmlns:a="http://schemas.openxmlformats.org/drawingml/2006/main" xmlns:r="http://schemas.openxmlformats.org/officeDocument/2006/relationships" xmlns:p="http://schemas.openxmlformats.org/presentationml/2006/main">
   <p:cSld>
     <p:spTree>
@@ -12679,11 +14179,95 @@
           <a:bodyPr/>
           <a:lstStyle/>
           <a:p>
+            <a:endParaRPr lang="en-US" i="1" dirty="0"/>
+          </a:p>
+        </p:txBody>
+      </p:sp>
+      <p:sp>
+        <p:nvSpPr>
+          <p:cNvPr id="3" name="Content Placeholder 2"/>
+          <p:cNvSpPr>
+            <a:spLocks noGrp="1"/>
+          </p:cNvSpPr>
+          <p:nvPr>
+            <p:ph idx="1"/>
+          </p:nvPr>
+        </p:nvSpPr>
+        <p:spPr>
+          <a:xfrm>
+            <a:off x="838200" y="1825625"/>
+            <a:ext cx="10515600" cy="4822310"/>
+          </a:xfrm>
+        </p:spPr>
+        <p:txBody>
+          <a:bodyPr>
+            <a:normAutofit/>
+          </a:bodyPr>
+          <a:lstStyle/>
+          <a:p>
+            <a:pPr>
+              <a:lnSpc>
+                <a:spcPct val="150000"/>
+              </a:lnSpc>
+            </a:pPr>
             <a:r>
               <a:rPr lang="en-US" dirty="0" smtClean="0"/>
-              <a:t>III. Tip</a:t>
-            </a:r>
-            <a:endParaRPr lang="en-US" sz="2400" i="1" dirty="0"/>
+              <a:t>Higher passenger </a:t>
+            </a:r>
+            <a:r>
+              <a:rPr lang="en-US" sz="3400" dirty="0" smtClean="0"/>
+              <a:t>VOLUMNE</a:t>
+            </a:r>
+            <a:r>
+              <a:rPr lang="en-US" dirty="0" smtClean="0">
+                <a:sym typeface="Wingdings" panose="05000000000000000000" pitchFamily="2" charset="2"/>
+              </a:rPr>
+              <a:t></a:t>
+            </a:r>
+            <a:endParaRPr lang="en-US" dirty="0" smtClean="0"/>
+          </a:p>
+          <a:p>
+            <a:pPr>
+              <a:lnSpc>
+                <a:spcPct val="150000"/>
+              </a:lnSpc>
+            </a:pPr>
+            <a:r>
+              <a:rPr lang="en-US" dirty="0" smtClean="0"/>
+              <a:t>Better financial </a:t>
+            </a:r>
+            <a:r>
+              <a:rPr lang="en-US" sz="3400" dirty="0" smtClean="0"/>
+              <a:t>EFFICIENCY</a:t>
+            </a:r>
+            <a:r>
+              <a:rPr lang="en-US" dirty="0" smtClean="0">
+                <a:sym typeface="Wingdings" panose="05000000000000000000" pitchFamily="2" charset="2"/>
+              </a:rPr>
+              <a:t></a:t>
+            </a:r>
+            <a:endParaRPr lang="en-US" dirty="0" smtClean="0"/>
+          </a:p>
+          <a:p>
+            <a:pPr>
+              <a:lnSpc>
+                <a:spcPct val="150000"/>
+              </a:lnSpc>
+            </a:pPr>
+            <a:r>
+              <a:rPr lang="en-US" dirty="0" smtClean="0"/>
+              <a:t> More </a:t>
+            </a:r>
+            <a:r>
+              <a:rPr lang="en-US" sz="3400" dirty="0" smtClean="0"/>
+              <a:t>TIP</a:t>
+            </a:r>
+            <a:r>
+              <a:rPr lang="en-US" dirty="0" smtClean="0">
+                <a:sym typeface="Wingdings" panose="05000000000000000000" pitchFamily="2" charset="2"/>
+              </a:rPr>
+              <a:t></a:t>
+            </a:r>
           </a:p>
         </p:txBody>
       </p:sp>
@@ -12773,7 +14357,7 @@
     </p:spTree>
     <p:extLst>
       <p:ext uri="{BB962C8B-B14F-4D97-AF65-F5344CB8AC3E}">
-        <p14:creationId xmlns:p14="http://schemas.microsoft.com/office/powerpoint/2010/main" val="3347943891"/>
+        <p14:creationId xmlns:p14="http://schemas.microsoft.com/office/powerpoint/2010/main" val="1106246930"/>
       </p:ext>
     </p:extLst>
   </p:cSld>
@@ -12783,7 +14367,7 @@
 </p:sld>
 </file>
 
-<file path=ppt/slides/slide3.xml><?xml version="1.0" encoding="utf-8"?>
+<file path=ppt/slides/slide30.xml><?xml version="1.0" encoding="utf-8"?>
 <p:sld xmlns:a="http://schemas.openxmlformats.org/drawingml/2006/main" xmlns:r="http://schemas.openxmlformats.org/officeDocument/2006/relationships" xmlns:p="http://schemas.openxmlformats.org/presentationml/2006/main">
   <p:cSld>
     <p:spTree>
@@ -12815,95 +14399,11 @@
           <a:bodyPr/>
           <a:lstStyle/>
           <a:p>
-            <a:endParaRPr lang="en-US" i="1" dirty="0"/>
-          </a:p>
-        </p:txBody>
-      </p:sp>
-      <p:sp>
-        <p:nvSpPr>
-          <p:cNvPr id="3" name="Content Placeholder 2"/>
-          <p:cNvSpPr>
-            <a:spLocks noGrp="1"/>
-          </p:cNvSpPr>
-          <p:nvPr>
-            <p:ph idx="1"/>
-          </p:nvPr>
-        </p:nvSpPr>
-        <p:spPr>
-          <a:xfrm>
-            <a:off x="838200" y="1825625"/>
-            <a:ext cx="10515600" cy="4822310"/>
-          </a:xfrm>
-        </p:spPr>
-        <p:txBody>
-          <a:bodyPr>
-            <a:normAutofit/>
-          </a:bodyPr>
-          <a:lstStyle/>
-          <a:p>
-            <a:pPr>
-              <a:lnSpc>
-                <a:spcPct val="150000"/>
-              </a:lnSpc>
-            </a:pPr>
             <a:r>
               <a:rPr lang="en-US" dirty="0" smtClean="0"/>
-              <a:t>Higher passenger </a:t>
-            </a:r>
-            <a:r>
-              <a:rPr lang="en-US" sz="3400" dirty="0" smtClean="0"/>
-              <a:t>VOLUMNE</a:t>
-            </a:r>
-            <a:r>
-              <a:rPr lang="en-US" dirty="0" smtClean="0">
-                <a:sym typeface="Wingdings" panose="05000000000000000000" pitchFamily="2" charset="2"/>
-              </a:rPr>
-              <a:t></a:t>
-            </a:r>
-            <a:endParaRPr lang="en-US" dirty="0" smtClean="0"/>
-          </a:p>
-          <a:p>
-            <a:pPr>
-              <a:lnSpc>
-                <a:spcPct val="150000"/>
-              </a:lnSpc>
-            </a:pPr>
-            <a:r>
-              <a:rPr lang="en-US" dirty="0" smtClean="0"/>
-              <a:t> Better ridership </a:t>
-            </a:r>
-            <a:r>
-              <a:rPr lang="en-US" sz="3400" dirty="0" smtClean="0"/>
-              <a:t>EFFICIENCY</a:t>
-            </a:r>
-            <a:r>
-              <a:rPr lang="en-US" dirty="0" smtClean="0">
-                <a:sym typeface="Wingdings" panose="05000000000000000000" pitchFamily="2" charset="2"/>
-              </a:rPr>
-              <a:t></a:t>
-            </a:r>
-            <a:endParaRPr lang="en-US" dirty="0" smtClean="0"/>
-          </a:p>
-          <a:p>
-            <a:pPr>
-              <a:lnSpc>
-                <a:spcPct val="150000"/>
-              </a:lnSpc>
-            </a:pPr>
-            <a:r>
-              <a:rPr lang="en-US" dirty="0" smtClean="0"/>
-              <a:t> More </a:t>
-            </a:r>
-            <a:r>
-              <a:rPr lang="en-US" sz="3400" dirty="0" smtClean="0"/>
-              <a:t>TIP</a:t>
-            </a:r>
-            <a:r>
-              <a:rPr lang="en-US" dirty="0" smtClean="0">
-                <a:sym typeface="Wingdings" panose="05000000000000000000" pitchFamily="2" charset="2"/>
-              </a:rPr>
-              <a:t></a:t>
-            </a:r>
+              <a:t>III. Tip</a:t>
+            </a:r>
+            <a:endParaRPr lang="en-US" sz="2400" i="1" dirty="0"/>
           </a:p>
         </p:txBody>
       </p:sp>
@@ -12993,7 +14493,7 @@
     </p:spTree>
     <p:extLst>
       <p:ext uri="{BB962C8B-B14F-4D97-AF65-F5344CB8AC3E}">
-        <p14:creationId xmlns:p14="http://schemas.microsoft.com/office/powerpoint/2010/main" val="1106246930"/>
+        <p14:creationId xmlns:p14="http://schemas.microsoft.com/office/powerpoint/2010/main" val="3347943891"/>
       </p:ext>
     </p:extLst>
   </p:cSld>
@@ -13003,7 +14503,7 @@
 </p:sld>
 </file>
 
-<file path=ppt/slides/slide30.xml><?xml version="1.0" encoding="utf-8"?>
+<file path=ppt/slides/slide31.xml><?xml version="1.0" encoding="utf-8"?>
 <p:sld xmlns:a="http://schemas.openxmlformats.org/drawingml/2006/main" xmlns:r="http://schemas.openxmlformats.org/officeDocument/2006/relationships" xmlns:p="http://schemas.openxmlformats.org/presentationml/2006/main">
   <p:cSld>
     <p:spTree>
@@ -13061,7 +14561,7 @@
         </p:spPr>
         <p:txBody>
           <a:bodyPr>
-            <a:normAutofit fontScale="92500" lnSpcReduction="20000"/>
+            <a:normAutofit/>
           </a:bodyPr>
           <a:lstStyle/>
           <a:p>
@@ -13072,18 +14572,11 @@
             </a:pPr>
             <a:r>
               <a:rPr lang="en-US" dirty="0" smtClean="0"/>
-              <a:t>Drop all records before February 2015.</a:t>
-            </a:r>
-          </a:p>
-          <a:p>
-            <a:pPr>
-              <a:lnSpc>
-                <a:spcPct val="150000"/>
-              </a:lnSpc>
-            </a:pPr>
+              <a:t>Trend </a:t>
+            </a:r>
             <a:r>
               <a:rPr lang="en-US" dirty="0" smtClean="0"/>
-              <a:t>Trend analysis</a:t>
+              <a:t>analysis</a:t>
             </a:r>
           </a:p>
           <a:p>
@@ -13162,7 +14655,11 @@
             </a:pPr>
             <a:r>
               <a:rPr lang="en-US" dirty="0" smtClean="0"/>
-              <a:t>Clean data used</a:t>
+              <a:t>Cleansed </a:t>
+            </a:r>
+            <a:r>
+              <a:rPr lang="en-US" dirty="0" smtClean="0"/>
+              <a:t>data used</a:t>
             </a:r>
           </a:p>
         </p:txBody>
@@ -13263,7 +14760,7 @@
 </p:sld>
 </file>
 
-<file path=ppt/slides/slide31.xml><?xml version="1.0" encoding="utf-8"?>
+<file path=ppt/slides/slide32.xml><?xml version="1.0" encoding="utf-8"?>
 <p:sld xmlns:a="http://schemas.openxmlformats.org/drawingml/2006/main" xmlns:r="http://schemas.openxmlformats.org/officeDocument/2006/relationships" xmlns:p="http://schemas.openxmlformats.org/presentationml/2006/main">
   <p:cSld>
     <p:spTree>
@@ -13388,103 +14885,14 @@
       </p:sp>
       <p:grpSp>
         <p:nvGrpSpPr>
-          <p:cNvPr id="16" name="Group 15"/>
-          <p:cNvGrpSpPr/>
-          <p:nvPr/>
-        </p:nvGrpSpPr>
-        <p:grpSpPr>
-          <a:xfrm>
-            <a:off x="838200" y="2217915"/>
-            <a:ext cx="6438827" cy="4061528"/>
-            <a:chOff x="645713" y="1781253"/>
-            <a:chExt cx="6438827" cy="4061528"/>
-          </a:xfrm>
-        </p:grpSpPr>
-        <p:pic>
-          <p:nvPicPr>
-            <p:cNvPr id="5" name="Picture 4"/>
-            <p:cNvPicPr>
-              <a:picLocks noChangeAspect="1"/>
-            </p:cNvPicPr>
-            <p:nvPr/>
-          </p:nvPicPr>
-          <p:blipFill>
-            <a:blip r:embed="rId2">
-              <a:extLst>
-                <a:ext uri="{28A0092B-C50C-407E-A947-70E740481C1C}">
-                  <a14:useLocalDpi xmlns:a14="http://schemas.microsoft.com/office/drawing/2010/main" val="0"/>
-                </a:ext>
-              </a:extLst>
-            </a:blip>
-            <a:stretch>
-              <a:fillRect/>
-            </a:stretch>
-          </p:blipFill>
-          <p:spPr>
-            <a:xfrm>
-              <a:off x="1160489" y="1820511"/>
-              <a:ext cx="5924051" cy="4022270"/>
-            </a:xfrm>
-            <a:prstGeom prst="rect">
-              <a:avLst/>
-            </a:prstGeom>
-          </p:spPr>
-        </p:pic>
-        <p:sp>
-          <p:nvSpPr>
-            <p:cNvPr id="6" name="TextBox 5"/>
-            <p:cNvSpPr txBox="1"/>
-            <p:nvPr/>
-          </p:nvSpPr>
-          <p:spPr>
-            <a:xfrm>
-              <a:off x="645713" y="1781253"/>
-              <a:ext cx="1029551" cy="1015663"/>
-            </a:xfrm>
-            <a:prstGeom prst="rect">
-              <a:avLst/>
-            </a:prstGeom>
-            <a:noFill/>
-          </p:spPr>
-          <p:txBody>
-            <a:bodyPr wrap="square" rtlCol="0">
-              <a:spAutoFit/>
-            </a:bodyPr>
-            <a:lstStyle/>
-            <a:p>
-              <a:r>
-                <a:rPr lang="en-US" altLang="zh-CN" sz="1500" b="1" dirty="0" smtClean="0">
-                  <a:solidFill>
-                    <a:schemeClr val="tx1">
-                      <a:lumMod val="50000"/>
-                      <a:lumOff val="50000"/>
-                    </a:schemeClr>
-                  </a:solidFill>
-                </a:rPr>
-                <a:t>Rides with/without tip ratio</a:t>
-              </a:r>
-              <a:endParaRPr lang="en-US" sz="1500" b="1" dirty="0">
-                <a:solidFill>
-                  <a:schemeClr val="tx1">
-                    <a:lumMod val="50000"/>
-                    <a:lumOff val="50000"/>
-                  </a:schemeClr>
-                </a:solidFill>
-              </a:endParaRPr>
-            </a:p>
-          </p:txBody>
-        </p:sp>
-      </p:grpSp>
-      <p:grpSp>
-        <p:nvGrpSpPr>
           <p:cNvPr id="15" name="Group 14"/>
           <p:cNvGrpSpPr/>
           <p:nvPr/>
         </p:nvGrpSpPr>
         <p:grpSpPr>
           <a:xfrm>
-            <a:off x="7414054" y="1875354"/>
-            <a:ext cx="3748217" cy="2545492"/>
+            <a:off x="7100910" y="1917687"/>
+            <a:ext cx="4566279" cy="3136914"/>
             <a:chOff x="7084540" y="955589"/>
             <a:chExt cx="3748217" cy="2545492"/>
           </a:xfrm>
@@ -13512,7 +14920,7 @@
               <p:nvPr/>
             </p:nvPicPr>
             <p:blipFill>
-              <a:blip r:embed="rId3">
+              <a:blip r:embed="rId2">
                 <a:extLst>
                   <a:ext uri="{28A0092B-C50C-407E-A947-70E740481C1C}">
                     <a14:useLocalDpi xmlns:a14="http://schemas.microsoft.com/office/drawing/2010/main" val="0"/>
@@ -13662,6 +15070,252 @@
           </a:p>
         </p:txBody>
       </p:sp>
+      <p:grpSp>
+        <p:nvGrpSpPr>
+          <p:cNvPr id="9" name="Group 8"/>
+          <p:cNvGrpSpPr/>
+          <p:nvPr/>
+        </p:nvGrpSpPr>
+        <p:grpSpPr>
+          <a:xfrm>
+            <a:off x="762000" y="2197859"/>
+            <a:ext cx="6262709" cy="4225500"/>
+            <a:chOff x="838200" y="2192233"/>
+            <a:chExt cx="6262709" cy="4225500"/>
+          </a:xfrm>
+        </p:grpSpPr>
+        <p:grpSp>
+          <p:nvGrpSpPr>
+            <p:cNvPr id="16" name="Group 15"/>
+            <p:cNvGrpSpPr/>
+            <p:nvPr/>
+          </p:nvGrpSpPr>
+          <p:grpSpPr>
+            <a:xfrm>
+              <a:off x="838200" y="2192233"/>
+              <a:ext cx="6262709" cy="4225500"/>
+              <a:chOff x="1160489" y="1786011"/>
+              <a:chExt cx="5924051" cy="4056770"/>
+            </a:xfrm>
+          </p:grpSpPr>
+          <p:pic>
+            <p:nvPicPr>
+              <p:cNvPr id="5" name="Picture 4"/>
+              <p:cNvPicPr>
+                <a:picLocks noChangeAspect="1"/>
+              </p:cNvPicPr>
+              <p:nvPr/>
+            </p:nvPicPr>
+            <p:blipFill>
+              <a:blip r:embed="rId3">
+                <a:extLst>
+                  <a:ext uri="{28A0092B-C50C-407E-A947-70E740481C1C}">
+                    <a14:useLocalDpi xmlns:a14="http://schemas.microsoft.com/office/drawing/2010/main" val="0"/>
+                  </a:ext>
+                </a:extLst>
+              </a:blip>
+              <a:stretch>
+                <a:fillRect/>
+              </a:stretch>
+            </p:blipFill>
+            <p:spPr>
+              <a:xfrm>
+                <a:off x="1160489" y="1820511"/>
+                <a:ext cx="5924051" cy="4022270"/>
+              </a:xfrm>
+              <a:prstGeom prst="rect">
+                <a:avLst/>
+              </a:prstGeom>
+            </p:spPr>
+          </p:pic>
+          <p:sp>
+            <p:nvSpPr>
+              <p:cNvPr id="6" name="TextBox 5"/>
+              <p:cNvSpPr txBox="1"/>
+              <p:nvPr/>
+            </p:nvSpPr>
+            <p:spPr>
+              <a:xfrm>
+                <a:off x="1483913" y="1786011"/>
+                <a:ext cx="2794000" cy="323165"/>
+              </a:xfrm>
+              <a:prstGeom prst="rect">
+                <a:avLst/>
+              </a:prstGeom>
+              <a:noFill/>
+            </p:spPr>
+            <p:txBody>
+              <a:bodyPr wrap="square" rtlCol="0">
+                <a:spAutoFit/>
+              </a:bodyPr>
+              <a:lstStyle/>
+              <a:p>
+                <a:r>
+                  <a:rPr lang="en-US" altLang="zh-CN" sz="1500" b="1" dirty="0" smtClean="0">
+                    <a:solidFill>
+                      <a:schemeClr val="tx1">
+                        <a:lumMod val="50000"/>
+                        <a:lumOff val="50000"/>
+                      </a:schemeClr>
+                    </a:solidFill>
+                  </a:rPr>
+                  <a:t>Rides with/without tip ratio</a:t>
+                </a:r>
+                <a:endParaRPr lang="en-US" sz="1500" b="1" dirty="0">
+                  <a:solidFill>
+                    <a:schemeClr val="tx1">
+                      <a:lumMod val="50000"/>
+                      <a:lumOff val="50000"/>
+                    </a:schemeClr>
+                  </a:solidFill>
+                </a:endParaRPr>
+              </a:p>
+            </p:txBody>
+          </p:sp>
+        </p:grpSp>
+        <p:sp>
+          <p:nvSpPr>
+            <p:cNvPr id="18" name="TextBox 17"/>
+            <p:cNvSpPr txBox="1"/>
+            <p:nvPr/>
+          </p:nvSpPr>
+          <p:spPr>
+            <a:xfrm>
+              <a:off x="3561599" y="3016251"/>
+              <a:ext cx="3344585" cy="2462213"/>
+            </a:xfrm>
+            <a:prstGeom prst="rect">
+              <a:avLst/>
+            </a:prstGeom>
+            <a:noFill/>
+          </p:spPr>
+          <p:txBody>
+            <a:bodyPr wrap="square" rtlCol="0">
+              <a:spAutoFit/>
+            </a:bodyPr>
+            <a:lstStyle/>
+            <a:p>
+              <a:pPr marL="285750" indent="-285750">
+                <a:buFont typeface="Arial" panose="020B0604020202020204" pitchFamily="34" charset="0"/>
+                <a:buChar char="•"/>
+              </a:pPr>
+              <a:r>
+                <a:rPr lang="en-US" sz="1400" b="1" dirty="0" smtClean="0">
+                  <a:latin typeface="+mj-lt"/>
+                </a:rPr>
+                <a:t>In February 2015, violent and sudden changes happened in shares of rides with and without tip. </a:t>
+              </a:r>
+            </a:p>
+            <a:p>
+              <a:pPr marL="285750" indent="-285750">
+                <a:buFont typeface="Arial" panose="020B0604020202020204" pitchFamily="34" charset="0"/>
+                <a:buChar char="•"/>
+              </a:pPr>
+              <a:r>
+                <a:rPr lang="en-US" sz="1400" b="1" dirty="0" smtClean="0">
+                  <a:latin typeface="+mj-lt"/>
+                </a:rPr>
+                <a:t>Nearly at the same time, passengers began paying with cash. </a:t>
+              </a:r>
+            </a:p>
+            <a:p>
+              <a:pPr marL="285750" indent="-285750">
+                <a:buFont typeface="Arial" panose="020B0604020202020204" pitchFamily="34" charset="0"/>
+                <a:buChar char="•"/>
+              </a:pPr>
+              <a:r>
+                <a:rPr lang="en-US" sz="1400" b="1" dirty="0" smtClean="0">
+                  <a:latin typeface="+mj-lt"/>
+                </a:rPr>
+                <a:t>Before February 2015, passengers unanimously paid with credit card and 40% chance that they would tip.</a:t>
+              </a:r>
+            </a:p>
+            <a:p>
+              <a:pPr marL="285750" indent="-285750">
+                <a:buFont typeface="Arial" panose="020B0604020202020204" pitchFamily="34" charset="0"/>
+                <a:buChar char="•"/>
+              </a:pPr>
+              <a:r>
+                <a:rPr lang="en-US" sz="1400" b="1" dirty="0" smtClean="0">
+                  <a:latin typeface="+mj-lt"/>
+                </a:rPr>
+                <a:t>After February 2015, around 50% passenger pay with credit card, among whom over 80% tip.</a:t>
+              </a:r>
+            </a:p>
+          </p:txBody>
+        </p:sp>
+      </p:grpSp>
+      <p:sp>
+        <p:nvSpPr>
+          <p:cNvPr id="19" name="TextBox 18"/>
+          <p:cNvSpPr txBox="1"/>
+          <p:nvPr/>
+        </p:nvSpPr>
+        <p:spPr>
+          <a:xfrm>
+            <a:off x="7300583" y="5280832"/>
+            <a:ext cx="4023044" cy="738664"/>
+          </a:xfrm>
+          <a:prstGeom prst="rect">
+            <a:avLst/>
+          </a:prstGeom>
+          <a:noFill/>
+        </p:spPr>
+        <p:txBody>
+          <a:bodyPr wrap="square" rtlCol="0">
+            <a:spAutoFit/>
+          </a:bodyPr>
+          <a:lstStyle/>
+          <a:p>
+            <a:pPr marL="285750" indent="-285750">
+              <a:buFont typeface="Arial" panose="020B0604020202020204" pitchFamily="34" charset="0"/>
+              <a:buChar char="•"/>
+            </a:pPr>
+            <a:r>
+              <a:rPr lang="en-US" sz="1400" b="1" dirty="0" smtClean="0">
+                <a:latin typeface="+mj-lt"/>
+              </a:rPr>
+              <a:t>Despite of occasional share decline, credit card as a payment type has kept gaining popularity over cash since Aug 2015</a:t>
+            </a:r>
+          </a:p>
+        </p:txBody>
+      </p:sp>
+      <p:sp>
+        <p:nvSpPr>
+          <p:cNvPr id="20" name="TextBox 19"/>
+          <p:cNvSpPr txBox="1"/>
+          <p:nvPr/>
+        </p:nvSpPr>
+        <p:spPr>
+          <a:xfrm>
+            <a:off x="6696909" y="6288613"/>
+            <a:ext cx="5190292" cy="323165"/>
+          </a:xfrm>
+          <a:prstGeom prst="rect">
+            <a:avLst/>
+          </a:prstGeom>
+          <a:noFill/>
+        </p:spPr>
+        <p:txBody>
+          <a:bodyPr wrap="square" rtlCol="0">
+            <a:spAutoFit/>
+          </a:bodyPr>
+          <a:lstStyle/>
+          <a:p>
+            <a:pPr algn="r"/>
+            <a:r>
+              <a:rPr lang="en-US" sz="1500" b="1" dirty="0" smtClean="0">
+                <a:solidFill>
+                  <a:schemeClr val="bg2">
+                    <a:lumMod val="75000"/>
+                  </a:schemeClr>
+                </a:solidFill>
+              </a:rPr>
+              <a:t>DATA: TAXI AND LIMOUSINE  COMMISSION</a:t>
+            </a:r>
+          </a:p>
+        </p:txBody>
+      </p:sp>
     </p:spTree>
     <p:extLst>
       <p:ext uri="{BB962C8B-B14F-4D97-AF65-F5344CB8AC3E}">
@@ -13675,7 +15329,7 @@
 </p:sld>
 </file>
 
-<file path=ppt/slides/slide32.xml><?xml version="1.0" encoding="utf-8"?>
+<file path=ppt/slides/slide33.xml><?xml version="1.0" encoding="utf-8"?>
 <p:sld xmlns:a="http://schemas.openxmlformats.org/drawingml/2006/main" xmlns:r="http://schemas.openxmlformats.org/officeDocument/2006/relationships" xmlns:p="http://schemas.openxmlformats.org/presentationml/2006/main">
   <p:cSld>
     <p:spTree>
@@ -14068,7 +15722,7 @@
 </p:sld>
 </file>
 
-<file path=ppt/slides/slide33.xml><?xml version="1.0" encoding="utf-8"?>
+<file path=ppt/slides/slide34.xml><?xml version="1.0" encoding="utf-8"?>
 <p:sld xmlns:a="http://schemas.openxmlformats.org/drawingml/2006/main" xmlns:r="http://schemas.openxmlformats.org/officeDocument/2006/relationships" xmlns:p="http://schemas.openxmlformats.org/presentationml/2006/main">
   <p:cSld>
     <p:spTree>
@@ -14678,7 +16332,7 @@
 </p:sld>
 </file>
 
-<file path=ppt/slides/slide34.xml><?xml version="1.0" encoding="utf-8"?>
+<file path=ppt/slides/slide35.xml><?xml version="1.0" encoding="utf-8"?>
 <p:sld xmlns:a="http://schemas.openxmlformats.org/drawingml/2006/main" xmlns:r="http://schemas.openxmlformats.org/officeDocument/2006/relationships" xmlns:p="http://schemas.openxmlformats.org/presentationml/2006/main">
   <p:cSld>
     <p:spTree>
@@ -15900,7 +17554,15 @@
             </a:pPr>
             <a:r>
               <a:rPr lang="en-US" dirty="0" smtClean="0"/>
-              <a:t>Build a relational database (</a:t>
+              <a:t>Insert data into tables in a </a:t>
+            </a:r>
+            <a:r>
+              <a:rPr lang="en-US" dirty="0" smtClean="0"/>
+              <a:t>relational </a:t>
+            </a:r>
+            <a:r>
+              <a:rPr lang="en-US" dirty="0" smtClean="0"/>
+              <a:t>database (</a:t>
             </a:r>
             <a:r>
               <a:rPr lang="en-US" dirty="0" err="1"/>
@@ -15912,17 +17574,8 @@
             </a:r>
             <a:r>
               <a:rPr lang="en-US" dirty="0" smtClean="0"/>
-              <a:t>) with tables to hold all the data</a:t>
-            </a:r>
-          </a:p>
-          <a:p>
-            <a:pPr lvl="1">
-              <a:lnSpc>
-                <a:spcPct val="150000"/>
-              </a:lnSpc>
-              <a:buFont typeface="Wingdings" panose="05000000000000000000" pitchFamily="2" charset="2"/>
-              <a:buChar char="ü"/>
-            </a:pPr>
+              <a:t>)</a:t>
+            </a:r>
             <a:endParaRPr lang="en-US" dirty="0" smtClean="0"/>
           </a:p>
           <a:p>

--- a/DataChallengeAssessment.pptx
+++ b/DataChallengeAssessment.pptx
@@ -40,6 +40,7 @@
     <p:sldId id="293" r:id="rId34"/>
     <p:sldId id="294" r:id="rId35"/>
     <p:sldId id="295" r:id="rId36"/>
+    <p:sldId id="300" r:id="rId37"/>
   </p:sldIdLst>
   <p:sldSz cx="12192000" cy="6858000"/>
   <p:notesSz cx="6858000" cy="9144000"/>
@@ -3359,7 +3360,7 @@
             </a:pPr>
             <a:r>
               <a:rPr lang="en-US" dirty="0" smtClean="0"/>
-              <a:t>ZIP code</a:t>
+              <a:t>ZIP code/social network analysis</a:t>
             </a:r>
             <a:endParaRPr lang="en-US" dirty="0"/>
           </a:p>
@@ -3368,10 +3369,12 @@
               <a:lnSpc>
                 <a:spcPct val="150000"/>
               </a:lnSpc>
+              <a:buFont typeface="Courier New" panose="02070309020205020404" pitchFamily="49" charset="0"/>
+              <a:buChar char="o"/>
             </a:pPr>
             <a:r>
               <a:rPr lang="en-US" i="1" dirty="0" smtClean="0"/>
-              <a:t>Raw </a:t>
+              <a:t> Raw </a:t>
             </a:r>
             <a:r>
               <a:rPr lang="en-US" i="1" dirty="0" smtClean="0"/>
@@ -4349,7 +4352,7 @@
         </p:nvSpPr>
         <p:spPr>
           <a:xfrm>
-            <a:off x="6696909" y="6288613"/>
+            <a:off x="6713843" y="6149467"/>
             <a:ext cx="5190292" cy="569387"/>
           </a:xfrm>
           <a:prstGeom prst="rect">
@@ -7973,7 +7976,7 @@
             <p:ph idx="1"/>
           </p:nvPr>
         </p:nvPicPr>
-        <p:blipFill>
+        <p:blipFill rotWithShape="1">
           <a:blip r:embed="rId2">
             <a:extLst>
               <a:ext uri="{28A0092B-C50C-407E-A947-70E740481C1C}">
@@ -7981,15 +7984,22 @@
               </a:ext>
             </a:extLst>
           </a:blip>
-          <a:stretch>
-            <a:fillRect/>
-          </a:stretch>
+          <a:srcRect r="5343"/>
+          <a:stretch/>
         </p:blipFill>
         <p:spPr>
           <a:xfrm>
             <a:off x="838200" y="1690688"/>
-            <a:ext cx="5842000" cy="4760912"/>
+            <a:ext cx="5545668" cy="4760912"/>
           </a:xfrm>
+          <a:effectLst>
+            <a:outerShdw blurRad="50800" dist="50800" dir="5400000" algn="ctr" rotWithShape="0">
+              <a:srgbClr val="000000">
+                <a:alpha val="0"/>
+              </a:srgbClr>
+            </a:outerShdw>
+            <a:reflection stA="0" endPos="65000" dist="50800" dir="5400000" sy="-100000" algn="bl" rotWithShape="0"/>
+          </a:effectLst>
         </p:spPr>
       </p:pic>
       <p:sp>
@@ -8083,8 +8093,99 @@
         </p:nvSpPr>
         <p:spPr>
           <a:xfrm>
-            <a:off x="6987066" y="1690688"/>
-            <a:ext cx="4036533" cy="1384995"/>
+            <a:off x="838200" y="1531987"/>
+            <a:ext cx="1826734" cy="1692771"/>
+          </a:xfrm>
+          <a:prstGeom prst="rect">
+            <a:avLst/>
+          </a:prstGeom>
+          <a:solidFill>
+            <a:schemeClr val="tx1">
+              <a:lumMod val="65000"/>
+              <a:lumOff val="35000"/>
+            </a:schemeClr>
+          </a:solidFill>
+        </p:spPr>
+        <p:txBody>
+          <a:bodyPr wrap="square" rtlCol="0">
+            <a:spAutoFit/>
+          </a:bodyPr>
+          <a:lstStyle/>
+          <a:p>
+            <a:r>
+              <a:rPr lang="en-US" sz="1400" b="1" dirty="0" smtClean="0">
+                <a:solidFill>
+                  <a:schemeClr val="bg1"/>
+                </a:solidFill>
+                <a:latin typeface="+mj-lt"/>
+              </a:rPr>
+              <a:t>Blue points: pick up</a:t>
+            </a:r>
+          </a:p>
+          <a:p>
+            <a:r>
+              <a:rPr lang="en-US" sz="1400" b="1" dirty="0" smtClean="0">
+                <a:solidFill>
+                  <a:schemeClr val="bg1"/>
+                </a:solidFill>
+                <a:latin typeface="+mj-lt"/>
+              </a:rPr>
+              <a:t>Orange points: drop off</a:t>
+            </a:r>
+          </a:p>
+          <a:p>
+            <a:r>
+              <a:rPr lang="en-US" sz="1400" b="1" dirty="0" smtClean="0">
+                <a:solidFill>
+                  <a:schemeClr val="bg1"/>
+                </a:solidFill>
+                <a:latin typeface="+mj-lt"/>
+              </a:rPr>
+              <a:t>Bigger size indicates higher frequency</a:t>
+            </a:r>
+          </a:p>
+          <a:p>
+            <a:endParaRPr lang="en-US" sz="600" b="1" dirty="0">
+              <a:solidFill>
+                <a:schemeClr val="bg1"/>
+              </a:solidFill>
+              <a:latin typeface="+mj-lt"/>
+            </a:endParaRPr>
+          </a:p>
+          <a:p>
+            <a:r>
+              <a:rPr lang="en-US" sz="1400" b="1" dirty="0" smtClean="0">
+                <a:solidFill>
+                  <a:schemeClr val="bg1"/>
+                </a:solidFill>
+                <a:latin typeface="+mj-lt"/>
+              </a:rPr>
+              <a:t>For map layer:</a:t>
+            </a:r>
+          </a:p>
+          <a:p>
+            <a:r>
+              <a:rPr lang="en-US" sz="1400" b="1" dirty="0" smtClean="0">
+                <a:solidFill>
+                  <a:schemeClr val="bg1"/>
+                </a:solidFill>
+                <a:latin typeface="+mj-lt"/>
+              </a:rPr>
+              <a:t>Darker blocks imply populous areas</a:t>
+            </a:r>
+          </a:p>
+        </p:txBody>
+      </p:sp>
+      <p:sp>
+        <p:nvSpPr>
+          <p:cNvPr id="7" name="TextBox 6"/>
+          <p:cNvSpPr txBox="1"/>
+          <p:nvPr/>
+        </p:nvSpPr>
+        <p:spPr>
+          <a:xfrm>
+            <a:off x="6392865" y="4072622"/>
+            <a:ext cx="4554536" cy="2215991"/>
           </a:xfrm>
           <a:prstGeom prst="rect">
             <a:avLst/>
@@ -8101,104 +8202,11 @@
               <a:rPr lang="en-US" sz="1400" b="1" dirty="0" smtClean="0">
                 <a:latin typeface="+mj-lt"/>
               </a:rPr>
-              <a:t>Blue points: pick up places</a:t>
-            </a:r>
-          </a:p>
-          <a:p>
-            <a:r>
-              <a:rPr lang="en-US" sz="1400" b="1" dirty="0" smtClean="0">
-                <a:latin typeface="+mj-lt"/>
-              </a:rPr>
-              <a:t>Orange points: drop off places</a:t>
-            </a:r>
-          </a:p>
-          <a:p>
-            <a:r>
-              <a:rPr lang="en-US" sz="1400" b="1" dirty="0" smtClean="0">
-                <a:latin typeface="+mj-lt"/>
-              </a:rPr>
-              <a:t>Bigger size indicates higher frequency</a:t>
-            </a:r>
-          </a:p>
-          <a:p>
-            <a:endParaRPr lang="en-US" sz="1400" b="1" dirty="0">
-              <a:latin typeface="+mj-lt"/>
-            </a:endParaRPr>
-          </a:p>
-          <a:p>
-            <a:r>
-              <a:rPr lang="en-US" sz="1400" b="1" dirty="0" smtClean="0">
-                <a:latin typeface="+mj-lt"/>
-              </a:rPr>
-              <a:t>For map layer:</a:t>
-            </a:r>
-          </a:p>
-          <a:p>
-            <a:r>
-              <a:rPr lang="en-US" sz="1400" b="1" dirty="0" smtClean="0">
-                <a:latin typeface="+mj-lt"/>
-              </a:rPr>
-              <a:t>Darker blocks imply populous areas</a:t>
-            </a:r>
-          </a:p>
-        </p:txBody>
-      </p:sp>
-      <p:sp>
-        <p:nvSpPr>
-          <p:cNvPr id="7" name="TextBox 6"/>
-          <p:cNvSpPr txBox="1"/>
-          <p:nvPr/>
-        </p:nvSpPr>
-        <p:spPr>
-          <a:xfrm>
-            <a:off x="6948966" y="3148486"/>
-            <a:ext cx="4404834" cy="3108543"/>
-          </a:xfrm>
-          <a:prstGeom prst="rect">
-            <a:avLst/>
-          </a:prstGeom>
-          <a:noFill/>
-        </p:spPr>
-        <p:txBody>
-          <a:bodyPr wrap="square" rtlCol="0">
-            <a:spAutoFit/>
-          </a:bodyPr>
-          <a:lstStyle/>
-          <a:p>
-            <a:r>
-              <a:rPr lang="en-US" sz="1400" b="1" dirty="0" smtClean="0">
-                <a:latin typeface="+mj-lt"/>
-              </a:rPr>
-              <a:t>Green taxis are not allowed to pick up passengers anywhere </a:t>
-            </a:r>
-            <a:r>
-              <a:rPr lang="en-US" sz="1400" b="1" dirty="0">
-                <a:latin typeface="+mj-lt"/>
-              </a:rPr>
-              <a:t>south of the Upper West and Upper East </a:t>
-            </a:r>
-            <a:r>
-              <a:rPr lang="en-US" sz="1400" b="1" dirty="0" smtClean="0">
-                <a:latin typeface="+mj-lt"/>
-              </a:rPr>
-              <a:t>sides. </a:t>
-            </a:r>
-          </a:p>
-          <a:p>
-            <a:endParaRPr lang="en-US" sz="1400" b="1" dirty="0" smtClean="0">
-              <a:latin typeface="+mj-lt"/>
-            </a:endParaRPr>
-          </a:p>
-          <a:p>
-            <a:r>
-              <a:rPr lang="en-US" sz="1400" b="1" dirty="0" smtClean="0">
-                <a:latin typeface="+mj-lt"/>
-              </a:rPr>
               <a:t>As expected, larger ridership usually take place in densely populated areas such as Williamsburg, Long Island city and Staten Island.</a:t>
             </a:r>
           </a:p>
           <a:p>
-            <a:endParaRPr lang="en-US" sz="1400" b="1" dirty="0" smtClean="0">
+            <a:endParaRPr lang="en-US" sz="600" b="1" dirty="0" smtClean="0">
               <a:latin typeface="+mj-lt"/>
             </a:endParaRPr>
           </a:p>
@@ -8223,7 +8231,7 @@
             </a:r>
           </a:p>
           <a:p>
-            <a:endParaRPr lang="en-US" sz="1400" b="1" dirty="0">
+            <a:endParaRPr lang="en-US" sz="600" b="1" dirty="0">
               <a:latin typeface="+mj-lt"/>
             </a:endParaRPr>
           </a:p>
@@ -8273,26 +8281,94 @@
           </a:p>
         </p:txBody>
       </p:sp>
-      <p:sp>
-        <p:nvSpPr>
-          <p:cNvPr id="9" name="TextBox 8"/>
+      <p:grpSp>
+        <p:nvGrpSpPr>
+          <p:cNvPr id="13" name="Group 12"/>
+          <p:cNvGrpSpPr/>
+          <p:nvPr/>
+        </p:nvGrpSpPr>
+        <p:grpSpPr>
+          <a:xfrm>
+            <a:off x="6381463" y="1690688"/>
+            <a:ext cx="4261137" cy="2108622"/>
+            <a:chOff x="6392864" y="2085157"/>
+            <a:chExt cx="4817003" cy="2203259"/>
+          </a:xfrm>
+        </p:grpSpPr>
+        <p:pic>
+          <p:nvPicPr>
+            <p:cNvPr id="10" name="Picture 9"/>
+            <p:cNvPicPr>
+              <a:picLocks noChangeAspect="1"/>
+            </p:cNvPicPr>
+            <p:nvPr/>
+          </p:nvPicPr>
+          <p:blipFill rotWithShape="1">
+            <a:blip r:embed="rId3">
+              <a:extLst>
+                <a:ext uri="{28A0092B-C50C-407E-A947-70E740481C1C}">
+                  <a14:useLocalDpi xmlns:a14="http://schemas.microsoft.com/office/drawing/2010/main" val="0"/>
+                </a:ext>
+              </a:extLst>
+            </a:blip>
+            <a:srcRect t="3218" b="13844"/>
+            <a:stretch/>
+          </p:blipFill>
+          <p:spPr>
+            <a:xfrm>
+              <a:off x="6392864" y="2098373"/>
+              <a:ext cx="2507567" cy="2176828"/>
+            </a:xfrm>
+            <a:prstGeom prst="rect">
+              <a:avLst/>
+            </a:prstGeom>
+          </p:spPr>
+        </p:pic>
+        <p:pic>
+          <p:nvPicPr>
+            <p:cNvPr id="11" name="Picture 10"/>
+            <p:cNvPicPr>
+              <a:picLocks noChangeAspect="1"/>
+            </p:cNvPicPr>
+            <p:nvPr/>
+          </p:nvPicPr>
+          <p:blipFill rotWithShape="1">
+            <a:blip r:embed="rId4">
+              <a:extLst>
+                <a:ext uri="{28A0092B-C50C-407E-A947-70E740481C1C}">
+                  <a14:useLocalDpi xmlns:a14="http://schemas.microsoft.com/office/drawing/2010/main" val="0"/>
+                </a:ext>
+              </a:extLst>
+            </a:blip>
+            <a:srcRect t="2748" b="6681"/>
+            <a:stretch/>
+          </p:blipFill>
+          <p:spPr>
+            <a:xfrm>
+              <a:off x="8900431" y="2085157"/>
+              <a:ext cx="2309436" cy="2203259"/>
+            </a:xfrm>
+            <a:prstGeom prst="rect">
+              <a:avLst/>
+            </a:prstGeom>
+          </p:spPr>
+        </p:pic>
+      </p:grpSp>
+      <p:sp>
+        <p:nvSpPr>
+          <p:cNvPr id="12" name="TextBox 11"/>
           <p:cNvSpPr txBox="1"/>
           <p:nvPr/>
         </p:nvSpPr>
         <p:spPr>
           <a:xfrm>
-            <a:off x="6987066" y="1690688"/>
-            <a:ext cx="4366734" cy="1384995"/>
+            <a:off x="6392865" y="3728040"/>
+            <a:ext cx="4410602" cy="307777"/>
           </a:xfrm>
           <a:prstGeom prst="rect">
             <a:avLst/>
           </a:prstGeom>
           <a:noFill/>
-          <a:ln w="28575">
-            <a:solidFill>
-              <a:schemeClr val="tx1"/>
-            </a:solidFill>
-          </a:ln>
         </p:spPr>
         <p:txBody>
           <a:bodyPr wrap="square" rtlCol="0">
@@ -8300,7 +8376,12 @@
           </a:bodyPr>
           <a:lstStyle/>
           <a:p>
-            <a:endParaRPr lang="en-US" dirty="0"/>
+            <a:r>
+              <a:rPr lang="en-US" sz="1400" b="1" i="1" dirty="0" smtClean="0">
+                <a:latin typeface="+mj-lt"/>
+              </a:rPr>
+              <a:t>top popular pickup spots (Blue) and drop off plots (Orange) </a:t>
+            </a:r>
           </a:p>
         </p:txBody>
       </p:sp>
@@ -8450,14 +8531,14 @@
       </p:sp>
       <p:sp>
         <p:nvSpPr>
-          <p:cNvPr id="6" name="TextBox 5"/>
+          <p:cNvPr id="7" name="TextBox 6"/>
           <p:cNvSpPr txBox="1"/>
           <p:nvPr/>
         </p:nvSpPr>
         <p:spPr>
           <a:xfrm>
-            <a:off x="6987066" y="1690688"/>
-            <a:ext cx="4036533" cy="1384995"/>
+            <a:off x="5313012" y="1676241"/>
+            <a:ext cx="4770787" cy="4601260"/>
           </a:xfrm>
           <a:prstGeom prst="rect">
             <a:avLst/>
@@ -8470,91 +8551,141 @@
           </a:bodyPr>
           <a:lstStyle/>
           <a:p>
+            <a:pPr marL="285750" indent="-285750">
+              <a:lnSpc>
+                <a:spcPct val="150000"/>
+              </a:lnSpc>
+              <a:buFont typeface="Arial" panose="020B0604020202020204" pitchFamily="34" charset="0"/>
+              <a:buChar char="•"/>
+            </a:pPr>
             <a:r>
               <a:rPr lang="en-US" sz="1400" b="1" dirty="0" smtClean="0">
                 <a:latin typeface="+mj-lt"/>
               </a:rPr>
-              <a:t>Blue points: pick up places</a:t>
-            </a:r>
-          </a:p>
-          <a:p>
+              <a:t>“Popular places of departure”: </a:t>
+            </a:r>
+          </a:p>
+          <a:p>
+            <a:pPr marL="742950" lvl="1" indent="-285750">
+              <a:buFont typeface="Courier New" panose="02070309020205020404" pitchFamily="49" charset="0"/>
+              <a:buChar char="o"/>
+            </a:pPr>
             <a:r>
               <a:rPr lang="en-US" sz="1400" b="1" dirty="0" smtClean="0">
                 <a:latin typeface="+mj-lt"/>
               </a:rPr>
-              <a:t>Orange points: drop off places</a:t>
-            </a:r>
-          </a:p>
-          <a:p>
+              <a:t>nodes with high out-degree (10027, 10035, 10029, 11101, 10032, 11222, 11102, 11231, 11105, 11373)</a:t>
+            </a:r>
+          </a:p>
+          <a:p>
+            <a:pPr marL="285750" indent="-285750">
+              <a:lnSpc>
+                <a:spcPct val="150000"/>
+              </a:lnSpc>
+              <a:buFont typeface="Arial" panose="020B0604020202020204" pitchFamily="34" charset="0"/>
+              <a:buChar char="•"/>
+            </a:pPr>
             <a:r>
               <a:rPr lang="en-US" sz="1400" b="1" dirty="0" smtClean="0">
                 <a:latin typeface="+mj-lt"/>
               </a:rPr>
-              <a:t>Bigger size indicates higher frequency</a:t>
-            </a:r>
-          </a:p>
-          <a:p>
-            <a:endParaRPr lang="en-US" sz="1400" b="1" dirty="0">
-              <a:latin typeface="+mj-lt"/>
-            </a:endParaRPr>
-          </a:p>
-          <a:p>
+              <a:t>“Popular destination”: </a:t>
+            </a:r>
+          </a:p>
+          <a:p>
+            <a:pPr marL="742950" lvl="1" indent="-285750">
+              <a:buFont typeface="Courier New" panose="02070309020205020404" pitchFamily="49" charset="0"/>
+              <a:buChar char="o"/>
+            </a:pPr>
             <a:r>
               <a:rPr lang="en-US" sz="1400" b="1" dirty="0" smtClean="0">
                 <a:latin typeface="+mj-lt"/>
               </a:rPr>
-              <a:t>For map layer:</a:t>
-            </a:r>
-          </a:p>
-          <a:p>
+              <a:t>nodes with high in-degree (11369, 10016, 11102, 10463, 11103, 11105, 10001, 11106,10035, 10027)</a:t>
+            </a:r>
+          </a:p>
+          <a:p>
+            <a:pPr marL="285750" indent="-285750">
+              <a:lnSpc>
+                <a:spcPct val="150000"/>
+              </a:lnSpc>
+              <a:buFont typeface="Arial" panose="020B0604020202020204" pitchFamily="34" charset="0"/>
+              <a:buChar char="•"/>
+            </a:pPr>
             <a:r>
               <a:rPr lang="en-US" sz="1400" b="1" dirty="0" smtClean="0">
                 <a:latin typeface="+mj-lt"/>
               </a:rPr>
-              <a:t>Darker blocks imply populous areas</a:t>
-            </a:r>
-          </a:p>
-        </p:txBody>
-      </p:sp>
-      <p:sp>
-        <p:nvSpPr>
-          <p:cNvPr id="7" name="TextBox 6"/>
-          <p:cNvSpPr txBox="1"/>
-          <p:nvPr/>
-        </p:nvSpPr>
-        <p:spPr>
-          <a:xfrm>
-            <a:off x="6948966" y="3148486"/>
-            <a:ext cx="4404834" cy="3108543"/>
-          </a:xfrm>
-          <a:prstGeom prst="rect">
-            <a:avLst/>
-          </a:prstGeom>
-          <a:noFill/>
-        </p:spPr>
-        <p:txBody>
-          <a:bodyPr wrap="square" rtlCol="0">
-            <a:spAutoFit/>
-          </a:bodyPr>
-          <a:lstStyle/>
-          <a:p>
+              <a:t>“ Traffic hub” : </a:t>
+            </a:r>
+          </a:p>
+          <a:p>
+            <a:pPr marL="742950" lvl="1" indent="-285750">
+              <a:buFont typeface="Courier New" panose="02070309020205020404" pitchFamily="49" charset="0"/>
+              <a:buChar char="o"/>
+            </a:pPr>
             <a:r>
               <a:rPr lang="en-US" sz="1400" b="1" dirty="0" smtClean="0">
                 <a:latin typeface="+mj-lt"/>
               </a:rPr>
-              <a:t>Green taxis are not allowed to pick up passengers anywhere </a:t>
-            </a:r>
-            <a:r>
-              <a:rPr lang="en-US" sz="1400" b="1" dirty="0">
-                <a:latin typeface="+mj-lt"/>
-              </a:rPr>
-              <a:t>south of the Upper West and Upper East </a:t>
-            </a:r>
+              <a:t>nodes with high degree (11369, 10027, 10035, 10029, 11102, 11105, 11101, 10016, 11103, 10032) </a:t>
+            </a:r>
+          </a:p>
+          <a:p>
+            <a:pPr marL="285750" indent="-285750">
+              <a:lnSpc>
+                <a:spcPct val="150000"/>
+              </a:lnSpc>
+              <a:buFont typeface="Arial" panose="020B0604020202020204" pitchFamily="34" charset="0"/>
+              <a:buChar char="•"/>
+            </a:pPr>
             <a:r>
               <a:rPr lang="en-US" sz="1400" b="1" dirty="0" smtClean="0">
                 <a:latin typeface="+mj-lt"/>
               </a:rPr>
-              <a:t>sides. </a:t>
+              <a:t>“Transportation Junction”: </a:t>
+            </a:r>
+          </a:p>
+          <a:p>
+            <a:pPr marL="742950" lvl="1" indent="-285750">
+              <a:buFont typeface="Courier New" panose="02070309020205020404" pitchFamily="49" charset="0"/>
+              <a:buChar char="o"/>
+            </a:pPr>
+            <a:r>
+              <a:rPr lang="en-US" sz="1400" b="1" dirty="0" smtClean="0">
+                <a:latin typeface="+mj-lt"/>
+              </a:rPr>
+              <a:t>Nodes with high centrality (10027, 10035, 11102, 10029, 11105, 10025, 10032, 10031, 11103)</a:t>
+            </a:r>
+          </a:p>
+          <a:p>
+            <a:pPr marL="285750" indent="-285750">
+              <a:lnSpc>
+                <a:spcPct val="150000"/>
+              </a:lnSpc>
+              <a:buFont typeface="Arial" panose="020B0604020202020204" pitchFamily="34" charset="0"/>
+              <a:buChar char="•"/>
+            </a:pPr>
+            <a:r>
+              <a:rPr lang="en-US" sz="1400" b="1" dirty="0" smtClean="0">
+                <a:latin typeface="+mj-lt"/>
+              </a:rPr>
+              <a:t>More business opportunity in “popular places of departure” and “Traffic hub” </a:t>
+            </a:r>
+          </a:p>
+          <a:p>
+            <a:pPr marL="285750" indent="-285750">
+              <a:lnSpc>
+                <a:spcPct val="150000"/>
+              </a:lnSpc>
+              <a:buFont typeface="Arial" panose="020B0604020202020204" pitchFamily="34" charset="0"/>
+              <a:buChar char="•"/>
+            </a:pPr>
+            <a:r>
+              <a:rPr lang="en-US" sz="1400" b="1" dirty="0" smtClean="0">
+                <a:latin typeface="+mj-lt"/>
+              </a:rPr>
+              <a:t>Avoid “Transportation Junction” during peak times.</a:t>
             </a:r>
           </a:p>
           <a:p>
@@ -8563,50 +8694,14 @@
             </a:endParaRPr>
           </a:p>
           <a:p>
-            <a:r>
-              <a:rPr lang="en-US" sz="1400" b="1" dirty="0" smtClean="0">
-                <a:latin typeface="+mj-lt"/>
-              </a:rPr>
-              <a:t>As expected, larger ridership usually take place in densely populated areas such as Williamsburg, Long Island city and Staten Island.</a:t>
-            </a:r>
-          </a:p>
-          <a:p>
             <a:endParaRPr lang="en-US" sz="1400" b="1" dirty="0" smtClean="0">
               <a:latin typeface="+mj-lt"/>
             </a:endParaRPr>
           </a:p>
           <a:p>
-            <a:r>
-              <a:rPr lang="en-US" sz="1400" b="1" dirty="0" smtClean="0">
-                <a:latin typeface="+mj-lt"/>
-              </a:rPr>
-              <a:t>Picking up passengers at Queens or Brooklyn and dropping them off in </a:t>
-            </a:r>
-            <a:r>
-              <a:rPr lang="en-US" sz="1400" b="1" dirty="0">
-                <a:latin typeface="+mj-lt"/>
-              </a:rPr>
-              <a:t>lower </a:t>
-            </a:r>
-            <a:r>
-              <a:rPr lang="en-US" sz="1400" b="1" dirty="0" smtClean="0">
-                <a:latin typeface="+mj-lt"/>
-              </a:rPr>
-              <a:t>Manhattan is typical green cab business routine.</a:t>
-            </a:r>
-          </a:p>
-          <a:p>
-            <a:endParaRPr lang="en-US" sz="1400" b="1" dirty="0">
+            <a:endParaRPr lang="en-US" sz="600" b="1" dirty="0" smtClean="0">
               <a:latin typeface="+mj-lt"/>
             </a:endParaRPr>
-          </a:p>
-          <a:p>
-            <a:r>
-              <a:rPr lang="en-US" sz="1400" b="1" dirty="0" smtClean="0">
-                <a:latin typeface="+mj-lt"/>
-              </a:rPr>
-              <a:t>Other than lower Manhattan, the most popular drop-off places, green cab ride destinations are sparsely distributed around New York: Yorkers, Rosedale and Newark.</a:t>
-            </a:r>
           </a:p>
         </p:txBody>
       </p:sp>
@@ -8646,29 +8741,106 @@
           </a:p>
         </p:txBody>
       </p:sp>
-      <p:sp>
-        <p:nvSpPr>
-          <p:cNvPr id="3" name="Content Placeholder 2"/>
-          <p:cNvSpPr>
-            <a:spLocks noGrp="1"/>
-          </p:cNvSpPr>
-          <p:nvPr>
-            <p:ph idx="1"/>
-          </p:nvPr>
-        </p:nvSpPr>
-        <p:spPr/>
-        <p:txBody>
-          <a:bodyPr/>
-          <a:lstStyle/>
-          <a:p>
-            <a:endParaRPr lang="en-US"/>
+      <p:pic>
+        <p:nvPicPr>
+          <p:cNvPr id="9" name="Picture 8"/>
+          <p:cNvPicPr>
+            <a:picLocks noChangeAspect="1"/>
+          </p:cNvPicPr>
+          <p:nvPr/>
+        </p:nvPicPr>
+        <p:blipFill rotWithShape="1">
+          <a:blip r:embed="rId2">
+            <a:extLst>
+              <a:ext uri="{28A0092B-C50C-407E-A947-70E740481C1C}">
+                <a14:useLocalDpi xmlns:a14="http://schemas.microsoft.com/office/drawing/2010/main" val="0"/>
+              </a:ext>
+            </a:extLst>
+          </a:blip>
+          <a:srcRect l="8869" t="14312" r="8867" b="5450"/>
+          <a:stretch/>
+        </p:blipFill>
+        <p:spPr>
+          <a:xfrm>
+            <a:off x="838200" y="1692351"/>
+            <a:ext cx="3691466" cy="3488266"/>
+          </a:xfrm>
+          <a:prstGeom prst="rect">
+            <a:avLst/>
+          </a:prstGeom>
+        </p:spPr>
+      </p:pic>
+      <p:sp>
+        <p:nvSpPr>
+          <p:cNvPr id="14" name="TextBox 13"/>
+          <p:cNvSpPr txBox="1"/>
+          <p:nvPr/>
+        </p:nvSpPr>
+        <p:spPr>
+          <a:xfrm>
+            <a:off x="956733" y="5180617"/>
+            <a:ext cx="4237746" cy="306984"/>
+          </a:xfrm>
+          <a:prstGeom prst="rect">
+            <a:avLst/>
+          </a:prstGeom>
+          <a:noFill/>
+        </p:spPr>
+        <p:txBody>
+          <a:bodyPr wrap="square" rtlCol="0">
+            <a:spAutoFit/>
+          </a:bodyPr>
+          <a:lstStyle/>
+          <a:p>
+            <a:pPr algn="ctr"/>
+            <a:r>
+              <a:rPr lang="en-US" sz="1400" b="1" i="1" dirty="0">
+                <a:solidFill>
+                  <a:schemeClr val="tx1">
+                    <a:lumMod val="50000"/>
+                    <a:lumOff val="50000"/>
+                  </a:schemeClr>
+                </a:solidFill>
+              </a:rPr>
+              <a:t>Green cab ridership </a:t>
+            </a:r>
+            <a:r>
+              <a:rPr lang="en-US" sz="1400" b="1" i="1" dirty="0" smtClean="0">
+                <a:solidFill>
+                  <a:schemeClr val="tx1">
+                    <a:lumMod val="50000"/>
+                    <a:lumOff val="50000"/>
+                  </a:schemeClr>
+                </a:solidFill>
+              </a:rPr>
+              <a:t>network from </a:t>
+            </a:r>
+            <a:r>
+              <a:rPr lang="en-US" sz="1400" b="1" i="1" dirty="0">
+                <a:solidFill>
+                  <a:schemeClr val="tx1">
+                    <a:lumMod val="50000"/>
+                    <a:lumOff val="50000"/>
+                  </a:schemeClr>
+                </a:solidFill>
+              </a:rPr>
+              <a:t>February 1 - 14 2016</a:t>
+            </a:r>
+            <a:endParaRPr lang="en-US" sz="1400" b="1" i="1" dirty="0" smtClean="0">
+              <a:solidFill>
+                <a:schemeClr val="tx1">
+                  <a:lumMod val="50000"/>
+                  <a:lumOff val="50000"/>
+                </a:schemeClr>
+              </a:solidFill>
+            </a:endParaRPr>
           </a:p>
         </p:txBody>
       </p:sp>
     </p:spTree>
     <p:extLst>
       <p:ext uri="{BB962C8B-B14F-4D97-AF65-F5344CB8AC3E}">
-        <p14:creationId xmlns:p14="http://schemas.microsoft.com/office/powerpoint/2010/main" val="2412739079"/>
+        <p14:creationId xmlns:p14="http://schemas.microsoft.com/office/powerpoint/2010/main" val="2045101678"/>
       </p:ext>
     </p:extLst>
   </p:cSld>
@@ -12722,7 +12894,7 @@
         </p:nvSpPr>
         <p:spPr>
           <a:xfrm>
-            <a:off x="7107380" y="3353847"/>
+            <a:off x="7107380" y="2140386"/>
             <a:ext cx="3008747" cy="615553"/>
           </a:xfrm>
           <a:prstGeom prst="rect">
@@ -12907,6 +13079,67 @@
           <a:lstStyle/>
           <a:p>
             <a:endParaRPr lang="en-US" dirty="0"/>
+          </a:p>
+        </p:txBody>
+      </p:sp>
+      <p:sp>
+        <p:nvSpPr>
+          <p:cNvPr id="27" name="TextBox 26"/>
+          <p:cNvSpPr txBox="1"/>
+          <p:nvPr/>
+        </p:nvSpPr>
+        <p:spPr>
+          <a:xfrm>
+            <a:off x="7107380" y="3151800"/>
+            <a:ext cx="3062574" cy="1969770"/>
+          </a:xfrm>
+          <a:prstGeom prst="rect">
+            <a:avLst/>
+          </a:prstGeom>
+          <a:noFill/>
+        </p:spPr>
+        <p:txBody>
+          <a:bodyPr wrap="square" rtlCol="0">
+            <a:spAutoFit/>
+          </a:bodyPr>
+          <a:lstStyle/>
+          <a:p>
+            <a:pPr marL="285750" indent="-285750">
+              <a:buFont typeface="Arial" panose="020B0604020202020204" pitchFamily="34" charset="0"/>
+              <a:buChar char="•"/>
+            </a:pPr>
+            <a:r>
+              <a:rPr lang="en-US" sz="1400" b="1" dirty="0" smtClean="0">
+                <a:latin typeface="+mj-lt"/>
+              </a:rPr>
+              <a:t>As trip distance increases, efficiency declines</a:t>
+            </a:r>
+            <a:r>
+              <a:rPr lang="en-US" sz="1000" b="1" dirty="0" smtClean="0">
+                <a:latin typeface="+mj-lt"/>
+              </a:rPr>
+              <a:t>.</a:t>
+            </a:r>
+          </a:p>
+          <a:p>
+            <a:pPr marL="285750" indent="-285750">
+              <a:buFont typeface="Arial" panose="020B0604020202020204" pitchFamily="34" charset="0"/>
+              <a:buChar char="•"/>
+            </a:pPr>
+            <a:r>
+              <a:rPr lang="en-US" sz="1400" b="1" dirty="0">
+                <a:latin typeface="+mj-lt"/>
+              </a:rPr>
+              <a:t>For ride shorter than 0.1 miles, wind speed barely show any influence on efficiency. However, as distance grows, strong wind (over 20) becomes an adverse factor for efficiency.</a:t>
+            </a:r>
+            <a:endParaRPr lang="en-US" sz="1400" b="1" dirty="0">
+              <a:latin typeface="+mj-lt"/>
+            </a:endParaRPr>
+          </a:p>
+          <a:p>
+            <a:endParaRPr lang="en-US" sz="1000" b="1" dirty="0" smtClean="0">
+              <a:latin typeface="+mj-lt"/>
+            </a:endParaRPr>
           </a:p>
         </p:txBody>
       </p:sp>
@@ -13710,7 +13943,7 @@
         </p:nvSpPr>
         <p:spPr>
           <a:xfrm>
-            <a:off x="7350915" y="3254194"/>
+            <a:off x="7369634" y="2391606"/>
             <a:ext cx="3008747" cy="615553"/>
           </a:xfrm>
           <a:prstGeom prst="rect">
@@ -13797,6 +14030,44 @@
               </a:rPr>
               <a:t>DATA: TAXI AND LIMOUSINE  COMMISSION</a:t>
             </a:r>
+          </a:p>
+        </p:txBody>
+      </p:sp>
+      <p:sp>
+        <p:nvSpPr>
+          <p:cNvPr id="29" name="TextBox 28"/>
+          <p:cNvSpPr txBox="1"/>
+          <p:nvPr/>
+        </p:nvSpPr>
+        <p:spPr>
+          <a:xfrm>
+            <a:off x="7466915" y="3150275"/>
+            <a:ext cx="2345952" cy="1169551"/>
+          </a:xfrm>
+          <a:prstGeom prst="rect">
+            <a:avLst/>
+          </a:prstGeom>
+          <a:noFill/>
+        </p:spPr>
+        <p:txBody>
+          <a:bodyPr wrap="square" rtlCol="0">
+            <a:spAutoFit/>
+          </a:bodyPr>
+          <a:lstStyle/>
+          <a:p>
+            <a:pPr marL="285750" indent="-285750">
+              <a:buFont typeface="Arial" panose="020B0604020202020204" pitchFamily="34" charset="0"/>
+              <a:buChar char="•"/>
+            </a:pPr>
+            <a:r>
+              <a:rPr lang="en-US" sz="1400" b="1" dirty="0" smtClean="0">
+                <a:latin typeface="+mj-lt"/>
+              </a:rPr>
+              <a:t>For rides shorter than 0.2 miles, either high temperature (over 80) or low temperature (below 20) stimulates efficiency.</a:t>
+            </a:r>
+            <a:endParaRPr lang="en-US" sz="1000" b="1" dirty="0" smtClean="0">
+              <a:latin typeface="+mj-lt"/>
+            </a:endParaRPr>
           </a:p>
         </p:txBody>
       </p:sp>
@@ -15683,8 +15954,8 @@
         </p:nvSpPr>
         <p:spPr>
           <a:xfrm>
-            <a:off x="838200" y="1690688"/>
-            <a:ext cx="4740832" cy="369332"/>
+            <a:off x="838199" y="1690688"/>
+            <a:ext cx="5604933" cy="369332"/>
           </a:xfrm>
           <a:prstGeom prst="rect">
             <a:avLst/>
@@ -15701,7 +15972,13 @@
               <a:rPr lang="en-US" b="1" dirty="0" smtClean="0">
                 <a:latin typeface="+mj-lt"/>
               </a:rPr>
-              <a:t>Average tip is worse on Friday and Saturday.</a:t>
+              <a:t>Average tip is </a:t>
+            </a:r>
+            <a:r>
+              <a:rPr lang="en-US" b="1" dirty="0" smtClean="0">
+                <a:latin typeface="+mj-lt"/>
+              </a:rPr>
+              <a:t>better from Sunday through Thursday</a:t>
             </a:r>
             <a:endParaRPr lang="en-US" b="1" dirty="0">
               <a:latin typeface="+mj-lt"/>
@@ -16472,7 +16749,7 @@
         <p:spPr>
           <a:xfrm>
             <a:off x="838199" y="1690688"/>
-            <a:ext cx="5430795" cy="369332"/>
+            <a:ext cx="8788401" cy="369332"/>
           </a:xfrm>
           <a:prstGeom prst="rect">
             <a:avLst/>
@@ -16489,7 +16766,13 @@
               <a:rPr lang="en-US" b="1" dirty="0" smtClean="0">
                 <a:latin typeface="+mj-lt"/>
               </a:rPr>
-              <a:t>Average tip is better before sunrise or after sunset.</a:t>
+              <a:t>Passengers tip more </a:t>
+            </a:r>
+            <a:r>
+              <a:rPr lang="en-US" b="1" dirty="0" smtClean="0">
+                <a:latin typeface="+mj-lt"/>
+              </a:rPr>
+              <a:t>during bad weather.</a:t>
             </a:r>
             <a:endParaRPr lang="en-US" b="1" dirty="0">
               <a:latin typeface="+mj-lt"/>
@@ -17296,7 +17579,7 @@
 </p:sld>
 </file>
 
-<file path=ppt/slides/slide4.xml><?xml version="1.0" encoding="utf-8"?>
+<file path=ppt/slides/slide36.xml><?xml version="1.0" encoding="utf-8"?>
 <p:sld xmlns:a="http://schemas.openxmlformats.org/drawingml/2006/main" xmlns:r="http://schemas.openxmlformats.org/officeDocument/2006/relationships" xmlns:p="http://schemas.openxmlformats.org/presentationml/2006/main">
   <p:cSld>
     <p:spTree>
@@ -17313,303 +17596,6 @@
           <a:chExt cx="0" cy="0"/>
         </a:xfrm>
       </p:grpSpPr>
-      <p:sp>
-        <p:nvSpPr>
-          <p:cNvPr id="2" name="Title 1"/>
-          <p:cNvSpPr>
-            <a:spLocks noGrp="1"/>
-          </p:cNvSpPr>
-          <p:nvPr>
-            <p:ph type="title"/>
-          </p:nvPr>
-        </p:nvSpPr>
-        <p:spPr/>
-        <p:txBody>
-          <a:bodyPr/>
-          <a:lstStyle/>
-          <a:p>
-            <a:r>
-              <a:rPr lang="en-US" dirty="0" smtClean="0"/>
-              <a:t>ANALYSIS ROADMAP</a:t>
-            </a:r>
-            <a:endParaRPr lang="en-US" dirty="0"/>
-          </a:p>
-        </p:txBody>
-      </p:sp>
-      <p:sp>
-        <p:nvSpPr>
-          <p:cNvPr id="3" name="Content Placeholder 2"/>
-          <p:cNvSpPr>
-            <a:spLocks noGrp="1"/>
-          </p:cNvSpPr>
-          <p:nvPr>
-            <p:ph idx="1"/>
-          </p:nvPr>
-        </p:nvSpPr>
-        <p:spPr>
-          <a:xfrm>
-            <a:off x="838200" y="1825625"/>
-            <a:ext cx="10515600" cy="3652537"/>
-          </a:xfrm>
-        </p:spPr>
-        <p:txBody>
-          <a:bodyPr>
-            <a:normAutofit/>
-          </a:bodyPr>
-          <a:lstStyle/>
-          <a:p>
-            <a:pPr>
-              <a:lnSpc>
-                <a:spcPct val="150000"/>
-              </a:lnSpc>
-            </a:pPr>
-            <a:r>
-              <a:rPr lang="en-US" dirty="0" smtClean="0"/>
-              <a:t>Build data collection pipeline</a:t>
-            </a:r>
-          </a:p>
-          <a:p>
-            <a:pPr>
-              <a:lnSpc>
-                <a:spcPct val="150000"/>
-              </a:lnSpc>
-            </a:pPr>
-            <a:r>
-              <a:rPr lang="en-US" dirty="0" smtClean="0"/>
-              <a:t>Load the data</a:t>
-            </a:r>
-          </a:p>
-          <a:p>
-            <a:pPr>
-              <a:lnSpc>
-                <a:spcPct val="150000"/>
-              </a:lnSpc>
-            </a:pPr>
-            <a:r>
-              <a:rPr lang="en-US" dirty="0" smtClean="0"/>
-              <a:t>Data </a:t>
-            </a:r>
-            <a:r>
-              <a:rPr lang="en-US" dirty="0" smtClean="0"/>
-              <a:t>Integration/validation/cleaning/transformation</a:t>
-            </a:r>
-            <a:endParaRPr lang="en-US" dirty="0" smtClean="0"/>
-          </a:p>
-          <a:p>
-            <a:pPr>
-              <a:lnSpc>
-                <a:spcPct val="150000"/>
-              </a:lnSpc>
-            </a:pPr>
-            <a:r>
-              <a:rPr lang="en-US" dirty="0" smtClean="0"/>
-              <a:t>Exploratory data analysis/social network analysis/predictive modeling</a:t>
-            </a:r>
-          </a:p>
-          <a:p>
-            <a:pPr>
-              <a:lnSpc>
-                <a:spcPct val="150000"/>
-              </a:lnSpc>
-            </a:pPr>
-            <a:endParaRPr lang="en-US" dirty="0" smtClean="0"/>
-          </a:p>
-          <a:p>
-            <a:pPr>
-              <a:lnSpc>
-                <a:spcPct val="150000"/>
-              </a:lnSpc>
-            </a:pPr>
-            <a:endParaRPr lang="en-US" dirty="0"/>
-          </a:p>
-        </p:txBody>
-      </p:sp>
-    </p:spTree>
-    <p:extLst>
-      <p:ext uri="{BB962C8B-B14F-4D97-AF65-F5344CB8AC3E}">
-        <p14:creationId xmlns:p14="http://schemas.microsoft.com/office/powerpoint/2010/main" val="3887277413"/>
-      </p:ext>
-    </p:extLst>
-  </p:cSld>
-  <p:clrMapOvr>
-    <a:masterClrMapping/>
-  </p:clrMapOvr>
-</p:sld>
-</file>
-
-<file path=ppt/slides/slide5.xml><?xml version="1.0" encoding="utf-8"?>
-<p:sld xmlns:a="http://schemas.openxmlformats.org/drawingml/2006/main" xmlns:r="http://schemas.openxmlformats.org/officeDocument/2006/relationships" xmlns:p="http://schemas.openxmlformats.org/presentationml/2006/main">
-  <p:cSld>
-    <p:spTree>
-      <p:nvGrpSpPr>
-        <p:cNvPr id="1" name=""/>
-        <p:cNvGrpSpPr/>
-        <p:nvPr/>
-      </p:nvGrpSpPr>
-      <p:grpSpPr>
-        <a:xfrm>
-          <a:off x="0" y="0"/>
-          <a:ext cx="0" cy="0"/>
-          <a:chOff x="0" y="0"/>
-          <a:chExt cx="0" cy="0"/>
-        </a:xfrm>
-      </p:grpSpPr>
-      <p:sp>
-        <p:nvSpPr>
-          <p:cNvPr id="2" name="Title 1"/>
-          <p:cNvSpPr>
-            <a:spLocks noGrp="1"/>
-          </p:cNvSpPr>
-          <p:nvPr>
-            <p:ph type="title"/>
-          </p:nvPr>
-        </p:nvSpPr>
-        <p:spPr/>
-        <p:txBody>
-          <a:bodyPr/>
-          <a:lstStyle/>
-          <a:p>
-            <a:r>
-              <a:rPr lang="en-US" dirty="0" smtClean="0"/>
-              <a:t>DATA COLLECTION </a:t>
-            </a:r>
-            <a:r>
-              <a:rPr lang="en-US" i="1" dirty="0"/>
-              <a:t>(Python</a:t>
-            </a:r>
-            <a:r>
-              <a:rPr lang="en-US" i="1" dirty="0" smtClean="0"/>
-              <a:t>)</a:t>
-            </a:r>
-            <a:endParaRPr lang="en-US" dirty="0"/>
-          </a:p>
-        </p:txBody>
-      </p:sp>
-      <p:sp>
-        <p:nvSpPr>
-          <p:cNvPr id="3" name="Content Placeholder 2"/>
-          <p:cNvSpPr>
-            <a:spLocks noGrp="1"/>
-          </p:cNvSpPr>
-          <p:nvPr>
-            <p:ph idx="1"/>
-          </p:nvPr>
-        </p:nvSpPr>
-        <p:spPr>
-          <a:xfrm>
-            <a:off x="838200" y="1825625"/>
-            <a:ext cx="10515600" cy="4822310"/>
-          </a:xfrm>
-        </p:spPr>
-        <p:txBody>
-          <a:bodyPr>
-            <a:normAutofit/>
-          </a:bodyPr>
-          <a:lstStyle/>
-          <a:p>
-            <a:pPr>
-              <a:lnSpc>
-                <a:spcPct val="150000"/>
-              </a:lnSpc>
-            </a:pPr>
-            <a:r>
-              <a:rPr lang="en-US" dirty="0" smtClean="0"/>
-              <a:t>Web crawling pipeline including: </a:t>
-            </a:r>
-            <a:endParaRPr lang="en-US" i="1" dirty="0"/>
-          </a:p>
-          <a:p>
-            <a:pPr lvl="1">
-              <a:lnSpc>
-                <a:spcPct val="150000"/>
-              </a:lnSpc>
-              <a:buFont typeface="Wingdings" panose="05000000000000000000" pitchFamily="2" charset="2"/>
-              <a:buChar char="ü"/>
-            </a:pPr>
-            <a:r>
-              <a:rPr lang="en-US" dirty="0" smtClean="0"/>
-              <a:t>Fetch data about ridership, weather, federal holiday</a:t>
-            </a:r>
-          </a:p>
-          <a:p>
-            <a:pPr lvl="1">
-              <a:lnSpc>
-                <a:spcPct val="150000"/>
-              </a:lnSpc>
-              <a:buFont typeface="Wingdings" panose="05000000000000000000" pitchFamily="2" charset="2"/>
-              <a:buChar char="ü"/>
-            </a:pPr>
-            <a:r>
-              <a:rPr lang="en-US" dirty="0" smtClean="0"/>
-              <a:t>Transform features (e.g. “pick up time &amp; drop off time” to ride time; “date” to year, month, day of week and hour , “longitude/latitude” to zip code, etc.)</a:t>
-            </a:r>
-          </a:p>
-          <a:p>
-            <a:pPr lvl="1">
-              <a:lnSpc>
-                <a:spcPct val="150000"/>
-              </a:lnSpc>
-              <a:buFont typeface="Wingdings" panose="05000000000000000000" pitchFamily="2" charset="2"/>
-              <a:buChar char="ü"/>
-            </a:pPr>
-            <a:r>
-              <a:rPr lang="en-US" dirty="0" smtClean="0"/>
-              <a:t>Insert data into tables in a </a:t>
-            </a:r>
-            <a:r>
-              <a:rPr lang="en-US" dirty="0" smtClean="0"/>
-              <a:t>relational </a:t>
-            </a:r>
-            <a:r>
-              <a:rPr lang="en-US" dirty="0" smtClean="0"/>
-              <a:t>database (</a:t>
-            </a:r>
-            <a:r>
-              <a:rPr lang="en-US" dirty="0" err="1"/>
-              <a:t>S</a:t>
-            </a:r>
-            <a:r>
-              <a:rPr lang="en-US" dirty="0" err="1" smtClean="0"/>
-              <a:t>qlite</a:t>
-            </a:r>
-            <a:r>
-              <a:rPr lang="en-US" dirty="0" smtClean="0"/>
-              <a:t>)</a:t>
-            </a:r>
-            <a:endParaRPr lang="en-US" dirty="0" smtClean="0"/>
-          </a:p>
-          <a:p>
-            <a:pPr lvl="1">
-              <a:lnSpc>
-                <a:spcPct val="150000"/>
-              </a:lnSpc>
-              <a:buFont typeface="Courier New" panose="02070309020205020404" pitchFamily="49" charset="0"/>
-              <a:buChar char="o"/>
-            </a:pPr>
-            <a:r>
-              <a:rPr lang="en-US" dirty="0" smtClean="0"/>
-              <a:t> a raw data of 6 gigabytes</a:t>
-            </a:r>
-          </a:p>
-          <a:p>
-            <a:pPr marL="457200" lvl="1" indent="0">
-              <a:lnSpc>
-                <a:spcPct val="150000"/>
-              </a:lnSpc>
-              <a:buNone/>
-            </a:pPr>
-            <a:endParaRPr lang="en-US" dirty="0" smtClean="0"/>
-          </a:p>
-          <a:p>
-            <a:pPr>
-              <a:lnSpc>
-                <a:spcPct val="150000"/>
-              </a:lnSpc>
-            </a:pPr>
-            <a:endParaRPr lang="en-US" dirty="0"/>
-          </a:p>
-        </p:txBody>
-      </p:sp>
       <p:sp>
         <p:nvSpPr>
           <p:cNvPr id="4" name="Rectangle 1"/>
@@ -17693,10 +17679,428 @@
           </a:p>
         </p:txBody>
       </p:sp>
+      <p:sp>
+        <p:nvSpPr>
+          <p:cNvPr id="3" name="Title 2"/>
+          <p:cNvSpPr>
+            <a:spLocks noGrp="1"/>
+          </p:cNvSpPr>
+          <p:nvPr>
+            <p:ph type="title"/>
+          </p:nvPr>
+        </p:nvSpPr>
+        <p:spPr/>
+        <p:txBody>
+          <a:bodyPr/>
+          <a:lstStyle/>
+          <a:p>
+            <a:r>
+              <a:rPr lang="en-US" dirty="0"/>
+              <a:t>Segmentation </a:t>
+            </a:r>
+            <a:r>
+              <a:rPr lang="en-US" altLang="zh-CN" dirty="0"/>
+              <a:t>—— </a:t>
+            </a:r>
+            <a:r>
+              <a:rPr lang="en-US" altLang="zh-CN" dirty="0" smtClean="0"/>
+              <a:t>Weather</a:t>
+            </a:r>
+            <a:endParaRPr lang="en-US" dirty="0"/>
+          </a:p>
+        </p:txBody>
+      </p:sp>
+      <p:sp>
+        <p:nvSpPr>
+          <p:cNvPr id="13" name="TextBox 12"/>
+          <p:cNvSpPr txBox="1"/>
+          <p:nvPr/>
+        </p:nvSpPr>
+        <p:spPr>
+          <a:xfrm>
+            <a:off x="772269" y="1391884"/>
+            <a:ext cx="8788401" cy="369332"/>
+          </a:xfrm>
+          <a:prstGeom prst="rect">
+            <a:avLst/>
+          </a:prstGeom>
+          <a:noFill/>
+        </p:spPr>
+        <p:txBody>
+          <a:bodyPr wrap="square" rtlCol="0">
+            <a:spAutoFit/>
+          </a:bodyPr>
+          <a:lstStyle/>
+          <a:p>
+            <a:r>
+              <a:rPr lang="en-US" b="1" dirty="0" smtClean="0">
+                <a:latin typeface="+mj-lt"/>
+              </a:rPr>
+              <a:t>Passengers tip more </a:t>
+            </a:r>
+            <a:r>
+              <a:rPr lang="en-US" b="1" dirty="0" smtClean="0">
+                <a:latin typeface="+mj-lt"/>
+              </a:rPr>
+              <a:t>during bad weather.</a:t>
+            </a:r>
+            <a:endParaRPr lang="en-US" b="1" dirty="0">
+              <a:latin typeface="+mj-lt"/>
+            </a:endParaRPr>
+          </a:p>
+        </p:txBody>
+      </p:sp>
+      <p:pic>
+        <p:nvPicPr>
+          <p:cNvPr id="10" name="Picture 9"/>
+          <p:cNvPicPr>
+            <a:picLocks noChangeAspect="1"/>
+          </p:cNvPicPr>
+          <p:nvPr/>
+        </p:nvPicPr>
+        <p:blipFill>
+          <a:blip r:embed="rId2">
+            <a:extLst>
+              <a:ext uri="{28A0092B-C50C-407E-A947-70E740481C1C}">
+                <a14:useLocalDpi xmlns:a14="http://schemas.microsoft.com/office/drawing/2010/main" val="0"/>
+              </a:ext>
+            </a:extLst>
+          </a:blip>
+          <a:stretch>
+            <a:fillRect/>
+          </a:stretch>
+        </p:blipFill>
+        <p:spPr>
+          <a:xfrm>
+            <a:off x="838198" y="2135604"/>
+            <a:ext cx="5207268" cy="4381725"/>
+          </a:xfrm>
+          <a:prstGeom prst="rect">
+            <a:avLst/>
+          </a:prstGeom>
+        </p:spPr>
+      </p:pic>
+      <p:grpSp>
+        <p:nvGrpSpPr>
+          <p:cNvPr id="33" name="Group 32"/>
+          <p:cNvGrpSpPr/>
+          <p:nvPr/>
+        </p:nvGrpSpPr>
+        <p:grpSpPr>
+          <a:xfrm>
+            <a:off x="772269" y="1880409"/>
+            <a:ext cx="6348200" cy="4712503"/>
+            <a:chOff x="992402" y="2506060"/>
+            <a:chExt cx="7424069" cy="4311282"/>
+          </a:xfrm>
+        </p:grpSpPr>
+        <p:cxnSp>
+          <p:nvCxnSpPr>
+            <p:cNvPr id="35" name="Straight Arrow Connector 34"/>
+            <p:cNvCxnSpPr/>
+            <p:nvPr/>
+          </p:nvCxnSpPr>
+          <p:spPr>
+            <a:xfrm flipV="1">
+              <a:off x="992402" y="2528259"/>
+              <a:ext cx="9808" cy="4251040"/>
+            </a:xfrm>
+            <a:prstGeom prst="straightConnector1">
+              <a:avLst/>
+            </a:prstGeom>
+            <a:ln w="28575">
+              <a:solidFill>
+                <a:schemeClr val="accent1">
+                  <a:lumMod val="75000"/>
+                </a:schemeClr>
+              </a:solidFill>
+              <a:tailEnd type="triangle"/>
+            </a:ln>
+          </p:spPr>
+          <p:style>
+            <a:lnRef idx="1">
+              <a:schemeClr val="accent1"/>
+            </a:lnRef>
+            <a:fillRef idx="0">
+              <a:schemeClr val="accent1"/>
+            </a:fillRef>
+            <a:effectRef idx="0">
+              <a:schemeClr val="accent1"/>
+            </a:effectRef>
+            <a:fontRef idx="minor">
+              <a:schemeClr val="tx1"/>
+            </a:fontRef>
+          </p:style>
+        </p:cxnSp>
+        <p:grpSp>
+          <p:nvGrpSpPr>
+            <p:cNvPr id="48" name="Group 47"/>
+            <p:cNvGrpSpPr/>
+            <p:nvPr/>
+          </p:nvGrpSpPr>
+          <p:grpSpPr>
+            <a:xfrm>
+              <a:off x="1002210" y="2506060"/>
+              <a:ext cx="7414261" cy="4311282"/>
+              <a:chOff x="2372496" y="1440992"/>
+              <a:chExt cx="8255241" cy="4795567"/>
+            </a:xfrm>
+          </p:grpSpPr>
+          <p:cxnSp>
+            <p:nvCxnSpPr>
+              <p:cNvPr id="49" name="Straight Arrow Connector 48"/>
+              <p:cNvCxnSpPr/>
+              <p:nvPr/>
+            </p:nvCxnSpPr>
+            <p:spPr>
+              <a:xfrm>
+                <a:off x="2372497" y="6190654"/>
+                <a:ext cx="7685903" cy="45905"/>
+              </a:xfrm>
+              <a:prstGeom prst="straightConnector1">
+                <a:avLst/>
+              </a:prstGeom>
+              <a:ln w="38100">
+                <a:solidFill>
+                  <a:schemeClr val="accent1">
+                    <a:lumMod val="75000"/>
+                  </a:schemeClr>
+                </a:solidFill>
+                <a:tailEnd type="triangle"/>
+              </a:ln>
+            </p:spPr>
+            <p:style>
+              <a:lnRef idx="1">
+                <a:schemeClr val="accent1"/>
+              </a:lnRef>
+              <a:fillRef idx="0">
+                <a:schemeClr val="accent1"/>
+              </a:fillRef>
+              <a:effectRef idx="0">
+                <a:schemeClr val="accent1"/>
+              </a:effectRef>
+              <a:fontRef idx="minor">
+                <a:schemeClr val="tx1"/>
+              </a:fontRef>
+            </p:style>
+          </p:cxnSp>
+          <p:sp>
+            <p:nvSpPr>
+              <p:cNvPr id="50" name="TextBox 49"/>
+              <p:cNvSpPr txBox="1"/>
+              <p:nvPr/>
+            </p:nvSpPr>
+            <p:spPr>
+              <a:xfrm>
+                <a:off x="8522023" y="5668728"/>
+                <a:ext cx="2105714" cy="344521"/>
+              </a:xfrm>
+              <a:prstGeom prst="rect">
+                <a:avLst/>
+              </a:prstGeom>
+              <a:noFill/>
+            </p:spPr>
+            <p:txBody>
+              <a:bodyPr wrap="square" rtlCol="0">
+                <a:spAutoFit/>
+              </a:bodyPr>
+              <a:lstStyle/>
+              <a:p>
+                <a:r>
+                  <a:rPr lang="en-US" sz="1600" b="1" dirty="0" smtClean="0">
+                    <a:solidFill>
+                      <a:schemeClr val="tx1">
+                        <a:lumMod val="50000"/>
+                        <a:lumOff val="50000"/>
+                      </a:schemeClr>
+                    </a:solidFill>
+                  </a:rPr>
+                  <a:t>Tip Probability</a:t>
+                </a:r>
+                <a:endParaRPr lang="en-US" sz="1600" b="1" dirty="0">
+                  <a:solidFill>
+                    <a:schemeClr val="tx1">
+                      <a:lumMod val="50000"/>
+                      <a:lumOff val="50000"/>
+                    </a:schemeClr>
+                  </a:solidFill>
+                </a:endParaRPr>
+              </a:p>
+            </p:txBody>
+          </p:sp>
+          <p:sp>
+            <p:nvSpPr>
+              <p:cNvPr id="51" name="TextBox 50"/>
+              <p:cNvSpPr txBox="1"/>
+              <p:nvPr/>
+            </p:nvSpPr>
+            <p:spPr>
+              <a:xfrm>
+                <a:off x="2372496" y="1440992"/>
+                <a:ext cx="1982198" cy="328861"/>
+              </a:xfrm>
+              <a:prstGeom prst="rect">
+                <a:avLst/>
+              </a:prstGeom>
+              <a:noFill/>
+            </p:spPr>
+            <p:txBody>
+              <a:bodyPr wrap="square" rtlCol="0">
+                <a:spAutoFit/>
+              </a:bodyPr>
+              <a:lstStyle/>
+              <a:p>
+                <a:r>
+                  <a:rPr lang="en-US" sz="1500" b="1" dirty="0" smtClean="0">
+                    <a:solidFill>
+                      <a:schemeClr val="tx1">
+                        <a:lumMod val="50000"/>
+                        <a:lumOff val="50000"/>
+                      </a:schemeClr>
+                    </a:solidFill>
+                  </a:rPr>
+                  <a:t>Tip Variance</a:t>
+                </a:r>
+                <a:endParaRPr lang="en-US" sz="1500" b="1" dirty="0">
+                  <a:solidFill>
+                    <a:schemeClr val="tx1">
+                      <a:lumMod val="50000"/>
+                      <a:lumOff val="50000"/>
+                    </a:schemeClr>
+                  </a:solidFill>
+                </a:endParaRPr>
+              </a:p>
+            </p:txBody>
+          </p:sp>
+        </p:grpSp>
+      </p:grpSp>
+      <p:sp>
+        <p:nvSpPr>
+          <p:cNvPr id="53" name="TextBox 52"/>
+          <p:cNvSpPr txBox="1"/>
+          <p:nvPr/>
+        </p:nvSpPr>
+        <p:spPr>
+          <a:xfrm>
+            <a:off x="6227235" y="2326653"/>
+            <a:ext cx="3008747" cy="615553"/>
+          </a:xfrm>
+          <a:prstGeom prst="rect">
+            <a:avLst/>
+          </a:prstGeom>
+          <a:noFill/>
+        </p:spPr>
+        <p:txBody>
+          <a:bodyPr wrap="square" rtlCol="0">
+            <a:spAutoFit/>
+          </a:bodyPr>
+          <a:lstStyle/>
+          <a:p>
+            <a:r>
+              <a:rPr lang="en-US" sz="1700" b="1" dirty="0" smtClean="0">
+                <a:solidFill>
+                  <a:schemeClr val="bg2">
+                    <a:lumMod val="50000"/>
+                  </a:schemeClr>
+                </a:solidFill>
+              </a:rPr>
+              <a:t>larger </a:t>
+            </a:r>
+            <a:r>
+              <a:rPr lang="en-US" sz="1700" b="1" dirty="0">
+                <a:solidFill>
+                  <a:schemeClr val="bg2">
+                    <a:lumMod val="50000"/>
+                  </a:schemeClr>
+                </a:solidFill>
+              </a:rPr>
+              <a:t>and darker circles indicate </a:t>
+            </a:r>
+            <a:r>
+              <a:rPr lang="en-US" sz="1700" b="1" dirty="0" smtClean="0">
+                <a:solidFill>
+                  <a:schemeClr val="bg2">
+                    <a:lumMod val="50000"/>
+                  </a:schemeClr>
+                </a:solidFill>
+              </a:rPr>
+              <a:t>higher average tip.</a:t>
+            </a:r>
+            <a:endParaRPr lang="en-US" sz="1700" b="1" dirty="0">
+              <a:solidFill>
+                <a:schemeClr val="bg2">
+                  <a:lumMod val="50000"/>
+                </a:schemeClr>
+              </a:solidFill>
+            </a:endParaRPr>
+          </a:p>
+        </p:txBody>
+      </p:sp>
+      <p:sp>
+        <p:nvSpPr>
+          <p:cNvPr id="54" name="TextBox 53"/>
+          <p:cNvSpPr txBox="1"/>
+          <p:nvPr/>
+        </p:nvSpPr>
+        <p:spPr>
+          <a:xfrm>
+            <a:off x="6227235" y="3243116"/>
+            <a:ext cx="3062574" cy="1969770"/>
+          </a:xfrm>
+          <a:prstGeom prst="rect">
+            <a:avLst/>
+          </a:prstGeom>
+          <a:noFill/>
+        </p:spPr>
+        <p:txBody>
+          <a:bodyPr wrap="square" rtlCol="0">
+            <a:spAutoFit/>
+          </a:bodyPr>
+          <a:lstStyle/>
+          <a:p>
+            <a:pPr marL="285750" indent="-285750">
+              <a:buFont typeface="Arial" panose="020B0604020202020204" pitchFamily="34" charset="0"/>
+              <a:buChar char="•"/>
+            </a:pPr>
+            <a:r>
+              <a:rPr lang="en-US" sz="1400" b="1" dirty="0" smtClean="0">
+                <a:latin typeface="+mj-lt"/>
+              </a:rPr>
+              <a:t>As trip distance increases, efficiency declines</a:t>
+            </a:r>
+            <a:r>
+              <a:rPr lang="en-US" sz="1000" b="1" dirty="0" smtClean="0">
+                <a:latin typeface="+mj-lt"/>
+              </a:rPr>
+              <a:t>.</a:t>
+            </a:r>
+          </a:p>
+          <a:p>
+            <a:pPr marL="285750" indent="-285750">
+              <a:buFont typeface="Arial" panose="020B0604020202020204" pitchFamily="34" charset="0"/>
+              <a:buChar char="•"/>
+            </a:pPr>
+            <a:r>
+              <a:rPr lang="en-US" sz="1400" b="1" dirty="0">
+                <a:latin typeface="+mj-lt"/>
+              </a:rPr>
+              <a:t>For ride shorter than 0.1 miles, wind speed barely show any influence on efficiency. However, as distance grows, strong wind (over 20) becomes an adverse factor for efficiency.</a:t>
+            </a:r>
+            <a:endParaRPr lang="en-US" sz="1400" b="1" dirty="0">
+              <a:latin typeface="+mj-lt"/>
+            </a:endParaRPr>
+          </a:p>
+          <a:p>
+            <a:endParaRPr lang="en-US" sz="1000" b="1" dirty="0" smtClean="0">
+              <a:latin typeface="+mj-lt"/>
+            </a:endParaRPr>
+          </a:p>
+        </p:txBody>
+      </p:sp>
     </p:spTree>
     <p:extLst>
       <p:ext uri="{BB962C8B-B14F-4D97-AF65-F5344CB8AC3E}">
-        <p14:creationId xmlns:p14="http://schemas.microsoft.com/office/powerpoint/2010/main" val="1287137370"/>
+        <p14:creationId xmlns:p14="http://schemas.microsoft.com/office/powerpoint/2010/main" val="477658373"/>
       </p:ext>
     </p:extLst>
   </p:cSld>
@@ -17706,7 +18110,7 @@
 </p:sld>
 </file>
 
-<file path=ppt/slides/slide6.xml><?xml version="1.0" encoding="utf-8"?>
+<file path=ppt/slides/slide4.xml><?xml version="1.0" encoding="utf-8"?>
 <p:sld xmlns:a="http://schemas.openxmlformats.org/drawingml/2006/main" xmlns:r="http://schemas.openxmlformats.org/officeDocument/2006/relationships" xmlns:p="http://schemas.openxmlformats.org/presentationml/2006/main">
   <p:cSld>
     <p:spTree>
@@ -17740,9 +18144,9 @@
           <a:p>
             <a:r>
               <a:rPr lang="en-US" dirty="0" smtClean="0"/>
-              <a:t>LOAD DATA (Spark)</a:t>
-            </a:r>
-            <a:endParaRPr lang="en-US" i="1" dirty="0"/>
+              <a:t>ANALYSIS ROADMAP</a:t>
+            </a:r>
+            <a:endParaRPr lang="en-US" dirty="0"/>
           </a:p>
         </p:txBody>
       </p:sp>
@@ -17758,8 +18162,8 @@
         </p:nvSpPr>
         <p:spPr>
           <a:xfrm>
-            <a:off x="838200" y="1690688"/>
-            <a:ext cx="10515600" cy="4822310"/>
+            <a:off x="838200" y="1825625"/>
+            <a:ext cx="10515600" cy="3652537"/>
           </a:xfrm>
         </p:spPr>
         <p:txBody>
@@ -17775,7 +18179,7 @@
             </a:pPr>
             <a:r>
               <a:rPr lang="en-US" dirty="0" smtClean="0"/>
-              <a:t>Data Integration (weather data with 29,999 rows and ridership data with 45,299,607 rows)  </a:t>
+              <a:t>Build data collection pipeline</a:t>
             </a:r>
           </a:p>
           <a:p>
@@ -17786,8 +18190,229 @@
             </a:pPr>
             <a:r>
               <a:rPr lang="en-US" dirty="0" smtClean="0"/>
-              <a:t>Data Validation (data type, missing value, anomaly detection etc.)</a:t>
-            </a:r>
+              <a:t>Load the data</a:t>
+            </a:r>
+          </a:p>
+          <a:p>
+            <a:pPr>
+              <a:lnSpc>
+                <a:spcPct val="150000"/>
+              </a:lnSpc>
+            </a:pPr>
+            <a:r>
+              <a:rPr lang="en-US" dirty="0" smtClean="0"/>
+              <a:t>Data </a:t>
+            </a:r>
+            <a:r>
+              <a:rPr lang="en-US" dirty="0" smtClean="0"/>
+              <a:t>Integration/validation/cleaning/transformation</a:t>
+            </a:r>
+            <a:endParaRPr lang="en-US" dirty="0" smtClean="0"/>
+          </a:p>
+          <a:p>
+            <a:pPr>
+              <a:lnSpc>
+                <a:spcPct val="150000"/>
+              </a:lnSpc>
+            </a:pPr>
+            <a:r>
+              <a:rPr lang="en-US" dirty="0" smtClean="0"/>
+              <a:t>Exploratory data analysis/social network analysis/predictive modeling</a:t>
+            </a:r>
+          </a:p>
+          <a:p>
+            <a:pPr>
+              <a:lnSpc>
+                <a:spcPct val="150000"/>
+              </a:lnSpc>
+            </a:pPr>
+            <a:endParaRPr lang="en-US" dirty="0" smtClean="0"/>
+          </a:p>
+          <a:p>
+            <a:pPr>
+              <a:lnSpc>
+                <a:spcPct val="150000"/>
+              </a:lnSpc>
+            </a:pPr>
+            <a:endParaRPr lang="en-US" dirty="0"/>
+          </a:p>
+        </p:txBody>
+      </p:sp>
+    </p:spTree>
+    <p:extLst>
+      <p:ext uri="{BB962C8B-B14F-4D97-AF65-F5344CB8AC3E}">
+        <p14:creationId xmlns:p14="http://schemas.microsoft.com/office/powerpoint/2010/main" val="3887277413"/>
+      </p:ext>
+    </p:extLst>
+  </p:cSld>
+  <p:clrMapOvr>
+    <a:masterClrMapping/>
+  </p:clrMapOvr>
+</p:sld>
+</file>
+
+<file path=ppt/slides/slide5.xml><?xml version="1.0" encoding="utf-8"?>
+<p:sld xmlns:a="http://schemas.openxmlformats.org/drawingml/2006/main" xmlns:r="http://schemas.openxmlformats.org/officeDocument/2006/relationships" xmlns:p="http://schemas.openxmlformats.org/presentationml/2006/main">
+  <p:cSld>
+    <p:spTree>
+      <p:nvGrpSpPr>
+        <p:cNvPr id="1" name=""/>
+        <p:cNvGrpSpPr/>
+        <p:nvPr/>
+      </p:nvGrpSpPr>
+      <p:grpSpPr>
+        <a:xfrm>
+          <a:off x="0" y="0"/>
+          <a:ext cx="0" cy="0"/>
+          <a:chOff x="0" y="0"/>
+          <a:chExt cx="0" cy="0"/>
+        </a:xfrm>
+      </p:grpSpPr>
+      <p:sp>
+        <p:nvSpPr>
+          <p:cNvPr id="2" name="Title 1"/>
+          <p:cNvSpPr>
+            <a:spLocks noGrp="1"/>
+          </p:cNvSpPr>
+          <p:nvPr>
+            <p:ph type="title"/>
+          </p:nvPr>
+        </p:nvSpPr>
+        <p:spPr/>
+        <p:txBody>
+          <a:bodyPr/>
+          <a:lstStyle/>
+          <a:p>
+            <a:r>
+              <a:rPr lang="en-US" dirty="0" smtClean="0"/>
+              <a:t>DATA COLLECTION </a:t>
+            </a:r>
+            <a:r>
+              <a:rPr lang="en-US" i="1" dirty="0"/>
+              <a:t>(Python</a:t>
+            </a:r>
+            <a:r>
+              <a:rPr lang="en-US" i="1" dirty="0" smtClean="0"/>
+              <a:t>)</a:t>
+            </a:r>
+            <a:endParaRPr lang="en-US" dirty="0"/>
+          </a:p>
+        </p:txBody>
+      </p:sp>
+      <p:sp>
+        <p:nvSpPr>
+          <p:cNvPr id="3" name="Content Placeholder 2"/>
+          <p:cNvSpPr>
+            <a:spLocks noGrp="1"/>
+          </p:cNvSpPr>
+          <p:nvPr>
+            <p:ph idx="1"/>
+          </p:nvPr>
+        </p:nvSpPr>
+        <p:spPr>
+          <a:xfrm>
+            <a:off x="838200" y="1825625"/>
+            <a:ext cx="10515600" cy="4822310"/>
+          </a:xfrm>
+        </p:spPr>
+        <p:txBody>
+          <a:bodyPr>
+            <a:normAutofit/>
+          </a:bodyPr>
+          <a:lstStyle/>
+          <a:p>
+            <a:pPr>
+              <a:lnSpc>
+                <a:spcPct val="150000"/>
+              </a:lnSpc>
+            </a:pPr>
+            <a:r>
+              <a:rPr lang="en-US" dirty="0" smtClean="0"/>
+              <a:t>Web crawling pipeline including: </a:t>
+            </a:r>
+            <a:endParaRPr lang="en-US" i="1" dirty="0"/>
+          </a:p>
+          <a:p>
+            <a:pPr lvl="1">
+              <a:lnSpc>
+                <a:spcPct val="150000"/>
+              </a:lnSpc>
+              <a:buFont typeface="Wingdings" panose="05000000000000000000" pitchFamily="2" charset="2"/>
+              <a:buChar char="ü"/>
+            </a:pPr>
+            <a:r>
+              <a:rPr lang="en-US" dirty="0" smtClean="0"/>
+              <a:t>Fetch data about ridership, weather, federal holiday</a:t>
+            </a:r>
+          </a:p>
+          <a:p>
+            <a:pPr lvl="1">
+              <a:lnSpc>
+                <a:spcPct val="150000"/>
+              </a:lnSpc>
+              <a:buFont typeface="Wingdings" panose="05000000000000000000" pitchFamily="2" charset="2"/>
+              <a:buChar char="ü"/>
+            </a:pPr>
+            <a:r>
+              <a:rPr lang="en-US" dirty="0" smtClean="0"/>
+              <a:t>Transform features (e.g. “pick up time &amp; drop off time” to ride time; “date” to year, month, day of week and hour , “longitude/latitude” to zip code, etc.)</a:t>
+            </a:r>
+          </a:p>
+          <a:p>
+            <a:pPr lvl="1">
+              <a:lnSpc>
+                <a:spcPct val="150000"/>
+              </a:lnSpc>
+              <a:buFont typeface="Wingdings" panose="05000000000000000000" pitchFamily="2" charset="2"/>
+              <a:buChar char="ü"/>
+            </a:pPr>
+            <a:r>
+              <a:rPr lang="en-US" dirty="0" smtClean="0"/>
+              <a:t>Insert data into tables in a </a:t>
+            </a:r>
+            <a:r>
+              <a:rPr lang="en-US" dirty="0" smtClean="0"/>
+              <a:t>relational </a:t>
+            </a:r>
+            <a:r>
+              <a:rPr lang="en-US" dirty="0" smtClean="0"/>
+              <a:t>database (</a:t>
+            </a:r>
+            <a:r>
+              <a:rPr lang="en-US" dirty="0" err="1"/>
+              <a:t>S</a:t>
+            </a:r>
+            <a:r>
+              <a:rPr lang="en-US" dirty="0" err="1" smtClean="0"/>
+              <a:t>qlite</a:t>
+            </a:r>
+            <a:r>
+              <a:rPr lang="en-US" dirty="0" smtClean="0"/>
+              <a:t>)</a:t>
+            </a:r>
+            <a:endParaRPr lang="en-US" dirty="0" smtClean="0"/>
+          </a:p>
+          <a:p>
+            <a:pPr lvl="1">
+              <a:lnSpc>
+                <a:spcPct val="150000"/>
+              </a:lnSpc>
+              <a:buFont typeface="Courier New" panose="02070309020205020404" pitchFamily="49" charset="0"/>
+              <a:buChar char="o"/>
+            </a:pPr>
+            <a:r>
+              <a:rPr lang="en-US" dirty="0" smtClean="0"/>
+              <a:t> a raw data of 6 gigabytes</a:t>
+            </a:r>
+          </a:p>
+          <a:p>
+            <a:pPr marL="457200" lvl="1" indent="0">
+              <a:lnSpc>
+                <a:spcPct val="150000"/>
+              </a:lnSpc>
+              <a:buNone/>
+            </a:pPr>
+            <a:endParaRPr lang="en-US" dirty="0" smtClean="0"/>
           </a:p>
           <a:p>
             <a:pPr>
@@ -17882,220 +18507,10 @@
           </a:p>
         </p:txBody>
       </p:sp>
-      <p:sp>
-        <p:nvSpPr>
-          <p:cNvPr id="5" name="TextBox 4"/>
-          <p:cNvSpPr txBox="1"/>
-          <p:nvPr/>
-        </p:nvSpPr>
-        <p:spPr>
-          <a:xfrm>
-            <a:off x="4258963" y="3793799"/>
-            <a:ext cx="6441989" cy="3139321"/>
-          </a:xfrm>
-          <a:prstGeom prst="rect">
-            <a:avLst/>
-          </a:prstGeom>
-          <a:noFill/>
-        </p:spPr>
-        <p:txBody>
-          <a:bodyPr wrap="square" rtlCol="0">
-            <a:spAutoFit/>
-          </a:bodyPr>
-          <a:lstStyle/>
-          <a:p>
-            <a:pPr lvl="1">
-              <a:lnSpc>
-                <a:spcPct val="150000"/>
-              </a:lnSpc>
-              <a:buFont typeface="Wingdings" panose="05000000000000000000" pitchFamily="2" charset="2"/>
-              <a:buChar char="ü"/>
-            </a:pPr>
-            <a:r>
-              <a:rPr lang="en-US" sz="2000" dirty="0"/>
-              <a:t> hidden noise: </a:t>
-            </a:r>
-          </a:p>
-          <a:p>
-            <a:pPr lvl="2">
-              <a:lnSpc>
-                <a:spcPct val="150000"/>
-              </a:lnSpc>
-              <a:buFont typeface="Wingdings" panose="05000000000000000000" pitchFamily="2" charset="2"/>
-              <a:buChar char="§"/>
-            </a:pPr>
-            <a:r>
-              <a:rPr lang="en-US" sz="2000" dirty="0" smtClean="0"/>
-              <a:t> Cab </a:t>
-            </a:r>
-            <a:r>
-              <a:rPr lang="en-US" sz="2000" dirty="0"/>
-              <a:t>speed being either over 25mph (speed limit in NYC) or under 10 mph in the city </a:t>
-            </a:r>
-          </a:p>
-          <a:p>
-            <a:pPr lvl="2">
-              <a:lnSpc>
-                <a:spcPct val="150000"/>
-              </a:lnSpc>
-              <a:buFont typeface="Wingdings" panose="05000000000000000000" pitchFamily="2" charset="2"/>
-              <a:buChar char="§"/>
-            </a:pPr>
-            <a:r>
-              <a:rPr lang="en-US" sz="2000" dirty="0" smtClean="0"/>
-              <a:t> Fare </a:t>
-            </a:r>
-            <a:r>
-              <a:rPr lang="en-US" sz="2000" dirty="0"/>
-              <a:t>per minute less than $0.5 or over $30</a:t>
-            </a:r>
-          </a:p>
-          <a:p>
-            <a:pPr lvl="2">
-              <a:lnSpc>
-                <a:spcPct val="150000"/>
-              </a:lnSpc>
-              <a:buFont typeface="Wingdings" panose="05000000000000000000" pitchFamily="2" charset="2"/>
-              <a:buChar char="§"/>
-            </a:pPr>
-            <a:r>
-              <a:rPr lang="en-US" sz="2000" dirty="0" smtClean="0"/>
-              <a:t> Tip </a:t>
-            </a:r>
-            <a:r>
-              <a:rPr lang="en-US" sz="2000" dirty="0"/>
-              <a:t>percentage over 100%</a:t>
-            </a:r>
-          </a:p>
-          <a:p>
-            <a:pPr lvl="2">
-              <a:lnSpc>
-                <a:spcPct val="150000"/>
-              </a:lnSpc>
-              <a:buFont typeface="Wingdings" panose="05000000000000000000" pitchFamily="2" charset="2"/>
-              <a:buChar char="§"/>
-            </a:pPr>
-            <a:r>
-              <a:rPr lang="en-US" sz="2000" dirty="0"/>
-              <a:t>… …</a:t>
-            </a:r>
-          </a:p>
-          <a:p>
-            <a:endParaRPr lang="en-US" dirty="0"/>
-          </a:p>
-        </p:txBody>
-      </p:sp>
-      <p:sp>
-        <p:nvSpPr>
-          <p:cNvPr id="6" name="TextBox 5"/>
-          <p:cNvSpPr txBox="1"/>
-          <p:nvPr/>
-        </p:nvSpPr>
-        <p:spPr>
-          <a:xfrm>
-            <a:off x="691978" y="3795721"/>
-            <a:ext cx="4391388" cy="3139321"/>
-          </a:xfrm>
-          <a:prstGeom prst="rect">
-            <a:avLst/>
-          </a:prstGeom>
-          <a:noFill/>
-        </p:spPr>
-        <p:txBody>
-          <a:bodyPr wrap="square" rtlCol="0">
-            <a:spAutoFit/>
-          </a:bodyPr>
-          <a:lstStyle/>
-          <a:p>
-            <a:pPr lvl="1">
-              <a:lnSpc>
-                <a:spcPct val="150000"/>
-              </a:lnSpc>
-              <a:buFont typeface="Wingdings" panose="05000000000000000000" pitchFamily="2" charset="2"/>
-              <a:buChar char="ü"/>
-            </a:pPr>
-            <a:r>
-              <a:rPr lang="en-US" sz="2000" dirty="0"/>
-              <a:t> loud noise:</a:t>
-            </a:r>
-          </a:p>
-          <a:p>
-            <a:pPr lvl="2">
-              <a:lnSpc>
-                <a:spcPct val="150000"/>
-              </a:lnSpc>
-              <a:buFont typeface="Wingdings" panose="05000000000000000000" pitchFamily="2" charset="2"/>
-              <a:buChar char="§"/>
-            </a:pPr>
-            <a:r>
-              <a:rPr lang="en-US" sz="2000" dirty="0" smtClean="0"/>
-              <a:t> Tax</a:t>
-            </a:r>
-            <a:r>
-              <a:rPr lang="en-US" sz="2000" dirty="0"/>
-              <a:t>, fare, tolls, trip distance etc. being negative</a:t>
-            </a:r>
-          </a:p>
-          <a:p>
-            <a:pPr lvl="2">
-              <a:lnSpc>
-                <a:spcPct val="150000"/>
-              </a:lnSpc>
-              <a:buFont typeface="Wingdings" panose="05000000000000000000" pitchFamily="2" charset="2"/>
-              <a:buChar char="§"/>
-            </a:pPr>
-            <a:r>
-              <a:rPr lang="en-US" sz="2000" dirty="0" smtClean="0"/>
-              <a:t> Tip </a:t>
-            </a:r>
-            <a:r>
-              <a:rPr lang="en-US" sz="2000" dirty="0"/>
-              <a:t>being hundreds</a:t>
-            </a:r>
-          </a:p>
-          <a:p>
-            <a:pPr lvl="2">
-              <a:lnSpc>
-                <a:spcPct val="150000"/>
-              </a:lnSpc>
-              <a:buFont typeface="Wingdings" panose="05000000000000000000" pitchFamily="2" charset="2"/>
-              <a:buChar char="§"/>
-            </a:pPr>
-            <a:r>
-              <a:rPr lang="en-US" sz="2000" dirty="0" smtClean="0"/>
-              <a:t> Ride </a:t>
-            </a:r>
-            <a:r>
-              <a:rPr lang="en-US" sz="2000" dirty="0"/>
-              <a:t>time being 0</a:t>
-            </a:r>
-          </a:p>
-          <a:p>
-            <a:pPr lvl="2">
-              <a:lnSpc>
-                <a:spcPct val="150000"/>
-              </a:lnSpc>
-              <a:buFont typeface="Wingdings" panose="05000000000000000000" pitchFamily="2" charset="2"/>
-              <a:buChar char="§"/>
-            </a:pPr>
-            <a:r>
-              <a:rPr lang="en-US" sz="2000" dirty="0" smtClean="0"/>
-              <a:t> Passenger </a:t>
-            </a:r>
-            <a:r>
-              <a:rPr lang="en-US" sz="2000" dirty="0"/>
-              <a:t>number over 5</a:t>
-            </a:r>
-          </a:p>
-          <a:p>
-            <a:endParaRPr lang="en-US" dirty="0"/>
-          </a:p>
-        </p:txBody>
-      </p:sp>
     </p:spTree>
     <p:extLst>
       <p:ext uri="{BB962C8B-B14F-4D97-AF65-F5344CB8AC3E}">
-        <p14:creationId xmlns:p14="http://schemas.microsoft.com/office/powerpoint/2010/main" val="1313828039"/>
+        <p14:creationId xmlns:p14="http://schemas.microsoft.com/office/powerpoint/2010/main" val="1287137370"/>
       </p:ext>
     </p:extLst>
   </p:cSld>
@@ -18105,7 +18520,7 @@
 </p:sld>
 </file>
 
-<file path=ppt/slides/slide7.xml><?xml version="1.0" encoding="utf-8"?>
+<file path=ppt/slides/slide6.xml><?xml version="1.0" encoding="utf-8"?>
 <p:sld xmlns:a="http://schemas.openxmlformats.org/drawingml/2006/main" xmlns:r="http://schemas.openxmlformats.org/officeDocument/2006/relationships" xmlns:p="http://schemas.openxmlformats.org/presentationml/2006/main">
   <p:cSld>
     <p:spTree>
@@ -18139,7 +18554,7 @@
           <a:p>
             <a:r>
               <a:rPr lang="en-US" dirty="0" smtClean="0"/>
-              <a:t>LOAD DATA (Spark) Cont’d</a:t>
+              <a:t>LOAD DATA (Spark)</a:t>
             </a:r>
             <a:endParaRPr lang="en-US" i="1" dirty="0"/>
           </a:p>
@@ -18157,7 +18572,7 @@
         </p:nvSpPr>
         <p:spPr>
           <a:xfrm>
-            <a:off x="838200" y="1825625"/>
+            <a:off x="838200" y="1690688"/>
             <a:ext cx="10515600" cy="4822310"/>
           </a:xfrm>
         </p:spPr>
@@ -18174,11 +18589,7 @@
             </a:pPr>
             <a:r>
               <a:rPr lang="en-US" dirty="0" smtClean="0"/>
-              <a:t>If throwing away all polluted records, 8,314,112 (roughly one fifth) would remain</a:t>
-            </a:r>
-            <a:r>
-              <a:rPr lang="en-US" dirty="0" smtClean="0"/>
-              <a:t>.</a:t>
+              <a:t>Data Integration (weather data with 29,999 rows and ridership data with 45,299,607 rows)  </a:t>
             </a:r>
           </a:p>
           <a:p>
@@ -18189,36 +18600,8 @@
             </a:pPr>
             <a:r>
               <a:rPr lang="en-US" dirty="0" smtClean="0"/>
-              <a:t>Assume noise re randomly distributed among data.</a:t>
-            </a:r>
-          </a:p>
-          <a:p>
-            <a:pPr>
-              <a:lnSpc>
-                <a:spcPct val="150000"/>
-              </a:lnSpc>
-            </a:pPr>
-            <a:r>
-              <a:rPr lang="en-US" dirty="0"/>
-              <a:t>D</a:t>
-            </a:r>
-            <a:r>
-              <a:rPr lang="en-US" dirty="0" smtClean="0"/>
-              <a:t>eal with noise in data only when it </a:t>
-            </a:r>
-            <a:r>
-              <a:rPr lang="en-US" dirty="0" smtClean="0"/>
-              <a:t>would directly affect analysis, e.g. negative fare values would affect density analysis of efficiency(fare/ride </a:t>
-            </a:r>
-            <a:r>
-              <a:rPr lang="en-US" dirty="0"/>
-              <a:t>time</a:t>
-            </a:r>
-            <a:r>
-              <a:rPr lang="en-US" dirty="0" smtClean="0"/>
-              <a:t>), but not trend analysis of ride count.</a:t>
-            </a:r>
-            <a:endParaRPr lang="en-US" dirty="0" smtClean="0"/>
+              <a:t>Data Validation (data type, missing value, anomaly detection etc.)</a:t>
+            </a:r>
           </a:p>
           <a:p>
             <a:pPr>
@@ -18313,10 +18696,220 @@
           </a:p>
         </p:txBody>
       </p:sp>
+      <p:sp>
+        <p:nvSpPr>
+          <p:cNvPr id="5" name="TextBox 4"/>
+          <p:cNvSpPr txBox="1"/>
+          <p:nvPr/>
+        </p:nvSpPr>
+        <p:spPr>
+          <a:xfrm>
+            <a:off x="4258963" y="3793799"/>
+            <a:ext cx="6441989" cy="3139321"/>
+          </a:xfrm>
+          <a:prstGeom prst="rect">
+            <a:avLst/>
+          </a:prstGeom>
+          <a:noFill/>
+        </p:spPr>
+        <p:txBody>
+          <a:bodyPr wrap="square" rtlCol="0">
+            <a:spAutoFit/>
+          </a:bodyPr>
+          <a:lstStyle/>
+          <a:p>
+            <a:pPr lvl="1">
+              <a:lnSpc>
+                <a:spcPct val="150000"/>
+              </a:lnSpc>
+              <a:buFont typeface="Wingdings" panose="05000000000000000000" pitchFamily="2" charset="2"/>
+              <a:buChar char="ü"/>
+            </a:pPr>
+            <a:r>
+              <a:rPr lang="en-US" sz="2000" dirty="0"/>
+              <a:t> hidden noise: </a:t>
+            </a:r>
+          </a:p>
+          <a:p>
+            <a:pPr lvl="2">
+              <a:lnSpc>
+                <a:spcPct val="150000"/>
+              </a:lnSpc>
+              <a:buFont typeface="Wingdings" panose="05000000000000000000" pitchFamily="2" charset="2"/>
+              <a:buChar char="§"/>
+            </a:pPr>
+            <a:r>
+              <a:rPr lang="en-US" sz="2000" dirty="0" smtClean="0"/>
+              <a:t> Cab </a:t>
+            </a:r>
+            <a:r>
+              <a:rPr lang="en-US" sz="2000" dirty="0"/>
+              <a:t>speed being either over 25mph (speed limit in NYC) or under 10 mph in the city </a:t>
+            </a:r>
+          </a:p>
+          <a:p>
+            <a:pPr lvl="2">
+              <a:lnSpc>
+                <a:spcPct val="150000"/>
+              </a:lnSpc>
+              <a:buFont typeface="Wingdings" panose="05000000000000000000" pitchFamily="2" charset="2"/>
+              <a:buChar char="§"/>
+            </a:pPr>
+            <a:r>
+              <a:rPr lang="en-US" sz="2000" dirty="0" smtClean="0"/>
+              <a:t> Fare </a:t>
+            </a:r>
+            <a:r>
+              <a:rPr lang="en-US" sz="2000" dirty="0"/>
+              <a:t>per minute less than $0.5 or over $30</a:t>
+            </a:r>
+          </a:p>
+          <a:p>
+            <a:pPr lvl="2">
+              <a:lnSpc>
+                <a:spcPct val="150000"/>
+              </a:lnSpc>
+              <a:buFont typeface="Wingdings" panose="05000000000000000000" pitchFamily="2" charset="2"/>
+              <a:buChar char="§"/>
+            </a:pPr>
+            <a:r>
+              <a:rPr lang="en-US" sz="2000" dirty="0" smtClean="0"/>
+              <a:t> Tip </a:t>
+            </a:r>
+            <a:r>
+              <a:rPr lang="en-US" sz="2000" dirty="0"/>
+              <a:t>percentage over 100%</a:t>
+            </a:r>
+          </a:p>
+          <a:p>
+            <a:pPr lvl="2">
+              <a:lnSpc>
+                <a:spcPct val="150000"/>
+              </a:lnSpc>
+              <a:buFont typeface="Wingdings" panose="05000000000000000000" pitchFamily="2" charset="2"/>
+              <a:buChar char="§"/>
+            </a:pPr>
+            <a:r>
+              <a:rPr lang="en-US" sz="2000" dirty="0"/>
+              <a:t>… …</a:t>
+            </a:r>
+          </a:p>
+          <a:p>
+            <a:endParaRPr lang="en-US" dirty="0"/>
+          </a:p>
+        </p:txBody>
+      </p:sp>
+      <p:sp>
+        <p:nvSpPr>
+          <p:cNvPr id="6" name="TextBox 5"/>
+          <p:cNvSpPr txBox="1"/>
+          <p:nvPr/>
+        </p:nvSpPr>
+        <p:spPr>
+          <a:xfrm>
+            <a:off x="691978" y="3795721"/>
+            <a:ext cx="4391388" cy="3139321"/>
+          </a:xfrm>
+          <a:prstGeom prst="rect">
+            <a:avLst/>
+          </a:prstGeom>
+          <a:noFill/>
+        </p:spPr>
+        <p:txBody>
+          <a:bodyPr wrap="square" rtlCol="0">
+            <a:spAutoFit/>
+          </a:bodyPr>
+          <a:lstStyle/>
+          <a:p>
+            <a:pPr lvl="1">
+              <a:lnSpc>
+                <a:spcPct val="150000"/>
+              </a:lnSpc>
+              <a:buFont typeface="Wingdings" panose="05000000000000000000" pitchFamily="2" charset="2"/>
+              <a:buChar char="ü"/>
+            </a:pPr>
+            <a:r>
+              <a:rPr lang="en-US" sz="2000" dirty="0"/>
+              <a:t> loud noise:</a:t>
+            </a:r>
+          </a:p>
+          <a:p>
+            <a:pPr lvl="2">
+              <a:lnSpc>
+                <a:spcPct val="150000"/>
+              </a:lnSpc>
+              <a:buFont typeface="Wingdings" panose="05000000000000000000" pitchFamily="2" charset="2"/>
+              <a:buChar char="§"/>
+            </a:pPr>
+            <a:r>
+              <a:rPr lang="en-US" sz="2000" dirty="0" smtClean="0"/>
+              <a:t> Tax</a:t>
+            </a:r>
+            <a:r>
+              <a:rPr lang="en-US" sz="2000" dirty="0"/>
+              <a:t>, fare, tolls, trip distance etc. being negative</a:t>
+            </a:r>
+          </a:p>
+          <a:p>
+            <a:pPr lvl="2">
+              <a:lnSpc>
+                <a:spcPct val="150000"/>
+              </a:lnSpc>
+              <a:buFont typeface="Wingdings" panose="05000000000000000000" pitchFamily="2" charset="2"/>
+              <a:buChar char="§"/>
+            </a:pPr>
+            <a:r>
+              <a:rPr lang="en-US" sz="2000" dirty="0" smtClean="0"/>
+              <a:t> Tip </a:t>
+            </a:r>
+            <a:r>
+              <a:rPr lang="en-US" sz="2000" dirty="0"/>
+              <a:t>being hundreds</a:t>
+            </a:r>
+          </a:p>
+          <a:p>
+            <a:pPr lvl="2">
+              <a:lnSpc>
+                <a:spcPct val="150000"/>
+              </a:lnSpc>
+              <a:buFont typeface="Wingdings" panose="05000000000000000000" pitchFamily="2" charset="2"/>
+              <a:buChar char="§"/>
+            </a:pPr>
+            <a:r>
+              <a:rPr lang="en-US" sz="2000" dirty="0" smtClean="0"/>
+              <a:t> Ride </a:t>
+            </a:r>
+            <a:r>
+              <a:rPr lang="en-US" sz="2000" dirty="0"/>
+              <a:t>time being 0</a:t>
+            </a:r>
+          </a:p>
+          <a:p>
+            <a:pPr lvl="2">
+              <a:lnSpc>
+                <a:spcPct val="150000"/>
+              </a:lnSpc>
+              <a:buFont typeface="Wingdings" panose="05000000000000000000" pitchFamily="2" charset="2"/>
+              <a:buChar char="§"/>
+            </a:pPr>
+            <a:r>
+              <a:rPr lang="en-US" sz="2000" dirty="0" smtClean="0"/>
+              <a:t> Passenger </a:t>
+            </a:r>
+            <a:r>
+              <a:rPr lang="en-US" sz="2000" dirty="0"/>
+              <a:t>number over 5</a:t>
+            </a:r>
+          </a:p>
+          <a:p>
+            <a:endParaRPr lang="en-US" dirty="0"/>
+          </a:p>
+        </p:txBody>
+      </p:sp>
     </p:spTree>
     <p:extLst>
       <p:ext uri="{BB962C8B-B14F-4D97-AF65-F5344CB8AC3E}">
-        <p14:creationId xmlns:p14="http://schemas.microsoft.com/office/powerpoint/2010/main" val="3611030636"/>
+        <p14:creationId xmlns:p14="http://schemas.microsoft.com/office/powerpoint/2010/main" val="1313828039"/>
       </p:ext>
     </p:extLst>
   </p:cSld>
@@ -18326,7 +18919,7 @@
 </p:sld>
 </file>
 
-<file path=ppt/slides/slide8.xml><?xml version="1.0" encoding="utf-8"?>
+<file path=ppt/slides/slide7.xml><?xml version="1.0" encoding="utf-8"?>
 <p:sld xmlns:a="http://schemas.openxmlformats.org/drawingml/2006/main" xmlns:r="http://schemas.openxmlformats.org/officeDocument/2006/relationships" xmlns:p="http://schemas.openxmlformats.org/presentationml/2006/main">
   <p:cSld>
     <p:spTree>
@@ -18360,7 +18953,7 @@
           <a:p>
             <a:r>
               <a:rPr lang="en-US" dirty="0" smtClean="0"/>
-              <a:t>METHODOLODY</a:t>
+              <a:t>LOAD DATA (Spark) Cont’d</a:t>
             </a:r>
             <a:endParaRPr lang="en-US" i="1" dirty="0"/>
           </a:p>
@@ -18395,30 +18988,66 @@
             </a:pPr>
             <a:r>
               <a:rPr lang="en-US" dirty="0" smtClean="0"/>
-              <a:t>Generate summary statistics with Spark</a:t>
+              <a:t>If throwing away all polluted records, 8,314,112 (roughly one fifth) would remain</a:t>
+            </a:r>
+            <a:r>
+              <a:rPr lang="en-US" dirty="0" smtClean="0"/>
+              <a:t>.</a:t>
             </a:r>
           </a:p>
           <a:p>
             <a:pPr>
               <a:lnSpc>
-                <a:spcPct val="250000"/>
+                <a:spcPct val="150000"/>
               </a:lnSpc>
             </a:pPr>
             <a:r>
               <a:rPr lang="en-US" dirty="0" smtClean="0"/>
-              <a:t> Visualize with Jupyter Notebook/Pivot table/Tableau/R</a:t>
+              <a:t>Assume noise is randomly distributed among data.</a:t>
             </a:r>
           </a:p>
           <a:p>
             <a:pPr>
               <a:lnSpc>
-                <a:spcPct val="250000"/>
+                <a:spcPct val="150000"/>
               </a:lnSpc>
             </a:pPr>
             <a:r>
+              <a:rPr lang="en-US" dirty="0"/>
+              <a:t>D</a:t>
+            </a:r>
+            <a:r>
               <a:rPr lang="en-US" dirty="0" smtClean="0"/>
-              <a:t> Develop insights</a:t>
-            </a:r>
+              <a:t>eal with noise in data only when </a:t>
+            </a:r>
+            <a:r>
+              <a:rPr lang="en-US" dirty="0" smtClean="0"/>
+              <a:t>the noise</a:t>
+            </a:r>
+            <a:r>
+              <a:rPr lang="en-US" dirty="0" smtClean="0"/>
+              <a:t> </a:t>
+            </a:r>
+            <a:r>
+              <a:rPr lang="en-US" dirty="0" smtClean="0"/>
+              <a:t>would directly affect analysis, e.g. negative fare values would affect density analysis of efficiency(fare/ride </a:t>
+            </a:r>
+            <a:r>
+              <a:rPr lang="en-US" dirty="0"/>
+              <a:t>time</a:t>
+            </a:r>
+            <a:r>
+              <a:rPr lang="en-US" dirty="0" smtClean="0"/>
+              <a:t>), but not trend analysis of ride count.</a:t>
+            </a:r>
+            <a:endParaRPr lang="en-US" dirty="0" smtClean="0"/>
+          </a:p>
+          <a:p>
+            <a:pPr>
+              <a:lnSpc>
+                <a:spcPct val="150000"/>
+              </a:lnSpc>
+            </a:pPr>
             <a:endParaRPr lang="en-US" dirty="0"/>
           </a:p>
         </p:txBody>
@@ -18509,6 +19138,199 @@
     </p:spTree>
     <p:extLst>
       <p:ext uri="{BB962C8B-B14F-4D97-AF65-F5344CB8AC3E}">
+        <p14:creationId xmlns:p14="http://schemas.microsoft.com/office/powerpoint/2010/main" val="3611030636"/>
+      </p:ext>
+    </p:extLst>
+  </p:cSld>
+  <p:clrMapOvr>
+    <a:masterClrMapping/>
+  </p:clrMapOvr>
+</p:sld>
+</file>
+
+<file path=ppt/slides/slide8.xml><?xml version="1.0" encoding="utf-8"?>
+<p:sld xmlns:a="http://schemas.openxmlformats.org/drawingml/2006/main" xmlns:r="http://schemas.openxmlformats.org/officeDocument/2006/relationships" xmlns:p="http://schemas.openxmlformats.org/presentationml/2006/main">
+  <p:cSld>
+    <p:spTree>
+      <p:nvGrpSpPr>
+        <p:cNvPr id="1" name=""/>
+        <p:cNvGrpSpPr/>
+        <p:nvPr/>
+      </p:nvGrpSpPr>
+      <p:grpSpPr>
+        <a:xfrm>
+          <a:off x="0" y="0"/>
+          <a:ext cx="0" cy="0"/>
+          <a:chOff x="0" y="0"/>
+          <a:chExt cx="0" cy="0"/>
+        </a:xfrm>
+      </p:grpSpPr>
+      <p:sp>
+        <p:nvSpPr>
+          <p:cNvPr id="2" name="Title 1"/>
+          <p:cNvSpPr>
+            <a:spLocks noGrp="1"/>
+          </p:cNvSpPr>
+          <p:nvPr>
+            <p:ph type="title"/>
+          </p:nvPr>
+        </p:nvSpPr>
+        <p:spPr/>
+        <p:txBody>
+          <a:bodyPr/>
+          <a:lstStyle/>
+          <a:p>
+            <a:r>
+              <a:rPr lang="en-US" dirty="0" smtClean="0"/>
+              <a:t>METHODOLODY</a:t>
+            </a:r>
+            <a:endParaRPr lang="en-US" i="1" dirty="0"/>
+          </a:p>
+        </p:txBody>
+      </p:sp>
+      <p:sp>
+        <p:nvSpPr>
+          <p:cNvPr id="3" name="Content Placeholder 2"/>
+          <p:cNvSpPr>
+            <a:spLocks noGrp="1"/>
+          </p:cNvSpPr>
+          <p:nvPr>
+            <p:ph idx="1"/>
+          </p:nvPr>
+        </p:nvSpPr>
+        <p:spPr>
+          <a:xfrm>
+            <a:off x="838200" y="1825625"/>
+            <a:ext cx="10515600" cy="4822310"/>
+          </a:xfrm>
+        </p:spPr>
+        <p:txBody>
+          <a:bodyPr>
+            <a:normAutofit/>
+          </a:bodyPr>
+          <a:lstStyle/>
+          <a:p>
+            <a:pPr>
+              <a:lnSpc>
+                <a:spcPct val="150000"/>
+              </a:lnSpc>
+            </a:pPr>
+            <a:r>
+              <a:rPr lang="en-US" dirty="0" smtClean="0"/>
+              <a:t>Generate summary statistics with Spark</a:t>
+            </a:r>
+          </a:p>
+          <a:p>
+            <a:pPr>
+              <a:lnSpc>
+                <a:spcPct val="250000"/>
+              </a:lnSpc>
+            </a:pPr>
+            <a:r>
+              <a:rPr lang="en-US" dirty="0" smtClean="0"/>
+              <a:t> Visualize with Jupyter Notebook/Pivot table/Tableau/R</a:t>
+            </a:r>
+          </a:p>
+          <a:p>
+            <a:pPr>
+              <a:lnSpc>
+                <a:spcPct val="250000"/>
+              </a:lnSpc>
+            </a:pPr>
+            <a:r>
+              <a:rPr lang="en-US" dirty="0" smtClean="0"/>
+              <a:t> Develop insights</a:t>
+            </a:r>
+            <a:endParaRPr lang="en-US" dirty="0"/>
+          </a:p>
+        </p:txBody>
+      </p:sp>
+      <p:sp>
+        <p:nvSpPr>
+          <p:cNvPr id="4" name="Rectangle 1"/>
+          <p:cNvSpPr>
+            <a:spLocks noChangeArrowheads="1"/>
+          </p:cNvSpPr>
+          <p:nvPr/>
+        </p:nvSpPr>
+        <p:spPr bwMode="auto">
+          <a:xfrm>
+            <a:off x="0" y="43934"/>
+            <a:ext cx="184731" cy="369332"/>
+          </a:xfrm>
+          <a:prstGeom prst="rect">
+            <a:avLst/>
+          </a:prstGeom>
+          <a:solidFill>
+            <a:srgbClr val="FFFFFF"/>
+          </a:solidFill>
+          <a:ln>
+            <a:noFill/>
+          </a:ln>
+          <a:effectLst/>
+          <a:extLst>
+            <a:ext uri="{91240B29-F687-4F45-9708-019B960494DF}">
+              <a14:hiddenLine xmlns:a14="http://schemas.microsoft.com/office/drawing/2010/main" w="9525">
+                <a:solidFill>
+                  <a:schemeClr val="tx1"/>
+                </a:solidFill>
+                <a:miter lim="800000"/>
+                <a:headEnd/>
+                <a:tailEnd/>
+              </a14:hiddenLine>
+            </a:ext>
+            <a:ext uri="{AF507438-7753-43E0-B8FC-AC1667EBCBE1}">
+              <a14:hiddenEffects xmlns:a14="http://schemas.microsoft.com/office/drawing/2010/main">
+                <a:effectLst>
+                  <a:outerShdw dist="35921" dir="2700000" algn="ctr" rotWithShape="0">
+                    <a:schemeClr val="bg2"/>
+                  </a:outerShdw>
+                </a:effectLst>
+              </a14:hiddenEffects>
+            </a:ext>
+          </a:extLst>
+        </p:spPr>
+        <p:txBody>
+          <a:bodyPr vert="horz" wrap="none" lIns="91440" tIns="45720" rIns="91440" bIns="45720" numCol="1" anchor="ctr" anchorCtr="0" compatLnSpc="1">
+            <a:prstTxWarp prst="textNoShape">
+              <a:avLst/>
+            </a:prstTxWarp>
+            <a:spAutoFit/>
+          </a:bodyPr>
+          <a:lstStyle/>
+          <a:p>
+            <a:pPr marL="0" marR="0" lvl="0" indent="0" algn="l" defTabSz="914400" rtl="0" eaLnBrk="0" fontAlgn="base" latinLnBrk="0" hangingPunct="0">
+              <a:lnSpc>
+                <a:spcPct val="100000"/>
+              </a:lnSpc>
+              <a:spcBef>
+                <a:spcPct val="0"/>
+              </a:spcBef>
+              <a:spcAft>
+                <a:spcPct val="0"/>
+              </a:spcAft>
+              <a:buClrTx/>
+              <a:buSzTx/>
+              <a:buFontTx/>
+              <a:buNone/>
+              <a:tabLst/>
+            </a:pPr>
+            <a:endParaRPr kumimoji="0" lang="en-US" sz="1800" b="0" i="0" u="none" strike="noStrike" cap="none" normalizeH="0" baseline="0" dirty="0" smtClean="0">
+              <a:ln>
+                <a:noFill/>
+              </a:ln>
+              <a:solidFill>
+                <a:schemeClr val="tx1"/>
+              </a:solidFill>
+              <a:effectLst/>
+              <a:latin typeface="Arial" panose="020B0604020202020204" pitchFamily="34" charset="0"/>
+            </a:endParaRPr>
+          </a:p>
+        </p:txBody>
+      </p:sp>
+    </p:spTree>
+    <p:extLst>
+      <p:ext uri="{BB962C8B-B14F-4D97-AF65-F5344CB8AC3E}">
         <p14:creationId xmlns:p14="http://schemas.microsoft.com/office/powerpoint/2010/main" val="4195937984"/>
       </p:ext>
     </p:extLst>
@@ -18556,25 +19378,6 @@
               <a:t>ANALYSIS</a:t>
             </a:r>
             <a:endParaRPr lang="en-US" dirty="0"/>
-          </a:p>
-        </p:txBody>
-      </p:sp>
-      <p:sp>
-        <p:nvSpPr>
-          <p:cNvPr id="3" name="Text Placeholder 2"/>
-          <p:cNvSpPr>
-            <a:spLocks noGrp="1"/>
-          </p:cNvSpPr>
-          <p:nvPr>
-            <p:ph type="body" idx="1"/>
-          </p:nvPr>
-        </p:nvSpPr>
-        <p:spPr/>
-        <p:txBody>
-          <a:bodyPr/>
-          <a:lstStyle/>
-          <a:p>
-            <a:endParaRPr lang="en-US"/>
           </a:p>
         </p:txBody>
       </p:sp>

--- a/DataChallengeAssessment.pptx
+++ b/DataChallengeAssessment.pptx
@@ -32,15 +32,16 @@
     <p:sldId id="281" r:id="rId26"/>
     <p:sldId id="284" r:id="rId27"/>
     <p:sldId id="283" r:id="rId28"/>
-    <p:sldId id="285" r:id="rId29"/>
-    <p:sldId id="286" r:id="rId30"/>
-    <p:sldId id="287" r:id="rId31"/>
-    <p:sldId id="288" r:id="rId32"/>
-    <p:sldId id="292" r:id="rId33"/>
-    <p:sldId id="293" r:id="rId34"/>
-    <p:sldId id="294" r:id="rId35"/>
-    <p:sldId id="295" r:id="rId36"/>
-    <p:sldId id="300" r:id="rId37"/>
+    <p:sldId id="286" r:id="rId29"/>
+    <p:sldId id="287" r:id="rId30"/>
+    <p:sldId id="288" r:id="rId31"/>
+    <p:sldId id="292" r:id="rId32"/>
+    <p:sldId id="293" r:id="rId33"/>
+    <p:sldId id="294" r:id="rId34"/>
+    <p:sldId id="295" r:id="rId35"/>
+    <p:sldId id="300" r:id="rId36"/>
+    <p:sldId id="301" r:id="rId37"/>
+    <p:sldId id="302" r:id="rId38"/>
   </p:sldIdLst>
   <p:sldSz cx="12192000" cy="6858000"/>
   <p:notesSz cx="6858000" cy="9144000"/>
@@ -8538,7 +8539,7 @@
         <p:spPr>
           <a:xfrm>
             <a:off x="5313012" y="1676241"/>
-            <a:ext cx="4770787" cy="4601260"/>
+            <a:ext cx="4592987" cy="3631763"/>
           </a:xfrm>
           <a:prstGeom prst="rect">
             <a:avLst/>
@@ -8656,36 +8657,6 @@
                 <a:latin typeface="+mj-lt"/>
               </a:rPr>
               <a:t>Nodes with high centrality (10027, 10035, 11102, 10029, 11105, 10025, 10032, 10031, 11103)</a:t>
-            </a:r>
-          </a:p>
-          <a:p>
-            <a:pPr marL="285750" indent="-285750">
-              <a:lnSpc>
-                <a:spcPct val="150000"/>
-              </a:lnSpc>
-              <a:buFont typeface="Arial" panose="020B0604020202020204" pitchFamily="34" charset="0"/>
-              <a:buChar char="•"/>
-            </a:pPr>
-            <a:r>
-              <a:rPr lang="en-US" sz="1400" b="1" dirty="0" smtClean="0">
-                <a:latin typeface="+mj-lt"/>
-              </a:rPr>
-              <a:t>More business opportunity in “popular places of departure” and “Traffic hub” </a:t>
-            </a:r>
-          </a:p>
-          <a:p>
-            <a:pPr marL="285750" indent="-285750">
-              <a:lnSpc>
-                <a:spcPct val="150000"/>
-              </a:lnSpc>
-              <a:buFont typeface="Arial" panose="020B0604020202020204" pitchFamily="34" charset="0"/>
-              <a:buChar char="•"/>
-            </a:pPr>
-            <a:r>
-              <a:rPr lang="en-US" sz="1400" b="1" dirty="0" smtClean="0">
-                <a:latin typeface="+mj-lt"/>
-              </a:rPr>
-              <a:t>Avoid “Transportation Junction” during peak times.</a:t>
             </a:r>
           </a:p>
           <a:p>
@@ -8886,6 +8857,10 @@
               <a:rPr lang="en-US" dirty="0" smtClean="0"/>
               <a:t>Recommendation</a:t>
             </a:r>
+            <a:r>
+              <a:rPr lang="en-US" altLang="zh-CN" dirty="0" smtClean="0"/>
+              <a:t>——Volume</a:t>
+            </a:r>
             <a:endParaRPr lang="en-US" i="1" dirty="0"/>
           </a:p>
         </p:txBody>
@@ -8902,13 +8877,13 @@
         </p:nvSpPr>
         <p:spPr>
           <a:xfrm>
-            <a:off x="838200" y="1825625"/>
-            <a:ext cx="10515600" cy="4822310"/>
+            <a:off x="847808" y="1774825"/>
+            <a:ext cx="7452407" cy="4822310"/>
           </a:xfrm>
         </p:spPr>
         <p:txBody>
           <a:bodyPr>
-            <a:normAutofit/>
+            <a:normAutofit fontScale="55000" lnSpcReduction="20000"/>
           </a:bodyPr>
           <a:lstStyle/>
           <a:p>
@@ -8917,7 +8892,185 @@
                 <a:spcPct val="150000"/>
               </a:lnSpc>
             </a:pPr>
-            <a:endParaRPr lang="en-US" dirty="0"/>
+            <a:r>
+              <a:rPr lang="en-US" dirty="0" smtClean="0"/>
+              <a:t>Peak hours:</a:t>
+            </a:r>
+          </a:p>
+          <a:p>
+            <a:pPr lvl="1">
+              <a:lnSpc>
+                <a:spcPct val="150000"/>
+              </a:lnSpc>
+              <a:buFont typeface="Courier New" panose="02070309020205020404" pitchFamily="49" charset="0"/>
+              <a:buChar char="o"/>
+            </a:pPr>
+            <a:r>
+              <a:rPr lang="en-US" dirty="0" smtClean="0"/>
+              <a:t>8 PM Everyday</a:t>
+            </a:r>
+          </a:p>
+          <a:p>
+            <a:pPr lvl="1">
+              <a:lnSpc>
+                <a:spcPct val="150000"/>
+              </a:lnSpc>
+              <a:buFont typeface="Courier New" panose="02070309020205020404" pitchFamily="49" charset="0"/>
+              <a:buChar char="o"/>
+            </a:pPr>
+            <a:r>
+              <a:rPr lang="en-US" dirty="0" smtClean="0"/>
+              <a:t>Thursday and </a:t>
+            </a:r>
+            <a:r>
+              <a:rPr lang="en-US" altLang="zh-CN" dirty="0" smtClean="0"/>
+              <a:t>Friday night</a:t>
+            </a:r>
+          </a:p>
+          <a:p>
+            <a:pPr lvl="1">
+              <a:lnSpc>
+                <a:spcPct val="150000"/>
+              </a:lnSpc>
+              <a:buFont typeface="Courier New" panose="02070309020205020404" pitchFamily="49" charset="0"/>
+              <a:buChar char="o"/>
+            </a:pPr>
+            <a:r>
+              <a:rPr lang="en-US" altLang="zh-CN" dirty="0" smtClean="0"/>
+              <a:t>10 AM Sunday through Thursday.</a:t>
+            </a:r>
+          </a:p>
+          <a:p>
+            <a:pPr>
+              <a:lnSpc>
+                <a:spcPct val="150000"/>
+              </a:lnSpc>
+            </a:pPr>
+            <a:r>
+              <a:rPr lang="en-US" altLang="zh-CN" sz="2700" dirty="0"/>
+              <a:t>Good weather indicates great but challenging business opportunities: </a:t>
+            </a:r>
+          </a:p>
+          <a:p>
+            <a:pPr lvl="1">
+              <a:lnSpc>
+                <a:spcPct val="150000"/>
+              </a:lnSpc>
+              <a:buFont typeface="Courier New" panose="02070309020205020404" pitchFamily="49" charset="0"/>
+              <a:buChar char="o"/>
+            </a:pPr>
+            <a:r>
+              <a:rPr lang="en-US" altLang="zh-CN" dirty="0"/>
+              <a:t>D</a:t>
+            </a:r>
+            <a:r>
+              <a:rPr lang="en-US" altLang="zh-CN" dirty="0" smtClean="0"/>
+              <a:t>on’t miss peak hours on good weather days (9 AM &amp; 2 PM for clear day, 9 PM &amp; Midnight for clear night,  2 PM &amp; 4 PM for cloudy day and 8 PM &amp; 11 PM for cloudy night), as passengers far less likely to show up other times.</a:t>
+            </a:r>
+          </a:p>
+          <a:p>
+            <a:pPr>
+              <a:lnSpc>
+                <a:spcPct val="150000"/>
+              </a:lnSpc>
+            </a:pPr>
+            <a:r>
+              <a:rPr lang="en-US" altLang="zh-CN" dirty="0" smtClean="0"/>
+              <a:t>Show up in places with zip codes </a:t>
+            </a:r>
+            <a:r>
+              <a:rPr lang="en-US" altLang="zh-CN" b="1" dirty="0" smtClean="0"/>
+              <a:t>10027</a:t>
+            </a:r>
+            <a:r>
+              <a:rPr lang="en-US" altLang="zh-CN" b="1" dirty="0"/>
+              <a:t>, </a:t>
+            </a:r>
+            <a:r>
+              <a:rPr lang="en-US" altLang="zh-CN" dirty="0" smtClean="0"/>
+              <a:t>11222</a:t>
+            </a:r>
+            <a:r>
+              <a:rPr lang="en-US" altLang="zh-CN" dirty="0"/>
+              <a:t>, </a:t>
+            </a:r>
+            <a:r>
+              <a:rPr lang="en-US" altLang="zh-CN" b="1" dirty="0"/>
+              <a:t>11102</a:t>
+            </a:r>
+            <a:r>
+              <a:rPr lang="en-US" altLang="zh-CN" dirty="0"/>
+              <a:t>, 11231, </a:t>
+            </a:r>
+            <a:r>
+              <a:rPr lang="en-US" altLang="zh-CN" b="1" dirty="0"/>
+              <a:t>11105</a:t>
+            </a:r>
+            <a:r>
+              <a:rPr lang="en-US" altLang="zh-CN" dirty="0"/>
+              <a:t>, 11373, 11369, </a:t>
+            </a:r>
+            <a:r>
+              <a:rPr lang="en-US" altLang="zh-CN" b="1" dirty="0" smtClean="0"/>
+              <a:t>10035</a:t>
+            </a:r>
+            <a:r>
+              <a:rPr lang="en-US" altLang="zh-CN" b="1" dirty="0"/>
+              <a:t>, 10029</a:t>
+            </a:r>
+            <a:r>
+              <a:rPr lang="en-US" altLang="zh-CN" dirty="0"/>
+              <a:t>, </a:t>
+            </a:r>
+            <a:r>
+              <a:rPr lang="en-US" altLang="zh-CN" b="1" dirty="0" smtClean="0"/>
+              <a:t>11101</a:t>
+            </a:r>
+            <a:r>
+              <a:rPr lang="en-US" altLang="zh-CN" dirty="0"/>
+              <a:t>, 10016, 11103, </a:t>
+            </a:r>
+            <a:r>
+              <a:rPr lang="en-US" altLang="zh-CN" b="1" dirty="0" smtClean="0"/>
+              <a:t>10032, </a:t>
+            </a:r>
+            <a:r>
+              <a:rPr lang="en-US" altLang="zh-CN" dirty="0" smtClean="0"/>
+              <a:t>especially those in bold, as they are both “p</a:t>
+            </a:r>
+            <a:r>
+              <a:rPr lang="en-US" dirty="0" smtClean="0"/>
+              <a:t>opular </a:t>
+            </a:r>
+            <a:r>
+              <a:rPr lang="en-US" dirty="0"/>
+              <a:t>places of </a:t>
+            </a:r>
+            <a:r>
+              <a:rPr lang="en-US" dirty="0" smtClean="0"/>
+              <a:t>departure” and “traffic hub”.</a:t>
+            </a:r>
+            <a:endParaRPr lang="en-US" altLang="zh-CN" dirty="0"/>
+          </a:p>
+          <a:p>
+            <a:pPr>
+              <a:lnSpc>
+                <a:spcPct val="150000"/>
+              </a:lnSpc>
+            </a:pPr>
+            <a:r>
+              <a:rPr lang="en-US" altLang="zh-CN" dirty="0" smtClean="0"/>
+              <a:t>Avoid places with </a:t>
+            </a:r>
+            <a:r>
+              <a:rPr lang="en-US" altLang="zh-CN" dirty="0"/>
+              <a:t>zip codes </a:t>
+            </a:r>
+            <a:r>
+              <a:rPr lang="en-US" altLang="zh-CN" dirty="0" smtClean="0"/>
+              <a:t>10025 and 10031 during peak hours as there wouldn’t a lot of potential customers but a lot of traffic. </a:t>
+            </a:r>
+            <a:endParaRPr lang="en-US" altLang="zh-CN" dirty="0"/>
           </a:p>
         </p:txBody>
       </p:sp>
@@ -9004,6 +9157,377 @@
           </a:p>
         </p:txBody>
       </p:sp>
+      <p:grpSp>
+        <p:nvGrpSpPr>
+          <p:cNvPr id="30" name="Group 29"/>
+          <p:cNvGrpSpPr/>
+          <p:nvPr/>
+        </p:nvGrpSpPr>
+        <p:grpSpPr>
+          <a:xfrm>
+            <a:off x="8300215" y="1886090"/>
+            <a:ext cx="1759726" cy="4108310"/>
+            <a:chOff x="7443741" y="2148556"/>
+            <a:chExt cx="1759726" cy="3879711"/>
+          </a:xfrm>
+        </p:grpSpPr>
+        <p:grpSp>
+          <p:nvGrpSpPr>
+            <p:cNvPr id="28" name="Group 27"/>
+            <p:cNvGrpSpPr/>
+            <p:nvPr/>
+          </p:nvGrpSpPr>
+          <p:grpSpPr>
+            <a:xfrm>
+              <a:off x="7443741" y="2148556"/>
+              <a:ext cx="1759726" cy="1566334"/>
+              <a:chOff x="7443741" y="2148556"/>
+              <a:chExt cx="1759726" cy="1566334"/>
+            </a:xfrm>
+          </p:grpSpPr>
+          <p:grpSp>
+            <p:nvGrpSpPr>
+              <p:cNvPr id="16" name="Group 15"/>
+              <p:cNvGrpSpPr/>
+              <p:nvPr/>
+            </p:nvGrpSpPr>
+            <p:grpSpPr>
+              <a:xfrm>
+                <a:off x="7443741" y="2148556"/>
+                <a:ext cx="430688" cy="1566334"/>
+                <a:chOff x="7611762" y="2568435"/>
+                <a:chExt cx="842580" cy="1127190"/>
+              </a:xfrm>
+            </p:grpSpPr>
+            <p:cxnSp>
+              <p:nvCxnSpPr>
+                <p:cNvPr id="17" name="Straight Connector 16"/>
+                <p:cNvCxnSpPr/>
+                <p:nvPr/>
+              </p:nvCxnSpPr>
+              <p:spPr>
+                <a:xfrm>
+                  <a:off x="7611762" y="2568435"/>
+                  <a:ext cx="823784" cy="0"/>
+                </a:xfrm>
+                <a:prstGeom prst="line">
+                  <a:avLst/>
+                </a:prstGeom>
+                <a:ln w="19050">
+                  <a:solidFill>
+                    <a:schemeClr val="tx2"/>
+                  </a:solidFill>
+                </a:ln>
+              </p:spPr>
+              <p:style>
+                <a:lnRef idx="1">
+                  <a:schemeClr val="accent1"/>
+                </a:lnRef>
+                <a:fillRef idx="0">
+                  <a:schemeClr val="accent1"/>
+                </a:fillRef>
+                <a:effectRef idx="0">
+                  <a:schemeClr val="accent1"/>
+                </a:effectRef>
+                <a:fontRef idx="minor">
+                  <a:schemeClr val="tx1"/>
+                </a:fontRef>
+              </p:style>
+            </p:cxnSp>
+            <p:cxnSp>
+              <p:nvCxnSpPr>
+                <p:cNvPr id="18" name="Straight Connector 17"/>
+                <p:cNvCxnSpPr/>
+                <p:nvPr/>
+              </p:nvCxnSpPr>
+              <p:spPr>
+                <a:xfrm flipH="1">
+                  <a:off x="8427308" y="2568435"/>
+                  <a:ext cx="8238" cy="1127190"/>
+                </a:xfrm>
+                <a:prstGeom prst="line">
+                  <a:avLst/>
+                </a:prstGeom>
+                <a:ln w="19050">
+                  <a:solidFill>
+                    <a:schemeClr val="tx2"/>
+                  </a:solidFill>
+                </a:ln>
+              </p:spPr>
+              <p:style>
+                <a:lnRef idx="1">
+                  <a:schemeClr val="accent1"/>
+                </a:lnRef>
+                <a:fillRef idx="0">
+                  <a:schemeClr val="accent1"/>
+                </a:fillRef>
+                <a:effectRef idx="0">
+                  <a:schemeClr val="accent1"/>
+                </a:effectRef>
+                <a:fontRef idx="minor">
+                  <a:schemeClr val="tx1"/>
+                </a:fontRef>
+              </p:style>
+            </p:cxnSp>
+            <p:cxnSp>
+              <p:nvCxnSpPr>
+                <p:cNvPr id="19" name="Straight Connector 18"/>
+                <p:cNvCxnSpPr/>
+                <p:nvPr/>
+              </p:nvCxnSpPr>
+              <p:spPr>
+                <a:xfrm>
+                  <a:off x="7630558" y="3695625"/>
+                  <a:ext cx="823784" cy="0"/>
+                </a:xfrm>
+                <a:prstGeom prst="line">
+                  <a:avLst/>
+                </a:prstGeom>
+                <a:ln w="19050">
+                  <a:solidFill>
+                    <a:schemeClr val="tx2"/>
+                  </a:solidFill>
+                </a:ln>
+              </p:spPr>
+              <p:style>
+                <a:lnRef idx="1">
+                  <a:schemeClr val="accent1"/>
+                </a:lnRef>
+                <a:fillRef idx="0">
+                  <a:schemeClr val="accent1"/>
+                </a:fillRef>
+                <a:effectRef idx="0">
+                  <a:schemeClr val="accent1"/>
+                </a:effectRef>
+                <a:fontRef idx="minor">
+                  <a:schemeClr val="tx1"/>
+                </a:fontRef>
+              </p:style>
+            </p:cxnSp>
+          </p:grpSp>
+          <p:sp>
+            <p:nvSpPr>
+              <p:cNvPr id="26" name="TextBox 25"/>
+              <p:cNvSpPr txBox="1"/>
+              <p:nvPr/>
+            </p:nvSpPr>
+            <p:spPr>
+              <a:xfrm>
+                <a:off x="8050888" y="2691784"/>
+                <a:ext cx="1152579" cy="646331"/>
+              </a:xfrm>
+              <a:prstGeom prst="rect">
+                <a:avLst/>
+              </a:prstGeom>
+              <a:noFill/>
+            </p:spPr>
+            <p:txBody>
+              <a:bodyPr wrap="square" rtlCol="0">
+                <a:spAutoFit/>
+              </a:bodyPr>
+              <a:lstStyle/>
+              <a:p>
+                <a:r>
+                  <a:rPr lang="en-US" altLang="zh-CN" b="1" dirty="0" smtClean="0">
+                    <a:latin typeface="+mj-lt"/>
+                  </a:rPr>
+                  <a:t>Time-wise</a:t>
+                </a:r>
+                <a:endParaRPr lang="en-US" altLang="zh-CN" b="1" dirty="0">
+                  <a:latin typeface="+mj-lt"/>
+                </a:endParaRPr>
+              </a:p>
+              <a:p>
+                <a:pPr marL="285750" indent="-285750">
+                  <a:buFont typeface="Arial" panose="020B0604020202020204" pitchFamily="34" charset="0"/>
+                  <a:buChar char="•"/>
+                </a:pPr>
+                <a:endParaRPr lang="en-US" b="1" dirty="0">
+                  <a:latin typeface="+mj-lt"/>
+                </a:endParaRPr>
+              </a:p>
+            </p:txBody>
+          </p:sp>
+        </p:grpSp>
+        <p:grpSp>
+          <p:nvGrpSpPr>
+            <p:cNvPr id="29" name="Group 28"/>
+            <p:cNvGrpSpPr/>
+            <p:nvPr/>
+          </p:nvGrpSpPr>
+          <p:grpSpPr>
+            <a:xfrm>
+              <a:off x="7448545" y="4722476"/>
+              <a:ext cx="1754921" cy="1305791"/>
+              <a:chOff x="7448545" y="4722476"/>
+              <a:chExt cx="1754921" cy="1305791"/>
+            </a:xfrm>
+          </p:grpSpPr>
+          <p:grpSp>
+            <p:nvGrpSpPr>
+              <p:cNvPr id="11" name="Group 10"/>
+              <p:cNvGrpSpPr/>
+              <p:nvPr/>
+            </p:nvGrpSpPr>
+            <p:grpSpPr>
+              <a:xfrm>
+                <a:off x="7448545" y="4722476"/>
+                <a:ext cx="430688" cy="1305791"/>
+                <a:chOff x="7611762" y="2568435"/>
+                <a:chExt cx="842580" cy="1127190"/>
+              </a:xfrm>
+            </p:grpSpPr>
+            <p:cxnSp>
+              <p:nvCxnSpPr>
+                <p:cNvPr id="12" name="Straight Connector 11"/>
+                <p:cNvCxnSpPr/>
+                <p:nvPr/>
+              </p:nvCxnSpPr>
+              <p:spPr>
+                <a:xfrm>
+                  <a:off x="7611762" y="2568435"/>
+                  <a:ext cx="823784" cy="0"/>
+                </a:xfrm>
+                <a:prstGeom prst="line">
+                  <a:avLst/>
+                </a:prstGeom>
+                <a:ln w="19050">
+                  <a:solidFill>
+                    <a:schemeClr val="tx1"/>
+                  </a:solidFill>
+                </a:ln>
+              </p:spPr>
+              <p:style>
+                <a:lnRef idx="1">
+                  <a:schemeClr val="accent1"/>
+                </a:lnRef>
+                <a:fillRef idx="0">
+                  <a:schemeClr val="accent1"/>
+                </a:fillRef>
+                <a:effectRef idx="0">
+                  <a:schemeClr val="accent1"/>
+                </a:effectRef>
+                <a:fontRef idx="minor">
+                  <a:schemeClr val="tx1"/>
+                </a:fontRef>
+              </p:style>
+            </p:cxnSp>
+            <p:cxnSp>
+              <p:nvCxnSpPr>
+                <p:cNvPr id="13" name="Straight Connector 12"/>
+                <p:cNvCxnSpPr/>
+                <p:nvPr/>
+              </p:nvCxnSpPr>
+              <p:spPr>
+                <a:xfrm flipH="1">
+                  <a:off x="8427308" y="2568435"/>
+                  <a:ext cx="8238" cy="1127190"/>
+                </a:xfrm>
+                <a:prstGeom prst="line">
+                  <a:avLst/>
+                </a:prstGeom>
+                <a:ln w="19050">
+                  <a:solidFill>
+                    <a:schemeClr val="tx1"/>
+                  </a:solidFill>
+                </a:ln>
+              </p:spPr>
+              <p:style>
+                <a:lnRef idx="1">
+                  <a:schemeClr val="accent1"/>
+                </a:lnRef>
+                <a:fillRef idx="0">
+                  <a:schemeClr val="accent1"/>
+                </a:fillRef>
+                <a:effectRef idx="0">
+                  <a:schemeClr val="accent1"/>
+                </a:effectRef>
+                <a:fontRef idx="minor">
+                  <a:schemeClr val="tx1"/>
+                </a:fontRef>
+              </p:style>
+            </p:cxnSp>
+            <p:cxnSp>
+              <p:nvCxnSpPr>
+                <p:cNvPr id="14" name="Straight Connector 13"/>
+                <p:cNvCxnSpPr/>
+                <p:nvPr/>
+              </p:nvCxnSpPr>
+              <p:spPr>
+                <a:xfrm>
+                  <a:off x="7630558" y="3695625"/>
+                  <a:ext cx="823784" cy="0"/>
+                </a:xfrm>
+                <a:prstGeom prst="line">
+                  <a:avLst/>
+                </a:prstGeom>
+                <a:ln w="19050">
+                  <a:solidFill>
+                    <a:schemeClr val="tx1"/>
+                  </a:solidFill>
+                </a:ln>
+              </p:spPr>
+              <p:style>
+                <a:lnRef idx="1">
+                  <a:schemeClr val="accent1"/>
+                </a:lnRef>
+                <a:fillRef idx="0">
+                  <a:schemeClr val="accent1"/>
+                </a:fillRef>
+                <a:effectRef idx="0">
+                  <a:schemeClr val="accent1"/>
+                </a:effectRef>
+                <a:fontRef idx="minor">
+                  <a:schemeClr val="tx1"/>
+                </a:fontRef>
+              </p:style>
+            </p:cxnSp>
+          </p:grpSp>
+          <p:sp>
+            <p:nvSpPr>
+              <p:cNvPr id="27" name="TextBox 26"/>
+              <p:cNvSpPr txBox="1"/>
+              <p:nvPr/>
+            </p:nvSpPr>
+            <p:spPr>
+              <a:xfrm>
+                <a:off x="8050887" y="5052205"/>
+                <a:ext cx="1152579" cy="646331"/>
+              </a:xfrm>
+              <a:prstGeom prst="rect">
+                <a:avLst/>
+              </a:prstGeom>
+              <a:noFill/>
+            </p:spPr>
+            <p:txBody>
+              <a:bodyPr wrap="square" rtlCol="0">
+                <a:spAutoFit/>
+              </a:bodyPr>
+              <a:lstStyle/>
+              <a:p>
+                <a:r>
+                  <a:rPr lang="en-US" altLang="zh-CN" b="1" dirty="0" smtClean="0">
+                    <a:latin typeface="+mj-lt"/>
+                  </a:rPr>
+                  <a:t>Place-wise</a:t>
+                </a:r>
+                <a:endParaRPr lang="en-US" altLang="zh-CN" b="1" dirty="0">
+                  <a:latin typeface="+mj-lt"/>
+                </a:endParaRPr>
+              </a:p>
+              <a:p>
+                <a:pPr marL="285750" indent="-285750">
+                  <a:buFont typeface="Arial" panose="020B0604020202020204" pitchFamily="34" charset="0"/>
+                  <a:buChar char="•"/>
+                </a:pPr>
+                <a:endParaRPr lang="en-US" b="1" dirty="0">
+                  <a:latin typeface="+mj-lt"/>
+                </a:endParaRPr>
+              </a:p>
+            </p:txBody>
+          </p:sp>
+        </p:grpSp>
+      </p:grpSp>
     </p:spTree>
     <p:extLst>
       <p:ext uri="{BB962C8B-B14F-4D97-AF65-F5344CB8AC3E}">
@@ -9093,15 +9617,23 @@
             </a:r>
             <a:r>
               <a:rPr lang="en-US" dirty="0" smtClean="0"/>
-              <a:t>potential through a journey of exhaustive exploratory analysis and attempted predictive modeling on a dataset of all historical green </a:t>
-            </a:r>
-            <a:r>
-              <a:rPr lang="en-US" dirty="0"/>
-              <a:t>taxi trip records </a:t>
+              <a:t>potential through a </a:t>
             </a:r>
             <a:r>
               <a:rPr lang="en-US" dirty="0" smtClean="0"/>
-              <a:t>(from August, 2013 through June, 2016).</a:t>
+              <a:t>journey </a:t>
+            </a:r>
+            <a:r>
+              <a:rPr lang="en-US" dirty="0" smtClean="0"/>
+              <a:t>of </a:t>
+            </a:r>
+            <a:r>
+              <a:rPr lang="en-US" dirty="0" smtClean="0"/>
+              <a:t>exploratory data analysis on historical </a:t>
+            </a:r>
+            <a:r>
+              <a:rPr lang="en-US" dirty="0" smtClean="0"/>
+              <a:t>datasets about green cab ridership.</a:t>
             </a:r>
             <a:endParaRPr lang="en-US" dirty="0"/>
           </a:p>
@@ -10962,8 +11494,8 @@
         </p:nvGrpSpPr>
         <p:grpSpPr>
           <a:xfrm rot="16200000">
-            <a:off x="5270022" y="4181274"/>
-            <a:ext cx="423333" cy="2234973"/>
+            <a:off x="4552655" y="3463906"/>
+            <a:ext cx="423333" cy="3669708"/>
             <a:chOff x="7611762" y="2568435"/>
             <a:chExt cx="842580" cy="1127190"/>
           </a:xfrm>
@@ -11091,7 +11623,7 @@
         </p:nvSpPr>
         <p:spPr>
           <a:xfrm>
-            <a:off x="4360290" y="4248861"/>
+            <a:off x="3497221" y="4282914"/>
             <a:ext cx="2409131" cy="738664"/>
           </a:xfrm>
           <a:prstGeom prst="rect">
@@ -11116,7 +11648,7 @@
                 </a:solidFill>
                 <a:latin typeface="+mj-lt"/>
               </a:rPr>
-              <a:t>Extraordinary efficiency happens among short-distance rides ( shorter than 1 mile)</a:t>
+              <a:t>Extraordinary efficiency happens among short-distance rides ( around 0.5 miles)</a:t>
             </a:r>
           </a:p>
         </p:txBody>
@@ -12621,7 +13153,7 @@
             </p:cNvPicPr>
             <p:nvPr/>
           </p:nvPicPr>
-          <p:blipFill>
+          <p:blipFill rotWithShape="1">
             <a:blip r:embed="rId2">
               <a:extLst>
                 <a:ext uri="{28A0092B-C50C-407E-A947-70E740481C1C}">
@@ -12629,14 +13161,13 @@
                 </a:ext>
               </a:extLst>
             </a:blip>
-            <a:stretch>
-              <a:fillRect/>
-            </a:stretch>
+            <a:srcRect b="7798"/>
+            <a:stretch/>
           </p:blipFill>
           <p:spPr>
             <a:xfrm>
-              <a:off x="2418292" y="1120346"/>
-              <a:ext cx="6939892" cy="5036521"/>
+              <a:off x="2418291" y="1120346"/>
+              <a:ext cx="6939892" cy="4643774"/>
             </a:xfrm>
             <a:prstGeom prst="rect">
               <a:avLst/>
@@ -13143,6 +13674,182 @@
           </a:p>
         </p:txBody>
       </p:sp>
+      <p:sp>
+        <p:nvSpPr>
+          <p:cNvPr id="28" name="TextBox 27"/>
+          <p:cNvSpPr txBox="1"/>
+          <p:nvPr/>
+        </p:nvSpPr>
+        <p:spPr>
+          <a:xfrm>
+            <a:off x="6518473" y="5929291"/>
+            <a:ext cx="547487" cy="323165"/>
+          </a:xfrm>
+          <a:prstGeom prst="rect">
+            <a:avLst/>
+          </a:prstGeom>
+          <a:noFill/>
+        </p:spPr>
+        <p:txBody>
+          <a:bodyPr wrap="square" rtlCol="0">
+            <a:spAutoFit/>
+          </a:bodyPr>
+          <a:lstStyle/>
+          <a:p>
+            <a:r>
+              <a:rPr lang="en-US" sz="1500" b="1" dirty="0" smtClean="0">
+                <a:solidFill>
+                  <a:schemeClr val="tx1">
+                    <a:lumMod val="50000"/>
+                    <a:lumOff val="50000"/>
+                  </a:schemeClr>
+                </a:solidFill>
+              </a:rPr>
+              <a:t>0.5</a:t>
+            </a:r>
+            <a:endParaRPr lang="en-US" sz="1500" b="1" dirty="0">
+              <a:solidFill>
+                <a:schemeClr val="tx1">
+                  <a:lumMod val="50000"/>
+                  <a:lumOff val="50000"/>
+                </a:schemeClr>
+              </a:solidFill>
+            </a:endParaRPr>
+          </a:p>
+        </p:txBody>
+      </p:sp>
+      <p:sp>
+        <p:nvSpPr>
+          <p:cNvPr id="29" name="TextBox 28"/>
+          <p:cNvSpPr txBox="1"/>
+          <p:nvPr/>
+        </p:nvSpPr>
+        <p:spPr>
+          <a:xfrm>
+            <a:off x="4936972" y="5938025"/>
+            <a:ext cx="547487" cy="323165"/>
+          </a:xfrm>
+          <a:prstGeom prst="rect">
+            <a:avLst/>
+          </a:prstGeom>
+          <a:noFill/>
+        </p:spPr>
+        <p:txBody>
+          <a:bodyPr wrap="square" rtlCol="0">
+            <a:spAutoFit/>
+          </a:bodyPr>
+          <a:lstStyle/>
+          <a:p>
+            <a:r>
+              <a:rPr lang="en-US" sz="1500" b="1" dirty="0" smtClean="0">
+                <a:solidFill>
+                  <a:schemeClr val="tx1">
+                    <a:lumMod val="50000"/>
+                    <a:lumOff val="50000"/>
+                  </a:schemeClr>
+                </a:solidFill>
+              </a:rPr>
+              <a:t>0.3</a:t>
+            </a:r>
+            <a:endParaRPr lang="en-US" sz="1500" b="1" dirty="0">
+              <a:solidFill>
+                <a:schemeClr val="tx1">
+                  <a:lumMod val="50000"/>
+                  <a:lumOff val="50000"/>
+                </a:schemeClr>
+              </a:solidFill>
+            </a:endParaRPr>
+          </a:p>
+        </p:txBody>
+      </p:sp>
+      <p:sp>
+        <p:nvSpPr>
+          <p:cNvPr id="30" name="TextBox 29"/>
+          <p:cNvSpPr txBox="1"/>
+          <p:nvPr/>
+        </p:nvSpPr>
+        <p:spPr>
+          <a:xfrm>
+            <a:off x="3474738" y="5938025"/>
+            <a:ext cx="547487" cy="323165"/>
+          </a:xfrm>
+          <a:prstGeom prst="rect">
+            <a:avLst/>
+          </a:prstGeom>
+          <a:noFill/>
+        </p:spPr>
+        <p:txBody>
+          <a:bodyPr wrap="square" rtlCol="0">
+            <a:spAutoFit/>
+          </a:bodyPr>
+          <a:lstStyle/>
+          <a:p>
+            <a:r>
+              <a:rPr lang="en-US" sz="1500" b="1" dirty="0" smtClean="0">
+                <a:solidFill>
+                  <a:schemeClr val="tx1">
+                    <a:lumMod val="50000"/>
+                    <a:lumOff val="50000"/>
+                  </a:schemeClr>
+                </a:solidFill>
+              </a:rPr>
+              <a:t>0.2</a:t>
+            </a:r>
+            <a:endParaRPr lang="en-US" sz="1500" b="1" dirty="0">
+              <a:solidFill>
+                <a:schemeClr val="tx1">
+                  <a:lumMod val="50000"/>
+                  <a:lumOff val="50000"/>
+                </a:schemeClr>
+              </a:solidFill>
+            </a:endParaRPr>
+          </a:p>
+        </p:txBody>
+      </p:sp>
+      <p:sp>
+        <p:nvSpPr>
+          <p:cNvPr id="31" name="TextBox 30"/>
+          <p:cNvSpPr txBox="1"/>
+          <p:nvPr/>
+        </p:nvSpPr>
+        <p:spPr>
+          <a:xfrm>
+            <a:off x="1804629" y="5938025"/>
+            <a:ext cx="547487" cy="323165"/>
+          </a:xfrm>
+          <a:prstGeom prst="rect">
+            <a:avLst/>
+          </a:prstGeom>
+          <a:noFill/>
+        </p:spPr>
+        <p:txBody>
+          <a:bodyPr wrap="square" rtlCol="0">
+            <a:spAutoFit/>
+          </a:bodyPr>
+          <a:lstStyle/>
+          <a:p>
+            <a:r>
+              <a:rPr lang="en-US" sz="1500" b="1" dirty="0" smtClean="0">
+                <a:solidFill>
+                  <a:schemeClr val="tx1">
+                    <a:lumMod val="50000"/>
+                    <a:lumOff val="50000"/>
+                  </a:schemeClr>
+                </a:solidFill>
+              </a:rPr>
+              <a:t>0.1</a:t>
+            </a:r>
+            <a:endParaRPr lang="en-US" sz="1500" b="1" dirty="0">
+              <a:solidFill>
+                <a:schemeClr val="tx1">
+                  <a:lumMod val="50000"/>
+                  <a:lumOff val="50000"/>
+                </a:schemeClr>
+              </a:solidFill>
+            </a:endParaRPr>
+          </a:p>
+        </p:txBody>
+      </p:sp>
     </p:spTree>
     <p:extLst>
       <p:ext uri="{BB962C8B-B14F-4D97-AF65-F5344CB8AC3E}">
@@ -13571,9 +14278,9 @@
         <p:grpSpPr>
           <a:xfrm>
             <a:off x="941602" y="1887738"/>
-            <a:ext cx="7973226" cy="4394529"/>
+            <a:ext cx="7973226" cy="4381921"/>
             <a:chOff x="1051669" y="2059961"/>
-            <a:chExt cx="7780523" cy="4428210"/>
+            <a:chExt cx="7780523" cy="4415505"/>
           </a:xfrm>
         </p:grpSpPr>
         <p:grpSp>
@@ -13585,9 +14292,9 @@
           <p:grpSpPr>
             <a:xfrm>
               <a:off x="1051669" y="2059961"/>
-              <a:ext cx="7780523" cy="4428210"/>
+              <a:ext cx="7780523" cy="4415505"/>
               <a:chOff x="992402" y="2389132"/>
-              <a:chExt cx="7780523" cy="4428210"/>
+              <a:chExt cx="7780523" cy="4415505"/>
             </a:xfrm>
           </p:grpSpPr>
           <p:cxnSp>
@@ -13637,9 +14344,9 @@
             <p:grpSpPr>
               <a:xfrm>
                 <a:off x="1002210" y="2389132"/>
-                <a:ext cx="7770715" cy="4428210"/>
+                <a:ext cx="7770715" cy="4415505"/>
                 <a:chOff x="2372496" y="1310930"/>
-                <a:chExt cx="8652127" cy="4925629"/>
+                <a:chExt cx="8652127" cy="4911497"/>
               </a:xfrm>
             </p:grpSpPr>
             <p:cxnSp>
@@ -13651,7 +14358,7 @@
               <p:spPr>
                 <a:xfrm>
                   <a:off x="2372497" y="6190654"/>
-                  <a:ext cx="7685903" cy="45905"/>
+                  <a:ext cx="7748935" cy="31773"/>
                 </a:xfrm>
                 <a:prstGeom prst="straightConnector1">
                   <a:avLst/>
@@ -13778,7 +14485,7 @@
             </p:cNvPicPr>
             <p:nvPr/>
           </p:nvPicPr>
-          <p:blipFill>
+          <p:blipFill rotWithShape="1">
             <a:blip r:embed="rId2">
               <a:extLst>
                 <a:ext uri="{28A0092B-C50C-407E-A947-70E740481C1C}">
@@ -13786,14 +14493,13 @@
                 </a:ext>
               </a:extLst>
             </a:blip>
-            <a:stretch>
-              <a:fillRect/>
-            </a:stretch>
+            <a:srcRect b="7570"/>
+            <a:stretch/>
           </p:blipFill>
           <p:spPr>
             <a:xfrm>
               <a:off x="1177703" y="2336531"/>
-              <a:ext cx="6389025" cy="4085544"/>
+              <a:ext cx="6389025" cy="3776251"/>
             </a:xfrm>
             <a:prstGeom prst="rect">
               <a:avLst/>
@@ -14067,6 +14773,138 @@
             </a:r>
             <a:endParaRPr lang="en-US" sz="1000" b="1" dirty="0" smtClean="0">
               <a:latin typeface="+mj-lt"/>
+            </a:endParaRPr>
+          </a:p>
+        </p:txBody>
+      </p:sp>
+      <p:sp>
+        <p:nvSpPr>
+          <p:cNvPr id="30" name="TextBox 29"/>
+          <p:cNvSpPr txBox="1"/>
+          <p:nvPr/>
+        </p:nvSpPr>
+        <p:spPr>
+          <a:xfrm>
+            <a:off x="6619680" y="5906934"/>
+            <a:ext cx="547487" cy="323165"/>
+          </a:xfrm>
+          <a:prstGeom prst="rect">
+            <a:avLst/>
+          </a:prstGeom>
+          <a:noFill/>
+        </p:spPr>
+        <p:txBody>
+          <a:bodyPr wrap="square" rtlCol="0">
+            <a:spAutoFit/>
+          </a:bodyPr>
+          <a:lstStyle/>
+          <a:p>
+            <a:r>
+              <a:rPr lang="en-US" sz="1500" b="1" dirty="0" smtClean="0">
+                <a:solidFill>
+                  <a:schemeClr val="tx1">
+                    <a:lumMod val="50000"/>
+                    <a:lumOff val="50000"/>
+                  </a:schemeClr>
+                </a:solidFill>
+              </a:rPr>
+              <a:t>0.6</a:t>
+            </a:r>
+            <a:endParaRPr lang="en-US" sz="1500" b="1" dirty="0">
+              <a:solidFill>
+                <a:schemeClr val="tx1">
+                  <a:lumMod val="50000"/>
+                  <a:lumOff val="50000"/>
+                </a:schemeClr>
+              </a:solidFill>
+            </a:endParaRPr>
+          </a:p>
+        </p:txBody>
+      </p:sp>
+      <p:sp>
+        <p:nvSpPr>
+          <p:cNvPr id="31" name="TextBox 30"/>
+          <p:cNvSpPr txBox="1"/>
+          <p:nvPr/>
+        </p:nvSpPr>
+        <p:spPr>
+          <a:xfrm>
+            <a:off x="5424584" y="5901153"/>
+            <a:ext cx="547487" cy="323165"/>
+          </a:xfrm>
+          <a:prstGeom prst="rect">
+            <a:avLst/>
+          </a:prstGeom>
+          <a:noFill/>
+        </p:spPr>
+        <p:txBody>
+          <a:bodyPr wrap="square" rtlCol="0">
+            <a:spAutoFit/>
+          </a:bodyPr>
+          <a:lstStyle/>
+          <a:p>
+            <a:r>
+              <a:rPr lang="en-US" sz="1500" b="1" dirty="0" smtClean="0">
+                <a:solidFill>
+                  <a:schemeClr val="tx1">
+                    <a:lumMod val="50000"/>
+                    <a:lumOff val="50000"/>
+                  </a:schemeClr>
+                </a:solidFill>
+              </a:rPr>
+              <a:t>0.5</a:t>
+            </a:r>
+            <a:endParaRPr lang="en-US" sz="1500" b="1" dirty="0">
+              <a:solidFill>
+                <a:schemeClr val="tx1">
+                  <a:lumMod val="50000"/>
+                  <a:lumOff val="50000"/>
+                </a:schemeClr>
+              </a:solidFill>
+            </a:endParaRPr>
+          </a:p>
+        </p:txBody>
+      </p:sp>
+      <p:sp>
+        <p:nvSpPr>
+          <p:cNvPr id="34" name="TextBox 33"/>
+          <p:cNvSpPr txBox="1"/>
+          <p:nvPr/>
+        </p:nvSpPr>
+        <p:spPr>
+          <a:xfrm>
+            <a:off x="1136294" y="5943407"/>
+            <a:ext cx="547487" cy="323165"/>
+          </a:xfrm>
+          <a:prstGeom prst="rect">
+            <a:avLst/>
+          </a:prstGeom>
+          <a:noFill/>
+        </p:spPr>
+        <p:txBody>
+          <a:bodyPr wrap="square" rtlCol="0">
+            <a:spAutoFit/>
+          </a:bodyPr>
+          <a:lstStyle/>
+          <a:p>
+            <a:r>
+              <a:rPr lang="en-US" sz="1500" b="1" dirty="0" smtClean="0">
+                <a:solidFill>
+                  <a:schemeClr val="tx1">
+                    <a:lumMod val="50000"/>
+                    <a:lumOff val="50000"/>
+                  </a:schemeClr>
+                </a:solidFill>
+              </a:rPr>
+              <a:t>0.1</a:t>
+            </a:r>
+            <a:endParaRPr lang="en-US" sz="1500" b="1" dirty="0">
+              <a:solidFill>
+                <a:schemeClr val="tx1">
+                  <a:lumMod val="50000"/>
+                  <a:lumOff val="50000"/>
+                </a:schemeClr>
+              </a:solidFill>
             </a:endParaRPr>
           </a:p>
         </p:txBody>
@@ -14118,7 +14956,11 @@
           <a:p>
             <a:r>
               <a:rPr lang="en-US" dirty="0" smtClean="0"/>
-              <a:t>Conclusion</a:t>
+              <a:t>Recommendation</a:t>
+            </a:r>
+            <a:r>
+              <a:rPr lang="en-US" altLang="zh-CN" dirty="0" smtClean="0"/>
+              <a:t>——Efficiency</a:t>
             </a:r>
             <a:endParaRPr lang="en-US" i="1" dirty="0"/>
           </a:p>
@@ -14142,9 +14984,88 @@
         </p:spPr>
         <p:txBody>
           <a:bodyPr>
-            <a:normAutofit/>
+            <a:normAutofit fontScale="77500" lnSpcReduction="20000"/>
           </a:bodyPr>
           <a:lstStyle/>
+          <a:p>
+            <a:pPr>
+              <a:lnSpc>
+                <a:spcPct val="150000"/>
+              </a:lnSpc>
+            </a:pPr>
+            <a:r>
+              <a:rPr lang="en-US" altLang="zh-CN" dirty="0" smtClean="0"/>
+              <a:t>Expect an earning of $ 1.20 per minute for an ordinary ride. </a:t>
+            </a:r>
+          </a:p>
+          <a:p>
+            <a:pPr>
+              <a:lnSpc>
+                <a:spcPct val="150000"/>
+              </a:lnSpc>
+            </a:pPr>
+            <a:r>
+              <a:rPr lang="en-US" altLang="zh-CN" dirty="0" smtClean="0"/>
+              <a:t>Each ride on the whole brings an earning ranging from $12 to </a:t>
+            </a:r>
+            <a:r>
+              <a:rPr lang="en-US" altLang="zh-CN" dirty="0" smtClean="0"/>
+              <a:t>$13, fluctuated by seasons.</a:t>
+            </a:r>
+          </a:p>
+          <a:p>
+            <a:pPr>
+              <a:lnSpc>
+                <a:spcPct val="150000"/>
+              </a:lnSpc>
+            </a:pPr>
+            <a:r>
+              <a:rPr lang="en-US" altLang="zh-CN" dirty="0" smtClean="0"/>
+              <a:t>Small chance (3%) that more than $2 could be earned per minute per ride.</a:t>
+            </a:r>
+          </a:p>
+          <a:p>
+            <a:pPr>
+              <a:lnSpc>
+                <a:spcPct val="150000"/>
+              </a:lnSpc>
+            </a:pPr>
+            <a:r>
+              <a:rPr lang="en-US" altLang="zh-CN" dirty="0" smtClean="0"/>
+              <a:t>For rides earning more than $2 per minutes, almost all of them are shorter than 0.6 miles. </a:t>
+            </a:r>
+            <a:endParaRPr lang="en-US" altLang="zh-CN" dirty="0"/>
+          </a:p>
+          <a:p>
+            <a:pPr>
+              <a:lnSpc>
+                <a:spcPct val="150000"/>
+              </a:lnSpc>
+            </a:pPr>
+            <a:r>
+              <a:rPr lang="en-US" altLang="zh-CN" dirty="0" smtClean="0"/>
+              <a:t>If a ride is shorter than 1 mile, 10% of possibility it is able to gain at least $2 per minute. </a:t>
+            </a:r>
+          </a:p>
+          <a:p>
+            <a:pPr>
+              <a:lnSpc>
+                <a:spcPct val="150000"/>
+              </a:lnSpc>
+            </a:pPr>
+            <a:r>
+              <a:rPr lang="en-US" altLang="zh-CN" dirty="0" smtClean="0"/>
+              <a:t>As efficiency is hard to change, focus on passengers number for higher revenue.</a:t>
+            </a:r>
+          </a:p>
+          <a:p>
+            <a:pPr>
+              <a:lnSpc>
+                <a:spcPct val="150000"/>
+              </a:lnSpc>
+            </a:pPr>
+            <a:endParaRPr lang="en-US" altLang="zh-CN" dirty="0" smtClean="0"/>
+          </a:p>
           <a:p>
             <a:pPr>
               <a:lnSpc>
@@ -14241,7 +15162,7 @@
     </p:spTree>
     <p:extLst>
       <p:ext uri="{BB962C8B-B14F-4D97-AF65-F5344CB8AC3E}">
-        <p14:creationId xmlns:p14="http://schemas.microsoft.com/office/powerpoint/2010/main" val="2232123558"/>
+        <p14:creationId xmlns:p14="http://schemas.microsoft.com/office/powerpoint/2010/main" val="2957396716"/>
       </p:ext>
     </p:extLst>
   </p:cSld>
@@ -14285,40 +15206,9 @@
           <a:p>
             <a:r>
               <a:rPr lang="en-US" dirty="0" smtClean="0"/>
-              <a:t>Recommendation</a:t>
-            </a:r>
-            <a:endParaRPr lang="en-US" i="1" dirty="0"/>
-          </a:p>
-        </p:txBody>
-      </p:sp>
-      <p:sp>
-        <p:nvSpPr>
-          <p:cNvPr id="3" name="Content Placeholder 2"/>
-          <p:cNvSpPr>
-            <a:spLocks noGrp="1"/>
-          </p:cNvSpPr>
-          <p:nvPr>
-            <p:ph idx="1"/>
-          </p:nvPr>
-        </p:nvSpPr>
-        <p:spPr>
-          <a:xfrm>
-            <a:off x="838200" y="1825625"/>
-            <a:ext cx="10515600" cy="4822310"/>
-          </a:xfrm>
-        </p:spPr>
-        <p:txBody>
-          <a:bodyPr>
-            <a:normAutofit/>
-          </a:bodyPr>
-          <a:lstStyle/>
-          <a:p>
-            <a:pPr>
-              <a:lnSpc>
-                <a:spcPct val="150000"/>
-              </a:lnSpc>
-            </a:pPr>
-            <a:endParaRPr lang="en-US" dirty="0"/>
+              <a:t>III. Tip</a:t>
+            </a:r>
+            <a:endParaRPr lang="en-US" sz="2400" i="1" dirty="0"/>
           </a:p>
         </p:txBody>
       </p:sp>
@@ -14408,7 +15298,7 @@
     </p:spTree>
     <p:extLst>
       <p:ext uri="{BB962C8B-B14F-4D97-AF65-F5344CB8AC3E}">
-        <p14:creationId xmlns:p14="http://schemas.microsoft.com/office/powerpoint/2010/main" val="2957396716"/>
+        <p14:creationId xmlns:p14="http://schemas.microsoft.com/office/powerpoint/2010/main" val="3347943891"/>
       </p:ext>
     </p:extLst>
   </p:cSld>
@@ -14450,6 +15340,10 @@
           <a:bodyPr/>
           <a:lstStyle/>
           <a:p>
+            <a:r>
+              <a:rPr lang="en-US" dirty="0" smtClean="0"/>
+              <a:t>OBJECTIVE</a:t>
+            </a:r>
             <a:endParaRPr lang="en-US" i="1" dirty="0"/>
           </a:p>
         </p:txBody>
@@ -14483,7 +15377,7 @@
             </a:pPr>
             <a:r>
               <a:rPr lang="en-US" dirty="0" smtClean="0"/>
-              <a:t>Higher passenger </a:t>
+              <a:t>Augment passenger </a:t>
             </a:r>
             <a:r>
               <a:rPr lang="en-US" sz="3400" dirty="0" smtClean="0"/>
@@ -14505,7 +15399,7 @@
             </a:pPr>
             <a:r>
               <a:rPr lang="en-US" dirty="0" smtClean="0"/>
-              <a:t>Better financial </a:t>
+              <a:t>Optimize financial </a:t>
             </a:r>
             <a:r>
               <a:rPr lang="en-US" sz="3400" dirty="0" smtClean="0"/>
@@ -14527,7 +15421,11 @@
             </a:pPr>
             <a:r>
               <a:rPr lang="en-US" dirty="0" smtClean="0"/>
-              <a:t> More </a:t>
+              <a:t> </a:t>
+            </a:r>
+            <a:r>
+              <a:rPr lang="en-US" dirty="0" smtClean="0"/>
+              <a:t>Increase </a:t>
             </a:r>
             <a:r>
               <a:rPr lang="en-US" sz="3400" dirty="0" smtClean="0"/>
@@ -14672,9 +15570,130 @@
           <a:p>
             <a:r>
               <a:rPr lang="en-US" dirty="0" smtClean="0"/>
-              <a:t>III. Tip</a:t>
-            </a:r>
-            <a:endParaRPr lang="en-US" sz="2400" i="1" dirty="0"/>
+              <a:t>Overview</a:t>
+            </a:r>
+            <a:endParaRPr lang="en-US" i="1" dirty="0"/>
+          </a:p>
+        </p:txBody>
+      </p:sp>
+      <p:sp>
+        <p:nvSpPr>
+          <p:cNvPr id="3" name="Content Placeholder 2"/>
+          <p:cNvSpPr>
+            <a:spLocks noGrp="1"/>
+          </p:cNvSpPr>
+          <p:nvPr>
+            <p:ph idx="1"/>
+          </p:nvPr>
+        </p:nvSpPr>
+        <p:spPr>
+          <a:xfrm>
+            <a:off x="838200" y="1825625"/>
+            <a:ext cx="10515600" cy="4822310"/>
+          </a:xfrm>
+        </p:spPr>
+        <p:txBody>
+          <a:bodyPr>
+            <a:normAutofit/>
+          </a:bodyPr>
+          <a:lstStyle/>
+          <a:p>
+            <a:pPr>
+              <a:lnSpc>
+                <a:spcPct val="150000"/>
+              </a:lnSpc>
+            </a:pPr>
+            <a:r>
+              <a:rPr lang="en-US" dirty="0" smtClean="0"/>
+              <a:t>Trend </a:t>
+            </a:r>
+            <a:r>
+              <a:rPr lang="en-US" dirty="0" smtClean="0"/>
+              <a:t>analysis</a:t>
+            </a:r>
+          </a:p>
+          <a:p>
+            <a:pPr>
+              <a:lnSpc>
+                <a:spcPct val="150000"/>
+              </a:lnSpc>
+            </a:pPr>
+            <a:r>
+              <a:rPr lang="en-US" dirty="0"/>
+              <a:t>Segmentation:</a:t>
+            </a:r>
+          </a:p>
+          <a:p>
+            <a:pPr lvl="1">
+              <a:lnSpc>
+                <a:spcPct val="150000"/>
+              </a:lnSpc>
+              <a:buFont typeface="Wingdings" panose="05000000000000000000" pitchFamily="2" charset="2"/>
+              <a:buChar char="ü"/>
+            </a:pPr>
+            <a:r>
+              <a:rPr lang="en-US" dirty="0"/>
+              <a:t>Day of week</a:t>
+            </a:r>
+          </a:p>
+          <a:p>
+            <a:pPr lvl="1">
+              <a:lnSpc>
+                <a:spcPct val="150000"/>
+              </a:lnSpc>
+              <a:buFont typeface="Wingdings" panose="05000000000000000000" pitchFamily="2" charset="2"/>
+              <a:buChar char="ü"/>
+            </a:pPr>
+            <a:r>
+              <a:rPr lang="en-US" dirty="0" smtClean="0"/>
+              <a:t>Hour</a:t>
+            </a:r>
+            <a:endParaRPr lang="en-US" dirty="0"/>
+          </a:p>
+          <a:p>
+            <a:pPr lvl="1">
+              <a:lnSpc>
+                <a:spcPct val="150000"/>
+              </a:lnSpc>
+              <a:buFont typeface="Wingdings" panose="05000000000000000000" pitchFamily="2" charset="2"/>
+              <a:buChar char="ü"/>
+            </a:pPr>
+            <a:r>
+              <a:rPr lang="en-US" dirty="0" smtClean="0"/>
+              <a:t>Weather</a:t>
+            </a:r>
+            <a:endParaRPr lang="en-US" dirty="0"/>
+          </a:p>
+          <a:p>
+            <a:pPr lvl="1">
+              <a:lnSpc>
+                <a:spcPct val="150000"/>
+              </a:lnSpc>
+              <a:buFont typeface="Wingdings" panose="05000000000000000000" pitchFamily="2" charset="2"/>
+              <a:buChar char="ü"/>
+            </a:pPr>
+            <a:r>
+              <a:rPr lang="en-US" dirty="0" smtClean="0"/>
+              <a:t>Rate Code ID</a:t>
+            </a:r>
+            <a:endParaRPr lang="en-US" dirty="0"/>
+          </a:p>
+          <a:p>
+            <a:pPr>
+              <a:lnSpc>
+                <a:spcPct val="150000"/>
+              </a:lnSpc>
+              <a:buFont typeface="Courier New" panose="02070309020205020404" pitchFamily="49" charset="0"/>
+              <a:buChar char="o"/>
+            </a:pPr>
+            <a:r>
+              <a:rPr lang="en-US" dirty="0" smtClean="0"/>
+              <a:t>Cleansed </a:t>
+            </a:r>
+            <a:r>
+              <a:rPr lang="en-US" dirty="0" smtClean="0"/>
+              <a:t>data used</a:t>
+            </a:r>
           </a:p>
         </p:txBody>
       </p:sp>
@@ -14764,7 +15783,7 @@
     </p:spTree>
     <p:extLst>
       <p:ext uri="{BB962C8B-B14F-4D97-AF65-F5344CB8AC3E}">
-        <p14:creationId xmlns:p14="http://schemas.microsoft.com/office/powerpoint/2010/main" val="3347943891"/>
+        <p14:creationId xmlns:p14="http://schemas.microsoft.com/office/powerpoint/2010/main" val="21032481"/>
       </p:ext>
     </p:extLst>
   </p:cSld>
@@ -14775,263 +15794,6 @@
 </file>
 
 <file path=ppt/slides/slide31.xml><?xml version="1.0" encoding="utf-8"?>
-<p:sld xmlns:a="http://schemas.openxmlformats.org/drawingml/2006/main" xmlns:r="http://schemas.openxmlformats.org/officeDocument/2006/relationships" xmlns:p="http://schemas.openxmlformats.org/presentationml/2006/main">
-  <p:cSld>
-    <p:spTree>
-      <p:nvGrpSpPr>
-        <p:cNvPr id="1" name=""/>
-        <p:cNvGrpSpPr/>
-        <p:nvPr/>
-      </p:nvGrpSpPr>
-      <p:grpSpPr>
-        <a:xfrm>
-          <a:off x="0" y="0"/>
-          <a:ext cx="0" cy="0"/>
-          <a:chOff x="0" y="0"/>
-          <a:chExt cx="0" cy="0"/>
-        </a:xfrm>
-      </p:grpSpPr>
-      <p:sp>
-        <p:nvSpPr>
-          <p:cNvPr id="2" name="Title 1"/>
-          <p:cNvSpPr>
-            <a:spLocks noGrp="1"/>
-          </p:cNvSpPr>
-          <p:nvPr>
-            <p:ph type="title"/>
-          </p:nvPr>
-        </p:nvSpPr>
-        <p:spPr/>
-        <p:txBody>
-          <a:bodyPr/>
-          <a:lstStyle/>
-          <a:p>
-            <a:r>
-              <a:rPr lang="en-US" dirty="0" smtClean="0"/>
-              <a:t>Overview</a:t>
-            </a:r>
-            <a:endParaRPr lang="en-US" i="1" dirty="0"/>
-          </a:p>
-        </p:txBody>
-      </p:sp>
-      <p:sp>
-        <p:nvSpPr>
-          <p:cNvPr id="3" name="Content Placeholder 2"/>
-          <p:cNvSpPr>
-            <a:spLocks noGrp="1"/>
-          </p:cNvSpPr>
-          <p:nvPr>
-            <p:ph idx="1"/>
-          </p:nvPr>
-        </p:nvSpPr>
-        <p:spPr>
-          <a:xfrm>
-            <a:off x="838200" y="1825625"/>
-            <a:ext cx="10515600" cy="4822310"/>
-          </a:xfrm>
-        </p:spPr>
-        <p:txBody>
-          <a:bodyPr>
-            <a:normAutofit/>
-          </a:bodyPr>
-          <a:lstStyle/>
-          <a:p>
-            <a:pPr>
-              <a:lnSpc>
-                <a:spcPct val="150000"/>
-              </a:lnSpc>
-            </a:pPr>
-            <a:r>
-              <a:rPr lang="en-US" dirty="0" smtClean="0"/>
-              <a:t>Trend </a:t>
-            </a:r>
-            <a:r>
-              <a:rPr lang="en-US" dirty="0" smtClean="0"/>
-              <a:t>analysis</a:t>
-            </a:r>
-          </a:p>
-          <a:p>
-            <a:pPr>
-              <a:lnSpc>
-                <a:spcPct val="150000"/>
-              </a:lnSpc>
-            </a:pPr>
-            <a:r>
-              <a:rPr lang="en-US" dirty="0"/>
-              <a:t>Segmentation:</a:t>
-            </a:r>
-          </a:p>
-          <a:p>
-            <a:pPr lvl="1">
-              <a:lnSpc>
-                <a:spcPct val="150000"/>
-              </a:lnSpc>
-              <a:buFont typeface="Wingdings" panose="05000000000000000000" pitchFamily="2" charset="2"/>
-              <a:buChar char="ü"/>
-            </a:pPr>
-            <a:r>
-              <a:rPr lang="en-US" dirty="0"/>
-              <a:t>Day of week</a:t>
-            </a:r>
-          </a:p>
-          <a:p>
-            <a:pPr lvl="1">
-              <a:lnSpc>
-                <a:spcPct val="150000"/>
-              </a:lnSpc>
-              <a:buFont typeface="Wingdings" panose="05000000000000000000" pitchFamily="2" charset="2"/>
-              <a:buChar char="ü"/>
-            </a:pPr>
-            <a:r>
-              <a:rPr lang="en-US" dirty="0" smtClean="0"/>
-              <a:t>Hour</a:t>
-            </a:r>
-            <a:endParaRPr lang="en-US" dirty="0"/>
-          </a:p>
-          <a:p>
-            <a:pPr lvl="1">
-              <a:lnSpc>
-                <a:spcPct val="150000"/>
-              </a:lnSpc>
-              <a:buFont typeface="Wingdings" panose="05000000000000000000" pitchFamily="2" charset="2"/>
-              <a:buChar char="ü"/>
-            </a:pPr>
-            <a:r>
-              <a:rPr lang="en-US" dirty="0" smtClean="0"/>
-              <a:t>Weather</a:t>
-            </a:r>
-            <a:endParaRPr lang="en-US" dirty="0"/>
-          </a:p>
-          <a:p>
-            <a:pPr lvl="1">
-              <a:lnSpc>
-                <a:spcPct val="150000"/>
-              </a:lnSpc>
-              <a:buFont typeface="Wingdings" panose="05000000000000000000" pitchFamily="2" charset="2"/>
-              <a:buChar char="ü"/>
-            </a:pPr>
-            <a:r>
-              <a:rPr lang="en-US" dirty="0" smtClean="0"/>
-              <a:t>Rate Code ID</a:t>
-            </a:r>
-            <a:endParaRPr lang="en-US" dirty="0"/>
-          </a:p>
-          <a:p>
-            <a:pPr>
-              <a:lnSpc>
-                <a:spcPct val="150000"/>
-              </a:lnSpc>
-              <a:buFont typeface="Courier New" panose="02070309020205020404" pitchFamily="49" charset="0"/>
-              <a:buChar char="o"/>
-            </a:pPr>
-            <a:r>
-              <a:rPr lang="en-US" dirty="0" smtClean="0"/>
-              <a:t>Cleansed </a:t>
-            </a:r>
-            <a:r>
-              <a:rPr lang="en-US" dirty="0" smtClean="0"/>
-              <a:t>data used</a:t>
-            </a:r>
-          </a:p>
-        </p:txBody>
-      </p:sp>
-      <p:sp>
-        <p:nvSpPr>
-          <p:cNvPr id="4" name="Rectangle 1"/>
-          <p:cNvSpPr>
-            <a:spLocks noChangeArrowheads="1"/>
-          </p:cNvSpPr>
-          <p:nvPr/>
-        </p:nvSpPr>
-        <p:spPr bwMode="auto">
-          <a:xfrm>
-            <a:off x="0" y="43934"/>
-            <a:ext cx="184731" cy="369332"/>
-          </a:xfrm>
-          <a:prstGeom prst="rect">
-            <a:avLst/>
-          </a:prstGeom>
-          <a:solidFill>
-            <a:srgbClr val="FFFFFF"/>
-          </a:solidFill>
-          <a:ln>
-            <a:noFill/>
-          </a:ln>
-          <a:effectLst/>
-          <a:extLst>
-            <a:ext uri="{91240B29-F687-4F45-9708-019B960494DF}">
-              <a14:hiddenLine xmlns:a14="http://schemas.microsoft.com/office/drawing/2010/main" w="9525">
-                <a:solidFill>
-                  <a:schemeClr val="tx1"/>
-                </a:solidFill>
-                <a:miter lim="800000"/>
-                <a:headEnd/>
-                <a:tailEnd/>
-              </a14:hiddenLine>
-            </a:ext>
-            <a:ext uri="{AF507438-7753-43E0-B8FC-AC1667EBCBE1}">
-              <a14:hiddenEffects xmlns:a14="http://schemas.microsoft.com/office/drawing/2010/main">
-                <a:effectLst>
-                  <a:outerShdw dist="35921" dir="2700000" algn="ctr" rotWithShape="0">
-                    <a:schemeClr val="bg2"/>
-                  </a:outerShdw>
-                </a:effectLst>
-              </a14:hiddenEffects>
-            </a:ext>
-          </a:extLst>
-        </p:spPr>
-        <p:txBody>
-          <a:bodyPr vert="horz" wrap="none" lIns="91440" tIns="45720" rIns="91440" bIns="45720" numCol="1" anchor="ctr" anchorCtr="0" compatLnSpc="1">
-            <a:prstTxWarp prst="textNoShape">
-              <a:avLst/>
-            </a:prstTxWarp>
-            <a:spAutoFit/>
-          </a:bodyPr>
-          <a:lstStyle/>
-          <a:p>
-            <a:pPr marL="0" marR="0" lvl="0" indent="0" algn="l" defTabSz="914400" rtl="0" eaLnBrk="0" fontAlgn="base" latinLnBrk="0" hangingPunct="0">
-              <a:lnSpc>
-                <a:spcPct val="100000"/>
-              </a:lnSpc>
-              <a:spcBef>
-                <a:spcPct val="0"/>
-              </a:spcBef>
-              <a:spcAft>
-                <a:spcPct val="0"/>
-              </a:spcAft>
-              <a:buClrTx/>
-              <a:buSzTx/>
-              <a:buFontTx/>
-              <a:buNone/>
-              <a:tabLst/>
-            </a:pPr>
-            <a:endParaRPr kumimoji="0" lang="en-US" sz="1800" b="0" i="0" u="none" strike="noStrike" cap="none" normalizeH="0" baseline="0" dirty="0" smtClean="0">
-              <a:ln>
-                <a:noFill/>
-              </a:ln>
-              <a:solidFill>
-                <a:schemeClr val="tx1"/>
-              </a:solidFill>
-              <a:effectLst/>
-              <a:latin typeface="Arial" panose="020B0604020202020204" pitchFamily="34" charset="0"/>
-            </a:endParaRPr>
-          </a:p>
-        </p:txBody>
-      </p:sp>
-    </p:spTree>
-    <p:extLst>
-      <p:ext uri="{BB962C8B-B14F-4D97-AF65-F5344CB8AC3E}">
-        <p14:creationId xmlns:p14="http://schemas.microsoft.com/office/powerpoint/2010/main" val="21032481"/>
-      </p:ext>
-    </p:extLst>
-  </p:cSld>
-  <p:clrMapOvr>
-    <a:masterClrMapping/>
-  </p:clrMapOvr>
-</p:sld>
-</file>
-
-<file path=ppt/slides/slide32.xml><?xml version="1.0" encoding="utf-8"?>
 <p:sld xmlns:a="http://schemas.openxmlformats.org/drawingml/2006/main" xmlns:r="http://schemas.openxmlformats.org/officeDocument/2006/relationships" xmlns:p="http://schemas.openxmlformats.org/presentationml/2006/main">
   <p:cSld>
     <p:spTree>
@@ -15600,7 +16362,7 @@
 </p:sld>
 </file>
 
-<file path=ppt/slides/slide33.xml><?xml version="1.0" encoding="utf-8"?>
+<file path=ppt/slides/slide32.xml><?xml version="1.0" encoding="utf-8"?>
 <p:sld xmlns:a="http://schemas.openxmlformats.org/drawingml/2006/main" xmlns:r="http://schemas.openxmlformats.org/officeDocument/2006/relationships" xmlns:p="http://schemas.openxmlformats.org/presentationml/2006/main">
   <p:cSld>
     <p:spTree>
@@ -15986,6 +16748,42 @@
           </a:p>
         </p:txBody>
       </p:sp>
+      <p:sp>
+        <p:nvSpPr>
+          <p:cNvPr id="15" name="TextBox 14"/>
+          <p:cNvSpPr txBox="1"/>
+          <p:nvPr/>
+        </p:nvSpPr>
+        <p:spPr>
+          <a:xfrm>
+            <a:off x="6696909" y="6288613"/>
+            <a:ext cx="5190292" cy="323165"/>
+          </a:xfrm>
+          <a:prstGeom prst="rect">
+            <a:avLst/>
+          </a:prstGeom>
+          <a:noFill/>
+        </p:spPr>
+        <p:txBody>
+          <a:bodyPr wrap="square" rtlCol="0">
+            <a:spAutoFit/>
+          </a:bodyPr>
+          <a:lstStyle/>
+          <a:p>
+            <a:pPr algn="r"/>
+            <a:r>
+              <a:rPr lang="en-US" sz="1500" b="1" dirty="0" smtClean="0">
+                <a:solidFill>
+                  <a:schemeClr val="bg2">
+                    <a:lumMod val="75000"/>
+                  </a:schemeClr>
+                </a:solidFill>
+              </a:rPr>
+              <a:t>DATA: TAXI AND LIMOUSINE  COMMISSION</a:t>
+            </a:r>
+          </a:p>
+        </p:txBody>
+      </p:sp>
     </p:spTree>
     <p:extLst>
       <p:ext uri="{BB962C8B-B14F-4D97-AF65-F5344CB8AC3E}">
@@ -15999,7 +16797,7 @@
 </p:sld>
 </file>
 
-<file path=ppt/slides/slide34.xml><?xml version="1.0" encoding="utf-8"?>
+<file path=ppt/slides/slide33.xml><?xml version="1.0" encoding="utf-8"?>
 <p:sld xmlns:a="http://schemas.openxmlformats.org/drawingml/2006/main" xmlns:r="http://schemas.openxmlformats.org/officeDocument/2006/relationships" xmlns:p="http://schemas.openxmlformats.org/presentationml/2006/main">
   <p:cSld>
     <p:spTree>
@@ -16596,6 +17394,42 @@
           </a:p>
         </p:txBody>
       </p:sp>
+      <p:sp>
+        <p:nvSpPr>
+          <p:cNvPr id="24" name="TextBox 23"/>
+          <p:cNvSpPr txBox="1"/>
+          <p:nvPr/>
+        </p:nvSpPr>
+        <p:spPr>
+          <a:xfrm>
+            <a:off x="6696909" y="6288613"/>
+            <a:ext cx="5190292" cy="323165"/>
+          </a:xfrm>
+          <a:prstGeom prst="rect">
+            <a:avLst/>
+          </a:prstGeom>
+          <a:noFill/>
+        </p:spPr>
+        <p:txBody>
+          <a:bodyPr wrap="square" rtlCol="0">
+            <a:spAutoFit/>
+          </a:bodyPr>
+          <a:lstStyle/>
+          <a:p>
+            <a:pPr algn="r"/>
+            <a:r>
+              <a:rPr lang="en-US" sz="1500" b="1" dirty="0" smtClean="0">
+                <a:solidFill>
+                  <a:schemeClr val="bg2">
+                    <a:lumMod val="75000"/>
+                  </a:schemeClr>
+                </a:solidFill>
+              </a:rPr>
+              <a:t>DATA: TAXI AND LIMOUSINE  COMMISSION</a:t>
+            </a:r>
+          </a:p>
+        </p:txBody>
+      </p:sp>
     </p:spTree>
     <p:extLst>
       <p:ext uri="{BB962C8B-B14F-4D97-AF65-F5344CB8AC3E}">
@@ -16609,7 +17443,7 @@
 </p:sld>
 </file>
 
-<file path=ppt/slides/slide35.xml><?xml version="1.0" encoding="utf-8"?>
+<file path=ppt/slides/slide34.xml><?xml version="1.0" encoding="utf-8"?>
 <p:sld xmlns:a="http://schemas.openxmlformats.org/drawingml/2006/main" xmlns:r="http://schemas.openxmlformats.org/officeDocument/2006/relationships" xmlns:p="http://schemas.openxmlformats.org/presentationml/2006/main">
   <p:cSld>
     <p:spTree>
@@ -17566,6 +18400,42 @@
           </p:txBody>
         </p:sp>
       </p:grpSp>
+      <p:sp>
+        <p:nvSpPr>
+          <p:cNvPr id="52" name="TextBox 51"/>
+          <p:cNvSpPr txBox="1"/>
+          <p:nvPr/>
+        </p:nvSpPr>
+        <p:spPr>
+          <a:xfrm>
+            <a:off x="6696909" y="6288613"/>
+            <a:ext cx="5190292" cy="323165"/>
+          </a:xfrm>
+          <a:prstGeom prst="rect">
+            <a:avLst/>
+          </a:prstGeom>
+          <a:noFill/>
+        </p:spPr>
+        <p:txBody>
+          <a:bodyPr wrap="square" rtlCol="0">
+            <a:spAutoFit/>
+          </a:bodyPr>
+          <a:lstStyle/>
+          <a:p>
+            <a:pPr algn="r"/>
+            <a:r>
+              <a:rPr lang="en-US" sz="1500" b="1" dirty="0" smtClean="0">
+                <a:solidFill>
+                  <a:schemeClr val="bg2">
+                    <a:lumMod val="75000"/>
+                  </a:schemeClr>
+                </a:solidFill>
+              </a:rPr>
+              <a:t>DATA: TAXI AND LIMOUSINE  COMMISSION</a:t>
+            </a:r>
+          </a:p>
+        </p:txBody>
+      </p:sp>
     </p:spTree>
     <p:extLst>
       <p:ext uri="{BB962C8B-B14F-4D97-AF65-F5344CB8AC3E}">
@@ -17579,7 +18449,7 @@
 </p:sld>
 </file>
 
-<file path=ppt/slides/slide36.xml><?xml version="1.0" encoding="utf-8"?>
+<file path=ppt/slides/slide35.xml><?xml version="1.0" encoding="utf-8"?>
 <p:sld xmlns:a="http://schemas.openxmlformats.org/drawingml/2006/main" xmlns:r="http://schemas.openxmlformats.org/officeDocument/2006/relationships" xmlns:p="http://schemas.openxmlformats.org/presentationml/2006/main">
   <p:cSld>
     <p:spTree>
@@ -17750,65 +18620,73 @@
           </a:p>
         </p:txBody>
       </p:sp>
-      <p:pic>
-        <p:nvPicPr>
-          <p:cNvPr id="10" name="Picture 9"/>
-          <p:cNvPicPr>
-            <a:picLocks noChangeAspect="1"/>
-          </p:cNvPicPr>
+      <p:cxnSp>
+        <p:nvCxnSpPr>
+          <p:cNvPr id="35" name="Straight Arrow Connector 34"/>
+          <p:cNvCxnSpPr/>
           <p:nvPr/>
-        </p:nvPicPr>
-        <p:blipFill>
-          <a:blip r:embed="rId2">
-            <a:extLst>
-              <a:ext uri="{28A0092B-C50C-407E-A947-70E740481C1C}">
-                <a14:useLocalDpi xmlns:a14="http://schemas.microsoft.com/office/drawing/2010/main" val="0"/>
-              </a:ext>
-            </a:extLst>
-          </a:blip>
-          <a:stretch>
-            <a:fillRect/>
-          </a:stretch>
-        </p:blipFill>
+        </p:nvCxnSpPr>
         <p:spPr>
-          <a:xfrm>
-            <a:off x="838198" y="2135604"/>
-            <a:ext cx="5207268" cy="4381725"/>
+          <a:xfrm flipV="1">
+            <a:off x="772269" y="1904674"/>
+            <a:ext cx="8387" cy="4646655"/>
           </a:xfrm>
-          <a:prstGeom prst="rect">
+          <a:prstGeom prst="straightConnector1">
             <a:avLst/>
           </a:prstGeom>
+          <a:ln w="28575">
+            <a:solidFill>
+              <a:schemeClr val="accent1">
+                <a:lumMod val="75000"/>
+              </a:schemeClr>
+            </a:solidFill>
+            <a:tailEnd type="triangle"/>
+          </a:ln>
         </p:spPr>
-      </p:pic>
+        <p:style>
+          <a:lnRef idx="1">
+            <a:schemeClr val="accent1"/>
+          </a:lnRef>
+          <a:fillRef idx="0">
+            <a:schemeClr val="accent1"/>
+          </a:fillRef>
+          <a:effectRef idx="0">
+            <a:schemeClr val="accent1"/>
+          </a:effectRef>
+          <a:fontRef idx="minor">
+            <a:schemeClr val="tx1"/>
+          </a:fontRef>
+        </p:style>
+      </p:cxnSp>
       <p:grpSp>
         <p:nvGrpSpPr>
-          <p:cNvPr id="33" name="Group 32"/>
+          <p:cNvPr id="48" name="Group 47"/>
           <p:cNvGrpSpPr/>
           <p:nvPr/>
         </p:nvGrpSpPr>
         <p:grpSpPr>
           <a:xfrm>
-            <a:off x="772269" y="1880409"/>
-            <a:ext cx="6348200" cy="4712503"/>
-            <a:chOff x="992402" y="2506060"/>
-            <a:chExt cx="7424069" cy="4311282"/>
+            <a:off x="780656" y="1880409"/>
+            <a:ext cx="6950952" cy="4667392"/>
+            <a:chOff x="2372496" y="1440992"/>
+            <a:chExt cx="9051023" cy="4749661"/>
           </a:xfrm>
         </p:grpSpPr>
         <p:cxnSp>
           <p:nvCxnSpPr>
-            <p:cNvPr id="35" name="Straight Arrow Connector 34"/>
+            <p:cNvPr id="49" name="Straight Arrow Connector 48"/>
             <p:cNvCxnSpPr/>
             <p:nvPr/>
           </p:nvCxnSpPr>
           <p:spPr>
             <a:xfrm flipV="1">
-              <a:off x="992402" y="2528259"/>
-              <a:ext cx="9808" cy="4251040"/>
+              <a:off x="2372497" y="6189650"/>
+              <a:ext cx="7670929" cy="1003"/>
             </a:xfrm>
             <a:prstGeom prst="straightConnector1">
               <a:avLst/>
             </a:prstGeom>
-            <a:ln w="28575">
+            <a:ln w="38100">
               <a:solidFill>
                 <a:schemeClr val="accent1">
                   <a:lumMod val="75000"/>
@@ -17832,147 +18710,94 @@
             </a:fontRef>
           </p:style>
         </p:cxnSp>
-        <p:grpSp>
-          <p:nvGrpSpPr>
-            <p:cNvPr id="48" name="Group 47"/>
-            <p:cNvGrpSpPr/>
+        <p:sp>
+          <p:nvSpPr>
+            <p:cNvPr id="51" name="TextBox 50"/>
+            <p:cNvSpPr txBox="1"/>
             <p:nvPr/>
-          </p:nvGrpSpPr>
-          <p:grpSpPr>
+          </p:nvSpPr>
+          <p:spPr>
             <a:xfrm>
-              <a:off x="1002210" y="2506060"/>
-              <a:ext cx="7414261" cy="4311282"/>
-              <a:chOff x="2372496" y="1440992"/>
-              <a:chExt cx="8255241" cy="4795567"/>
+              <a:off x="2372496" y="1440992"/>
+              <a:ext cx="1982198" cy="328861"/>
             </a:xfrm>
-          </p:grpSpPr>
-          <p:cxnSp>
-            <p:nvCxnSpPr>
-              <p:cNvPr id="49" name="Straight Arrow Connector 48"/>
-              <p:cNvCxnSpPr/>
-              <p:nvPr/>
-            </p:nvCxnSpPr>
-            <p:spPr>
-              <a:xfrm>
-                <a:off x="2372497" y="6190654"/>
-                <a:ext cx="7685903" cy="45905"/>
-              </a:xfrm>
-              <a:prstGeom prst="straightConnector1">
-                <a:avLst/>
-              </a:prstGeom>
-              <a:ln w="38100">
-                <a:solidFill>
-                  <a:schemeClr val="accent1">
-                    <a:lumMod val="75000"/>
-                  </a:schemeClr>
-                </a:solidFill>
-                <a:tailEnd type="triangle"/>
-              </a:ln>
-            </p:spPr>
-            <p:style>
-              <a:lnRef idx="1">
-                <a:schemeClr val="accent1"/>
-              </a:lnRef>
-              <a:fillRef idx="0">
-                <a:schemeClr val="accent1"/>
-              </a:fillRef>
-              <a:effectRef idx="0">
-                <a:schemeClr val="accent1"/>
-              </a:effectRef>
-              <a:fontRef idx="minor">
-                <a:schemeClr val="tx1"/>
-              </a:fontRef>
-            </p:style>
-          </p:cxnSp>
-          <p:sp>
-            <p:nvSpPr>
-              <p:cNvPr id="50" name="TextBox 49"/>
-              <p:cNvSpPr txBox="1"/>
-              <p:nvPr/>
-            </p:nvSpPr>
-            <p:spPr>
-              <a:xfrm>
-                <a:off x="8522023" y="5668728"/>
-                <a:ext cx="2105714" cy="344521"/>
-              </a:xfrm>
-              <a:prstGeom prst="rect">
-                <a:avLst/>
-              </a:prstGeom>
-              <a:noFill/>
-            </p:spPr>
-            <p:txBody>
-              <a:bodyPr wrap="square" rtlCol="0">
-                <a:spAutoFit/>
-              </a:bodyPr>
-              <a:lstStyle/>
-              <a:p>
-                <a:r>
-                  <a:rPr lang="en-US" sz="1600" b="1" dirty="0" smtClean="0">
-                    <a:solidFill>
-                      <a:schemeClr val="tx1">
-                        <a:lumMod val="50000"/>
-                        <a:lumOff val="50000"/>
-                      </a:schemeClr>
-                    </a:solidFill>
-                  </a:rPr>
-                  <a:t>Tip Probability</a:t>
-                </a:r>
-                <a:endParaRPr lang="en-US" sz="1600" b="1" dirty="0">
+            <a:prstGeom prst="rect">
+              <a:avLst/>
+            </a:prstGeom>
+            <a:noFill/>
+          </p:spPr>
+          <p:txBody>
+            <a:bodyPr wrap="square" rtlCol="0">
+              <a:spAutoFit/>
+            </a:bodyPr>
+            <a:lstStyle/>
+            <a:p>
+              <a:r>
+                <a:rPr lang="en-US" sz="1500" b="1" dirty="0" smtClean="0">
                   <a:solidFill>
                     <a:schemeClr val="tx1">
                       <a:lumMod val="50000"/>
                       <a:lumOff val="50000"/>
                     </a:schemeClr>
                   </a:solidFill>
-                </a:endParaRPr>
-              </a:p>
-            </p:txBody>
-          </p:sp>
-          <p:sp>
-            <p:nvSpPr>
-              <p:cNvPr id="51" name="TextBox 50"/>
-              <p:cNvSpPr txBox="1"/>
-              <p:nvPr/>
-            </p:nvSpPr>
-            <p:spPr>
-              <a:xfrm>
-                <a:off x="2372496" y="1440992"/>
-                <a:ext cx="1982198" cy="328861"/>
-              </a:xfrm>
-              <a:prstGeom prst="rect">
-                <a:avLst/>
-              </a:prstGeom>
-              <a:noFill/>
-            </p:spPr>
-            <p:txBody>
-              <a:bodyPr wrap="square" rtlCol="0">
-                <a:spAutoFit/>
-              </a:bodyPr>
-              <a:lstStyle/>
-              <a:p>
-                <a:r>
-                  <a:rPr lang="en-US" sz="1500" b="1" dirty="0" smtClean="0">
-                    <a:solidFill>
-                      <a:schemeClr val="tx1">
-                        <a:lumMod val="50000"/>
-                        <a:lumOff val="50000"/>
-                      </a:schemeClr>
-                    </a:solidFill>
-                  </a:rPr>
-                  <a:t>Tip Variance</a:t>
-                </a:r>
-                <a:endParaRPr lang="en-US" sz="1500" b="1" dirty="0">
+                </a:rPr>
+                <a:t>Tip Variance</a:t>
+              </a:r>
+              <a:endParaRPr lang="en-US" sz="1500" b="1" dirty="0">
+                <a:solidFill>
+                  <a:schemeClr val="tx1">
+                    <a:lumMod val="50000"/>
+                    <a:lumOff val="50000"/>
+                  </a:schemeClr>
+                </a:solidFill>
+              </a:endParaRPr>
+            </a:p>
+          </p:txBody>
+        </p:sp>
+        <p:sp>
+          <p:nvSpPr>
+            <p:cNvPr id="50" name="TextBox 49"/>
+            <p:cNvSpPr txBox="1"/>
+            <p:nvPr/>
+          </p:nvSpPr>
+          <p:spPr>
+            <a:xfrm>
+              <a:off x="9317805" y="5780052"/>
+              <a:ext cx="2105714" cy="344521"/>
+            </a:xfrm>
+            <a:prstGeom prst="rect">
+              <a:avLst/>
+            </a:prstGeom>
+            <a:noFill/>
+          </p:spPr>
+          <p:txBody>
+            <a:bodyPr wrap="square" rtlCol="0">
+              <a:spAutoFit/>
+            </a:bodyPr>
+            <a:lstStyle/>
+            <a:p>
+              <a:r>
+                <a:rPr lang="en-US" sz="1600" b="1" dirty="0" smtClean="0">
                   <a:solidFill>
                     <a:schemeClr val="tx1">
                       <a:lumMod val="50000"/>
                       <a:lumOff val="50000"/>
                     </a:schemeClr>
                   </a:solidFill>
-                </a:endParaRPr>
-              </a:p>
-            </p:txBody>
-          </p:sp>
-        </p:grpSp>
+                </a:rPr>
+                <a:t>Tip Probability</a:t>
+              </a:r>
+              <a:endParaRPr lang="en-US" sz="1600" b="1" dirty="0">
+                <a:solidFill>
+                  <a:schemeClr val="tx1">
+                    <a:lumMod val="50000"/>
+                    <a:lumOff val="50000"/>
+                  </a:schemeClr>
+                </a:solidFill>
+              </a:endParaRPr>
+            </a:p>
+          </p:txBody>
+        </p:sp>
       </p:grpSp>
       <p:sp>
         <p:nvSpPr>
@@ -18044,8 +18869,8 @@
         </p:nvSpPr>
         <p:spPr>
           <a:xfrm>
-            <a:off x="6227235" y="3243116"/>
-            <a:ext cx="3062574" cy="1969770"/>
+            <a:off x="6227235" y="3006155"/>
+            <a:ext cx="3949698" cy="2893100"/>
           </a:xfrm>
           <a:prstGeom prst="rect">
             <a:avLst/>
@@ -18058,42 +18883,148 @@
           </a:bodyPr>
           <a:lstStyle/>
           <a:p>
-            <a:pPr marL="285750" indent="-285750">
+            <a:pPr marL="171450" indent="-171450">
               <a:buFont typeface="Arial" panose="020B0604020202020204" pitchFamily="34" charset="0"/>
               <a:buChar char="•"/>
             </a:pPr>
             <a:r>
+              <a:rPr lang="en-US" sz="1400" b="1" dirty="0">
+                <a:latin typeface="+mj-lt"/>
+              </a:rPr>
+              <a:t>Passengers heading to Nassau or Westchester are </a:t>
+            </a:r>
+            <a:r>
               <a:rPr lang="en-US" sz="1400" b="1" dirty="0" smtClean="0">
                 <a:latin typeface="+mj-lt"/>
               </a:rPr>
-              <a:t>As trip distance increases, efficiency declines</a:t>
-            </a:r>
-            <a:r>
-              <a:rPr lang="en-US" sz="1000" b="1" dirty="0" smtClean="0">
+              <a:t>usually not generous tipp</a:t>
+            </a:r>
+            <a:r>
+              <a:rPr lang="en-US" altLang="zh-CN" sz="1400" b="1" dirty="0" smtClean="0">
                 <a:latin typeface="+mj-lt"/>
               </a:rPr>
-              <a:t>.</a:t>
-            </a:r>
-          </a:p>
-          <a:p>
-            <a:pPr marL="285750" indent="-285750">
+              <a:t>ers: over one quarter of them not tip or tip little (less than 20%). And they are the most unpredictable: great variance in their tip behaviors.</a:t>
+            </a:r>
+          </a:p>
+          <a:p>
+            <a:pPr marL="171450" indent="-171450">
               <a:buFont typeface="Arial" panose="020B0604020202020204" pitchFamily="34" charset="0"/>
               <a:buChar char="•"/>
             </a:pPr>
             <a:r>
-              <a:rPr lang="en-US" sz="1400" b="1" dirty="0">
+              <a:rPr lang="en-US" altLang="zh-CN" sz="1400" b="1" dirty="0" smtClean="0">
                 <a:latin typeface="+mj-lt"/>
               </a:rPr>
-              <a:t>For ride shorter than 0.1 miles, wind speed barely show any influence on efficiency. However, as distance grows, strong wind (over 20) becomes an adverse factor for efficiency.</a:t>
-            </a:r>
-            <a:endParaRPr lang="en-US" sz="1400" b="1" dirty="0">
+              <a:t>Almost all “Negotiated fare” passengers are willing to tip —— tip a little (below 19%).</a:t>
+            </a:r>
+          </a:p>
+          <a:p>
+            <a:pPr marL="171450" indent="-171450">
+              <a:buFont typeface="Arial" panose="020B0604020202020204" pitchFamily="34" charset="0"/>
+              <a:buChar char="•"/>
+            </a:pPr>
+            <a:r>
+              <a:rPr lang="en-US" altLang="zh-CN" sz="1400" b="1" dirty="0" smtClean="0">
+                <a:latin typeface="+mj-lt"/>
+              </a:rPr>
+              <a:t>“Standard rate” passengers are the most generous: over 80% of them are willing to tip over 22%.</a:t>
+            </a:r>
+          </a:p>
+          <a:p>
+            <a:pPr marL="171450" indent="-171450">
+              <a:buFont typeface="Arial" panose="020B0604020202020204" pitchFamily="34" charset="0"/>
+              <a:buChar char="•"/>
+            </a:pPr>
+            <a:r>
+              <a:rPr lang="en-US" altLang="zh-CN" sz="1400" b="1" dirty="0" smtClean="0">
+                <a:latin typeface="+mj-lt"/>
+              </a:rPr>
+              <a:t>“JFK” passengers show the most stable tipping behavior: tip around 20.7%</a:t>
+            </a:r>
+          </a:p>
+          <a:p>
+            <a:pPr marL="171450" indent="-171450">
+              <a:buFont typeface="Arial" panose="020B0604020202020204" pitchFamily="34" charset="0"/>
+              <a:buChar char="•"/>
+            </a:pPr>
+            <a:endParaRPr lang="en-US" altLang="zh-CN" sz="1400" b="1" dirty="0" smtClean="0">
               <a:latin typeface="+mj-lt"/>
             </a:endParaRPr>
           </a:p>
           <a:p>
-            <a:endParaRPr lang="en-US" sz="1000" b="1" dirty="0" smtClean="0">
+            <a:pPr marL="171450" indent="-171450">
+              <a:buFont typeface="Arial" panose="020B0604020202020204" pitchFamily="34" charset="0"/>
+              <a:buChar char="•"/>
+            </a:pPr>
+            <a:endParaRPr lang="en-US" altLang="zh-CN" sz="1400" b="1" dirty="0" smtClean="0">
               <a:latin typeface="+mj-lt"/>
             </a:endParaRPr>
+          </a:p>
+        </p:txBody>
+      </p:sp>
+      <p:pic>
+        <p:nvPicPr>
+          <p:cNvPr id="14" name="Picture 13"/>
+          <p:cNvPicPr>
+            <a:picLocks noChangeAspect="1"/>
+          </p:cNvPicPr>
+          <p:nvPr/>
+        </p:nvPicPr>
+        <p:blipFill>
+          <a:blip r:embed="rId2">
+            <a:extLst>
+              <a:ext uri="{28A0092B-C50C-407E-A947-70E740481C1C}">
+                <a14:useLocalDpi xmlns:a14="http://schemas.microsoft.com/office/drawing/2010/main" val="0"/>
+              </a:ext>
+            </a:extLst>
+          </a:blip>
+          <a:stretch>
+            <a:fillRect/>
+          </a:stretch>
+        </p:blipFill>
+        <p:spPr>
+          <a:xfrm>
+            <a:off x="937413" y="2169581"/>
+            <a:ext cx="5107787" cy="4249335"/>
+          </a:xfrm>
+          <a:prstGeom prst="rect">
+            <a:avLst/>
+          </a:prstGeom>
+        </p:spPr>
+      </p:pic>
+      <p:sp>
+        <p:nvSpPr>
+          <p:cNvPr id="55" name="TextBox 54"/>
+          <p:cNvSpPr txBox="1"/>
+          <p:nvPr/>
+        </p:nvSpPr>
+        <p:spPr>
+          <a:xfrm>
+            <a:off x="6696909" y="6288613"/>
+            <a:ext cx="5190292" cy="323165"/>
+          </a:xfrm>
+          <a:prstGeom prst="rect">
+            <a:avLst/>
+          </a:prstGeom>
+          <a:noFill/>
+        </p:spPr>
+        <p:txBody>
+          <a:bodyPr wrap="square" rtlCol="0">
+            <a:spAutoFit/>
+          </a:bodyPr>
+          <a:lstStyle/>
+          <a:p>
+            <a:pPr algn="r"/>
+            <a:r>
+              <a:rPr lang="en-US" sz="1500" b="1" dirty="0" smtClean="0">
+                <a:solidFill>
+                  <a:schemeClr val="bg2">
+                    <a:lumMod val="75000"/>
+                  </a:schemeClr>
+                </a:solidFill>
+              </a:rPr>
+              <a:t>DATA: TAXI AND LIMOUSINE  COMMISSION</a:t>
+            </a:r>
           </a:p>
         </p:txBody>
       </p:sp>
@@ -18101,6 +19032,401 @@
     <p:extLst>
       <p:ext uri="{BB962C8B-B14F-4D97-AF65-F5344CB8AC3E}">
         <p14:creationId xmlns:p14="http://schemas.microsoft.com/office/powerpoint/2010/main" val="477658373"/>
+      </p:ext>
+    </p:extLst>
+  </p:cSld>
+  <p:clrMapOvr>
+    <a:masterClrMapping/>
+  </p:clrMapOvr>
+</p:sld>
+</file>
+
+<file path=ppt/slides/slide36.xml><?xml version="1.0" encoding="utf-8"?>
+<p:sld xmlns:a="http://schemas.openxmlformats.org/drawingml/2006/main" xmlns:r="http://schemas.openxmlformats.org/officeDocument/2006/relationships" xmlns:p="http://schemas.openxmlformats.org/presentationml/2006/main">
+  <p:cSld>
+    <p:spTree>
+      <p:nvGrpSpPr>
+        <p:cNvPr id="1" name=""/>
+        <p:cNvGrpSpPr/>
+        <p:nvPr/>
+      </p:nvGrpSpPr>
+      <p:grpSpPr>
+        <a:xfrm>
+          <a:off x="0" y="0"/>
+          <a:ext cx="0" cy="0"/>
+          <a:chOff x="0" y="0"/>
+          <a:chExt cx="0" cy="0"/>
+        </a:xfrm>
+      </p:grpSpPr>
+      <p:sp>
+        <p:nvSpPr>
+          <p:cNvPr id="2" name="Title 1"/>
+          <p:cNvSpPr>
+            <a:spLocks noGrp="1"/>
+          </p:cNvSpPr>
+          <p:nvPr>
+            <p:ph type="title"/>
+          </p:nvPr>
+        </p:nvSpPr>
+        <p:spPr/>
+        <p:txBody>
+          <a:bodyPr/>
+          <a:lstStyle/>
+          <a:p>
+            <a:r>
+              <a:rPr lang="en-US" dirty="0" smtClean="0"/>
+              <a:t>Recommendation </a:t>
+            </a:r>
+            <a:r>
+              <a:rPr lang="en-US" altLang="zh-CN" dirty="0" smtClean="0"/>
+              <a:t>—— Tip</a:t>
+            </a:r>
+            <a:endParaRPr lang="en-US" i="1" dirty="0"/>
+          </a:p>
+        </p:txBody>
+      </p:sp>
+      <p:sp>
+        <p:nvSpPr>
+          <p:cNvPr id="3" name="Content Placeholder 2"/>
+          <p:cNvSpPr>
+            <a:spLocks noGrp="1"/>
+          </p:cNvSpPr>
+          <p:nvPr>
+            <p:ph idx="1"/>
+          </p:nvPr>
+        </p:nvSpPr>
+        <p:spPr>
+          <a:xfrm>
+            <a:off x="838200" y="1825625"/>
+            <a:ext cx="10515600" cy="4822310"/>
+          </a:xfrm>
+        </p:spPr>
+        <p:txBody>
+          <a:bodyPr>
+            <a:normAutofit/>
+          </a:bodyPr>
+          <a:lstStyle/>
+          <a:p>
+            <a:pPr>
+              <a:lnSpc>
+                <a:spcPct val="150000"/>
+              </a:lnSpc>
+            </a:pPr>
+            <a:r>
+              <a:rPr lang="en-US" altLang="zh-CN" dirty="0" smtClean="0"/>
+              <a:t>Expect </a:t>
+            </a:r>
+            <a:r>
+              <a:rPr lang="en-US" altLang="zh-CN" dirty="0" smtClean="0"/>
+              <a:t>a tip of 22% from over 80% of “credit card” payers.</a:t>
+            </a:r>
+          </a:p>
+          <a:p>
+            <a:pPr>
+              <a:lnSpc>
+                <a:spcPct val="150000"/>
+              </a:lnSpc>
+            </a:pPr>
+            <a:endParaRPr lang="en-US" dirty="0"/>
+          </a:p>
+        </p:txBody>
+      </p:sp>
+      <p:sp>
+        <p:nvSpPr>
+          <p:cNvPr id="4" name="Rectangle 1"/>
+          <p:cNvSpPr>
+            <a:spLocks noChangeArrowheads="1"/>
+          </p:cNvSpPr>
+          <p:nvPr/>
+        </p:nvSpPr>
+        <p:spPr bwMode="auto">
+          <a:xfrm>
+            <a:off x="0" y="43934"/>
+            <a:ext cx="184731" cy="369332"/>
+          </a:xfrm>
+          <a:prstGeom prst="rect">
+            <a:avLst/>
+          </a:prstGeom>
+          <a:solidFill>
+            <a:srgbClr val="FFFFFF"/>
+          </a:solidFill>
+          <a:ln>
+            <a:noFill/>
+          </a:ln>
+          <a:effectLst/>
+          <a:extLst>
+            <a:ext uri="{91240B29-F687-4F45-9708-019B960494DF}">
+              <a14:hiddenLine xmlns:a14="http://schemas.microsoft.com/office/drawing/2010/main" w="9525">
+                <a:solidFill>
+                  <a:schemeClr val="tx1"/>
+                </a:solidFill>
+                <a:miter lim="800000"/>
+                <a:headEnd/>
+                <a:tailEnd/>
+              </a14:hiddenLine>
+            </a:ext>
+            <a:ext uri="{AF507438-7753-43E0-B8FC-AC1667EBCBE1}">
+              <a14:hiddenEffects xmlns:a14="http://schemas.microsoft.com/office/drawing/2010/main">
+                <a:effectLst>
+                  <a:outerShdw dist="35921" dir="2700000" algn="ctr" rotWithShape="0">
+                    <a:schemeClr val="bg2"/>
+                  </a:outerShdw>
+                </a:effectLst>
+              </a14:hiddenEffects>
+            </a:ext>
+          </a:extLst>
+        </p:spPr>
+        <p:txBody>
+          <a:bodyPr vert="horz" wrap="none" lIns="91440" tIns="45720" rIns="91440" bIns="45720" numCol="1" anchor="ctr" anchorCtr="0" compatLnSpc="1">
+            <a:prstTxWarp prst="textNoShape">
+              <a:avLst/>
+            </a:prstTxWarp>
+            <a:spAutoFit/>
+          </a:bodyPr>
+          <a:lstStyle/>
+          <a:p>
+            <a:pPr marL="0" marR="0" lvl="0" indent="0" algn="l" defTabSz="914400" rtl="0" eaLnBrk="0" fontAlgn="base" latinLnBrk="0" hangingPunct="0">
+              <a:lnSpc>
+                <a:spcPct val="100000"/>
+              </a:lnSpc>
+              <a:spcBef>
+                <a:spcPct val="0"/>
+              </a:spcBef>
+              <a:spcAft>
+                <a:spcPct val="0"/>
+              </a:spcAft>
+              <a:buClrTx/>
+              <a:buSzTx/>
+              <a:buFontTx/>
+              <a:buNone/>
+              <a:tabLst/>
+            </a:pPr>
+            <a:endParaRPr kumimoji="0" lang="en-US" sz="1800" b="0" i="0" u="none" strike="noStrike" cap="none" normalizeH="0" baseline="0" dirty="0" smtClean="0">
+              <a:ln>
+                <a:noFill/>
+              </a:ln>
+              <a:solidFill>
+                <a:schemeClr val="tx1"/>
+              </a:solidFill>
+              <a:effectLst/>
+              <a:latin typeface="Arial" panose="020B0604020202020204" pitchFamily="34" charset="0"/>
+            </a:endParaRPr>
+          </a:p>
+        </p:txBody>
+      </p:sp>
+    </p:spTree>
+    <p:extLst>
+      <p:ext uri="{BB962C8B-B14F-4D97-AF65-F5344CB8AC3E}">
+        <p14:creationId xmlns:p14="http://schemas.microsoft.com/office/powerpoint/2010/main" val="459829898"/>
+      </p:ext>
+    </p:extLst>
+  </p:cSld>
+  <p:clrMapOvr>
+    <a:masterClrMapping/>
+  </p:clrMapOvr>
+</p:sld>
+</file>
+
+<file path=ppt/slides/slide37.xml><?xml version="1.0" encoding="utf-8"?>
+<p:sld xmlns:a="http://schemas.openxmlformats.org/drawingml/2006/main" xmlns:r="http://schemas.openxmlformats.org/officeDocument/2006/relationships" xmlns:p="http://schemas.openxmlformats.org/presentationml/2006/main">
+  <p:cSld>
+    <p:spTree>
+      <p:nvGrpSpPr>
+        <p:cNvPr id="1" name=""/>
+        <p:cNvGrpSpPr/>
+        <p:nvPr/>
+      </p:nvGrpSpPr>
+      <p:grpSpPr>
+        <a:xfrm>
+          <a:off x="0" y="0"/>
+          <a:ext cx="0" cy="0"/>
+          <a:chOff x="0" y="0"/>
+          <a:chExt cx="0" cy="0"/>
+        </a:xfrm>
+      </p:grpSpPr>
+      <p:sp>
+        <p:nvSpPr>
+          <p:cNvPr id="2" name="Title 1"/>
+          <p:cNvSpPr>
+            <a:spLocks noGrp="1"/>
+          </p:cNvSpPr>
+          <p:nvPr>
+            <p:ph type="title"/>
+          </p:nvPr>
+        </p:nvSpPr>
+        <p:spPr/>
+        <p:txBody>
+          <a:bodyPr/>
+          <a:lstStyle/>
+          <a:p>
+            <a:r>
+              <a:rPr lang="en-US" dirty="0" smtClean="0"/>
+              <a:t>CONCLUSION</a:t>
+            </a:r>
+            <a:endParaRPr lang="en-US" i="1" dirty="0"/>
+          </a:p>
+        </p:txBody>
+      </p:sp>
+      <p:sp>
+        <p:nvSpPr>
+          <p:cNvPr id="3" name="Content Placeholder 2"/>
+          <p:cNvSpPr>
+            <a:spLocks noGrp="1"/>
+          </p:cNvSpPr>
+          <p:nvPr>
+            <p:ph idx="1"/>
+          </p:nvPr>
+        </p:nvSpPr>
+        <p:spPr>
+          <a:xfrm>
+            <a:off x="838200" y="1825625"/>
+            <a:ext cx="10515600" cy="4822310"/>
+          </a:xfrm>
+        </p:spPr>
+        <p:txBody>
+          <a:bodyPr>
+            <a:normAutofit/>
+          </a:bodyPr>
+          <a:lstStyle/>
+          <a:p>
+            <a:pPr>
+              <a:lnSpc>
+                <a:spcPct val="150000"/>
+              </a:lnSpc>
+            </a:pPr>
+            <a:r>
+              <a:rPr lang="en-US" altLang="zh-CN" dirty="0" smtClean="0"/>
+              <a:t>Don’t miss any good weather Thursday afternoons or nights, as ride demands would soar and average tip peak at 22.7%.</a:t>
+            </a:r>
+          </a:p>
+          <a:p>
+            <a:pPr>
+              <a:lnSpc>
+                <a:spcPct val="150000"/>
+              </a:lnSpc>
+            </a:pPr>
+            <a:r>
+              <a:rPr lang="en-US" altLang="zh-CN" dirty="0"/>
+              <a:t>A</a:t>
+            </a:r>
+            <a:r>
+              <a:rPr lang="en-US" altLang="zh-CN" dirty="0" smtClean="0"/>
+              <a:t> trip cannot be worse if starting from Brooklyn to Nassau </a:t>
+            </a:r>
+            <a:r>
+              <a:rPr lang="en-US" altLang="zh-CN" dirty="0"/>
+              <a:t>or Westchester </a:t>
+            </a:r>
+            <a:r>
+              <a:rPr lang="en-US" altLang="zh-CN" dirty="0" smtClean="0"/>
+              <a:t>as it would last long which lead to low financial efficiency, over 25% of probability the passenger would refuse to tip and highly likely you would drive back with vacant cab since few ride demands there.</a:t>
+            </a:r>
+          </a:p>
+          <a:p>
+            <a:pPr>
+              <a:lnSpc>
+                <a:spcPct val="150000"/>
+              </a:lnSpc>
+            </a:pPr>
+            <a:endParaRPr lang="en-US" altLang="zh-CN" dirty="0" smtClean="0"/>
+          </a:p>
+          <a:p>
+            <a:pPr>
+              <a:lnSpc>
+                <a:spcPct val="150000"/>
+              </a:lnSpc>
+            </a:pPr>
+            <a:endParaRPr lang="en-US" dirty="0"/>
+          </a:p>
+        </p:txBody>
+      </p:sp>
+      <p:sp>
+        <p:nvSpPr>
+          <p:cNvPr id="4" name="Rectangle 1"/>
+          <p:cNvSpPr>
+            <a:spLocks noChangeArrowheads="1"/>
+          </p:cNvSpPr>
+          <p:nvPr/>
+        </p:nvSpPr>
+        <p:spPr bwMode="auto">
+          <a:xfrm>
+            <a:off x="0" y="43934"/>
+            <a:ext cx="184731" cy="369332"/>
+          </a:xfrm>
+          <a:prstGeom prst="rect">
+            <a:avLst/>
+          </a:prstGeom>
+          <a:solidFill>
+            <a:srgbClr val="FFFFFF"/>
+          </a:solidFill>
+          <a:ln>
+            <a:noFill/>
+          </a:ln>
+          <a:effectLst/>
+          <a:extLst>
+            <a:ext uri="{91240B29-F687-4F45-9708-019B960494DF}">
+              <a14:hiddenLine xmlns:a14="http://schemas.microsoft.com/office/drawing/2010/main" w="9525">
+                <a:solidFill>
+                  <a:schemeClr val="tx1"/>
+                </a:solidFill>
+                <a:miter lim="800000"/>
+                <a:headEnd/>
+                <a:tailEnd/>
+              </a14:hiddenLine>
+            </a:ext>
+            <a:ext uri="{AF507438-7753-43E0-B8FC-AC1667EBCBE1}">
+              <a14:hiddenEffects xmlns:a14="http://schemas.microsoft.com/office/drawing/2010/main">
+                <a:effectLst>
+                  <a:outerShdw dist="35921" dir="2700000" algn="ctr" rotWithShape="0">
+                    <a:schemeClr val="bg2"/>
+                  </a:outerShdw>
+                </a:effectLst>
+              </a14:hiddenEffects>
+            </a:ext>
+          </a:extLst>
+        </p:spPr>
+        <p:txBody>
+          <a:bodyPr vert="horz" wrap="none" lIns="91440" tIns="45720" rIns="91440" bIns="45720" numCol="1" anchor="ctr" anchorCtr="0" compatLnSpc="1">
+            <a:prstTxWarp prst="textNoShape">
+              <a:avLst/>
+            </a:prstTxWarp>
+            <a:spAutoFit/>
+          </a:bodyPr>
+          <a:lstStyle/>
+          <a:p>
+            <a:pPr marL="0" marR="0" lvl="0" indent="0" algn="l" defTabSz="914400" rtl="0" eaLnBrk="0" fontAlgn="base" latinLnBrk="0" hangingPunct="0">
+              <a:lnSpc>
+                <a:spcPct val="100000"/>
+              </a:lnSpc>
+              <a:spcBef>
+                <a:spcPct val="0"/>
+              </a:spcBef>
+              <a:spcAft>
+                <a:spcPct val="0"/>
+              </a:spcAft>
+              <a:buClrTx/>
+              <a:buSzTx/>
+              <a:buFontTx/>
+              <a:buNone/>
+              <a:tabLst/>
+            </a:pPr>
+            <a:endParaRPr kumimoji="0" lang="en-US" sz="1800" b="0" i="0" u="none" strike="noStrike" cap="none" normalizeH="0" baseline="0" dirty="0" smtClean="0">
+              <a:ln>
+                <a:noFill/>
+              </a:ln>
+              <a:solidFill>
+                <a:schemeClr val="tx1"/>
+              </a:solidFill>
+              <a:effectLst/>
+              <a:latin typeface="Arial" panose="020B0604020202020204" pitchFamily="34" charset="0"/>
+            </a:endParaRPr>
+          </a:p>
+        </p:txBody>
+      </p:sp>
+    </p:spTree>
+    <p:extLst>
+      <p:ext uri="{BB962C8B-B14F-4D97-AF65-F5344CB8AC3E}">
+        <p14:creationId xmlns:p14="http://schemas.microsoft.com/office/powerpoint/2010/main" val="3521608260"/>
       </p:ext>
     </p:extLst>
   </p:cSld>
@@ -18168,7 +19494,7 @@
         </p:spPr>
         <p:txBody>
           <a:bodyPr>
-            <a:normAutofit/>
+            <a:normAutofit lnSpcReduction="10000"/>
           </a:bodyPr>
           <a:lstStyle/>
           <a:p>
@@ -18217,7 +19543,11 @@
             </a:pPr>
             <a:r>
               <a:rPr lang="en-US" dirty="0" smtClean="0"/>
-              <a:t>Exploratory data analysis/social network analysis/predictive modeling</a:t>
+              <a:t>Statistical analysis/visualization/social </a:t>
+            </a:r>
+            <a:r>
+              <a:rPr lang="en-US" dirty="0" smtClean="0"/>
+              <a:t>network analysis/predictive modeling</a:t>
             </a:r>
           </a:p>
           <a:p>
